--- a/E1/Esercitazione 1.pptx
+++ b/E1/Esercitazione 1.pptx
@@ -12,21 +12,12 @@
     <p:sldId id="261" r:id="rId6"/>
     <p:sldId id="269" r:id="rId7"/>
     <p:sldId id="273" r:id="rId8"/>
-    <p:sldId id="274" r:id="rId9"/>
-    <p:sldId id="275" r:id="rId10"/>
-    <p:sldId id="276" r:id="rId11"/>
-    <p:sldId id="277" r:id="rId12"/>
-    <p:sldId id="278" r:id="rId13"/>
-    <p:sldId id="272" r:id="rId14"/>
-    <p:sldId id="265" r:id="rId15"/>
-    <p:sldId id="271" r:id="rId16"/>
-    <p:sldId id="279" r:id="rId17"/>
-    <p:sldId id="280" r:id="rId18"/>
-    <p:sldId id="282" r:id="rId19"/>
-    <p:sldId id="281" r:id="rId20"/>
-    <p:sldId id="283" r:id="rId21"/>
-    <p:sldId id="284" r:id="rId22"/>
-    <p:sldId id="285" r:id="rId23"/>
+    <p:sldId id="275" r:id="rId9"/>
+    <p:sldId id="276" r:id="rId10"/>
+    <p:sldId id="271" r:id="rId11"/>
+    <p:sldId id="279" r:id="rId12"/>
+    <p:sldId id="286" r:id="rId13"/>
+    <p:sldId id="287" r:id="rId14"/>
   </p:sldIdLst>
   <p:sldSz cx="12192000" cy="6858000"/>
   <p:notesSz cx="6858000" cy="9144000"/>
@@ -145,21 +136,12 @@
             <p14:sldId id="261"/>
             <p14:sldId id="269"/>
             <p14:sldId id="273"/>
-            <p14:sldId id="274"/>
             <p14:sldId id="275"/>
             <p14:sldId id="276"/>
-            <p14:sldId id="277"/>
-            <p14:sldId id="278"/>
-            <p14:sldId id="272"/>
-            <p14:sldId id="265"/>
             <p14:sldId id="271"/>
             <p14:sldId id="279"/>
-            <p14:sldId id="280"/>
-            <p14:sldId id="282"/>
-            <p14:sldId id="281"/>
-            <p14:sldId id="283"/>
-            <p14:sldId id="284"/>
-            <p14:sldId id="285"/>
+            <p14:sldId id="286"/>
+            <p14:sldId id="287"/>
           </p14:sldIdLst>
         </p14:section>
       </p14:sectionLst>
@@ -181,6 +163,195 @@
 
 <file path=ppt/changesInfos/changesInfo1.xml><?xml version="1.0" encoding="utf-8"?>
 <pc:chgInfo xmlns:a="http://schemas.openxmlformats.org/drawingml/2006/main" xmlns:r="http://schemas.openxmlformats.org/officeDocument/2006/relationships" xmlns:ac="http://schemas.microsoft.com/office/drawing/2013/main/command" xmlns:pc="http://schemas.microsoft.com/office/powerpoint/2013/main/command">
+  <pc:docChgLst>
+    <pc:chgData name="francesco scavello" userId="88dd6d613a4d9c43" providerId="LiveId" clId="{BB16C01B-8D23-4711-9E49-3A8AA46A2545}"/>
+    <pc:docChg chg="undo custSel modSld">
+      <pc:chgData name="francesco scavello" userId="88dd6d613a4d9c43" providerId="LiveId" clId="{BB16C01B-8D23-4711-9E49-3A8AA46A2545}" dt="2020-10-07T15:13:46.974" v="215" actId="20577"/>
+      <pc:docMkLst>
+        <pc:docMk/>
+      </pc:docMkLst>
+      <pc:sldChg chg="modSp">
+        <pc:chgData name="francesco scavello" userId="88dd6d613a4d9c43" providerId="LiveId" clId="{BB16C01B-8D23-4711-9E49-3A8AA46A2545}" dt="2020-10-07T15:13:46.974" v="215" actId="20577"/>
+        <pc:sldMkLst>
+          <pc:docMk/>
+          <pc:sldMk cId="1765973840" sldId="258"/>
+        </pc:sldMkLst>
+        <pc:graphicFrameChg chg="mod">
+          <ac:chgData name="francesco scavello" userId="88dd6d613a4d9c43" providerId="LiveId" clId="{BB16C01B-8D23-4711-9E49-3A8AA46A2545}" dt="2020-10-07T15:13:46.974" v="215" actId="20577"/>
+          <ac:graphicFrameMkLst>
+            <pc:docMk/>
+            <pc:sldMk cId="1765973840" sldId="258"/>
+            <ac:graphicFrameMk id="15" creationId="{9803AE57-A4A2-4EF9-A189-32D38D886553}"/>
+          </ac:graphicFrameMkLst>
+        </pc:graphicFrameChg>
+      </pc:sldChg>
+      <pc:sldChg chg="addSp delSp modSp mod setBg">
+        <pc:chgData name="francesco scavello" userId="88dd6d613a4d9c43" providerId="LiveId" clId="{BB16C01B-8D23-4711-9E49-3A8AA46A2545}" dt="2020-10-07T14:58:07.772" v="31" actId="22"/>
+        <pc:sldMkLst>
+          <pc:docMk/>
+          <pc:sldMk cId="2297199319" sldId="263"/>
+        </pc:sldMkLst>
+        <pc:spChg chg="mod">
+          <ac:chgData name="francesco scavello" userId="88dd6d613a4d9c43" providerId="LiveId" clId="{BB16C01B-8D23-4711-9E49-3A8AA46A2545}" dt="2020-10-07T14:57:34.898" v="19" actId="26606"/>
+          <ac:spMkLst>
+            <pc:docMk/>
+            <pc:sldMk cId="2297199319" sldId="263"/>
+            <ac:spMk id="2" creationId="{458B4685-22A5-49E3-817B-24701DA4FDAD}"/>
+          </ac:spMkLst>
+        </pc:spChg>
+        <pc:spChg chg="add del">
+          <ac:chgData name="francesco scavello" userId="88dd6d613a4d9c43" providerId="LiveId" clId="{BB16C01B-8D23-4711-9E49-3A8AA46A2545}" dt="2020-10-07T14:56:24.977" v="10" actId="26606"/>
+          <ac:spMkLst>
+            <pc:docMk/>
+            <pc:sldMk cId="2297199319" sldId="263"/>
+            <ac:spMk id="12" creationId="{CE0ED340-F19A-4EE0-A2D8-7559368ADDE6}"/>
+          </ac:spMkLst>
+        </pc:spChg>
+        <pc:spChg chg="add del">
+          <ac:chgData name="francesco scavello" userId="88dd6d613a4d9c43" providerId="LiveId" clId="{BB16C01B-8D23-4711-9E49-3A8AA46A2545}" dt="2020-10-07T14:57:34.898" v="19" actId="26606"/>
+          <ac:spMkLst>
+            <pc:docMk/>
+            <pc:sldMk cId="2297199319" sldId="263"/>
+            <ac:spMk id="16" creationId="{CE0ED340-F19A-4EE0-A2D8-7559368ADDE6}"/>
+          </ac:spMkLst>
+        </pc:spChg>
+        <pc:picChg chg="add del mod ord">
+          <ac:chgData name="francesco scavello" userId="88dd6d613a4d9c43" providerId="LiveId" clId="{BB16C01B-8D23-4711-9E49-3A8AA46A2545}" dt="2020-10-07T14:56:25.821" v="11" actId="22"/>
+          <ac:picMkLst>
+            <pc:docMk/>
+            <pc:sldMk cId="2297199319" sldId="263"/>
+            <ac:picMk id="3" creationId="{8C1A86FC-1948-4B5F-A9E3-6D65C0CBDADF}"/>
+          </ac:picMkLst>
+        </pc:picChg>
+        <pc:picChg chg="add del mod">
+          <ac:chgData name="francesco scavello" userId="88dd6d613a4d9c43" providerId="LiveId" clId="{BB16C01B-8D23-4711-9E49-3A8AA46A2545}" dt="2020-10-07T14:56:25.821" v="11" actId="22"/>
+          <ac:picMkLst>
+            <pc:docMk/>
+            <pc:sldMk cId="2297199319" sldId="263"/>
+            <ac:picMk id="5" creationId="{F7972FAA-61F9-4179-9E74-15EDDE06A9EC}"/>
+          </ac:picMkLst>
+        </pc:picChg>
+        <pc:picChg chg="del mod">
+          <ac:chgData name="francesco scavello" userId="88dd6d613a4d9c43" providerId="LiveId" clId="{BB16C01B-8D23-4711-9E49-3A8AA46A2545}" dt="2020-10-07T14:55:56.219" v="7" actId="478"/>
+          <ac:picMkLst>
+            <pc:docMk/>
+            <pc:sldMk cId="2297199319" sldId="263"/>
+            <ac:picMk id="6" creationId="{5C753B64-3297-4D72-A7A3-9BF68482D33A}"/>
+          </ac:picMkLst>
+        </pc:picChg>
+        <pc:picChg chg="add del mod ord">
+          <ac:chgData name="francesco scavello" userId="88dd6d613a4d9c43" providerId="LiveId" clId="{BB16C01B-8D23-4711-9E49-3A8AA46A2545}" dt="2020-10-07T14:58:07.772" v="31" actId="22"/>
+          <ac:picMkLst>
+            <pc:docMk/>
+            <pc:sldMk cId="2297199319" sldId="263"/>
+            <ac:picMk id="8" creationId="{931D7982-4BD2-488C-BD33-1BC9E28CA28B}"/>
+          </ac:picMkLst>
+        </pc:picChg>
+        <pc:picChg chg="add del mod">
+          <ac:chgData name="francesco scavello" userId="88dd6d613a4d9c43" providerId="LiveId" clId="{BB16C01B-8D23-4711-9E49-3A8AA46A2545}" dt="2020-10-07T14:58:06.913" v="30" actId="22"/>
+          <ac:picMkLst>
+            <pc:docMk/>
+            <pc:sldMk cId="2297199319" sldId="263"/>
+            <ac:picMk id="9" creationId="{A32FB68D-8152-4029-8F92-6BCC15BAB15B}"/>
+          </ac:picMkLst>
+        </pc:picChg>
+        <pc:picChg chg="add del">
+          <ac:chgData name="francesco scavello" userId="88dd6d613a4d9c43" providerId="LiveId" clId="{BB16C01B-8D23-4711-9E49-3A8AA46A2545}" dt="2020-10-07T14:56:24.977" v="10" actId="26606"/>
+          <ac:picMkLst>
+            <pc:docMk/>
+            <pc:sldMk cId="2297199319" sldId="263"/>
+            <ac:picMk id="10" creationId="{8EE47595-753C-4DAE-B57E-20F1CFEDE16A}"/>
+          </ac:picMkLst>
+        </pc:picChg>
+        <pc:picChg chg="add del">
+          <ac:chgData name="francesco scavello" userId="88dd6d613a4d9c43" providerId="LiveId" clId="{BB16C01B-8D23-4711-9E49-3A8AA46A2545}" dt="2020-10-07T14:57:34.898" v="19" actId="26606"/>
+          <ac:picMkLst>
+            <pc:docMk/>
+            <pc:sldMk cId="2297199319" sldId="263"/>
+            <ac:picMk id="14" creationId="{8EE47595-753C-4DAE-B57E-20F1CFEDE16A}"/>
+          </ac:picMkLst>
+        </pc:picChg>
+      </pc:sldChg>
+      <pc:sldChg chg="delSp modSp mod">
+        <pc:chgData name="francesco scavello" userId="88dd6d613a4d9c43" providerId="LiveId" clId="{BB16C01B-8D23-4711-9E49-3A8AA46A2545}" dt="2020-10-07T14:55:28.979" v="5"/>
+        <pc:sldMkLst>
+          <pc:docMk/>
+          <pc:sldMk cId="3799572426" sldId="264"/>
+        </pc:sldMkLst>
+        <pc:spChg chg="del mod">
+          <ac:chgData name="francesco scavello" userId="88dd6d613a4d9c43" providerId="LiveId" clId="{BB16C01B-8D23-4711-9E49-3A8AA46A2545}" dt="2020-10-07T14:55:28.979" v="5"/>
+          <ac:spMkLst>
+            <pc:docMk/>
+            <pc:sldMk cId="3799572426" sldId="264"/>
+            <ac:spMk id="3" creationId="{89D2B2BE-4EAF-4365-9AEF-064C2A2D1852}"/>
+          </ac:spMkLst>
+        </pc:spChg>
+      </pc:sldChg>
+      <pc:sldChg chg="addSp delSp modSp mod setBg modClrScheme delDesignElem chgLayout">
+        <pc:chgData name="francesco scavello" userId="88dd6d613a4d9c43" providerId="LiveId" clId="{BB16C01B-8D23-4711-9E49-3A8AA46A2545}" dt="2020-10-07T15:07:37.347" v="214" actId="255"/>
+        <pc:sldMkLst>
+          <pc:docMk/>
+          <pc:sldMk cId="3020919706" sldId="265"/>
+        </pc:sldMkLst>
+        <pc:spChg chg="mod ord">
+          <ac:chgData name="francesco scavello" userId="88dd6d613a4d9c43" providerId="LiveId" clId="{BB16C01B-8D23-4711-9E49-3A8AA46A2545}" dt="2020-10-07T15:07:23.396" v="212" actId="255"/>
+          <ac:spMkLst>
+            <pc:docMk/>
+            <pc:sldMk cId="3020919706" sldId="265"/>
+            <ac:spMk id="2" creationId="{1DE5DE4C-4E20-43B0-A130-A3878E3637B2}"/>
+          </ac:spMkLst>
+        </pc:spChg>
+        <pc:spChg chg="del mod">
+          <ac:chgData name="francesco scavello" userId="88dd6d613a4d9c43" providerId="LiveId" clId="{BB16C01B-8D23-4711-9E49-3A8AA46A2545}" dt="2020-10-07T14:55:24.004" v="2"/>
+          <ac:spMkLst>
+            <pc:docMk/>
+            <pc:sldMk cId="3020919706" sldId="265"/>
+            <ac:spMk id="3" creationId="{0F44477F-97B4-422A-92E3-0B08132829A0}"/>
+          </ac:spMkLst>
+        </pc:spChg>
+        <pc:spChg chg="add del mod">
+          <ac:chgData name="francesco scavello" userId="88dd6d613a4d9c43" providerId="LiveId" clId="{BB16C01B-8D23-4711-9E49-3A8AA46A2545}" dt="2020-10-07T15:02:53.071" v="32"/>
+          <ac:spMkLst>
+            <pc:docMk/>
+            <pc:sldMk cId="3020919706" sldId="265"/>
+            <ac:spMk id="4" creationId="{2395A513-5979-4CD0-9146-6610F232890D}"/>
+          </ac:spMkLst>
+        </pc:spChg>
+        <pc:spChg chg="add mod ord">
+          <ac:chgData name="francesco scavello" userId="88dd6d613a4d9c43" providerId="LiveId" clId="{BB16C01B-8D23-4711-9E49-3A8AA46A2545}" dt="2020-10-07T15:07:33.444" v="213" actId="255"/>
+          <ac:spMkLst>
+            <pc:docMk/>
+            <pc:sldMk cId="3020919706" sldId="265"/>
+            <ac:spMk id="5" creationId="{710333A3-B884-4960-BB1C-82811B257BF6}"/>
+          </ac:spMkLst>
+        </pc:spChg>
+        <pc:spChg chg="add mod ord">
+          <ac:chgData name="francesco scavello" userId="88dd6d613a4d9c43" providerId="LiveId" clId="{BB16C01B-8D23-4711-9E49-3A8AA46A2545}" dt="2020-10-07T15:07:37.347" v="214" actId="255"/>
+          <ac:spMkLst>
+            <pc:docMk/>
+            <pc:sldMk cId="3020919706" sldId="265"/>
+            <ac:spMk id="6" creationId="{AB260758-ED19-4F3D-A104-38633F39559C}"/>
+          </ac:spMkLst>
+        </pc:spChg>
+        <pc:spChg chg="add del">
+          <ac:chgData name="francesco scavello" userId="88dd6d613a4d9c43" providerId="LiveId" clId="{BB16C01B-8D23-4711-9E49-3A8AA46A2545}" dt="2020-10-07T15:06:42.485" v="205" actId="700"/>
+          <ac:spMkLst>
+            <pc:docMk/>
+            <pc:sldMk cId="3020919706" sldId="265"/>
+            <ac:spMk id="10" creationId="{9A6C2C86-63BF-47D5-AA3F-905111A238E2}"/>
+          </ac:spMkLst>
+        </pc:spChg>
+        <pc:cxnChg chg="add del">
+          <ac:chgData name="francesco scavello" userId="88dd6d613a4d9c43" providerId="LiveId" clId="{BB16C01B-8D23-4711-9E49-3A8AA46A2545}" dt="2020-10-07T15:06:42.485" v="205" actId="700"/>
+          <ac:cxnSpMkLst>
+            <pc:docMk/>
+            <pc:sldMk cId="3020919706" sldId="265"/>
+            <ac:cxnSpMk id="12" creationId="{425A0768-3044-4AA9-A889-D2CAA68C517A}"/>
+          </ac:cxnSpMkLst>
+        </pc:cxnChg>
+      </pc:sldChg>
+    </pc:docChg>
+  </pc:docChgLst>
   <pc:docChgLst>
     <pc:chgData name="francesco scavello" userId="88dd6d613a4d9c43" providerId="LiveId" clId="{3C119ACF-4D67-494C-AA54-419D592FF9F4}"/>
     <pc:docChg chg="undo custSel mod addSld delSld modSld modSection">
@@ -951,195 +1122,6 @@
             <ac:picMk id="13" creationId="{16FEE966-4C66-49A2-9528-AFC500F50305}"/>
           </ac:picMkLst>
         </pc:picChg>
-      </pc:sldChg>
-    </pc:docChg>
-  </pc:docChgLst>
-  <pc:docChgLst>
-    <pc:chgData name="francesco scavello" userId="88dd6d613a4d9c43" providerId="LiveId" clId="{BB16C01B-8D23-4711-9E49-3A8AA46A2545}"/>
-    <pc:docChg chg="undo custSel modSld">
-      <pc:chgData name="francesco scavello" userId="88dd6d613a4d9c43" providerId="LiveId" clId="{BB16C01B-8D23-4711-9E49-3A8AA46A2545}" dt="2020-10-07T15:13:46.974" v="215" actId="20577"/>
-      <pc:docMkLst>
-        <pc:docMk/>
-      </pc:docMkLst>
-      <pc:sldChg chg="modSp">
-        <pc:chgData name="francesco scavello" userId="88dd6d613a4d9c43" providerId="LiveId" clId="{BB16C01B-8D23-4711-9E49-3A8AA46A2545}" dt="2020-10-07T15:13:46.974" v="215" actId="20577"/>
-        <pc:sldMkLst>
-          <pc:docMk/>
-          <pc:sldMk cId="1765973840" sldId="258"/>
-        </pc:sldMkLst>
-        <pc:graphicFrameChg chg="mod">
-          <ac:chgData name="francesco scavello" userId="88dd6d613a4d9c43" providerId="LiveId" clId="{BB16C01B-8D23-4711-9E49-3A8AA46A2545}" dt="2020-10-07T15:13:46.974" v="215" actId="20577"/>
-          <ac:graphicFrameMkLst>
-            <pc:docMk/>
-            <pc:sldMk cId="1765973840" sldId="258"/>
-            <ac:graphicFrameMk id="15" creationId="{9803AE57-A4A2-4EF9-A189-32D38D886553}"/>
-          </ac:graphicFrameMkLst>
-        </pc:graphicFrameChg>
-      </pc:sldChg>
-      <pc:sldChg chg="addSp delSp modSp mod setBg">
-        <pc:chgData name="francesco scavello" userId="88dd6d613a4d9c43" providerId="LiveId" clId="{BB16C01B-8D23-4711-9E49-3A8AA46A2545}" dt="2020-10-07T14:58:07.772" v="31" actId="22"/>
-        <pc:sldMkLst>
-          <pc:docMk/>
-          <pc:sldMk cId="2297199319" sldId="263"/>
-        </pc:sldMkLst>
-        <pc:spChg chg="mod">
-          <ac:chgData name="francesco scavello" userId="88dd6d613a4d9c43" providerId="LiveId" clId="{BB16C01B-8D23-4711-9E49-3A8AA46A2545}" dt="2020-10-07T14:57:34.898" v="19" actId="26606"/>
-          <ac:spMkLst>
-            <pc:docMk/>
-            <pc:sldMk cId="2297199319" sldId="263"/>
-            <ac:spMk id="2" creationId="{458B4685-22A5-49E3-817B-24701DA4FDAD}"/>
-          </ac:spMkLst>
-        </pc:spChg>
-        <pc:spChg chg="add del">
-          <ac:chgData name="francesco scavello" userId="88dd6d613a4d9c43" providerId="LiveId" clId="{BB16C01B-8D23-4711-9E49-3A8AA46A2545}" dt="2020-10-07T14:56:24.977" v="10" actId="26606"/>
-          <ac:spMkLst>
-            <pc:docMk/>
-            <pc:sldMk cId="2297199319" sldId="263"/>
-            <ac:spMk id="12" creationId="{CE0ED340-F19A-4EE0-A2D8-7559368ADDE6}"/>
-          </ac:spMkLst>
-        </pc:spChg>
-        <pc:spChg chg="add del">
-          <ac:chgData name="francesco scavello" userId="88dd6d613a4d9c43" providerId="LiveId" clId="{BB16C01B-8D23-4711-9E49-3A8AA46A2545}" dt="2020-10-07T14:57:34.898" v="19" actId="26606"/>
-          <ac:spMkLst>
-            <pc:docMk/>
-            <pc:sldMk cId="2297199319" sldId="263"/>
-            <ac:spMk id="16" creationId="{CE0ED340-F19A-4EE0-A2D8-7559368ADDE6}"/>
-          </ac:spMkLst>
-        </pc:spChg>
-        <pc:picChg chg="add del mod ord">
-          <ac:chgData name="francesco scavello" userId="88dd6d613a4d9c43" providerId="LiveId" clId="{BB16C01B-8D23-4711-9E49-3A8AA46A2545}" dt="2020-10-07T14:56:25.821" v="11" actId="22"/>
-          <ac:picMkLst>
-            <pc:docMk/>
-            <pc:sldMk cId="2297199319" sldId="263"/>
-            <ac:picMk id="3" creationId="{8C1A86FC-1948-4B5F-A9E3-6D65C0CBDADF}"/>
-          </ac:picMkLst>
-        </pc:picChg>
-        <pc:picChg chg="add del mod">
-          <ac:chgData name="francesco scavello" userId="88dd6d613a4d9c43" providerId="LiveId" clId="{BB16C01B-8D23-4711-9E49-3A8AA46A2545}" dt="2020-10-07T14:56:25.821" v="11" actId="22"/>
-          <ac:picMkLst>
-            <pc:docMk/>
-            <pc:sldMk cId="2297199319" sldId="263"/>
-            <ac:picMk id="5" creationId="{F7972FAA-61F9-4179-9E74-15EDDE06A9EC}"/>
-          </ac:picMkLst>
-        </pc:picChg>
-        <pc:picChg chg="del mod">
-          <ac:chgData name="francesco scavello" userId="88dd6d613a4d9c43" providerId="LiveId" clId="{BB16C01B-8D23-4711-9E49-3A8AA46A2545}" dt="2020-10-07T14:55:56.219" v="7" actId="478"/>
-          <ac:picMkLst>
-            <pc:docMk/>
-            <pc:sldMk cId="2297199319" sldId="263"/>
-            <ac:picMk id="6" creationId="{5C753B64-3297-4D72-A7A3-9BF68482D33A}"/>
-          </ac:picMkLst>
-        </pc:picChg>
-        <pc:picChg chg="add del mod ord">
-          <ac:chgData name="francesco scavello" userId="88dd6d613a4d9c43" providerId="LiveId" clId="{BB16C01B-8D23-4711-9E49-3A8AA46A2545}" dt="2020-10-07T14:58:07.772" v="31" actId="22"/>
-          <ac:picMkLst>
-            <pc:docMk/>
-            <pc:sldMk cId="2297199319" sldId="263"/>
-            <ac:picMk id="8" creationId="{931D7982-4BD2-488C-BD33-1BC9E28CA28B}"/>
-          </ac:picMkLst>
-        </pc:picChg>
-        <pc:picChg chg="add del mod">
-          <ac:chgData name="francesco scavello" userId="88dd6d613a4d9c43" providerId="LiveId" clId="{BB16C01B-8D23-4711-9E49-3A8AA46A2545}" dt="2020-10-07T14:58:06.913" v="30" actId="22"/>
-          <ac:picMkLst>
-            <pc:docMk/>
-            <pc:sldMk cId="2297199319" sldId="263"/>
-            <ac:picMk id="9" creationId="{A32FB68D-8152-4029-8F92-6BCC15BAB15B}"/>
-          </ac:picMkLst>
-        </pc:picChg>
-        <pc:picChg chg="add del">
-          <ac:chgData name="francesco scavello" userId="88dd6d613a4d9c43" providerId="LiveId" clId="{BB16C01B-8D23-4711-9E49-3A8AA46A2545}" dt="2020-10-07T14:56:24.977" v="10" actId="26606"/>
-          <ac:picMkLst>
-            <pc:docMk/>
-            <pc:sldMk cId="2297199319" sldId="263"/>
-            <ac:picMk id="10" creationId="{8EE47595-753C-4DAE-B57E-20F1CFEDE16A}"/>
-          </ac:picMkLst>
-        </pc:picChg>
-        <pc:picChg chg="add del">
-          <ac:chgData name="francesco scavello" userId="88dd6d613a4d9c43" providerId="LiveId" clId="{BB16C01B-8D23-4711-9E49-3A8AA46A2545}" dt="2020-10-07T14:57:34.898" v="19" actId="26606"/>
-          <ac:picMkLst>
-            <pc:docMk/>
-            <pc:sldMk cId="2297199319" sldId="263"/>
-            <ac:picMk id="14" creationId="{8EE47595-753C-4DAE-B57E-20F1CFEDE16A}"/>
-          </ac:picMkLst>
-        </pc:picChg>
-      </pc:sldChg>
-      <pc:sldChg chg="delSp modSp mod">
-        <pc:chgData name="francesco scavello" userId="88dd6d613a4d9c43" providerId="LiveId" clId="{BB16C01B-8D23-4711-9E49-3A8AA46A2545}" dt="2020-10-07T14:55:28.979" v="5"/>
-        <pc:sldMkLst>
-          <pc:docMk/>
-          <pc:sldMk cId="3799572426" sldId="264"/>
-        </pc:sldMkLst>
-        <pc:spChg chg="del mod">
-          <ac:chgData name="francesco scavello" userId="88dd6d613a4d9c43" providerId="LiveId" clId="{BB16C01B-8D23-4711-9E49-3A8AA46A2545}" dt="2020-10-07T14:55:28.979" v="5"/>
-          <ac:spMkLst>
-            <pc:docMk/>
-            <pc:sldMk cId="3799572426" sldId="264"/>
-            <ac:spMk id="3" creationId="{89D2B2BE-4EAF-4365-9AEF-064C2A2D1852}"/>
-          </ac:spMkLst>
-        </pc:spChg>
-      </pc:sldChg>
-      <pc:sldChg chg="addSp delSp modSp mod setBg modClrScheme delDesignElem chgLayout">
-        <pc:chgData name="francesco scavello" userId="88dd6d613a4d9c43" providerId="LiveId" clId="{BB16C01B-8D23-4711-9E49-3A8AA46A2545}" dt="2020-10-07T15:07:37.347" v="214" actId="255"/>
-        <pc:sldMkLst>
-          <pc:docMk/>
-          <pc:sldMk cId="3020919706" sldId="265"/>
-        </pc:sldMkLst>
-        <pc:spChg chg="mod ord">
-          <ac:chgData name="francesco scavello" userId="88dd6d613a4d9c43" providerId="LiveId" clId="{BB16C01B-8D23-4711-9E49-3A8AA46A2545}" dt="2020-10-07T15:07:23.396" v="212" actId="255"/>
-          <ac:spMkLst>
-            <pc:docMk/>
-            <pc:sldMk cId="3020919706" sldId="265"/>
-            <ac:spMk id="2" creationId="{1DE5DE4C-4E20-43B0-A130-A3878E3637B2}"/>
-          </ac:spMkLst>
-        </pc:spChg>
-        <pc:spChg chg="del mod">
-          <ac:chgData name="francesco scavello" userId="88dd6d613a4d9c43" providerId="LiveId" clId="{BB16C01B-8D23-4711-9E49-3A8AA46A2545}" dt="2020-10-07T14:55:24.004" v="2"/>
-          <ac:spMkLst>
-            <pc:docMk/>
-            <pc:sldMk cId="3020919706" sldId="265"/>
-            <ac:spMk id="3" creationId="{0F44477F-97B4-422A-92E3-0B08132829A0}"/>
-          </ac:spMkLst>
-        </pc:spChg>
-        <pc:spChg chg="add del mod">
-          <ac:chgData name="francesco scavello" userId="88dd6d613a4d9c43" providerId="LiveId" clId="{BB16C01B-8D23-4711-9E49-3A8AA46A2545}" dt="2020-10-07T15:02:53.071" v="32"/>
-          <ac:spMkLst>
-            <pc:docMk/>
-            <pc:sldMk cId="3020919706" sldId="265"/>
-            <ac:spMk id="4" creationId="{2395A513-5979-4CD0-9146-6610F232890D}"/>
-          </ac:spMkLst>
-        </pc:spChg>
-        <pc:spChg chg="add mod ord">
-          <ac:chgData name="francesco scavello" userId="88dd6d613a4d9c43" providerId="LiveId" clId="{BB16C01B-8D23-4711-9E49-3A8AA46A2545}" dt="2020-10-07T15:07:33.444" v="213" actId="255"/>
-          <ac:spMkLst>
-            <pc:docMk/>
-            <pc:sldMk cId="3020919706" sldId="265"/>
-            <ac:spMk id="5" creationId="{710333A3-B884-4960-BB1C-82811B257BF6}"/>
-          </ac:spMkLst>
-        </pc:spChg>
-        <pc:spChg chg="add mod ord">
-          <ac:chgData name="francesco scavello" userId="88dd6d613a4d9c43" providerId="LiveId" clId="{BB16C01B-8D23-4711-9E49-3A8AA46A2545}" dt="2020-10-07T15:07:37.347" v="214" actId="255"/>
-          <ac:spMkLst>
-            <pc:docMk/>
-            <pc:sldMk cId="3020919706" sldId="265"/>
-            <ac:spMk id="6" creationId="{AB260758-ED19-4F3D-A104-38633F39559C}"/>
-          </ac:spMkLst>
-        </pc:spChg>
-        <pc:spChg chg="add del">
-          <ac:chgData name="francesco scavello" userId="88dd6d613a4d9c43" providerId="LiveId" clId="{BB16C01B-8D23-4711-9E49-3A8AA46A2545}" dt="2020-10-07T15:06:42.485" v="205" actId="700"/>
-          <ac:spMkLst>
-            <pc:docMk/>
-            <pc:sldMk cId="3020919706" sldId="265"/>
-            <ac:spMk id="10" creationId="{9A6C2C86-63BF-47D5-AA3F-905111A238E2}"/>
-          </ac:spMkLst>
-        </pc:spChg>
-        <pc:cxnChg chg="add del">
-          <ac:chgData name="francesco scavello" userId="88dd6d613a4d9c43" providerId="LiveId" clId="{BB16C01B-8D23-4711-9E49-3A8AA46A2545}" dt="2020-10-07T15:06:42.485" v="205" actId="700"/>
-          <ac:cxnSpMkLst>
-            <pc:docMk/>
-            <pc:sldMk cId="3020919706" sldId="265"/>
-            <ac:cxnSpMk id="12" creationId="{425A0768-3044-4AA9-A889-D2CAA68C517A}"/>
-          </ac:cxnSpMkLst>
-        </pc:cxnChg>
       </pc:sldChg>
     </pc:docChg>
   </pc:docChgLst>
@@ -4424,6 +4406,753 @@
 </file>
 
 <file path=ppt/diagrams/colors4.xml><?xml version="1.0" encoding="utf-8"?>
+<dgm:colorsDef xmlns:dgm="http://schemas.openxmlformats.org/drawingml/2006/diagram" xmlns:a="http://schemas.openxmlformats.org/drawingml/2006/main" uniqueId="urn:microsoft.com/office/officeart/2005/8/colors/accent1_2">
+  <dgm:title val=""/>
+  <dgm:desc val=""/>
+  <dgm:catLst>
+    <dgm:cat type="accent1" pri="11200"/>
+  </dgm:catLst>
+  <dgm:styleLbl name="node0">
+    <dgm:fillClrLst meth="repeat">
+      <a:schemeClr val="accent1"/>
+    </dgm:fillClrLst>
+    <dgm:linClrLst meth="repeat">
+      <a:schemeClr val="lt1"/>
+    </dgm:linClrLst>
+    <dgm:effectClrLst/>
+    <dgm:txLinClrLst/>
+    <dgm:txFillClrLst/>
+    <dgm:txEffectClrLst/>
+  </dgm:styleLbl>
+  <dgm:styleLbl name="alignNode1">
+    <dgm:fillClrLst meth="repeat">
+      <a:schemeClr val="accent1"/>
+    </dgm:fillClrLst>
+    <dgm:linClrLst meth="repeat">
+      <a:schemeClr val="accent1"/>
+    </dgm:linClrLst>
+    <dgm:effectClrLst/>
+    <dgm:txLinClrLst/>
+    <dgm:txFillClrLst/>
+    <dgm:txEffectClrLst/>
+  </dgm:styleLbl>
+  <dgm:styleLbl name="node1">
+    <dgm:fillClrLst meth="repeat">
+      <a:schemeClr val="accent1"/>
+    </dgm:fillClrLst>
+    <dgm:linClrLst meth="repeat">
+      <a:schemeClr val="lt1"/>
+    </dgm:linClrLst>
+    <dgm:effectClrLst/>
+    <dgm:txLinClrLst/>
+    <dgm:txFillClrLst/>
+    <dgm:txEffectClrLst/>
+  </dgm:styleLbl>
+  <dgm:styleLbl name="lnNode1">
+    <dgm:fillClrLst meth="repeat">
+      <a:schemeClr val="accent1"/>
+    </dgm:fillClrLst>
+    <dgm:linClrLst meth="repeat">
+      <a:schemeClr val="lt1"/>
+    </dgm:linClrLst>
+    <dgm:effectClrLst/>
+    <dgm:txLinClrLst/>
+    <dgm:txFillClrLst/>
+    <dgm:txEffectClrLst/>
+  </dgm:styleLbl>
+  <dgm:styleLbl name="vennNode1">
+    <dgm:fillClrLst meth="repeat">
+      <a:schemeClr val="accent1">
+        <a:alpha val="50000"/>
+      </a:schemeClr>
+    </dgm:fillClrLst>
+    <dgm:linClrLst meth="repeat">
+      <a:schemeClr val="lt1"/>
+    </dgm:linClrLst>
+    <dgm:effectClrLst/>
+    <dgm:txLinClrLst/>
+    <dgm:txFillClrLst/>
+    <dgm:txEffectClrLst/>
+  </dgm:styleLbl>
+  <dgm:styleLbl name="node2">
+    <dgm:fillClrLst meth="repeat">
+      <a:schemeClr val="accent1"/>
+    </dgm:fillClrLst>
+    <dgm:linClrLst meth="repeat">
+      <a:schemeClr val="lt1"/>
+    </dgm:linClrLst>
+    <dgm:effectClrLst/>
+    <dgm:txLinClrLst/>
+    <dgm:txFillClrLst/>
+    <dgm:txEffectClrLst/>
+  </dgm:styleLbl>
+  <dgm:styleLbl name="node3">
+    <dgm:fillClrLst meth="repeat">
+      <a:schemeClr val="accent1"/>
+    </dgm:fillClrLst>
+    <dgm:linClrLst meth="repeat">
+      <a:schemeClr val="lt1"/>
+    </dgm:linClrLst>
+    <dgm:effectClrLst/>
+    <dgm:txLinClrLst/>
+    <dgm:txFillClrLst/>
+    <dgm:txEffectClrLst/>
+  </dgm:styleLbl>
+  <dgm:styleLbl name="node4">
+    <dgm:fillClrLst meth="repeat">
+      <a:schemeClr val="accent1"/>
+    </dgm:fillClrLst>
+    <dgm:linClrLst meth="repeat">
+      <a:schemeClr val="lt1"/>
+    </dgm:linClrLst>
+    <dgm:effectClrLst/>
+    <dgm:txLinClrLst/>
+    <dgm:txFillClrLst/>
+    <dgm:txEffectClrLst/>
+  </dgm:styleLbl>
+  <dgm:styleLbl name="fgImgPlace1">
+    <dgm:fillClrLst meth="repeat">
+      <a:schemeClr val="accent1">
+        <a:tint val="50000"/>
+      </a:schemeClr>
+    </dgm:fillClrLst>
+    <dgm:linClrLst meth="repeat">
+      <a:schemeClr val="lt1"/>
+    </dgm:linClrLst>
+    <dgm:effectClrLst/>
+    <dgm:txLinClrLst/>
+    <dgm:txFillClrLst meth="repeat">
+      <a:schemeClr val="lt1"/>
+    </dgm:txFillClrLst>
+    <dgm:txEffectClrLst/>
+  </dgm:styleLbl>
+  <dgm:styleLbl name="alignImgPlace1">
+    <dgm:fillClrLst meth="repeat">
+      <a:schemeClr val="accent1">
+        <a:tint val="50000"/>
+      </a:schemeClr>
+    </dgm:fillClrLst>
+    <dgm:linClrLst meth="repeat">
+      <a:schemeClr val="lt1"/>
+    </dgm:linClrLst>
+    <dgm:effectClrLst/>
+    <dgm:txLinClrLst/>
+    <dgm:txFillClrLst meth="repeat">
+      <a:schemeClr val="lt1"/>
+    </dgm:txFillClrLst>
+    <dgm:txEffectClrLst/>
+  </dgm:styleLbl>
+  <dgm:styleLbl name="bgImgPlace1">
+    <dgm:fillClrLst meth="repeat">
+      <a:schemeClr val="accent1">
+        <a:tint val="50000"/>
+      </a:schemeClr>
+    </dgm:fillClrLst>
+    <dgm:linClrLst meth="repeat">
+      <a:schemeClr val="lt1"/>
+    </dgm:linClrLst>
+    <dgm:effectClrLst/>
+    <dgm:txLinClrLst/>
+    <dgm:txFillClrLst meth="repeat">
+      <a:schemeClr val="lt1"/>
+    </dgm:txFillClrLst>
+    <dgm:txEffectClrLst/>
+  </dgm:styleLbl>
+  <dgm:styleLbl name="sibTrans2D1">
+    <dgm:fillClrLst meth="repeat">
+      <a:schemeClr val="accent1">
+        <a:tint val="60000"/>
+      </a:schemeClr>
+    </dgm:fillClrLst>
+    <dgm:linClrLst meth="repeat">
+      <a:schemeClr val="accent1">
+        <a:tint val="60000"/>
+      </a:schemeClr>
+    </dgm:linClrLst>
+    <dgm:effectClrLst/>
+    <dgm:txLinClrLst/>
+    <dgm:txFillClrLst/>
+    <dgm:txEffectClrLst/>
+  </dgm:styleLbl>
+  <dgm:styleLbl name="fgSibTrans2D1">
+    <dgm:fillClrLst meth="repeat">
+      <a:schemeClr val="accent1">
+        <a:tint val="60000"/>
+      </a:schemeClr>
+    </dgm:fillClrLst>
+    <dgm:linClrLst meth="repeat">
+      <a:schemeClr val="accent1">
+        <a:tint val="60000"/>
+      </a:schemeClr>
+    </dgm:linClrLst>
+    <dgm:effectClrLst/>
+    <dgm:txLinClrLst/>
+    <dgm:txFillClrLst/>
+    <dgm:txEffectClrLst/>
+  </dgm:styleLbl>
+  <dgm:styleLbl name="bgSibTrans2D1">
+    <dgm:fillClrLst meth="repeat">
+      <a:schemeClr val="accent1">
+        <a:tint val="60000"/>
+      </a:schemeClr>
+    </dgm:fillClrLst>
+    <dgm:linClrLst meth="repeat">
+      <a:schemeClr val="accent1">
+        <a:tint val="60000"/>
+      </a:schemeClr>
+    </dgm:linClrLst>
+    <dgm:effectClrLst/>
+    <dgm:txLinClrLst/>
+    <dgm:txFillClrLst/>
+    <dgm:txEffectClrLst/>
+  </dgm:styleLbl>
+  <dgm:styleLbl name="sibTrans1D1">
+    <dgm:fillClrLst meth="repeat">
+      <a:schemeClr val="accent1"/>
+    </dgm:fillClrLst>
+    <dgm:linClrLst meth="repeat">
+      <a:schemeClr val="accent1"/>
+    </dgm:linClrLst>
+    <dgm:effectClrLst/>
+    <dgm:txLinClrLst/>
+    <dgm:txFillClrLst meth="repeat">
+      <a:schemeClr val="tx1"/>
+    </dgm:txFillClrLst>
+    <dgm:txEffectClrLst/>
+  </dgm:styleLbl>
+  <dgm:styleLbl name="callout">
+    <dgm:fillClrLst meth="repeat">
+      <a:schemeClr val="accent1"/>
+    </dgm:fillClrLst>
+    <dgm:linClrLst meth="repeat">
+      <a:schemeClr val="accent1">
+        <a:tint val="50000"/>
+      </a:schemeClr>
+    </dgm:linClrLst>
+    <dgm:effectClrLst/>
+    <dgm:txLinClrLst/>
+    <dgm:txFillClrLst meth="repeat">
+      <a:schemeClr val="tx1"/>
+    </dgm:txFillClrLst>
+    <dgm:txEffectClrLst/>
+  </dgm:styleLbl>
+  <dgm:styleLbl name="asst0">
+    <dgm:fillClrLst meth="repeat">
+      <a:schemeClr val="accent1"/>
+    </dgm:fillClrLst>
+    <dgm:linClrLst meth="repeat">
+      <a:schemeClr val="lt1"/>
+    </dgm:linClrLst>
+    <dgm:effectClrLst/>
+    <dgm:txLinClrLst/>
+    <dgm:txFillClrLst/>
+    <dgm:txEffectClrLst/>
+  </dgm:styleLbl>
+  <dgm:styleLbl name="asst1">
+    <dgm:fillClrLst meth="repeat">
+      <a:schemeClr val="accent1"/>
+    </dgm:fillClrLst>
+    <dgm:linClrLst meth="repeat">
+      <a:schemeClr val="lt1"/>
+    </dgm:linClrLst>
+    <dgm:effectClrLst/>
+    <dgm:txLinClrLst/>
+    <dgm:txFillClrLst/>
+    <dgm:txEffectClrLst/>
+  </dgm:styleLbl>
+  <dgm:styleLbl name="asst2">
+    <dgm:fillClrLst meth="repeat">
+      <a:schemeClr val="accent1"/>
+    </dgm:fillClrLst>
+    <dgm:linClrLst meth="repeat">
+      <a:schemeClr val="lt1"/>
+    </dgm:linClrLst>
+    <dgm:effectClrLst/>
+    <dgm:txLinClrLst/>
+    <dgm:txFillClrLst/>
+    <dgm:txEffectClrLst/>
+  </dgm:styleLbl>
+  <dgm:styleLbl name="asst3">
+    <dgm:fillClrLst meth="repeat">
+      <a:schemeClr val="accent1"/>
+    </dgm:fillClrLst>
+    <dgm:linClrLst meth="repeat">
+      <a:schemeClr val="lt1"/>
+    </dgm:linClrLst>
+    <dgm:effectClrLst/>
+    <dgm:txLinClrLst/>
+    <dgm:txFillClrLst/>
+    <dgm:txEffectClrLst/>
+  </dgm:styleLbl>
+  <dgm:styleLbl name="asst4">
+    <dgm:fillClrLst meth="repeat">
+      <a:schemeClr val="accent1"/>
+    </dgm:fillClrLst>
+    <dgm:linClrLst meth="repeat">
+      <a:schemeClr val="lt1"/>
+    </dgm:linClrLst>
+    <dgm:effectClrLst/>
+    <dgm:txLinClrLst/>
+    <dgm:txFillClrLst/>
+    <dgm:txEffectClrLst/>
+  </dgm:styleLbl>
+  <dgm:styleLbl name="parChTrans2D1">
+    <dgm:fillClrLst meth="repeat">
+      <a:schemeClr val="accent1">
+        <a:tint val="60000"/>
+      </a:schemeClr>
+    </dgm:fillClrLst>
+    <dgm:linClrLst meth="repeat">
+      <a:schemeClr val="accent1">
+        <a:tint val="60000"/>
+      </a:schemeClr>
+    </dgm:linClrLst>
+    <dgm:effectClrLst/>
+    <dgm:txLinClrLst/>
+    <dgm:txFillClrLst meth="repeat">
+      <a:schemeClr val="lt1"/>
+    </dgm:txFillClrLst>
+    <dgm:txEffectClrLst/>
+  </dgm:styleLbl>
+  <dgm:styleLbl name="parChTrans2D2">
+    <dgm:fillClrLst meth="repeat">
+      <a:schemeClr val="accent1"/>
+    </dgm:fillClrLst>
+    <dgm:linClrLst meth="repeat">
+      <a:schemeClr val="accent1"/>
+    </dgm:linClrLst>
+    <dgm:effectClrLst/>
+    <dgm:txLinClrLst/>
+    <dgm:txFillClrLst meth="repeat">
+      <a:schemeClr val="lt1"/>
+    </dgm:txFillClrLst>
+    <dgm:txEffectClrLst/>
+  </dgm:styleLbl>
+  <dgm:styleLbl name="parChTrans2D3">
+    <dgm:fillClrLst meth="repeat">
+      <a:schemeClr val="accent1"/>
+    </dgm:fillClrLst>
+    <dgm:linClrLst meth="repeat">
+      <a:schemeClr val="accent1"/>
+    </dgm:linClrLst>
+    <dgm:effectClrLst/>
+    <dgm:txLinClrLst/>
+    <dgm:txFillClrLst meth="repeat">
+      <a:schemeClr val="lt1"/>
+    </dgm:txFillClrLst>
+    <dgm:txEffectClrLst/>
+  </dgm:styleLbl>
+  <dgm:styleLbl name="parChTrans2D4">
+    <dgm:fillClrLst meth="repeat">
+      <a:schemeClr val="accent1"/>
+    </dgm:fillClrLst>
+    <dgm:linClrLst meth="repeat">
+      <a:schemeClr val="accent1"/>
+    </dgm:linClrLst>
+    <dgm:effectClrLst/>
+    <dgm:txLinClrLst/>
+    <dgm:txFillClrLst meth="repeat">
+      <a:schemeClr val="lt1"/>
+    </dgm:txFillClrLst>
+    <dgm:txEffectClrLst/>
+  </dgm:styleLbl>
+  <dgm:styleLbl name="parChTrans1D1">
+    <dgm:fillClrLst meth="repeat">
+      <a:schemeClr val="accent1"/>
+    </dgm:fillClrLst>
+    <dgm:linClrLst meth="repeat">
+      <a:schemeClr val="accent1">
+        <a:shade val="60000"/>
+      </a:schemeClr>
+    </dgm:linClrLst>
+    <dgm:effectClrLst/>
+    <dgm:txLinClrLst/>
+    <dgm:txFillClrLst meth="repeat">
+      <a:schemeClr val="tx1"/>
+    </dgm:txFillClrLst>
+    <dgm:txEffectClrLst/>
+  </dgm:styleLbl>
+  <dgm:styleLbl name="parChTrans1D2">
+    <dgm:fillClrLst meth="repeat">
+      <a:schemeClr val="accent1"/>
+    </dgm:fillClrLst>
+    <dgm:linClrLst meth="repeat">
+      <a:schemeClr val="accent1">
+        <a:shade val="60000"/>
+      </a:schemeClr>
+    </dgm:linClrLst>
+    <dgm:effectClrLst/>
+    <dgm:txLinClrLst/>
+    <dgm:txFillClrLst meth="repeat">
+      <a:schemeClr val="tx1"/>
+    </dgm:txFillClrLst>
+    <dgm:txEffectClrLst/>
+  </dgm:styleLbl>
+  <dgm:styleLbl name="parChTrans1D3">
+    <dgm:fillClrLst meth="repeat">
+      <a:schemeClr val="accent1"/>
+    </dgm:fillClrLst>
+    <dgm:linClrLst meth="repeat">
+      <a:schemeClr val="accent1">
+        <a:shade val="80000"/>
+      </a:schemeClr>
+    </dgm:linClrLst>
+    <dgm:effectClrLst/>
+    <dgm:txLinClrLst/>
+    <dgm:txFillClrLst meth="repeat">
+      <a:schemeClr val="tx1"/>
+    </dgm:txFillClrLst>
+    <dgm:txEffectClrLst/>
+  </dgm:styleLbl>
+  <dgm:styleLbl name="parChTrans1D4">
+    <dgm:fillClrLst meth="repeat">
+      <a:schemeClr val="accent1"/>
+    </dgm:fillClrLst>
+    <dgm:linClrLst meth="repeat">
+      <a:schemeClr val="accent1">
+        <a:shade val="80000"/>
+      </a:schemeClr>
+    </dgm:linClrLst>
+    <dgm:effectClrLst/>
+    <dgm:txLinClrLst/>
+    <dgm:txFillClrLst meth="repeat">
+      <a:schemeClr val="tx1"/>
+    </dgm:txFillClrLst>
+    <dgm:txEffectClrLst/>
+  </dgm:styleLbl>
+  <dgm:styleLbl name="fgAcc1">
+    <dgm:fillClrLst meth="repeat">
+      <a:schemeClr val="lt1">
+        <a:alpha val="90000"/>
+      </a:schemeClr>
+    </dgm:fillClrLst>
+    <dgm:linClrLst meth="repeat">
+      <a:schemeClr val="accent1"/>
+    </dgm:linClrLst>
+    <dgm:effectClrLst/>
+    <dgm:txLinClrLst/>
+    <dgm:txFillClrLst meth="repeat">
+      <a:schemeClr val="dk1"/>
+    </dgm:txFillClrLst>
+    <dgm:txEffectClrLst/>
+  </dgm:styleLbl>
+  <dgm:styleLbl name="conFgAcc1">
+    <dgm:fillClrLst meth="repeat">
+      <a:schemeClr val="lt1">
+        <a:alpha val="90000"/>
+      </a:schemeClr>
+    </dgm:fillClrLst>
+    <dgm:linClrLst meth="repeat">
+      <a:schemeClr val="accent1"/>
+    </dgm:linClrLst>
+    <dgm:effectClrLst/>
+    <dgm:txLinClrLst/>
+    <dgm:txFillClrLst meth="repeat">
+      <a:schemeClr val="dk1"/>
+    </dgm:txFillClrLst>
+    <dgm:txEffectClrLst/>
+  </dgm:styleLbl>
+  <dgm:styleLbl name="alignAcc1">
+    <dgm:fillClrLst meth="repeat">
+      <a:schemeClr val="lt1">
+        <a:alpha val="90000"/>
+      </a:schemeClr>
+    </dgm:fillClrLst>
+    <dgm:linClrLst meth="repeat">
+      <a:schemeClr val="accent1"/>
+    </dgm:linClrLst>
+    <dgm:effectClrLst/>
+    <dgm:txLinClrLst/>
+    <dgm:txFillClrLst meth="repeat">
+      <a:schemeClr val="dk1"/>
+    </dgm:txFillClrLst>
+    <dgm:txEffectClrLst/>
+  </dgm:styleLbl>
+  <dgm:styleLbl name="trAlignAcc1">
+    <dgm:fillClrLst meth="repeat">
+      <a:schemeClr val="lt1">
+        <a:alpha val="40000"/>
+      </a:schemeClr>
+    </dgm:fillClrLst>
+    <dgm:linClrLst meth="repeat">
+      <a:schemeClr val="accent1"/>
+    </dgm:linClrLst>
+    <dgm:effectClrLst/>
+    <dgm:txLinClrLst/>
+    <dgm:txFillClrLst meth="repeat">
+      <a:schemeClr val="dk1"/>
+    </dgm:txFillClrLst>
+    <dgm:txEffectClrLst/>
+  </dgm:styleLbl>
+  <dgm:styleLbl name="bgAcc1">
+    <dgm:fillClrLst meth="repeat">
+      <a:schemeClr val="lt1">
+        <a:alpha val="90000"/>
+      </a:schemeClr>
+    </dgm:fillClrLst>
+    <dgm:linClrLst meth="repeat">
+      <a:schemeClr val="accent1"/>
+    </dgm:linClrLst>
+    <dgm:effectClrLst/>
+    <dgm:txLinClrLst/>
+    <dgm:txFillClrLst meth="repeat">
+      <a:schemeClr val="dk1"/>
+    </dgm:txFillClrLst>
+    <dgm:txEffectClrLst/>
+  </dgm:styleLbl>
+  <dgm:styleLbl name="solidFgAcc1">
+    <dgm:fillClrLst meth="repeat">
+      <a:schemeClr val="lt1"/>
+    </dgm:fillClrLst>
+    <dgm:linClrLst meth="repeat">
+      <a:schemeClr val="accent1"/>
+    </dgm:linClrLst>
+    <dgm:effectClrLst/>
+    <dgm:txLinClrLst/>
+    <dgm:txFillClrLst meth="repeat">
+      <a:schemeClr val="dk1"/>
+    </dgm:txFillClrLst>
+    <dgm:txEffectClrLst/>
+  </dgm:styleLbl>
+  <dgm:styleLbl name="solidAlignAcc1">
+    <dgm:fillClrLst meth="repeat">
+      <a:schemeClr val="lt1"/>
+    </dgm:fillClrLst>
+    <dgm:linClrLst meth="repeat">
+      <a:schemeClr val="accent1"/>
+    </dgm:linClrLst>
+    <dgm:effectClrLst/>
+    <dgm:txLinClrLst/>
+    <dgm:txFillClrLst meth="repeat">
+      <a:schemeClr val="dk1"/>
+    </dgm:txFillClrLst>
+    <dgm:txEffectClrLst/>
+  </dgm:styleLbl>
+  <dgm:styleLbl name="solidBgAcc1">
+    <dgm:fillClrLst meth="repeat">
+      <a:schemeClr val="lt1"/>
+    </dgm:fillClrLst>
+    <dgm:linClrLst meth="repeat">
+      <a:schemeClr val="accent1"/>
+    </dgm:linClrLst>
+    <dgm:effectClrLst/>
+    <dgm:txLinClrLst/>
+    <dgm:txFillClrLst meth="repeat">
+      <a:schemeClr val="dk1"/>
+    </dgm:txFillClrLst>
+    <dgm:txEffectClrLst/>
+  </dgm:styleLbl>
+  <dgm:styleLbl name="fgAccFollowNode1">
+    <dgm:fillClrLst meth="repeat">
+      <a:schemeClr val="accent1">
+        <a:alpha val="90000"/>
+        <a:tint val="40000"/>
+      </a:schemeClr>
+    </dgm:fillClrLst>
+    <dgm:linClrLst meth="repeat">
+      <a:schemeClr val="accent1">
+        <a:alpha val="90000"/>
+        <a:tint val="40000"/>
+      </a:schemeClr>
+    </dgm:linClrLst>
+    <dgm:effectClrLst/>
+    <dgm:txLinClrLst/>
+    <dgm:txFillClrLst meth="repeat">
+      <a:schemeClr val="dk1"/>
+    </dgm:txFillClrLst>
+    <dgm:txEffectClrLst/>
+  </dgm:styleLbl>
+  <dgm:styleLbl name="alignAccFollowNode1">
+    <dgm:fillClrLst meth="repeat">
+      <a:schemeClr val="accent1">
+        <a:alpha val="90000"/>
+        <a:tint val="40000"/>
+      </a:schemeClr>
+    </dgm:fillClrLst>
+    <dgm:linClrLst meth="repeat">
+      <a:schemeClr val="accent1">
+        <a:alpha val="90000"/>
+        <a:tint val="40000"/>
+      </a:schemeClr>
+    </dgm:linClrLst>
+    <dgm:effectClrLst/>
+    <dgm:txLinClrLst/>
+    <dgm:txFillClrLst meth="repeat">
+      <a:schemeClr val="dk1"/>
+    </dgm:txFillClrLst>
+    <dgm:txEffectClrLst/>
+  </dgm:styleLbl>
+  <dgm:styleLbl name="bgAccFollowNode1">
+    <dgm:fillClrLst meth="repeat">
+      <a:schemeClr val="accent1">
+        <a:alpha val="90000"/>
+        <a:tint val="40000"/>
+      </a:schemeClr>
+    </dgm:fillClrLst>
+    <dgm:linClrLst meth="repeat">
+      <a:schemeClr val="accent1">
+        <a:alpha val="90000"/>
+        <a:tint val="40000"/>
+      </a:schemeClr>
+    </dgm:linClrLst>
+    <dgm:effectClrLst/>
+    <dgm:txLinClrLst/>
+    <dgm:txFillClrLst meth="repeat">
+      <a:schemeClr val="dk1"/>
+    </dgm:txFillClrLst>
+    <dgm:txEffectClrLst/>
+  </dgm:styleLbl>
+  <dgm:styleLbl name="fgAcc0">
+    <dgm:fillClrLst meth="repeat">
+      <a:schemeClr val="lt1">
+        <a:alpha val="90000"/>
+      </a:schemeClr>
+    </dgm:fillClrLst>
+    <dgm:linClrLst meth="repeat">
+      <a:schemeClr val="accent1"/>
+    </dgm:linClrLst>
+    <dgm:effectClrLst/>
+    <dgm:txLinClrLst/>
+    <dgm:txFillClrLst meth="repeat">
+      <a:schemeClr val="dk1"/>
+    </dgm:txFillClrLst>
+    <dgm:txEffectClrLst/>
+  </dgm:styleLbl>
+  <dgm:styleLbl name="fgAcc2">
+    <dgm:fillClrLst meth="repeat">
+      <a:schemeClr val="lt1">
+        <a:alpha val="90000"/>
+      </a:schemeClr>
+    </dgm:fillClrLst>
+    <dgm:linClrLst meth="repeat">
+      <a:schemeClr val="accent1"/>
+    </dgm:linClrLst>
+    <dgm:effectClrLst/>
+    <dgm:txLinClrLst/>
+    <dgm:txFillClrLst meth="repeat">
+      <a:schemeClr val="dk1"/>
+    </dgm:txFillClrLst>
+    <dgm:txEffectClrLst/>
+  </dgm:styleLbl>
+  <dgm:styleLbl name="fgAcc3">
+    <dgm:fillClrLst meth="repeat">
+      <a:schemeClr val="lt1">
+        <a:alpha val="90000"/>
+      </a:schemeClr>
+    </dgm:fillClrLst>
+    <dgm:linClrLst meth="repeat">
+      <a:schemeClr val="accent1"/>
+    </dgm:linClrLst>
+    <dgm:effectClrLst/>
+    <dgm:txLinClrLst/>
+    <dgm:txFillClrLst meth="repeat">
+      <a:schemeClr val="dk1"/>
+    </dgm:txFillClrLst>
+    <dgm:txEffectClrLst/>
+  </dgm:styleLbl>
+  <dgm:styleLbl name="fgAcc4">
+    <dgm:fillClrLst meth="repeat">
+      <a:schemeClr val="lt1">
+        <a:alpha val="90000"/>
+      </a:schemeClr>
+    </dgm:fillClrLst>
+    <dgm:linClrLst meth="repeat">
+      <a:schemeClr val="accent1"/>
+    </dgm:linClrLst>
+    <dgm:effectClrLst/>
+    <dgm:txLinClrLst/>
+    <dgm:txFillClrLst meth="repeat">
+      <a:schemeClr val="dk1"/>
+    </dgm:txFillClrLst>
+    <dgm:txEffectClrLst/>
+  </dgm:styleLbl>
+  <dgm:styleLbl name="bgShp">
+    <dgm:fillClrLst meth="repeat">
+      <a:schemeClr val="accent1">
+        <a:tint val="40000"/>
+      </a:schemeClr>
+    </dgm:fillClrLst>
+    <dgm:linClrLst meth="repeat">
+      <a:schemeClr val="accent1"/>
+    </dgm:linClrLst>
+    <dgm:effectClrLst/>
+    <dgm:txLinClrLst/>
+    <dgm:txFillClrLst meth="repeat">
+      <a:schemeClr val="dk1"/>
+    </dgm:txFillClrLst>
+    <dgm:txEffectClrLst/>
+  </dgm:styleLbl>
+  <dgm:styleLbl name="dkBgShp">
+    <dgm:fillClrLst meth="repeat">
+      <a:schemeClr val="accent1">
+        <a:shade val="80000"/>
+      </a:schemeClr>
+    </dgm:fillClrLst>
+    <dgm:linClrLst meth="repeat">
+      <a:schemeClr val="accent1"/>
+    </dgm:linClrLst>
+    <dgm:effectClrLst/>
+    <dgm:txLinClrLst/>
+    <dgm:txFillClrLst meth="repeat">
+      <a:schemeClr val="lt1"/>
+    </dgm:txFillClrLst>
+    <dgm:txEffectClrLst/>
+  </dgm:styleLbl>
+  <dgm:styleLbl name="trBgShp">
+    <dgm:fillClrLst meth="repeat">
+      <a:schemeClr val="accent1">
+        <a:tint val="50000"/>
+        <a:alpha val="40000"/>
+      </a:schemeClr>
+    </dgm:fillClrLst>
+    <dgm:linClrLst meth="repeat">
+      <a:schemeClr val="accent1"/>
+    </dgm:linClrLst>
+    <dgm:effectClrLst/>
+    <dgm:txLinClrLst/>
+    <dgm:txFillClrLst meth="repeat">
+      <a:schemeClr val="lt1"/>
+    </dgm:txFillClrLst>
+    <dgm:txEffectClrLst/>
+  </dgm:styleLbl>
+  <dgm:styleLbl name="fgShp">
+    <dgm:fillClrLst meth="repeat">
+      <a:schemeClr val="accent1">
+        <a:tint val="60000"/>
+      </a:schemeClr>
+    </dgm:fillClrLst>
+    <dgm:linClrLst meth="repeat">
+      <a:schemeClr val="lt1"/>
+    </dgm:linClrLst>
+    <dgm:effectClrLst/>
+    <dgm:txLinClrLst/>
+    <dgm:txFillClrLst meth="repeat">
+      <a:schemeClr val="dk1"/>
+    </dgm:txFillClrLst>
+    <dgm:txEffectClrLst/>
+  </dgm:styleLbl>
+  <dgm:styleLbl name="revTx">
+    <dgm:fillClrLst meth="repeat">
+      <a:schemeClr val="lt1">
+        <a:alpha val="0"/>
+      </a:schemeClr>
+    </dgm:fillClrLst>
+    <dgm:linClrLst meth="repeat">
+      <a:schemeClr val="dk1">
+        <a:alpha val="0"/>
+      </a:schemeClr>
+    </dgm:linClrLst>
+    <dgm:effectClrLst/>
+    <dgm:txLinClrLst/>
+    <dgm:txFillClrLst meth="repeat">
+      <a:schemeClr val="tx1"/>
+    </dgm:txFillClrLst>
+    <dgm:txEffectClrLst/>
+  </dgm:styleLbl>
+</dgm:colorsDef>
+</file>
+
+<file path=ppt/diagrams/colors5.xml><?xml version="1.0" encoding="utf-8"?>
 <dgm:colorsDef xmlns:dgm="http://schemas.openxmlformats.org/drawingml/2006/diagram" xmlns:a="http://schemas.openxmlformats.org/drawingml/2006/main" uniqueId="urn:microsoft.com/office/officeart/2018/5/colors/Iconchunking_neutralbg_colorful1">
   <dgm:title val=""/>
   <dgm:desc val=""/>
@@ -5403,7 +6132,7 @@
         <a:p>
           <a:r>
             <a:rPr lang="en-US" dirty="0"/>
-            <a:t>Discovery Server port=</a:t>
+            <a:t>Discovery Server port</a:t>
           </a:r>
         </a:p>
       </dgm:t>
@@ -6339,6 +7068,296 @@
 <file path=ppt/diagrams/data4.xml><?xml version="1.0" encoding="utf-8"?>
 <dgm:dataModel xmlns:dgm="http://schemas.openxmlformats.org/drawingml/2006/diagram" xmlns:a="http://schemas.openxmlformats.org/drawingml/2006/main">
   <dgm:ptLst>
+    <dgm:pt modelId="{6C153408-6F6C-4DA0-AEF4-B1C71E836980}" type="doc">
+      <dgm:prSet loTypeId="urn:microsoft.com/office/officeart/2005/8/layout/orgChart1" loCatId="hierarchy" qsTypeId="urn:microsoft.com/office/officeart/2005/8/quickstyle/simple1" qsCatId="simple" csTypeId="urn:microsoft.com/office/officeart/2005/8/colors/accent1_2" csCatId="accent1" phldr="1"/>
+      <dgm:spPr/>
+      <dgm:t>
+        <a:bodyPr/>
+        <a:lstStyle/>
+        <a:p>
+          <a:endParaRPr lang="en-US"/>
+        </a:p>
+      </dgm:t>
+    </dgm:pt>
+    <dgm:pt modelId="{B578762E-FD2C-4991-8061-BDEB07FFE668}">
+      <dgm:prSet phldrT="[Text]"/>
+      <dgm:spPr/>
+      <dgm:t>
+        <a:bodyPr/>
+        <a:lstStyle/>
+        <a:p>
+          <a:r>
+            <a:rPr lang="en-US" dirty="0" err="1"/>
+            <a:t>Errori</a:t>
+          </a:r>
+          <a:endParaRPr lang="en-US" dirty="0"/>
+        </a:p>
+      </dgm:t>
+    </dgm:pt>
+    <dgm:pt modelId="{54A588D0-9289-429A-9058-C087571AF536}" type="parTrans" cxnId="{EDC0295B-5FC2-48D3-9B1D-F9209921D97C}">
+      <dgm:prSet/>
+      <dgm:spPr/>
+      <dgm:t>
+        <a:bodyPr/>
+        <a:lstStyle/>
+        <a:p>
+          <a:endParaRPr lang="en-US"/>
+        </a:p>
+      </dgm:t>
+    </dgm:pt>
+    <dgm:pt modelId="{BF508236-BBF4-42C0-A532-9A71E0C88A63}" type="sibTrans" cxnId="{EDC0295B-5FC2-48D3-9B1D-F9209921D97C}">
+      <dgm:prSet/>
+      <dgm:spPr/>
+      <dgm:t>
+        <a:bodyPr/>
+        <a:lstStyle/>
+        <a:p>
+          <a:endParaRPr lang="en-US"/>
+        </a:p>
+      </dgm:t>
+    </dgm:pt>
+    <dgm:pt modelId="{C47DC14F-BE4B-4E3F-AA2D-740B36D3ADAD}">
+      <dgm:prSet phldrT="[Text]"/>
+      <dgm:spPr/>
+      <dgm:t>
+        <a:bodyPr/>
+        <a:lstStyle/>
+        <a:p>
+          <a:r>
+            <a:rPr lang="en-US" dirty="0" err="1"/>
+            <a:t>Avvio</a:t>
+          </a:r>
+          <a:r>
+            <a:rPr lang="en-US" dirty="0"/>
+            <a:t> del server/client</a:t>
+          </a:r>
+        </a:p>
+      </dgm:t>
+    </dgm:pt>
+    <dgm:pt modelId="{5B4E7F60-1DD3-42D3-A42F-9B65D3DDE9B2}" type="parTrans" cxnId="{607BCBBE-F2A4-493A-8F6A-BC1D7D948534}">
+      <dgm:prSet/>
+      <dgm:spPr/>
+      <dgm:t>
+        <a:bodyPr/>
+        <a:lstStyle/>
+        <a:p>
+          <a:endParaRPr lang="en-US"/>
+        </a:p>
+      </dgm:t>
+    </dgm:pt>
+    <dgm:pt modelId="{44DE0A76-2EE3-4F44-A7AB-3846FA1814F5}" type="sibTrans" cxnId="{607BCBBE-F2A4-493A-8F6A-BC1D7D948534}">
+      <dgm:prSet/>
+      <dgm:spPr/>
+      <dgm:t>
+        <a:bodyPr/>
+        <a:lstStyle/>
+        <a:p>
+          <a:endParaRPr lang="en-US"/>
+        </a:p>
+      </dgm:t>
+    </dgm:pt>
+    <dgm:pt modelId="{E443C3F2-BB4C-45B0-A6FC-340140DA33BF}">
+      <dgm:prSet phldrT="[Text]"/>
+      <dgm:spPr/>
+      <dgm:t>
+        <a:bodyPr/>
+        <a:lstStyle/>
+        <a:p>
+          <a:r>
+            <a:rPr lang="en-US" dirty="0" err="1"/>
+            <a:t>Comunicazione</a:t>
+          </a:r>
+          <a:endParaRPr lang="en-US" dirty="0"/>
+        </a:p>
+      </dgm:t>
+    </dgm:pt>
+    <dgm:pt modelId="{2B293B7C-ED32-4905-BC0B-F7E46D095E3B}" type="parTrans" cxnId="{E7529EA2-8A28-4549-8FA6-528E07644F03}">
+      <dgm:prSet/>
+      <dgm:spPr/>
+      <dgm:t>
+        <a:bodyPr/>
+        <a:lstStyle/>
+        <a:p>
+          <a:endParaRPr lang="en-US"/>
+        </a:p>
+      </dgm:t>
+    </dgm:pt>
+    <dgm:pt modelId="{0C95D5F2-8F83-42DD-9452-910FE02E6748}" type="sibTrans" cxnId="{E7529EA2-8A28-4549-8FA6-528E07644F03}">
+      <dgm:prSet/>
+      <dgm:spPr/>
+      <dgm:t>
+        <a:bodyPr/>
+        <a:lstStyle/>
+        <a:p>
+          <a:endParaRPr lang="en-US"/>
+        </a:p>
+      </dgm:t>
+    </dgm:pt>
+    <dgm:pt modelId="{3573BAF2-E137-43F2-8F97-F5791A23C396}" type="pres">
+      <dgm:prSet presAssocID="{6C153408-6F6C-4DA0-AEF4-B1C71E836980}" presName="hierChild1" presStyleCnt="0">
+        <dgm:presLayoutVars>
+          <dgm:orgChart val="1"/>
+          <dgm:chPref val="1"/>
+          <dgm:dir/>
+          <dgm:animOne val="branch"/>
+          <dgm:animLvl val="lvl"/>
+          <dgm:resizeHandles/>
+        </dgm:presLayoutVars>
+      </dgm:prSet>
+      <dgm:spPr/>
+    </dgm:pt>
+    <dgm:pt modelId="{3A3B7891-DB5D-4EC5-8581-DAB5DFF00787}" type="pres">
+      <dgm:prSet presAssocID="{B578762E-FD2C-4991-8061-BDEB07FFE668}" presName="hierRoot1" presStyleCnt="0">
+        <dgm:presLayoutVars>
+          <dgm:hierBranch val="init"/>
+        </dgm:presLayoutVars>
+      </dgm:prSet>
+      <dgm:spPr/>
+    </dgm:pt>
+    <dgm:pt modelId="{40835F2D-8049-45B2-99BB-382ED3566B62}" type="pres">
+      <dgm:prSet presAssocID="{B578762E-FD2C-4991-8061-BDEB07FFE668}" presName="rootComposite1" presStyleCnt="0"/>
+      <dgm:spPr/>
+    </dgm:pt>
+    <dgm:pt modelId="{F76A9B63-887A-4D3E-BE8B-2F84FD435ABB}" type="pres">
+      <dgm:prSet presAssocID="{B578762E-FD2C-4991-8061-BDEB07FFE668}" presName="rootText1" presStyleLbl="node0" presStyleIdx="0" presStyleCnt="1">
+        <dgm:presLayoutVars>
+          <dgm:chPref val="3"/>
+        </dgm:presLayoutVars>
+      </dgm:prSet>
+      <dgm:spPr/>
+    </dgm:pt>
+    <dgm:pt modelId="{E628EDAC-3056-4C2E-A67C-2C4A18243690}" type="pres">
+      <dgm:prSet presAssocID="{B578762E-FD2C-4991-8061-BDEB07FFE668}" presName="rootConnector1" presStyleLbl="node1" presStyleIdx="0" presStyleCnt="0"/>
+      <dgm:spPr/>
+    </dgm:pt>
+    <dgm:pt modelId="{0BAE9A88-1178-46D2-9F2B-BFEE44AF0F98}" type="pres">
+      <dgm:prSet presAssocID="{B578762E-FD2C-4991-8061-BDEB07FFE668}" presName="hierChild2" presStyleCnt="0"/>
+      <dgm:spPr/>
+    </dgm:pt>
+    <dgm:pt modelId="{DE4DA60A-2CDA-4DF8-9DDD-47B07F6814FA}" type="pres">
+      <dgm:prSet presAssocID="{5B4E7F60-1DD3-42D3-A42F-9B65D3DDE9B2}" presName="Name37" presStyleLbl="parChTrans1D2" presStyleIdx="0" presStyleCnt="2"/>
+      <dgm:spPr/>
+    </dgm:pt>
+    <dgm:pt modelId="{44B9D297-5C66-452D-B118-FA1A24D1E6CE}" type="pres">
+      <dgm:prSet presAssocID="{C47DC14F-BE4B-4E3F-AA2D-740B36D3ADAD}" presName="hierRoot2" presStyleCnt="0">
+        <dgm:presLayoutVars>
+          <dgm:hierBranch val="init"/>
+        </dgm:presLayoutVars>
+      </dgm:prSet>
+      <dgm:spPr/>
+    </dgm:pt>
+    <dgm:pt modelId="{0E82D786-1F66-408C-8A43-5EA57E82D141}" type="pres">
+      <dgm:prSet presAssocID="{C47DC14F-BE4B-4E3F-AA2D-740B36D3ADAD}" presName="rootComposite" presStyleCnt="0"/>
+      <dgm:spPr/>
+    </dgm:pt>
+    <dgm:pt modelId="{019CD3A2-4F78-4E84-84AB-B44C681046D4}" type="pres">
+      <dgm:prSet presAssocID="{C47DC14F-BE4B-4E3F-AA2D-740B36D3ADAD}" presName="rootText" presStyleLbl="node2" presStyleIdx="0" presStyleCnt="2">
+        <dgm:presLayoutVars>
+          <dgm:chPref val="3"/>
+        </dgm:presLayoutVars>
+      </dgm:prSet>
+      <dgm:spPr/>
+    </dgm:pt>
+    <dgm:pt modelId="{9E99B5E2-33FF-4582-95A1-502F84248BE6}" type="pres">
+      <dgm:prSet presAssocID="{C47DC14F-BE4B-4E3F-AA2D-740B36D3ADAD}" presName="rootConnector" presStyleLbl="node2" presStyleIdx="0" presStyleCnt="2"/>
+      <dgm:spPr/>
+    </dgm:pt>
+    <dgm:pt modelId="{C2EE1DC9-7851-4D39-BC65-091405437306}" type="pres">
+      <dgm:prSet presAssocID="{C47DC14F-BE4B-4E3F-AA2D-740B36D3ADAD}" presName="hierChild4" presStyleCnt="0"/>
+      <dgm:spPr/>
+    </dgm:pt>
+    <dgm:pt modelId="{66283B66-3EBF-4947-9F70-63785D6AEF63}" type="pres">
+      <dgm:prSet presAssocID="{C47DC14F-BE4B-4E3F-AA2D-740B36D3ADAD}" presName="hierChild5" presStyleCnt="0"/>
+      <dgm:spPr/>
+    </dgm:pt>
+    <dgm:pt modelId="{CF2C71FC-1F2F-4CC8-AF27-76D1D3D3EE43}" type="pres">
+      <dgm:prSet presAssocID="{2B293B7C-ED32-4905-BC0B-F7E46D095E3B}" presName="Name37" presStyleLbl="parChTrans1D2" presStyleIdx="1" presStyleCnt="2"/>
+      <dgm:spPr/>
+    </dgm:pt>
+    <dgm:pt modelId="{D1754406-A9D6-481B-80D7-A22318C04683}" type="pres">
+      <dgm:prSet presAssocID="{E443C3F2-BB4C-45B0-A6FC-340140DA33BF}" presName="hierRoot2" presStyleCnt="0">
+        <dgm:presLayoutVars>
+          <dgm:hierBranch val="init"/>
+        </dgm:presLayoutVars>
+      </dgm:prSet>
+      <dgm:spPr/>
+    </dgm:pt>
+    <dgm:pt modelId="{EFAD85BF-C899-4E82-A559-E2CA329BC99F}" type="pres">
+      <dgm:prSet presAssocID="{E443C3F2-BB4C-45B0-A6FC-340140DA33BF}" presName="rootComposite" presStyleCnt="0"/>
+      <dgm:spPr/>
+    </dgm:pt>
+    <dgm:pt modelId="{DB3CEBCC-BCD7-4D41-AF7F-ECCF1FAA528F}" type="pres">
+      <dgm:prSet presAssocID="{E443C3F2-BB4C-45B0-A6FC-340140DA33BF}" presName="rootText" presStyleLbl="node2" presStyleIdx="1" presStyleCnt="2">
+        <dgm:presLayoutVars>
+          <dgm:chPref val="3"/>
+        </dgm:presLayoutVars>
+      </dgm:prSet>
+      <dgm:spPr/>
+    </dgm:pt>
+    <dgm:pt modelId="{643B8F74-6C62-42C7-B805-05DBA1237D0B}" type="pres">
+      <dgm:prSet presAssocID="{E443C3F2-BB4C-45B0-A6FC-340140DA33BF}" presName="rootConnector" presStyleLbl="node2" presStyleIdx="1" presStyleCnt="2"/>
+      <dgm:spPr/>
+    </dgm:pt>
+    <dgm:pt modelId="{2210EF08-3368-44F0-A783-E6FD6DA73E65}" type="pres">
+      <dgm:prSet presAssocID="{E443C3F2-BB4C-45B0-A6FC-340140DA33BF}" presName="hierChild4" presStyleCnt="0"/>
+      <dgm:spPr/>
+    </dgm:pt>
+    <dgm:pt modelId="{4EAB4547-9A64-4DDA-BF71-38FC8190282A}" type="pres">
+      <dgm:prSet presAssocID="{E443C3F2-BB4C-45B0-A6FC-340140DA33BF}" presName="hierChild5" presStyleCnt="0"/>
+      <dgm:spPr/>
+    </dgm:pt>
+    <dgm:pt modelId="{F111D4BC-D3C2-4817-BDA9-B6499C98BD2C}" type="pres">
+      <dgm:prSet presAssocID="{B578762E-FD2C-4991-8061-BDEB07FFE668}" presName="hierChild3" presStyleCnt="0"/>
+      <dgm:spPr/>
+    </dgm:pt>
+  </dgm:ptLst>
+  <dgm:cxnLst>
+    <dgm:cxn modelId="{A6DF970B-B00C-49A0-9DDD-9235B1B13907}" type="presOf" srcId="{B578762E-FD2C-4991-8061-BDEB07FFE668}" destId="{E628EDAC-3056-4C2E-A67C-2C4A18243690}" srcOrd="1" destOrd="0" presId="urn:microsoft.com/office/officeart/2005/8/layout/orgChart1"/>
+    <dgm:cxn modelId="{EDC0295B-5FC2-48D3-9B1D-F9209921D97C}" srcId="{6C153408-6F6C-4DA0-AEF4-B1C71E836980}" destId="{B578762E-FD2C-4991-8061-BDEB07FFE668}" srcOrd="0" destOrd="0" parTransId="{54A588D0-9289-429A-9058-C087571AF536}" sibTransId="{BF508236-BBF4-42C0-A532-9A71E0C88A63}"/>
+    <dgm:cxn modelId="{E39DA65B-5C34-4963-B58F-05050542C9D8}" type="presOf" srcId="{5B4E7F60-1DD3-42D3-A42F-9B65D3DDE9B2}" destId="{DE4DA60A-2CDA-4DF8-9DDD-47B07F6814FA}" srcOrd="0" destOrd="0" presId="urn:microsoft.com/office/officeart/2005/8/layout/orgChart1"/>
+    <dgm:cxn modelId="{EED91D6F-8B25-4513-B855-53483CD50035}" type="presOf" srcId="{2B293B7C-ED32-4905-BC0B-F7E46D095E3B}" destId="{CF2C71FC-1F2F-4CC8-AF27-76D1D3D3EE43}" srcOrd="0" destOrd="0" presId="urn:microsoft.com/office/officeart/2005/8/layout/orgChart1"/>
+    <dgm:cxn modelId="{A342CB7D-2EE1-4856-9F61-E94E5A32F644}" type="presOf" srcId="{C47DC14F-BE4B-4E3F-AA2D-740B36D3ADAD}" destId="{019CD3A2-4F78-4E84-84AB-B44C681046D4}" srcOrd="0" destOrd="0" presId="urn:microsoft.com/office/officeart/2005/8/layout/orgChart1"/>
+    <dgm:cxn modelId="{A42BF38E-F936-438B-A648-A04049370B0A}" type="presOf" srcId="{C47DC14F-BE4B-4E3F-AA2D-740B36D3ADAD}" destId="{9E99B5E2-33FF-4582-95A1-502F84248BE6}" srcOrd="1" destOrd="0" presId="urn:microsoft.com/office/officeart/2005/8/layout/orgChart1"/>
+    <dgm:cxn modelId="{E7529EA2-8A28-4549-8FA6-528E07644F03}" srcId="{B578762E-FD2C-4991-8061-BDEB07FFE668}" destId="{E443C3F2-BB4C-45B0-A6FC-340140DA33BF}" srcOrd="1" destOrd="0" parTransId="{2B293B7C-ED32-4905-BC0B-F7E46D095E3B}" sibTransId="{0C95D5F2-8F83-42DD-9452-910FE02E6748}"/>
+    <dgm:cxn modelId="{7A3EBCB2-DCB0-4EDF-A9C9-447C8E070D80}" type="presOf" srcId="{B578762E-FD2C-4991-8061-BDEB07FFE668}" destId="{F76A9B63-887A-4D3E-BE8B-2F84FD435ABB}" srcOrd="0" destOrd="0" presId="urn:microsoft.com/office/officeart/2005/8/layout/orgChart1"/>
+    <dgm:cxn modelId="{607BCBBE-F2A4-493A-8F6A-BC1D7D948534}" srcId="{B578762E-FD2C-4991-8061-BDEB07FFE668}" destId="{C47DC14F-BE4B-4E3F-AA2D-740B36D3ADAD}" srcOrd="0" destOrd="0" parTransId="{5B4E7F60-1DD3-42D3-A42F-9B65D3DDE9B2}" sibTransId="{44DE0A76-2EE3-4F44-A7AB-3846FA1814F5}"/>
+    <dgm:cxn modelId="{21441FD8-2C54-4F61-9726-775A85010DBE}" type="presOf" srcId="{E443C3F2-BB4C-45B0-A6FC-340140DA33BF}" destId="{643B8F74-6C62-42C7-B805-05DBA1237D0B}" srcOrd="1" destOrd="0" presId="urn:microsoft.com/office/officeart/2005/8/layout/orgChart1"/>
+    <dgm:cxn modelId="{BB6E69EC-450C-4A47-94DE-BE56B9137EA2}" type="presOf" srcId="{E443C3F2-BB4C-45B0-A6FC-340140DA33BF}" destId="{DB3CEBCC-BCD7-4D41-AF7F-ECCF1FAA528F}" srcOrd="0" destOrd="0" presId="urn:microsoft.com/office/officeart/2005/8/layout/orgChart1"/>
+    <dgm:cxn modelId="{2EF379F8-3666-48D1-B496-BC72382D9E4D}" type="presOf" srcId="{6C153408-6F6C-4DA0-AEF4-B1C71E836980}" destId="{3573BAF2-E137-43F2-8F97-F5791A23C396}" srcOrd="0" destOrd="0" presId="urn:microsoft.com/office/officeart/2005/8/layout/orgChart1"/>
+    <dgm:cxn modelId="{CB282A8D-F30E-4CF4-82E6-21123EDBBB8B}" type="presParOf" srcId="{3573BAF2-E137-43F2-8F97-F5791A23C396}" destId="{3A3B7891-DB5D-4EC5-8581-DAB5DFF00787}" srcOrd="0" destOrd="0" presId="urn:microsoft.com/office/officeart/2005/8/layout/orgChart1"/>
+    <dgm:cxn modelId="{CDC6F01A-922A-4831-94FF-7E3B1585C46B}" type="presParOf" srcId="{3A3B7891-DB5D-4EC5-8581-DAB5DFF00787}" destId="{40835F2D-8049-45B2-99BB-382ED3566B62}" srcOrd="0" destOrd="0" presId="urn:microsoft.com/office/officeart/2005/8/layout/orgChart1"/>
+    <dgm:cxn modelId="{DF67F24C-773B-4AC8-B6AE-0D284987FB81}" type="presParOf" srcId="{40835F2D-8049-45B2-99BB-382ED3566B62}" destId="{F76A9B63-887A-4D3E-BE8B-2F84FD435ABB}" srcOrd="0" destOrd="0" presId="urn:microsoft.com/office/officeart/2005/8/layout/orgChart1"/>
+    <dgm:cxn modelId="{8C7CA0F0-298C-47F3-9F3C-139E6749E9A9}" type="presParOf" srcId="{40835F2D-8049-45B2-99BB-382ED3566B62}" destId="{E628EDAC-3056-4C2E-A67C-2C4A18243690}" srcOrd="1" destOrd="0" presId="urn:microsoft.com/office/officeart/2005/8/layout/orgChart1"/>
+    <dgm:cxn modelId="{A9EED250-2688-4FF3-8F8D-40B2EDA54346}" type="presParOf" srcId="{3A3B7891-DB5D-4EC5-8581-DAB5DFF00787}" destId="{0BAE9A88-1178-46D2-9F2B-BFEE44AF0F98}" srcOrd="1" destOrd="0" presId="urn:microsoft.com/office/officeart/2005/8/layout/orgChart1"/>
+    <dgm:cxn modelId="{2428CF43-29B7-43C0-B190-3E81F6475497}" type="presParOf" srcId="{0BAE9A88-1178-46D2-9F2B-BFEE44AF0F98}" destId="{DE4DA60A-2CDA-4DF8-9DDD-47B07F6814FA}" srcOrd="0" destOrd="0" presId="urn:microsoft.com/office/officeart/2005/8/layout/orgChart1"/>
+    <dgm:cxn modelId="{3B068FC1-009D-4556-9515-3CFE5A34B474}" type="presParOf" srcId="{0BAE9A88-1178-46D2-9F2B-BFEE44AF0F98}" destId="{44B9D297-5C66-452D-B118-FA1A24D1E6CE}" srcOrd="1" destOrd="0" presId="urn:microsoft.com/office/officeart/2005/8/layout/orgChart1"/>
+    <dgm:cxn modelId="{723D6DBE-0479-4CB0-A44B-43242CB3AB6E}" type="presParOf" srcId="{44B9D297-5C66-452D-B118-FA1A24D1E6CE}" destId="{0E82D786-1F66-408C-8A43-5EA57E82D141}" srcOrd="0" destOrd="0" presId="urn:microsoft.com/office/officeart/2005/8/layout/orgChart1"/>
+    <dgm:cxn modelId="{A74CD15B-714E-4F62-9B50-D1809F8B865D}" type="presParOf" srcId="{0E82D786-1F66-408C-8A43-5EA57E82D141}" destId="{019CD3A2-4F78-4E84-84AB-B44C681046D4}" srcOrd="0" destOrd="0" presId="urn:microsoft.com/office/officeart/2005/8/layout/orgChart1"/>
+    <dgm:cxn modelId="{63489D62-120B-40F5-8114-BEB2E326BD5E}" type="presParOf" srcId="{0E82D786-1F66-408C-8A43-5EA57E82D141}" destId="{9E99B5E2-33FF-4582-95A1-502F84248BE6}" srcOrd="1" destOrd="0" presId="urn:microsoft.com/office/officeart/2005/8/layout/orgChart1"/>
+    <dgm:cxn modelId="{968C9218-CCE4-4D90-865A-84F939197E56}" type="presParOf" srcId="{44B9D297-5C66-452D-B118-FA1A24D1E6CE}" destId="{C2EE1DC9-7851-4D39-BC65-091405437306}" srcOrd="1" destOrd="0" presId="urn:microsoft.com/office/officeart/2005/8/layout/orgChart1"/>
+    <dgm:cxn modelId="{E112E746-B64D-4BA0-AE9C-D7DFF212D28B}" type="presParOf" srcId="{44B9D297-5C66-452D-B118-FA1A24D1E6CE}" destId="{66283B66-3EBF-4947-9F70-63785D6AEF63}" srcOrd="2" destOrd="0" presId="urn:microsoft.com/office/officeart/2005/8/layout/orgChart1"/>
+    <dgm:cxn modelId="{8FFE534D-BAF1-43FB-B94C-E0D9AF968553}" type="presParOf" srcId="{0BAE9A88-1178-46D2-9F2B-BFEE44AF0F98}" destId="{CF2C71FC-1F2F-4CC8-AF27-76D1D3D3EE43}" srcOrd="2" destOrd="0" presId="urn:microsoft.com/office/officeart/2005/8/layout/orgChart1"/>
+    <dgm:cxn modelId="{B0AD25BB-9C37-4201-8D70-2F5A02E1F706}" type="presParOf" srcId="{0BAE9A88-1178-46D2-9F2B-BFEE44AF0F98}" destId="{D1754406-A9D6-481B-80D7-A22318C04683}" srcOrd="3" destOrd="0" presId="urn:microsoft.com/office/officeart/2005/8/layout/orgChart1"/>
+    <dgm:cxn modelId="{E50BBD38-DBB5-489E-BF76-8990A3C49E83}" type="presParOf" srcId="{D1754406-A9D6-481B-80D7-A22318C04683}" destId="{EFAD85BF-C899-4E82-A559-E2CA329BC99F}" srcOrd="0" destOrd="0" presId="urn:microsoft.com/office/officeart/2005/8/layout/orgChart1"/>
+    <dgm:cxn modelId="{AB5C98C6-E366-4C54-994B-A99BD9ED728B}" type="presParOf" srcId="{EFAD85BF-C899-4E82-A559-E2CA329BC99F}" destId="{DB3CEBCC-BCD7-4D41-AF7F-ECCF1FAA528F}" srcOrd="0" destOrd="0" presId="urn:microsoft.com/office/officeart/2005/8/layout/orgChart1"/>
+    <dgm:cxn modelId="{A3D4E50A-E07D-455A-BF10-A812C43AC3F9}" type="presParOf" srcId="{EFAD85BF-C899-4E82-A559-E2CA329BC99F}" destId="{643B8F74-6C62-42C7-B805-05DBA1237D0B}" srcOrd="1" destOrd="0" presId="urn:microsoft.com/office/officeart/2005/8/layout/orgChart1"/>
+    <dgm:cxn modelId="{2105AD6D-D07F-432C-8609-E34FEB0FA9E7}" type="presParOf" srcId="{D1754406-A9D6-481B-80D7-A22318C04683}" destId="{2210EF08-3368-44F0-A783-E6FD6DA73E65}" srcOrd="1" destOrd="0" presId="urn:microsoft.com/office/officeart/2005/8/layout/orgChart1"/>
+    <dgm:cxn modelId="{AD1B8AB6-2BBF-4AD5-81A7-80D7A3D64763}" type="presParOf" srcId="{D1754406-A9D6-481B-80D7-A22318C04683}" destId="{4EAB4547-9A64-4DDA-BF71-38FC8190282A}" srcOrd="2" destOrd="0" presId="urn:microsoft.com/office/officeart/2005/8/layout/orgChart1"/>
+    <dgm:cxn modelId="{83F736F3-5904-4E0C-9AE4-F02994A80B7D}" type="presParOf" srcId="{3A3B7891-DB5D-4EC5-8581-DAB5DFF00787}" destId="{F111D4BC-D3C2-4817-BDA9-B6499C98BD2C}" srcOrd="2" destOrd="0" presId="urn:microsoft.com/office/officeart/2005/8/layout/orgChart1"/>
+  </dgm:cxnLst>
+  <dgm:bg/>
+  <dgm:whole/>
+  <dgm:extLst>
+    <a:ext uri="http://schemas.microsoft.com/office/drawing/2008/diagram">
+      <dsp:dataModelExt xmlns:dsp="http://schemas.microsoft.com/office/drawing/2008/diagram" relId="rId6" minVer="http://schemas.openxmlformats.org/drawingml/2006/diagram"/>
+    </a:ext>
+  </dgm:extLst>
+</dgm:dataModel>
+</file>
+
+<file path=ppt/diagrams/data5.xml><?xml version="1.0" encoding="utf-8"?>
+<dgm:dataModel xmlns:dgm="http://schemas.openxmlformats.org/drawingml/2006/diagram" xmlns:a="http://schemas.openxmlformats.org/drawingml/2006/main">
+  <dgm:ptLst>
     <dgm:pt modelId="{AC16E00A-1125-4115-B630-7444E24EBA72}" type="doc">
       <dgm:prSet loTypeId="urn:microsoft.com/office/officeart/2018/2/layout/IconVerticalSolidList" loCatId="icon" qsTypeId="urn:microsoft.com/office/officeart/2005/8/quickstyle/simple1" qsCatId="simple" csTypeId="urn:microsoft.com/office/officeart/2018/5/colors/Iconchunking_neutralbg_colorful1" csCatId="colorful" phldr="1"/>
       <dgm:spPr/>
@@ -6470,7 +7489,7 @@
         <a:p>
           <a:r>
             <a:rPr lang="it-IT" dirty="0"/>
-            <a:t>Test con 1,2 e 10 client, 500 files gestiti dal server e 1000 richieste per ogni Client</a:t>
+            <a:t>Test con 1 client, 500 files gestiti dal server e 1000 richieste per Client</a:t>
           </a:r>
           <a:endParaRPr lang="en-US" dirty="0"/>
         </a:p>
@@ -6782,12 +7801,12 @@
         <a:fontRef idx="minor"/>
       </dsp:style>
       <dsp:txBody>
-        <a:bodyPr spcFirstLastPara="0" vert="horz" wrap="square" lIns="199136" tIns="17780" rIns="17780" bIns="17780" numCol="1" spcCol="1270" anchor="ctr" anchorCtr="0">
+        <a:bodyPr spcFirstLastPara="0" vert="horz" wrap="square" lIns="213360" tIns="19050" rIns="19050" bIns="19050" numCol="1" spcCol="1270" anchor="ctr" anchorCtr="0">
           <a:noAutofit/>
         </a:bodyPr>
         <a:lstStyle/>
         <a:p>
-          <a:pPr marL="285750" lvl="1" indent="-285750" algn="l" defTabSz="1244600">
+          <a:pPr marL="285750" lvl="1" indent="-285750" algn="l" defTabSz="1333500">
             <a:lnSpc>
               <a:spcPct val="90000"/>
             </a:lnSpc>
@@ -6800,8 +7819,8 @@
             <a:buChar char="•"/>
           </a:pPr>
           <a:r>
-            <a:rPr lang="en-US" sz="2800" kern="1200" dirty="0"/>
-            <a:t>Discovery Server port=</a:t>
+            <a:rPr lang="en-US" sz="3000" kern="1200" dirty="0"/>
+            <a:t>Discovery Server port</a:t>
           </a:r>
         </a:p>
       </dsp:txBody>
@@ -6935,12 +7954,12 @@
         <a:fontRef idx="minor"/>
       </dsp:style>
       <dsp:txBody>
-        <a:bodyPr spcFirstLastPara="0" vert="horz" wrap="square" lIns="199136" tIns="17780" rIns="17780" bIns="17780" numCol="1" spcCol="1270" anchor="ctr" anchorCtr="0">
+        <a:bodyPr spcFirstLastPara="0" vert="horz" wrap="square" lIns="213360" tIns="19050" rIns="19050" bIns="19050" numCol="1" spcCol="1270" anchor="ctr" anchorCtr="0">
           <a:noAutofit/>
         </a:bodyPr>
         <a:lstStyle/>
         <a:p>
-          <a:pPr marL="285750" lvl="1" indent="-285750" algn="l" defTabSz="1244600">
+          <a:pPr marL="285750" lvl="1" indent="-285750" algn="l" defTabSz="1333500">
             <a:lnSpc>
               <a:spcPct val="90000"/>
             </a:lnSpc>
@@ -6953,7 +7972,7 @@
             <a:buChar char="•"/>
           </a:pPr>
           <a:r>
-            <a:rPr lang="en-US" sz="2800" kern="1200" dirty="0"/>
+            <a:rPr lang="en-US" sz="3000" kern="1200" dirty="0"/>
             <a:t>Nome file</a:t>
           </a:r>
         </a:p>
@@ -7088,12 +8107,12 @@
         <a:fontRef idx="minor"/>
       </dsp:style>
       <dsp:txBody>
-        <a:bodyPr spcFirstLastPara="0" vert="horz" wrap="square" lIns="199136" tIns="17780" rIns="17780" bIns="17780" numCol="1" spcCol="1270" anchor="ctr" anchorCtr="0">
+        <a:bodyPr spcFirstLastPara="0" vert="horz" wrap="square" lIns="213360" tIns="19050" rIns="19050" bIns="19050" numCol="1" spcCol="1270" anchor="ctr" anchorCtr="0">
           <a:noAutofit/>
         </a:bodyPr>
         <a:lstStyle/>
         <a:p>
-          <a:pPr marL="285750" lvl="1" indent="-285750" algn="l" defTabSz="1244600">
+          <a:pPr marL="285750" lvl="1" indent="-285750" algn="l" defTabSz="1333500">
             <a:lnSpc>
               <a:spcPct val="90000"/>
             </a:lnSpc>
@@ -7106,11 +8125,11 @@
             <a:buChar char="•"/>
           </a:pPr>
           <a:r>
-            <a:rPr lang="en-US" sz="2800" kern="1200" dirty="0" err="1"/>
+            <a:rPr lang="en-US" sz="3000" kern="1200" dirty="0" err="1"/>
             <a:t>RowSwap</a:t>
           </a:r>
           <a:r>
-            <a:rPr lang="en-US" sz="2800" kern="1200" dirty="0"/>
+            <a:rPr lang="en-US" sz="3000" kern="1200" dirty="0"/>
             <a:t> Server port</a:t>
           </a:r>
         </a:p>
@@ -7970,6 +8989,377 @@
       <dsp:cNvGrpSpPr/>
     </dsp:nvGrpSpPr>
     <dsp:grpSpPr/>
+    <dsp:sp modelId="{CF2C71FC-1F2F-4CC8-AF27-76D1D3D3EE43}">
+      <dsp:nvSpPr>
+        <dsp:cNvPr id="0" name=""/>
+        <dsp:cNvSpPr/>
+      </dsp:nvSpPr>
+      <dsp:spPr>
+        <a:xfrm>
+          <a:off x="4811697" y="1452395"/>
+          <a:ext cx="1757235" cy="609949"/>
+        </a:xfrm>
+        <a:custGeom>
+          <a:avLst/>
+          <a:gdLst/>
+          <a:ahLst/>
+          <a:cxnLst/>
+          <a:rect l="0" t="0" r="0" b="0"/>
+          <a:pathLst>
+            <a:path>
+              <a:moveTo>
+                <a:pt x="0" y="0"/>
+              </a:moveTo>
+              <a:lnTo>
+                <a:pt x="0" y="304974"/>
+              </a:lnTo>
+              <a:lnTo>
+                <a:pt x="1757235" y="304974"/>
+              </a:lnTo>
+              <a:lnTo>
+                <a:pt x="1757235" y="609949"/>
+              </a:lnTo>
+            </a:path>
+          </a:pathLst>
+        </a:custGeom>
+        <a:noFill/>
+        <a:ln w="15875" cap="rnd" cmpd="sng" algn="ctr">
+          <a:solidFill>
+            <a:schemeClr val="accent1">
+              <a:shade val="60000"/>
+              <a:hueOff val="0"/>
+              <a:satOff val="0"/>
+              <a:lumOff val="0"/>
+              <a:alphaOff val="0"/>
+            </a:schemeClr>
+          </a:solidFill>
+          <a:prstDash val="solid"/>
+        </a:ln>
+        <a:effectLst/>
+      </dsp:spPr>
+      <dsp:style>
+        <a:lnRef idx="2">
+          <a:scrgbClr r="0" g="0" b="0"/>
+        </a:lnRef>
+        <a:fillRef idx="0">
+          <a:scrgbClr r="0" g="0" b="0"/>
+        </a:fillRef>
+        <a:effectRef idx="0">
+          <a:scrgbClr r="0" g="0" b="0"/>
+        </a:effectRef>
+        <a:fontRef idx="minor"/>
+      </dsp:style>
+    </dsp:sp>
+    <dsp:sp modelId="{DE4DA60A-2CDA-4DF8-9DDD-47B07F6814FA}">
+      <dsp:nvSpPr>
+        <dsp:cNvPr id="0" name=""/>
+        <dsp:cNvSpPr/>
+      </dsp:nvSpPr>
+      <dsp:spPr>
+        <a:xfrm>
+          <a:off x="3054461" y="1452395"/>
+          <a:ext cx="1757235" cy="609949"/>
+        </a:xfrm>
+        <a:custGeom>
+          <a:avLst/>
+          <a:gdLst/>
+          <a:ahLst/>
+          <a:cxnLst/>
+          <a:rect l="0" t="0" r="0" b="0"/>
+          <a:pathLst>
+            <a:path>
+              <a:moveTo>
+                <a:pt x="1757235" y="0"/>
+              </a:moveTo>
+              <a:lnTo>
+                <a:pt x="1757235" y="304974"/>
+              </a:lnTo>
+              <a:lnTo>
+                <a:pt x="0" y="304974"/>
+              </a:lnTo>
+              <a:lnTo>
+                <a:pt x="0" y="609949"/>
+              </a:lnTo>
+            </a:path>
+          </a:pathLst>
+        </a:custGeom>
+        <a:noFill/>
+        <a:ln w="15875" cap="rnd" cmpd="sng" algn="ctr">
+          <a:solidFill>
+            <a:schemeClr val="accent1">
+              <a:shade val="60000"/>
+              <a:hueOff val="0"/>
+              <a:satOff val="0"/>
+              <a:lumOff val="0"/>
+              <a:alphaOff val="0"/>
+            </a:schemeClr>
+          </a:solidFill>
+          <a:prstDash val="solid"/>
+        </a:ln>
+        <a:effectLst/>
+      </dsp:spPr>
+      <dsp:style>
+        <a:lnRef idx="2">
+          <a:scrgbClr r="0" g="0" b="0"/>
+        </a:lnRef>
+        <a:fillRef idx="0">
+          <a:scrgbClr r="0" g="0" b="0"/>
+        </a:fillRef>
+        <a:effectRef idx="0">
+          <a:scrgbClr r="0" g="0" b="0"/>
+        </a:effectRef>
+        <a:fontRef idx="minor"/>
+      </dsp:style>
+    </dsp:sp>
+    <dsp:sp modelId="{F76A9B63-887A-4D3E-BE8B-2F84FD435ABB}">
+      <dsp:nvSpPr>
+        <dsp:cNvPr id="0" name=""/>
+        <dsp:cNvSpPr/>
+      </dsp:nvSpPr>
+      <dsp:spPr>
+        <a:xfrm>
+          <a:off x="3359436" y="134"/>
+          <a:ext cx="2904521" cy="1452260"/>
+        </a:xfrm>
+        <a:prstGeom prst="rect">
+          <a:avLst/>
+        </a:prstGeom>
+        <a:solidFill>
+          <a:schemeClr val="accent1">
+            <a:hueOff val="0"/>
+            <a:satOff val="0"/>
+            <a:lumOff val="0"/>
+            <a:alphaOff val="0"/>
+          </a:schemeClr>
+        </a:solidFill>
+        <a:ln w="15875" cap="rnd" cmpd="sng" algn="ctr">
+          <a:solidFill>
+            <a:schemeClr val="lt1">
+              <a:hueOff val="0"/>
+              <a:satOff val="0"/>
+              <a:lumOff val="0"/>
+              <a:alphaOff val="0"/>
+            </a:schemeClr>
+          </a:solidFill>
+          <a:prstDash val="solid"/>
+        </a:ln>
+        <a:effectLst/>
+      </dsp:spPr>
+      <dsp:style>
+        <a:lnRef idx="2">
+          <a:scrgbClr r="0" g="0" b="0"/>
+        </a:lnRef>
+        <a:fillRef idx="1">
+          <a:scrgbClr r="0" g="0" b="0"/>
+        </a:fillRef>
+        <a:effectRef idx="0">
+          <a:scrgbClr r="0" g="0" b="0"/>
+        </a:effectRef>
+        <a:fontRef idx="minor">
+          <a:schemeClr val="lt1"/>
+        </a:fontRef>
+      </dsp:style>
+      <dsp:txBody>
+        <a:bodyPr spcFirstLastPara="0" vert="horz" wrap="square" lIns="20955" tIns="20955" rIns="20955" bIns="20955" numCol="1" spcCol="1270" anchor="ctr" anchorCtr="0">
+          <a:noAutofit/>
+        </a:bodyPr>
+        <a:lstStyle/>
+        <a:p>
+          <a:pPr marL="0" lvl="0" indent="0" algn="ctr" defTabSz="1466850">
+            <a:lnSpc>
+              <a:spcPct val="90000"/>
+            </a:lnSpc>
+            <a:spcBef>
+              <a:spcPct val="0"/>
+            </a:spcBef>
+            <a:spcAft>
+              <a:spcPct val="35000"/>
+            </a:spcAft>
+            <a:buNone/>
+          </a:pPr>
+          <a:r>
+            <a:rPr lang="en-US" sz="3300" kern="1200" dirty="0" err="1"/>
+            <a:t>Errori</a:t>
+          </a:r>
+          <a:endParaRPr lang="en-US" sz="3300" kern="1200" dirty="0"/>
+        </a:p>
+      </dsp:txBody>
+      <dsp:txXfrm>
+        <a:off x="3359436" y="134"/>
+        <a:ext cx="2904521" cy="1452260"/>
+      </dsp:txXfrm>
+    </dsp:sp>
+    <dsp:sp modelId="{019CD3A2-4F78-4E84-84AB-B44C681046D4}">
+      <dsp:nvSpPr>
+        <dsp:cNvPr id="0" name=""/>
+        <dsp:cNvSpPr/>
+      </dsp:nvSpPr>
+      <dsp:spPr>
+        <a:xfrm>
+          <a:off x="1602200" y="2062344"/>
+          <a:ext cx="2904521" cy="1452260"/>
+        </a:xfrm>
+        <a:prstGeom prst="rect">
+          <a:avLst/>
+        </a:prstGeom>
+        <a:solidFill>
+          <a:schemeClr val="accent1">
+            <a:hueOff val="0"/>
+            <a:satOff val="0"/>
+            <a:lumOff val="0"/>
+            <a:alphaOff val="0"/>
+          </a:schemeClr>
+        </a:solidFill>
+        <a:ln w="15875" cap="rnd" cmpd="sng" algn="ctr">
+          <a:solidFill>
+            <a:schemeClr val="lt1">
+              <a:hueOff val="0"/>
+              <a:satOff val="0"/>
+              <a:lumOff val="0"/>
+              <a:alphaOff val="0"/>
+            </a:schemeClr>
+          </a:solidFill>
+          <a:prstDash val="solid"/>
+        </a:ln>
+        <a:effectLst/>
+      </dsp:spPr>
+      <dsp:style>
+        <a:lnRef idx="2">
+          <a:scrgbClr r="0" g="0" b="0"/>
+        </a:lnRef>
+        <a:fillRef idx="1">
+          <a:scrgbClr r="0" g="0" b="0"/>
+        </a:fillRef>
+        <a:effectRef idx="0">
+          <a:scrgbClr r="0" g="0" b="0"/>
+        </a:effectRef>
+        <a:fontRef idx="minor">
+          <a:schemeClr val="lt1"/>
+        </a:fontRef>
+      </dsp:style>
+      <dsp:txBody>
+        <a:bodyPr spcFirstLastPara="0" vert="horz" wrap="square" lIns="20955" tIns="20955" rIns="20955" bIns="20955" numCol="1" spcCol="1270" anchor="ctr" anchorCtr="0">
+          <a:noAutofit/>
+        </a:bodyPr>
+        <a:lstStyle/>
+        <a:p>
+          <a:pPr marL="0" lvl="0" indent="0" algn="ctr" defTabSz="1466850">
+            <a:lnSpc>
+              <a:spcPct val="90000"/>
+            </a:lnSpc>
+            <a:spcBef>
+              <a:spcPct val="0"/>
+            </a:spcBef>
+            <a:spcAft>
+              <a:spcPct val="35000"/>
+            </a:spcAft>
+            <a:buNone/>
+          </a:pPr>
+          <a:r>
+            <a:rPr lang="en-US" sz="3300" kern="1200" dirty="0" err="1"/>
+            <a:t>Avvio</a:t>
+          </a:r>
+          <a:r>
+            <a:rPr lang="en-US" sz="3300" kern="1200" dirty="0"/>
+            <a:t> del server/client</a:t>
+          </a:r>
+        </a:p>
+      </dsp:txBody>
+      <dsp:txXfrm>
+        <a:off x="1602200" y="2062344"/>
+        <a:ext cx="2904521" cy="1452260"/>
+      </dsp:txXfrm>
+    </dsp:sp>
+    <dsp:sp modelId="{DB3CEBCC-BCD7-4D41-AF7F-ECCF1FAA528F}">
+      <dsp:nvSpPr>
+        <dsp:cNvPr id="0" name=""/>
+        <dsp:cNvSpPr/>
+      </dsp:nvSpPr>
+      <dsp:spPr>
+        <a:xfrm>
+          <a:off x="5116671" y="2062344"/>
+          <a:ext cx="2904521" cy="1452260"/>
+        </a:xfrm>
+        <a:prstGeom prst="rect">
+          <a:avLst/>
+        </a:prstGeom>
+        <a:solidFill>
+          <a:schemeClr val="accent1">
+            <a:hueOff val="0"/>
+            <a:satOff val="0"/>
+            <a:lumOff val="0"/>
+            <a:alphaOff val="0"/>
+          </a:schemeClr>
+        </a:solidFill>
+        <a:ln w="15875" cap="rnd" cmpd="sng" algn="ctr">
+          <a:solidFill>
+            <a:schemeClr val="lt1">
+              <a:hueOff val="0"/>
+              <a:satOff val="0"/>
+              <a:lumOff val="0"/>
+              <a:alphaOff val="0"/>
+            </a:schemeClr>
+          </a:solidFill>
+          <a:prstDash val="solid"/>
+        </a:ln>
+        <a:effectLst/>
+      </dsp:spPr>
+      <dsp:style>
+        <a:lnRef idx="2">
+          <a:scrgbClr r="0" g="0" b="0"/>
+        </a:lnRef>
+        <a:fillRef idx="1">
+          <a:scrgbClr r="0" g="0" b="0"/>
+        </a:fillRef>
+        <a:effectRef idx="0">
+          <a:scrgbClr r="0" g="0" b="0"/>
+        </a:effectRef>
+        <a:fontRef idx="minor">
+          <a:schemeClr val="lt1"/>
+        </a:fontRef>
+      </dsp:style>
+      <dsp:txBody>
+        <a:bodyPr spcFirstLastPara="0" vert="horz" wrap="square" lIns="20955" tIns="20955" rIns="20955" bIns="20955" numCol="1" spcCol="1270" anchor="ctr" anchorCtr="0">
+          <a:noAutofit/>
+        </a:bodyPr>
+        <a:lstStyle/>
+        <a:p>
+          <a:pPr marL="0" lvl="0" indent="0" algn="ctr" defTabSz="1466850">
+            <a:lnSpc>
+              <a:spcPct val="90000"/>
+            </a:lnSpc>
+            <a:spcBef>
+              <a:spcPct val="0"/>
+            </a:spcBef>
+            <a:spcAft>
+              <a:spcPct val="35000"/>
+            </a:spcAft>
+            <a:buNone/>
+          </a:pPr>
+          <a:r>
+            <a:rPr lang="en-US" sz="3300" kern="1200" dirty="0" err="1"/>
+            <a:t>Comunicazione</a:t>
+          </a:r>
+          <a:endParaRPr lang="en-US" sz="3300" kern="1200" dirty="0"/>
+        </a:p>
+      </dsp:txBody>
+      <dsp:txXfrm>
+        <a:off x="5116671" y="2062344"/>
+        <a:ext cx="2904521" cy="1452260"/>
+      </dsp:txXfrm>
+    </dsp:sp>
+  </dsp:spTree>
+</dsp:drawing>
+</file>
+
+<file path=ppt/diagrams/drawing5.xml><?xml version="1.0" encoding="utf-8"?>
+<dsp:drawing xmlns:dgm="http://schemas.openxmlformats.org/drawingml/2006/diagram" xmlns:dsp="http://schemas.microsoft.com/office/drawing/2008/diagram" xmlns:a="http://schemas.openxmlformats.org/drawingml/2006/main">
+  <dsp:spTree>
+    <dsp:nvGrpSpPr>
+      <dsp:cNvPr id="0" name=""/>
+      <dsp:cNvGrpSpPr/>
+    </dsp:nvGrpSpPr>
+    <dsp:grpSpPr/>
     <dsp:sp modelId="{0094B644-C9CC-41C0-B1AB-C212BF9F517B}">
       <dsp:nvSpPr>
         <dsp:cNvPr id="0" name=""/>
@@ -8344,7 +9734,7 @@
           </a:pPr>
           <a:r>
             <a:rPr lang="it-IT" sz="2500" kern="1200" dirty="0"/>
-            <a:t>Test con 1,2 e 10 client, 500 files gestiti dal server e 1000 richieste per ogni Client</a:t>
+            <a:t>Test con 1 client, 500 files gestiti dal server e 1000 richieste per Client</a:t>
           </a:r>
           <a:endParaRPr lang="en-US" sz="2500" kern="1200" dirty="0"/>
         </a:p>
@@ -10055,6 +11445,1152 @@
 </file>
 
 <file path=ppt/diagrams/layout4.xml><?xml version="1.0" encoding="utf-8"?>
+<dgm:layoutDef xmlns:dgm="http://schemas.openxmlformats.org/drawingml/2006/diagram" xmlns:a="http://schemas.openxmlformats.org/drawingml/2006/main" uniqueId="urn:microsoft.com/office/officeart/2005/8/layout/orgChart1">
+  <dgm:title val=""/>
+  <dgm:desc val=""/>
+  <dgm:catLst>
+    <dgm:cat type="hierarchy" pri="1000"/>
+    <dgm:cat type="convert" pri="6000"/>
+  </dgm:catLst>
+  <dgm:sampData>
+    <dgm:dataModel>
+      <dgm:ptLst>
+        <dgm:pt modelId="0" type="doc"/>
+        <dgm:pt modelId="1">
+          <dgm:prSet phldr="1"/>
+        </dgm:pt>
+        <dgm:pt modelId="2" type="asst">
+          <dgm:prSet phldr="1"/>
+        </dgm:pt>
+        <dgm:pt modelId="3">
+          <dgm:prSet phldr="1"/>
+        </dgm:pt>
+        <dgm:pt modelId="4">
+          <dgm:prSet phldr="1"/>
+        </dgm:pt>
+        <dgm:pt modelId="5">
+          <dgm:prSet phldr="1"/>
+        </dgm:pt>
+      </dgm:ptLst>
+      <dgm:cxnLst>
+        <dgm:cxn modelId="5" srcId="0" destId="1" srcOrd="0" destOrd="0"/>
+        <dgm:cxn modelId="6" srcId="1" destId="2" srcOrd="0" destOrd="0"/>
+        <dgm:cxn modelId="7" srcId="1" destId="3" srcOrd="1" destOrd="0"/>
+        <dgm:cxn modelId="8" srcId="1" destId="4" srcOrd="2" destOrd="0"/>
+        <dgm:cxn modelId="9" srcId="1" destId="5" srcOrd="3" destOrd="0"/>
+      </dgm:cxnLst>
+      <dgm:bg/>
+      <dgm:whole/>
+    </dgm:dataModel>
+  </dgm:sampData>
+  <dgm:styleData>
+    <dgm:dataModel>
+      <dgm:ptLst>
+        <dgm:pt modelId="0" type="doc"/>
+        <dgm:pt modelId="1"/>
+        <dgm:pt modelId="12"/>
+        <dgm:pt modelId="13"/>
+      </dgm:ptLst>
+      <dgm:cxnLst>
+        <dgm:cxn modelId="2" srcId="0" destId="1" srcOrd="0" destOrd="0"/>
+        <dgm:cxn modelId="16" srcId="1" destId="12" srcOrd="1" destOrd="0"/>
+        <dgm:cxn modelId="17" srcId="1" destId="13" srcOrd="2" destOrd="0"/>
+      </dgm:cxnLst>
+      <dgm:bg/>
+      <dgm:whole/>
+    </dgm:dataModel>
+  </dgm:styleData>
+  <dgm:clrData>
+    <dgm:dataModel>
+      <dgm:ptLst>
+        <dgm:pt modelId="0" type="doc"/>
+        <dgm:pt modelId="1"/>
+        <dgm:pt modelId="11" type="asst"/>
+        <dgm:pt modelId="12"/>
+        <dgm:pt modelId="13"/>
+        <dgm:pt modelId="14"/>
+      </dgm:ptLst>
+      <dgm:cxnLst>
+        <dgm:cxn modelId="2" srcId="0" destId="1" srcOrd="0" destOrd="0"/>
+        <dgm:cxn modelId="15" srcId="1" destId="11" srcOrd="0" destOrd="0"/>
+        <dgm:cxn modelId="16" srcId="1" destId="12" srcOrd="1" destOrd="0"/>
+        <dgm:cxn modelId="17" srcId="1" destId="13" srcOrd="2" destOrd="0"/>
+        <dgm:cxn modelId="18" srcId="1" destId="14" srcOrd="2" destOrd="0"/>
+      </dgm:cxnLst>
+      <dgm:bg/>
+      <dgm:whole/>
+    </dgm:dataModel>
+  </dgm:clrData>
+  <dgm:layoutNode name="hierChild1">
+    <dgm:varLst>
+      <dgm:orgChart val="1"/>
+      <dgm:chPref val="1"/>
+      <dgm:dir/>
+      <dgm:animOne val="branch"/>
+      <dgm:animLvl val="lvl"/>
+      <dgm:resizeHandles/>
+    </dgm:varLst>
+    <dgm:choose name="Name0">
+      <dgm:if name="Name1" func="var" arg="dir" op="equ" val="norm">
+        <dgm:alg type="hierChild">
+          <dgm:param type="linDir" val="fromL"/>
+        </dgm:alg>
+      </dgm:if>
+      <dgm:else name="Name2">
+        <dgm:alg type="hierChild">
+          <dgm:param type="linDir" val="fromR"/>
+        </dgm:alg>
+      </dgm:else>
+    </dgm:choose>
+    <dgm:shape xmlns:r="http://schemas.openxmlformats.org/officeDocument/2006/relationships" r:blip="">
+      <dgm:adjLst/>
+    </dgm:shape>
+    <dgm:presOf/>
+    <dgm:constrLst>
+      <dgm:constr type="w" for="des" forName="rootComposite1" refType="w" fact="10"/>
+      <dgm:constr type="h" for="des" forName="rootComposite1" refType="w" refFor="des" refForName="rootComposite1" fact="0.5"/>
+      <dgm:constr type="w" for="des" forName="rootComposite" refType="w" fact="10"/>
+      <dgm:constr type="h" for="des" forName="rootComposite" refType="w" refFor="des" refForName="rootComposite1" fact="0.5"/>
+      <dgm:constr type="w" for="des" forName="rootComposite3" refType="w" fact="10"/>
+      <dgm:constr type="h" for="des" forName="rootComposite3" refType="w" refFor="des" refForName="rootComposite1" fact="0.5"/>
+      <dgm:constr type="primFontSz" for="des" ptType="node" op="equ"/>
+      <dgm:constr type="sp" for="des" op="equ"/>
+      <dgm:constr type="sp" for="des" forName="hierRoot1" refType="w" refFor="des" refForName="rootComposite1" fact="0.21"/>
+      <dgm:constr type="sp" for="des" forName="hierRoot2" refType="sp" refFor="des" refForName="hierRoot1"/>
+      <dgm:constr type="sp" for="des" forName="hierRoot3" refType="sp" refFor="des" refForName="hierRoot1"/>
+      <dgm:constr type="sibSp" refType="w" refFor="des" refForName="rootComposite1" fact="0.21"/>
+      <dgm:constr type="sibSp" for="des" forName="hierChild2" refType="sibSp"/>
+      <dgm:constr type="sibSp" for="des" forName="hierChild3" refType="sibSp"/>
+      <dgm:constr type="sibSp" for="des" forName="hierChild4" refType="sibSp"/>
+      <dgm:constr type="sibSp" for="des" forName="hierChild5" refType="sibSp"/>
+      <dgm:constr type="sibSp" for="des" forName="hierChild6" refType="sibSp"/>
+      <dgm:constr type="sibSp" for="des" forName="hierChild7" refType="sibSp"/>
+      <dgm:constr type="secSibSp" refType="w" refFor="des" refForName="rootComposite1" fact="0.21"/>
+      <dgm:constr type="secSibSp" for="des" forName="hierChild2" refType="secSibSp"/>
+      <dgm:constr type="secSibSp" for="des" forName="hierChild3" refType="secSibSp"/>
+      <dgm:constr type="secSibSp" for="des" forName="hierChild4" refType="secSibSp"/>
+      <dgm:constr type="secSibSp" for="des" forName="hierChild5" refType="secSibSp"/>
+      <dgm:constr type="secSibSp" for="des" forName="hierChild6" refType="secSibSp"/>
+      <dgm:constr type="secSibSp" for="des" forName="hierChild7" refType="secSibSp"/>
+    </dgm:constrLst>
+    <dgm:ruleLst/>
+    <dgm:forEach name="Name3" axis="ch">
+      <dgm:forEach name="Name4" axis="self" ptType="node">
+        <dgm:layoutNode name="hierRoot1">
+          <dgm:varLst>
+            <dgm:hierBranch val="init"/>
+          </dgm:varLst>
+          <dgm:choose name="Name5">
+            <dgm:if name="Name6" func="var" arg="hierBranch" op="equ" val="l">
+              <dgm:choose name="Name7">
+                <dgm:if name="Name8" axis="ch" ptType="asst" func="cnt" op="gte" val="1">
+                  <dgm:alg type="hierRoot">
+                    <dgm:param type="hierAlign" val="tR"/>
+                  </dgm:alg>
+                  <dgm:constrLst>
+                    <dgm:constr type="alignOff" val="0.65"/>
+                  </dgm:constrLst>
+                </dgm:if>
+                <dgm:else name="Name9">
+                  <dgm:alg type="hierRoot">
+                    <dgm:param type="hierAlign" val="tR"/>
+                  </dgm:alg>
+                  <dgm:constrLst>
+                    <dgm:constr type="alignOff" val="0.25"/>
+                  </dgm:constrLst>
+                </dgm:else>
+              </dgm:choose>
+            </dgm:if>
+            <dgm:if name="Name10" func="var" arg="hierBranch" op="equ" val="r">
+              <dgm:choose name="Name11">
+                <dgm:if name="Name12" axis="ch" ptType="asst" func="cnt" op="gte" val="1">
+                  <dgm:alg type="hierRoot">
+                    <dgm:param type="hierAlign" val="tL"/>
+                  </dgm:alg>
+                  <dgm:constrLst>
+                    <dgm:constr type="alignOff" val="0.65"/>
+                  </dgm:constrLst>
+                </dgm:if>
+                <dgm:else name="Name13">
+                  <dgm:alg type="hierRoot">
+                    <dgm:param type="hierAlign" val="tL"/>
+                  </dgm:alg>
+                  <dgm:constrLst>
+                    <dgm:constr type="alignOff" val="0.25"/>
+                  </dgm:constrLst>
+                </dgm:else>
+              </dgm:choose>
+            </dgm:if>
+            <dgm:if name="Name14" func="var" arg="hierBranch" op="equ" val="hang">
+              <dgm:alg type="hierRoot"/>
+              <dgm:constrLst>
+                <dgm:constr type="alignOff" val="0.65"/>
+              </dgm:constrLst>
+            </dgm:if>
+            <dgm:else name="Name15">
+              <dgm:alg type="hierRoot"/>
+              <dgm:constrLst>
+                <dgm:constr type="alignOff"/>
+                <dgm:constr type="bendDist" for="des" ptType="parTrans" refType="sp" fact="0.5"/>
+              </dgm:constrLst>
+            </dgm:else>
+          </dgm:choose>
+          <dgm:shape xmlns:r="http://schemas.openxmlformats.org/officeDocument/2006/relationships" r:blip="">
+            <dgm:adjLst/>
+          </dgm:shape>
+          <dgm:presOf/>
+          <dgm:ruleLst/>
+          <dgm:layoutNode name="rootComposite1">
+            <dgm:alg type="composite"/>
+            <dgm:shape xmlns:r="http://schemas.openxmlformats.org/officeDocument/2006/relationships" r:blip="">
+              <dgm:adjLst/>
+            </dgm:shape>
+            <dgm:presOf axis="self" ptType="node" cnt="1"/>
+            <dgm:choose name="Name16">
+              <dgm:if name="Name17" func="var" arg="hierBranch" op="equ" val="init">
+                <dgm:constrLst>
+                  <dgm:constr type="l" for="ch" forName="rootText1"/>
+                  <dgm:constr type="t" for="ch" forName="rootText1"/>
+                  <dgm:constr type="w" for="ch" forName="rootText1" refType="w"/>
+                  <dgm:constr type="h" for="ch" forName="rootText1" refType="h"/>
+                  <dgm:constr type="l" for="ch" forName="rootConnector1"/>
+                  <dgm:constr type="t" for="ch" forName="rootConnector1"/>
+                  <dgm:constr type="w" for="ch" forName="rootConnector1" refType="w" refFor="ch" refForName="rootText1" fact="0.2"/>
+                  <dgm:constr type="h" for="ch" forName="rootConnector1" refType="h" refFor="ch" refForName="rootText1"/>
+                </dgm:constrLst>
+              </dgm:if>
+              <dgm:if name="Name18" func="var" arg="hierBranch" op="equ" val="l">
+                <dgm:constrLst>
+                  <dgm:constr type="l" for="ch" forName="rootText1"/>
+                  <dgm:constr type="t" for="ch" forName="rootText1"/>
+                  <dgm:constr type="w" for="ch" forName="rootText1" refType="w"/>
+                  <dgm:constr type="h" for="ch" forName="rootText1" refType="h"/>
+                  <dgm:constr type="r" for="ch" forName="rootConnector1" refType="w"/>
+                  <dgm:constr type="t" for="ch" forName="rootConnector1"/>
+                  <dgm:constr type="w" for="ch" forName="rootConnector1" refType="w" refFor="ch" refForName="rootText1" fact="0.2"/>
+                  <dgm:constr type="h" for="ch" forName="rootConnector1" refType="h" refFor="ch" refForName="rootText1"/>
+                </dgm:constrLst>
+              </dgm:if>
+              <dgm:if name="Name19" func="var" arg="hierBranch" op="equ" val="r">
+                <dgm:constrLst>
+                  <dgm:constr type="l" for="ch" forName="rootText1"/>
+                  <dgm:constr type="t" for="ch" forName="rootText1"/>
+                  <dgm:constr type="w" for="ch" forName="rootText1" refType="w"/>
+                  <dgm:constr type="h" for="ch" forName="rootText1" refType="h"/>
+                  <dgm:constr type="l" for="ch" forName="rootConnector1"/>
+                  <dgm:constr type="t" for="ch" forName="rootConnector1"/>
+                  <dgm:constr type="w" for="ch" forName="rootConnector1" refType="w" refFor="ch" refForName="rootText1" fact="0.2"/>
+                  <dgm:constr type="h" for="ch" forName="rootConnector1" refType="h" refFor="ch" refForName="rootText1"/>
+                </dgm:constrLst>
+              </dgm:if>
+              <dgm:else name="Name20">
+                <dgm:constrLst>
+                  <dgm:constr type="l" for="ch" forName="rootText1"/>
+                  <dgm:constr type="t" for="ch" forName="rootText1"/>
+                  <dgm:constr type="w" for="ch" forName="rootText1" refType="w"/>
+                  <dgm:constr type="h" for="ch" forName="rootText1" refType="h"/>
+                  <dgm:constr type="r" for="ch" forName="rootConnector1" refType="w"/>
+                  <dgm:constr type="t" for="ch" forName="rootConnector1"/>
+                  <dgm:constr type="w" for="ch" forName="rootConnector1" refType="w" refFor="ch" refForName="rootText1" fact="0.2"/>
+                  <dgm:constr type="h" for="ch" forName="rootConnector1" refType="h" refFor="ch" refForName="rootText1"/>
+                </dgm:constrLst>
+              </dgm:else>
+            </dgm:choose>
+            <dgm:ruleLst/>
+            <dgm:layoutNode name="rootText1" styleLbl="node0">
+              <dgm:varLst>
+                <dgm:chPref val="3"/>
+              </dgm:varLst>
+              <dgm:alg type="tx"/>
+              <dgm:shape xmlns:r="http://schemas.openxmlformats.org/officeDocument/2006/relationships" type="rect" r:blip="">
+                <dgm:adjLst/>
+              </dgm:shape>
+              <dgm:presOf axis="self" ptType="node" cnt="1"/>
+              <dgm:constrLst>
+                <dgm:constr type="primFontSz" val="65"/>
+                <dgm:constr type="lMarg" refType="primFontSz" fact="0.05"/>
+                <dgm:constr type="rMarg" refType="primFontSz" fact="0.05"/>
+                <dgm:constr type="tMarg" refType="primFontSz" fact="0.05"/>
+                <dgm:constr type="bMarg" refType="primFontSz" fact="0.05"/>
+              </dgm:constrLst>
+              <dgm:ruleLst>
+                <dgm:rule type="primFontSz" val="5" fact="NaN" max="NaN"/>
+              </dgm:ruleLst>
+            </dgm:layoutNode>
+            <dgm:layoutNode name="rootConnector1" moveWith="rootText1">
+              <dgm:alg type="sp"/>
+              <dgm:shape xmlns:r="http://schemas.openxmlformats.org/officeDocument/2006/relationships" type="rect" r:blip="" hideGeom="1">
+                <dgm:adjLst/>
+              </dgm:shape>
+              <dgm:presOf axis="self" ptType="node" cnt="1"/>
+              <dgm:constrLst/>
+              <dgm:ruleLst/>
+            </dgm:layoutNode>
+          </dgm:layoutNode>
+          <dgm:layoutNode name="hierChild2">
+            <dgm:choose name="Name21">
+              <dgm:if name="Name22" func="var" arg="hierBranch" op="equ" val="l">
+                <dgm:alg type="hierChild">
+                  <dgm:param type="chAlign" val="r"/>
+                  <dgm:param type="linDir" val="fromT"/>
+                </dgm:alg>
+              </dgm:if>
+              <dgm:if name="Name23" func="var" arg="hierBranch" op="equ" val="r">
+                <dgm:alg type="hierChild">
+                  <dgm:param type="chAlign" val="l"/>
+                  <dgm:param type="linDir" val="fromT"/>
+                </dgm:alg>
+              </dgm:if>
+              <dgm:if name="Name24" func="var" arg="hierBranch" op="equ" val="hang">
+                <dgm:choose name="Name25">
+                  <dgm:if name="Name26" func="var" arg="dir" op="equ" val="norm">
+                    <dgm:alg type="hierChild">
+                      <dgm:param type="chAlign" val="l"/>
+                      <dgm:param type="linDir" val="fromL"/>
+                      <dgm:param type="secChAlign" val="t"/>
+                      <dgm:param type="secLinDir" val="fromT"/>
+                    </dgm:alg>
+                  </dgm:if>
+                  <dgm:else name="Name27">
+                    <dgm:alg type="hierChild">
+                      <dgm:param type="chAlign" val="l"/>
+                      <dgm:param type="linDir" val="fromR"/>
+                      <dgm:param type="secChAlign" val="t"/>
+                      <dgm:param type="secLinDir" val="fromT"/>
+                    </dgm:alg>
+                  </dgm:else>
+                </dgm:choose>
+              </dgm:if>
+              <dgm:else name="Name28">
+                <dgm:choose name="Name29">
+                  <dgm:if name="Name30" func="var" arg="dir" op="equ" val="norm">
+                    <dgm:alg type="hierChild"/>
+                  </dgm:if>
+                  <dgm:else name="Name31">
+                    <dgm:alg type="hierChild">
+                      <dgm:param type="linDir" val="fromR"/>
+                    </dgm:alg>
+                  </dgm:else>
+                </dgm:choose>
+              </dgm:else>
+            </dgm:choose>
+            <dgm:shape xmlns:r="http://schemas.openxmlformats.org/officeDocument/2006/relationships" r:blip="">
+              <dgm:adjLst/>
+            </dgm:shape>
+            <dgm:presOf/>
+            <dgm:constrLst/>
+            <dgm:ruleLst/>
+            <dgm:forEach name="rep2a" axis="ch" ptType="nonAsst">
+              <dgm:forEach name="Name32" axis="precedSib" ptType="parTrans" st="-1" cnt="1">
+                <dgm:choose name="Name33">
+                  <dgm:if name="Name34" func="var" arg="hierBranch" op="equ" val="std">
+                    <dgm:layoutNode name="Name35">
+                      <dgm:alg type="conn">
+                        <dgm:param type="connRout" val="bend"/>
+                        <dgm:param type="dim" val="1D"/>
+                        <dgm:param type="endSty" val="noArr"/>
+                        <dgm:param type="begPts" val="bCtr"/>
+                        <dgm:param type="endPts" val="tCtr"/>
+                        <dgm:param type="bendPt" val="end"/>
+                      </dgm:alg>
+                      <dgm:shape xmlns:r="http://schemas.openxmlformats.org/officeDocument/2006/relationships" type="conn" r:blip="" zOrderOff="-99999">
+                        <dgm:adjLst/>
+                      </dgm:shape>
+                      <dgm:presOf axis="self"/>
+                      <dgm:constrLst>
+                        <dgm:constr type="begPad"/>
+                        <dgm:constr type="endPad"/>
+                      </dgm:constrLst>
+                      <dgm:ruleLst/>
+                    </dgm:layoutNode>
+                  </dgm:if>
+                  <dgm:if name="Name36" func="var" arg="hierBranch" op="equ" val="init">
+                    <dgm:layoutNode name="Name37">
+                      <dgm:choose name="Name38">
+                        <dgm:if name="Name39" axis="self" func="depth" op="lte" val="2">
+                          <dgm:alg type="conn">
+                            <dgm:param type="connRout" val="bend"/>
+                            <dgm:param type="dim" val="1D"/>
+                            <dgm:param type="endSty" val="noArr"/>
+                            <dgm:param type="begPts" val="bCtr"/>
+                            <dgm:param type="endPts" val="tCtr"/>
+                            <dgm:param type="bendPt" val="end"/>
+                          </dgm:alg>
+                        </dgm:if>
+                        <dgm:else name="Name40">
+                          <dgm:choose name="Name41">
+                            <dgm:if name="Name42" axis="par des" func="maxDepth" op="lte" val="1">
+                              <dgm:choose name="Name43">
+                                <dgm:if name="Name44" axis="par ch" ptType="node asst" func="cnt" op="gte" val="1">
+                                  <dgm:alg type="conn">
+                                    <dgm:param type="connRout" val="bend"/>
+                                    <dgm:param type="dim" val="1D"/>
+                                    <dgm:param type="endSty" val="noArr"/>
+                                    <dgm:param type="begPts" val="bCtr"/>
+                                    <dgm:param type="endPts" val="midL midR"/>
+                                  </dgm:alg>
+                                </dgm:if>
+                                <dgm:else name="Name45">
+                                  <dgm:alg type="conn">
+                                    <dgm:param type="connRout" val="bend"/>
+                                    <dgm:param type="dim" val="1D"/>
+                                    <dgm:param type="endSty" val="noArr"/>
+                                    <dgm:param type="begPts" val="bCtr"/>
+                                    <dgm:param type="endPts" val="midL midR"/>
+                                    <dgm:param type="srcNode" val="rootConnector"/>
+                                  </dgm:alg>
+                                </dgm:else>
+                              </dgm:choose>
+                            </dgm:if>
+                            <dgm:else name="Name46">
+                              <dgm:alg type="conn">
+                                <dgm:param type="connRout" val="bend"/>
+                                <dgm:param type="dim" val="1D"/>
+                                <dgm:param type="endSty" val="noArr"/>
+                                <dgm:param type="begPts" val="bCtr"/>
+                                <dgm:param type="endPts" val="tCtr"/>
+                                <dgm:param type="bendPt" val="end"/>
+                              </dgm:alg>
+                            </dgm:else>
+                          </dgm:choose>
+                        </dgm:else>
+                      </dgm:choose>
+                      <dgm:shape xmlns:r="http://schemas.openxmlformats.org/officeDocument/2006/relationships" type="conn" r:blip="" zOrderOff="-99999">
+                        <dgm:adjLst/>
+                      </dgm:shape>
+                      <dgm:presOf axis="self"/>
+                      <dgm:constrLst>
+                        <dgm:constr type="begPad"/>
+                        <dgm:constr type="endPad"/>
+                      </dgm:constrLst>
+                      <dgm:ruleLst/>
+                    </dgm:layoutNode>
+                  </dgm:if>
+                  <dgm:if name="Name47" func="var" arg="hierBranch" op="equ" val="hang">
+                    <dgm:layoutNode name="Name48">
+                      <dgm:alg type="conn">
+                        <dgm:param type="connRout" val="bend"/>
+                        <dgm:param type="dim" val="1D"/>
+                        <dgm:param type="endSty" val="noArr"/>
+                        <dgm:param type="begPts" val="bCtr"/>
+                        <dgm:param type="endPts" val="midL midR"/>
+                      </dgm:alg>
+                      <dgm:shape xmlns:r="http://schemas.openxmlformats.org/officeDocument/2006/relationships" type="conn" r:blip="" zOrderOff="-99999">
+                        <dgm:adjLst/>
+                      </dgm:shape>
+                      <dgm:presOf axis="self"/>
+                      <dgm:constrLst>
+                        <dgm:constr type="begPad"/>
+                        <dgm:constr type="endPad"/>
+                      </dgm:constrLst>
+                      <dgm:ruleLst/>
+                    </dgm:layoutNode>
+                  </dgm:if>
+                  <dgm:else name="Name49">
+                    <dgm:layoutNode name="Name50">
+                      <dgm:choose name="Name51">
+                        <dgm:if name="Name52" axis="self" func="depth" op="lte" val="2">
+                          <dgm:choose name="Name53">
+                            <dgm:if name="Name54" axis="par ch" ptType="node asst" func="cnt" op="gte" val="1">
+                              <dgm:alg type="conn">
+                                <dgm:param type="connRout" val="bend"/>
+                                <dgm:param type="dim" val="1D"/>
+                                <dgm:param type="endSty" val="noArr"/>
+                                <dgm:param type="begPts" val="bCtr"/>
+                                <dgm:param type="endPts" val="midL midR"/>
+                              </dgm:alg>
+                            </dgm:if>
+                            <dgm:else name="Name55">
+                              <dgm:alg type="conn">
+                                <dgm:param type="connRout" val="bend"/>
+                                <dgm:param type="dim" val="1D"/>
+                                <dgm:param type="endSty" val="noArr"/>
+                                <dgm:param type="begPts" val="bCtr"/>
+                                <dgm:param type="endPts" val="midL midR"/>
+                                <dgm:param type="srcNode" val="rootConnector1"/>
+                              </dgm:alg>
+                            </dgm:else>
+                          </dgm:choose>
+                        </dgm:if>
+                        <dgm:else name="Name56">
+                          <dgm:choose name="Name57">
+                            <dgm:if name="Name58" axis="par ch" ptType="node asst" func="cnt" op="gte" val="1">
+                              <dgm:alg type="conn">
+                                <dgm:param type="connRout" val="bend"/>
+                                <dgm:param type="dim" val="1D"/>
+                                <dgm:param type="endSty" val="noArr"/>
+                                <dgm:param type="begPts" val="bCtr"/>
+                                <dgm:param type="endPts" val="midL midR"/>
+                              </dgm:alg>
+                            </dgm:if>
+                            <dgm:else name="Name59">
+                              <dgm:alg type="conn">
+                                <dgm:param type="connRout" val="bend"/>
+                                <dgm:param type="dim" val="1D"/>
+                                <dgm:param type="endSty" val="noArr"/>
+                                <dgm:param type="begPts" val="bCtr"/>
+                                <dgm:param type="endPts" val="midL midR"/>
+                                <dgm:param type="srcNode" val="rootConnector"/>
+                              </dgm:alg>
+                            </dgm:else>
+                          </dgm:choose>
+                        </dgm:else>
+                      </dgm:choose>
+                      <dgm:shape xmlns:r="http://schemas.openxmlformats.org/officeDocument/2006/relationships" type="conn" r:blip="" zOrderOff="-99999">
+                        <dgm:adjLst/>
+                      </dgm:shape>
+                      <dgm:presOf axis="self"/>
+                      <dgm:constrLst>
+                        <dgm:constr type="begPad"/>
+                        <dgm:constr type="endPad"/>
+                      </dgm:constrLst>
+                      <dgm:ruleLst/>
+                    </dgm:layoutNode>
+                  </dgm:else>
+                </dgm:choose>
+              </dgm:forEach>
+              <dgm:layoutNode name="hierRoot2">
+                <dgm:varLst>
+                  <dgm:hierBranch val="init"/>
+                </dgm:varLst>
+                <dgm:choose name="Name60">
+                  <dgm:if name="Name61" func="var" arg="hierBranch" op="equ" val="l">
+                    <dgm:choose name="Name62">
+                      <dgm:if name="Name63" axis="ch" ptType="asst" func="cnt" op="gte" val="1">
+                        <dgm:alg type="hierRoot">
+                          <dgm:param type="hierAlign" val="tR"/>
+                        </dgm:alg>
+                        <dgm:shape xmlns:r="http://schemas.openxmlformats.org/officeDocument/2006/relationships" r:blip="">
+                          <dgm:adjLst/>
+                        </dgm:shape>
+                        <dgm:presOf/>
+                        <dgm:constrLst>
+                          <dgm:constr type="alignOff" val="0.65"/>
+                        </dgm:constrLst>
+                      </dgm:if>
+                      <dgm:else name="Name64">
+                        <dgm:alg type="hierRoot">
+                          <dgm:param type="hierAlign" val="tR"/>
+                        </dgm:alg>
+                        <dgm:shape xmlns:r="http://schemas.openxmlformats.org/officeDocument/2006/relationships" r:blip="">
+                          <dgm:adjLst/>
+                        </dgm:shape>
+                        <dgm:presOf/>
+                        <dgm:constrLst>
+                          <dgm:constr type="alignOff" val="0.25"/>
+                        </dgm:constrLst>
+                      </dgm:else>
+                    </dgm:choose>
+                  </dgm:if>
+                  <dgm:if name="Name65" func="var" arg="hierBranch" op="equ" val="r">
+                    <dgm:choose name="Name66">
+                      <dgm:if name="Name67" axis="ch" ptType="asst" func="cnt" op="gte" val="1">
+                        <dgm:alg type="hierRoot">
+                          <dgm:param type="hierAlign" val="tL"/>
+                        </dgm:alg>
+                        <dgm:shape xmlns:r="http://schemas.openxmlformats.org/officeDocument/2006/relationships" r:blip="">
+                          <dgm:adjLst/>
+                        </dgm:shape>
+                        <dgm:presOf/>
+                        <dgm:constrLst>
+                          <dgm:constr type="alignOff" val="0.65"/>
+                        </dgm:constrLst>
+                      </dgm:if>
+                      <dgm:else name="Name68">
+                        <dgm:alg type="hierRoot">
+                          <dgm:param type="hierAlign" val="tL"/>
+                        </dgm:alg>
+                        <dgm:shape xmlns:r="http://schemas.openxmlformats.org/officeDocument/2006/relationships" r:blip="">
+                          <dgm:adjLst/>
+                        </dgm:shape>
+                        <dgm:presOf/>
+                        <dgm:constrLst>
+                          <dgm:constr type="alignOff" val="0.25"/>
+                        </dgm:constrLst>
+                      </dgm:else>
+                    </dgm:choose>
+                  </dgm:if>
+                  <dgm:if name="Name69" func="var" arg="hierBranch" op="equ" val="std">
+                    <dgm:alg type="hierRoot"/>
+                    <dgm:shape xmlns:r="http://schemas.openxmlformats.org/officeDocument/2006/relationships" r:blip="">
+                      <dgm:adjLst/>
+                    </dgm:shape>
+                    <dgm:presOf/>
+                    <dgm:constrLst>
+                      <dgm:constr type="alignOff"/>
+                      <dgm:constr type="bendDist" for="des" ptType="parTrans" refType="sp" fact="0.5"/>
+                    </dgm:constrLst>
+                  </dgm:if>
+                  <dgm:if name="Name70" func="var" arg="hierBranch" op="equ" val="init">
+                    <dgm:choose name="Name71">
+                      <dgm:if name="Name72" axis="des" func="maxDepth" op="lte" val="1">
+                        <dgm:choose name="Name73">
+                          <dgm:if name="Name74" axis="ch" ptType="asst" func="cnt" op="gte" val="1">
+                            <dgm:alg type="hierRoot">
+                              <dgm:param type="hierAlign" val="tL"/>
+                            </dgm:alg>
+                            <dgm:shape xmlns:r="http://schemas.openxmlformats.org/officeDocument/2006/relationships" r:blip="">
+                              <dgm:adjLst/>
+                            </dgm:shape>
+                            <dgm:presOf/>
+                            <dgm:constrLst>
+                              <dgm:constr type="alignOff" val="0.65"/>
+                            </dgm:constrLst>
+                          </dgm:if>
+                          <dgm:else name="Name75">
+                            <dgm:alg type="hierRoot">
+                              <dgm:param type="hierAlign" val="tL"/>
+                            </dgm:alg>
+                            <dgm:shape xmlns:r="http://schemas.openxmlformats.org/officeDocument/2006/relationships" r:blip="">
+                              <dgm:adjLst/>
+                            </dgm:shape>
+                            <dgm:presOf/>
+                            <dgm:constrLst>
+                              <dgm:constr type="alignOff" val="0.25"/>
+                            </dgm:constrLst>
+                          </dgm:else>
+                        </dgm:choose>
+                      </dgm:if>
+                      <dgm:else name="Name76">
+                        <dgm:alg type="hierRoot"/>
+                        <dgm:shape xmlns:r="http://schemas.openxmlformats.org/officeDocument/2006/relationships" r:blip="">
+                          <dgm:adjLst/>
+                        </dgm:shape>
+                        <dgm:presOf/>
+                        <dgm:constrLst>
+                          <dgm:constr type="alignOff"/>
+                          <dgm:constr type="bendDist" for="des" ptType="parTrans" refType="sp" fact="0.5"/>
+                        </dgm:constrLst>
+                      </dgm:else>
+                    </dgm:choose>
+                  </dgm:if>
+                  <dgm:else name="Name77">
+                    <dgm:alg type="hierRoot"/>
+                    <dgm:shape xmlns:r="http://schemas.openxmlformats.org/officeDocument/2006/relationships" r:blip="">
+                      <dgm:adjLst/>
+                    </dgm:shape>
+                    <dgm:presOf/>
+                    <dgm:constrLst>
+                      <dgm:constr type="alignOff" val="0.65"/>
+                    </dgm:constrLst>
+                  </dgm:else>
+                </dgm:choose>
+                <dgm:ruleLst/>
+                <dgm:layoutNode name="rootComposite">
+                  <dgm:alg type="composite"/>
+                  <dgm:shape xmlns:r="http://schemas.openxmlformats.org/officeDocument/2006/relationships" r:blip="">
+                    <dgm:adjLst/>
+                  </dgm:shape>
+                  <dgm:presOf axis="self" ptType="node" cnt="1"/>
+                  <dgm:choose name="Name78">
+                    <dgm:if name="Name79" func="var" arg="hierBranch" op="equ" val="init">
+                      <dgm:constrLst>
+                        <dgm:constr type="l" for="ch" forName="rootText"/>
+                        <dgm:constr type="t" for="ch" forName="rootText"/>
+                        <dgm:constr type="w" for="ch" forName="rootText" refType="w"/>
+                        <dgm:constr type="h" for="ch" forName="rootText" refType="h"/>
+                        <dgm:constr type="l" for="ch" forName="rootConnector"/>
+                        <dgm:constr type="t" for="ch" forName="rootConnector"/>
+                        <dgm:constr type="w" for="ch" forName="rootConnector" refType="w" refFor="ch" refForName="rootText" fact="0.2"/>
+                        <dgm:constr type="h" for="ch" forName="rootConnector" refType="h" refFor="ch" refForName="rootText"/>
+                      </dgm:constrLst>
+                    </dgm:if>
+                    <dgm:if name="Name80" func="var" arg="hierBranch" op="equ" val="l">
+                      <dgm:constrLst>
+                        <dgm:constr type="l" for="ch" forName="rootText"/>
+                        <dgm:constr type="t" for="ch" forName="rootText"/>
+                        <dgm:constr type="w" for="ch" forName="rootText" refType="w"/>
+                        <dgm:constr type="h" for="ch" forName="rootText" refType="h"/>
+                        <dgm:constr type="r" for="ch" forName="rootConnector" refType="w"/>
+                        <dgm:constr type="t" for="ch" forName="rootConnector"/>
+                        <dgm:constr type="w" for="ch" forName="rootConnector" refType="w" refFor="ch" refForName="rootText" fact="0.2"/>
+                        <dgm:constr type="h" for="ch" forName="rootConnector" refType="h" refFor="ch" refForName="rootText"/>
+                      </dgm:constrLst>
+                    </dgm:if>
+                    <dgm:if name="Name81" func="var" arg="hierBranch" op="equ" val="r">
+                      <dgm:constrLst>
+                        <dgm:constr type="l" for="ch" forName="rootText"/>
+                        <dgm:constr type="t" for="ch" forName="rootText"/>
+                        <dgm:constr type="w" for="ch" forName="rootText" refType="w"/>
+                        <dgm:constr type="h" for="ch" forName="rootText" refType="h"/>
+                        <dgm:constr type="l" for="ch" forName="rootConnector"/>
+                        <dgm:constr type="t" for="ch" forName="rootConnector"/>
+                        <dgm:constr type="w" for="ch" forName="rootConnector" refType="w" refFor="ch" refForName="rootText" fact="0.2"/>
+                        <dgm:constr type="h" for="ch" forName="rootConnector" refType="h" refFor="ch" refForName="rootText"/>
+                      </dgm:constrLst>
+                    </dgm:if>
+                    <dgm:else name="Name82">
+                      <dgm:constrLst>
+                        <dgm:constr type="l" for="ch" forName="rootText"/>
+                        <dgm:constr type="t" for="ch" forName="rootText"/>
+                        <dgm:constr type="w" for="ch" forName="rootText" refType="w"/>
+                        <dgm:constr type="h" for="ch" forName="rootText" refType="h"/>
+                        <dgm:constr type="r" for="ch" forName="rootConnector" refType="w"/>
+                        <dgm:constr type="t" for="ch" forName="rootConnector"/>
+                        <dgm:constr type="w" for="ch" forName="rootConnector" refType="w" refFor="ch" refForName="rootText" fact="0.2"/>
+                        <dgm:constr type="h" for="ch" forName="rootConnector" refType="h" refFor="ch" refForName="rootText"/>
+                      </dgm:constrLst>
+                    </dgm:else>
+                  </dgm:choose>
+                  <dgm:ruleLst/>
+                  <dgm:layoutNode name="rootText">
+                    <dgm:varLst>
+                      <dgm:chPref val="3"/>
+                    </dgm:varLst>
+                    <dgm:alg type="tx"/>
+                    <dgm:shape xmlns:r="http://schemas.openxmlformats.org/officeDocument/2006/relationships" type="rect" r:blip="">
+                      <dgm:adjLst/>
+                    </dgm:shape>
+                    <dgm:presOf axis="self" ptType="node" cnt="1"/>
+                    <dgm:constrLst>
+                      <dgm:constr type="primFontSz" val="65"/>
+                      <dgm:constr type="lMarg" refType="primFontSz" fact="0.05"/>
+                      <dgm:constr type="rMarg" refType="primFontSz" fact="0.05"/>
+                      <dgm:constr type="tMarg" refType="primFontSz" fact="0.05"/>
+                      <dgm:constr type="bMarg" refType="primFontSz" fact="0.05"/>
+                    </dgm:constrLst>
+                    <dgm:ruleLst>
+                      <dgm:rule type="primFontSz" val="5" fact="NaN" max="NaN"/>
+                    </dgm:ruleLst>
+                  </dgm:layoutNode>
+                  <dgm:layoutNode name="rootConnector" moveWith="rootText">
+                    <dgm:alg type="sp"/>
+                    <dgm:shape xmlns:r="http://schemas.openxmlformats.org/officeDocument/2006/relationships" type="rect" r:blip="" hideGeom="1">
+                      <dgm:adjLst/>
+                    </dgm:shape>
+                    <dgm:presOf axis="self" ptType="node" cnt="1"/>
+                    <dgm:constrLst/>
+                    <dgm:ruleLst/>
+                  </dgm:layoutNode>
+                </dgm:layoutNode>
+                <dgm:layoutNode name="hierChild4">
+                  <dgm:choose name="Name83">
+                    <dgm:if name="Name84" func="var" arg="hierBranch" op="equ" val="l">
+                      <dgm:alg type="hierChild">
+                        <dgm:param type="chAlign" val="r"/>
+                        <dgm:param type="linDir" val="fromT"/>
+                      </dgm:alg>
+                    </dgm:if>
+                    <dgm:if name="Name85" func="var" arg="hierBranch" op="equ" val="r">
+                      <dgm:alg type="hierChild">
+                        <dgm:param type="chAlign" val="l"/>
+                        <dgm:param type="linDir" val="fromT"/>
+                      </dgm:alg>
+                    </dgm:if>
+                    <dgm:if name="Name86" func="var" arg="hierBranch" op="equ" val="hang">
+                      <dgm:choose name="Name87">
+                        <dgm:if name="Name88" func="var" arg="dir" op="equ" val="norm">
+                          <dgm:alg type="hierChild">
+                            <dgm:param type="chAlign" val="l"/>
+                            <dgm:param type="linDir" val="fromL"/>
+                            <dgm:param type="secChAlign" val="t"/>
+                            <dgm:param type="secLinDir" val="fromT"/>
+                          </dgm:alg>
+                        </dgm:if>
+                        <dgm:else name="Name89">
+                          <dgm:alg type="hierChild">
+                            <dgm:param type="chAlign" val="l"/>
+                            <dgm:param type="linDir" val="fromR"/>
+                            <dgm:param type="secChAlign" val="t"/>
+                            <dgm:param type="secLinDir" val="fromT"/>
+                          </dgm:alg>
+                        </dgm:else>
+                      </dgm:choose>
+                    </dgm:if>
+                    <dgm:if name="Name90" func="var" arg="hierBranch" op="equ" val="std">
+                      <dgm:choose name="Name91">
+                        <dgm:if name="Name92" func="var" arg="dir" op="equ" val="norm">
+                          <dgm:alg type="hierChild"/>
+                        </dgm:if>
+                        <dgm:else name="Name93">
+                          <dgm:alg type="hierChild">
+                            <dgm:param type="linDir" val="fromR"/>
+                          </dgm:alg>
+                        </dgm:else>
+                      </dgm:choose>
+                    </dgm:if>
+                    <dgm:if name="Name94" func="var" arg="hierBranch" op="equ" val="init">
+                      <dgm:choose name="Name95">
+                        <dgm:if name="Name96" axis="des" func="maxDepth" op="lte" val="1">
+                          <dgm:alg type="hierChild">
+                            <dgm:param type="chAlign" val="l"/>
+                            <dgm:param type="linDir" val="fromT"/>
+                          </dgm:alg>
+                        </dgm:if>
+                        <dgm:else name="Name97">
+                          <dgm:choose name="Name98">
+                            <dgm:if name="Name99" func="var" arg="dir" op="equ" val="norm">
+                              <dgm:alg type="hierChild"/>
+                            </dgm:if>
+                            <dgm:else name="Name100">
+                              <dgm:alg type="hierChild">
+                                <dgm:param type="linDir" val="fromR"/>
+                              </dgm:alg>
+                            </dgm:else>
+                          </dgm:choose>
+                        </dgm:else>
+                      </dgm:choose>
+                    </dgm:if>
+                    <dgm:else name="Name101"/>
+                  </dgm:choose>
+                  <dgm:shape xmlns:r="http://schemas.openxmlformats.org/officeDocument/2006/relationships" r:blip="">
+                    <dgm:adjLst/>
+                  </dgm:shape>
+                  <dgm:presOf/>
+                  <dgm:constrLst/>
+                  <dgm:ruleLst/>
+                  <dgm:forEach name="Name102" ref="rep2a"/>
+                </dgm:layoutNode>
+                <dgm:layoutNode name="hierChild5">
+                  <dgm:choose name="Name103">
+                    <dgm:if name="Name104" func="var" arg="dir" op="equ" val="norm">
+                      <dgm:alg type="hierChild">
+                        <dgm:param type="chAlign" val="l"/>
+                        <dgm:param type="linDir" val="fromL"/>
+                        <dgm:param type="secChAlign" val="t"/>
+                        <dgm:param type="secLinDir" val="fromT"/>
+                      </dgm:alg>
+                    </dgm:if>
+                    <dgm:else name="Name105">
+                      <dgm:alg type="hierChild">
+                        <dgm:param type="chAlign" val="l"/>
+                        <dgm:param type="linDir" val="fromR"/>
+                        <dgm:param type="secChAlign" val="t"/>
+                        <dgm:param type="secLinDir" val="fromT"/>
+                      </dgm:alg>
+                    </dgm:else>
+                  </dgm:choose>
+                  <dgm:shape xmlns:r="http://schemas.openxmlformats.org/officeDocument/2006/relationships" r:blip="">
+                    <dgm:adjLst/>
+                  </dgm:shape>
+                  <dgm:presOf/>
+                  <dgm:constrLst/>
+                  <dgm:ruleLst/>
+                  <dgm:forEach name="Name106" ref="rep2b"/>
+                </dgm:layoutNode>
+              </dgm:layoutNode>
+            </dgm:forEach>
+          </dgm:layoutNode>
+          <dgm:layoutNode name="hierChild3">
+            <dgm:choose name="Name107">
+              <dgm:if name="Name108" func="var" arg="dir" op="equ" val="norm">
+                <dgm:alg type="hierChild">
+                  <dgm:param type="chAlign" val="l"/>
+                  <dgm:param type="linDir" val="fromL"/>
+                  <dgm:param type="secChAlign" val="t"/>
+                  <dgm:param type="secLinDir" val="fromT"/>
+                </dgm:alg>
+              </dgm:if>
+              <dgm:else name="Name109">
+                <dgm:alg type="hierChild">
+                  <dgm:param type="chAlign" val="l"/>
+                  <dgm:param type="linDir" val="fromR"/>
+                  <dgm:param type="secChAlign" val="t"/>
+                  <dgm:param type="secLinDir" val="fromT"/>
+                </dgm:alg>
+              </dgm:else>
+            </dgm:choose>
+            <dgm:shape xmlns:r="http://schemas.openxmlformats.org/officeDocument/2006/relationships" r:blip="">
+              <dgm:adjLst/>
+            </dgm:shape>
+            <dgm:presOf/>
+            <dgm:constrLst/>
+            <dgm:ruleLst/>
+            <dgm:forEach name="rep2b" axis="ch" ptType="asst">
+              <dgm:forEach name="Name110" axis="precedSib" ptType="parTrans" st="-1" cnt="1">
+                <dgm:layoutNode name="Name111">
+                  <dgm:alg type="conn">
+                    <dgm:param type="connRout" val="bend"/>
+                    <dgm:param type="dim" val="1D"/>
+                    <dgm:param type="endSty" val="noArr"/>
+                    <dgm:param type="begPts" val="bCtr"/>
+                    <dgm:param type="endPts" val="midL midR"/>
+                  </dgm:alg>
+                  <dgm:shape xmlns:r="http://schemas.openxmlformats.org/officeDocument/2006/relationships" type="conn" r:blip="" zOrderOff="-99999">
+                    <dgm:adjLst/>
+                  </dgm:shape>
+                  <dgm:presOf axis="self"/>
+                  <dgm:constrLst>
+                    <dgm:constr type="begPad"/>
+                    <dgm:constr type="endPad"/>
+                  </dgm:constrLst>
+                  <dgm:ruleLst/>
+                </dgm:layoutNode>
+              </dgm:forEach>
+              <dgm:layoutNode name="hierRoot3">
+                <dgm:varLst>
+                  <dgm:hierBranch val="init"/>
+                </dgm:varLst>
+                <dgm:choose name="Name112">
+                  <dgm:if name="Name113" func="var" arg="hierBranch" op="equ" val="l">
+                    <dgm:alg type="hierRoot">
+                      <dgm:param type="hierAlign" val="tR"/>
+                    </dgm:alg>
+                    <dgm:shape xmlns:r="http://schemas.openxmlformats.org/officeDocument/2006/relationships" r:blip="">
+                      <dgm:adjLst/>
+                    </dgm:shape>
+                    <dgm:presOf/>
+                    <dgm:constrLst>
+                      <dgm:constr type="alignOff" val="0.65"/>
+                    </dgm:constrLst>
+                  </dgm:if>
+                  <dgm:if name="Name114" func="var" arg="hierBranch" op="equ" val="r">
+                    <dgm:alg type="hierRoot">
+                      <dgm:param type="hierAlign" val="tL"/>
+                    </dgm:alg>
+                    <dgm:shape xmlns:r="http://schemas.openxmlformats.org/officeDocument/2006/relationships" r:blip="">
+                      <dgm:adjLst/>
+                    </dgm:shape>
+                    <dgm:presOf/>
+                    <dgm:constrLst>
+                      <dgm:constr type="alignOff" val="0.65"/>
+                    </dgm:constrLst>
+                  </dgm:if>
+                  <dgm:if name="Name115" func="var" arg="hierBranch" op="equ" val="hang">
+                    <dgm:alg type="hierRoot"/>
+                    <dgm:shape xmlns:r="http://schemas.openxmlformats.org/officeDocument/2006/relationships" r:blip="">
+                      <dgm:adjLst/>
+                    </dgm:shape>
+                    <dgm:presOf/>
+                    <dgm:constrLst>
+                      <dgm:constr type="alignOff" val="0.65"/>
+                    </dgm:constrLst>
+                  </dgm:if>
+                  <dgm:if name="Name116" func="var" arg="hierBranch" op="equ" val="std">
+                    <dgm:alg type="hierRoot"/>
+                    <dgm:shape xmlns:r="http://schemas.openxmlformats.org/officeDocument/2006/relationships" r:blip="">
+                      <dgm:adjLst/>
+                    </dgm:shape>
+                    <dgm:presOf/>
+                    <dgm:constrLst>
+                      <dgm:constr type="alignOff"/>
+                      <dgm:constr type="bendDist" for="des" ptType="parTrans" refType="sp" fact="0.5"/>
+                    </dgm:constrLst>
+                  </dgm:if>
+                  <dgm:if name="Name117" func="var" arg="hierBranch" op="equ" val="init">
+                    <dgm:choose name="Name118">
+                      <dgm:if name="Name119" axis="des" func="maxDepth" op="lte" val="1">
+                        <dgm:alg type="hierRoot">
+                          <dgm:param type="hierAlign" val="tL"/>
+                        </dgm:alg>
+                        <dgm:shape xmlns:r="http://schemas.openxmlformats.org/officeDocument/2006/relationships" r:blip="">
+                          <dgm:adjLst/>
+                        </dgm:shape>
+                        <dgm:presOf/>
+                        <dgm:constrLst>
+                          <dgm:constr type="alignOff" val="0.65"/>
+                        </dgm:constrLst>
+                      </dgm:if>
+                      <dgm:else name="Name120">
+                        <dgm:alg type="hierRoot"/>
+                        <dgm:shape xmlns:r="http://schemas.openxmlformats.org/officeDocument/2006/relationships" r:blip="">
+                          <dgm:adjLst/>
+                        </dgm:shape>
+                        <dgm:presOf/>
+                        <dgm:constrLst>
+                          <dgm:constr type="alignOff"/>
+                          <dgm:constr type="bendDist" for="des" ptType="parTrans" refType="sp" fact="0.5"/>
+                        </dgm:constrLst>
+                      </dgm:else>
+                    </dgm:choose>
+                  </dgm:if>
+                  <dgm:else name="Name121"/>
+                </dgm:choose>
+                <dgm:ruleLst/>
+                <dgm:layoutNode name="rootComposite3">
+                  <dgm:alg type="composite"/>
+                  <dgm:shape xmlns:r="http://schemas.openxmlformats.org/officeDocument/2006/relationships" r:blip="">
+                    <dgm:adjLst/>
+                  </dgm:shape>
+                  <dgm:presOf axis="self" ptType="node" cnt="1"/>
+                  <dgm:choose name="Name122">
+                    <dgm:if name="Name123" func="var" arg="hierBranch" op="equ" val="init">
+                      <dgm:constrLst>
+                        <dgm:constr type="l" for="ch" forName="rootText3"/>
+                        <dgm:constr type="t" for="ch" forName="rootText3"/>
+                        <dgm:constr type="w" for="ch" forName="rootText3" refType="w"/>
+                        <dgm:constr type="h" for="ch" forName="rootText3" refType="h"/>
+                        <dgm:constr type="l" for="ch" forName="rootConnector3"/>
+                        <dgm:constr type="t" for="ch" forName="rootConnector3"/>
+                        <dgm:constr type="w" for="ch" forName="rootConnector3" refType="w" refFor="ch" refForName="rootText3" fact="0.2"/>
+                        <dgm:constr type="h" for="ch" forName="rootConnector3" refType="h" refFor="ch" refForName="rootText3"/>
+                      </dgm:constrLst>
+                    </dgm:if>
+                    <dgm:if name="Name124" func="var" arg="hierBranch" op="equ" val="l">
+                      <dgm:constrLst>
+                        <dgm:constr type="l" for="ch" forName="rootText3"/>
+                        <dgm:constr type="t" for="ch" forName="rootText3"/>
+                        <dgm:constr type="w" for="ch" forName="rootText3" refType="w"/>
+                        <dgm:constr type="h" for="ch" forName="rootText3" refType="h"/>
+                        <dgm:constr type="r" for="ch" forName="rootConnector3" refType="w"/>
+                        <dgm:constr type="t" for="ch" forName="rootConnector3"/>
+                        <dgm:constr type="w" for="ch" forName="rootConnector3" refType="w" refFor="ch" refForName="rootText3" fact="0.2"/>
+                        <dgm:constr type="h" for="ch" forName="rootConnector3" refType="h" refFor="ch" refForName="rootText3"/>
+                      </dgm:constrLst>
+                    </dgm:if>
+                    <dgm:if name="Name125" func="var" arg="hierBranch" op="equ" val="r">
+                      <dgm:constrLst>
+                        <dgm:constr type="l" for="ch" forName="rootText3"/>
+                        <dgm:constr type="t" for="ch" forName="rootText3"/>
+                        <dgm:constr type="w" for="ch" forName="rootText3" refType="w"/>
+                        <dgm:constr type="h" for="ch" forName="rootText3" refType="h"/>
+                        <dgm:constr type="l" for="ch" forName="rootConnector3"/>
+                        <dgm:constr type="t" for="ch" forName="rootConnector3"/>
+                        <dgm:constr type="w" for="ch" forName="rootConnector3" refType="w" refFor="ch" refForName="rootText3" fact="0.2"/>
+                        <dgm:constr type="h" for="ch" forName="rootConnector3" refType="h" refFor="ch" refForName="rootText3"/>
+                      </dgm:constrLst>
+                    </dgm:if>
+                    <dgm:else name="Name126">
+                      <dgm:constrLst>
+                        <dgm:constr type="l" for="ch" forName="rootText3"/>
+                        <dgm:constr type="t" for="ch" forName="rootText3"/>
+                        <dgm:constr type="w" for="ch" forName="rootText3" refType="w"/>
+                        <dgm:constr type="h" for="ch" forName="rootText3" refType="h"/>
+                        <dgm:constr type="r" for="ch" forName="rootConnector3" refType="w"/>
+                        <dgm:constr type="t" for="ch" forName="rootConnector3"/>
+                        <dgm:constr type="w" for="ch" forName="rootConnector3" refType="w" refFor="ch" refForName="rootText3" fact="0.2"/>
+                        <dgm:constr type="h" for="ch" forName="rootConnector3" refType="h" refFor="ch" refForName="rootText3"/>
+                      </dgm:constrLst>
+                    </dgm:else>
+                  </dgm:choose>
+                  <dgm:ruleLst/>
+                  <dgm:layoutNode name="rootText3">
+                    <dgm:varLst>
+                      <dgm:chPref val="3"/>
+                    </dgm:varLst>
+                    <dgm:alg type="tx"/>
+                    <dgm:shape xmlns:r="http://schemas.openxmlformats.org/officeDocument/2006/relationships" type="rect" r:blip="">
+                      <dgm:adjLst/>
+                    </dgm:shape>
+                    <dgm:presOf axis="self" ptType="node" cnt="1"/>
+                    <dgm:constrLst>
+                      <dgm:constr type="primFontSz" val="65"/>
+                      <dgm:constr type="lMarg" refType="primFontSz" fact="0.05"/>
+                      <dgm:constr type="rMarg" refType="primFontSz" fact="0.05"/>
+                      <dgm:constr type="tMarg" refType="primFontSz" fact="0.05"/>
+                      <dgm:constr type="bMarg" refType="primFontSz" fact="0.05"/>
+                    </dgm:constrLst>
+                    <dgm:ruleLst>
+                      <dgm:rule type="primFontSz" val="5" fact="NaN" max="NaN"/>
+                    </dgm:ruleLst>
+                  </dgm:layoutNode>
+                  <dgm:layoutNode name="rootConnector3" moveWith="rootText1">
+                    <dgm:alg type="sp"/>
+                    <dgm:shape xmlns:r="http://schemas.openxmlformats.org/officeDocument/2006/relationships" type="rect" r:blip="" hideGeom="1">
+                      <dgm:adjLst/>
+                    </dgm:shape>
+                    <dgm:presOf axis="self" ptType="node" cnt="1"/>
+                    <dgm:constrLst/>
+                    <dgm:ruleLst/>
+                  </dgm:layoutNode>
+                </dgm:layoutNode>
+                <dgm:layoutNode name="hierChild6">
+                  <dgm:choose name="Name127">
+                    <dgm:if name="Name128" func="var" arg="hierBranch" op="equ" val="l">
+                      <dgm:alg type="hierChild">
+                        <dgm:param type="chAlign" val="r"/>
+                        <dgm:param type="linDir" val="fromT"/>
+                      </dgm:alg>
+                    </dgm:if>
+                    <dgm:if name="Name129" func="var" arg="hierBranch" op="equ" val="r">
+                      <dgm:alg type="hierChild">
+                        <dgm:param type="chAlign" val="l"/>
+                        <dgm:param type="linDir" val="fromT"/>
+                      </dgm:alg>
+                    </dgm:if>
+                    <dgm:if name="Name130" func="var" arg="hierBranch" op="equ" val="hang">
+                      <dgm:choose name="Name131">
+                        <dgm:if name="Name132" func="var" arg="dir" op="equ" val="norm">
+                          <dgm:alg type="hierChild">
+                            <dgm:param type="chAlign" val="l"/>
+                            <dgm:param type="linDir" val="fromL"/>
+                            <dgm:param type="secChAlign" val="t"/>
+                            <dgm:param type="secLinDir" val="fromT"/>
+                          </dgm:alg>
+                        </dgm:if>
+                        <dgm:else name="Name133">
+                          <dgm:alg type="hierChild">
+                            <dgm:param type="chAlign" val="l"/>
+                            <dgm:param type="linDir" val="fromR"/>
+                            <dgm:param type="secChAlign" val="t"/>
+                            <dgm:param type="secLinDir" val="fromT"/>
+                          </dgm:alg>
+                        </dgm:else>
+                      </dgm:choose>
+                    </dgm:if>
+                    <dgm:if name="Name134" func="var" arg="hierBranch" op="equ" val="std">
+                      <dgm:choose name="Name135">
+                        <dgm:if name="Name136" func="var" arg="dir" op="equ" val="norm">
+                          <dgm:alg type="hierChild"/>
+                        </dgm:if>
+                        <dgm:else name="Name137">
+                          <dgm:alg type="hierChild">
+                            <dgm:param type="linDir" val="fromR"/>
+                          </dgm:alg>
+                        </dgm:else>
+                      </dgm:choose>
+                    </dgm:if>
+                    <dgm:if name="Name138" func="var" arg="hierBranch" op="equ" val="init">
+                      <dgm:choose name="Name139">
+                        <dgm:if name="Name140" axis="des" func="maxDepth" op="lte" val="1">
+                          <dgm:alg type="hierChild">
+                            <dgm:param type="chAlign" val="l"/>
+                            <dgm:param type="linDir" val="fromT"/>
+                          </dgm:alg>
+                        </dgm:if>
+                        <dgm:else name="Name141">
+                          <dgm:alg type="hierChild"/>
+                        </dgm:else>
+                      </dgm:choose>
+                    </dgm:if>
+                    <dgm:else name="Name142"/>
+                  </dgm:choose>
+                  <dgm:shape xmlns:r="http://schemas.openxmlformats.org/officeDocument/2006/relationships" r:blip="">
+                    <dgm:adjLst/>
+                  </dgm:shape>
+                  <dgm:presOf/>
+                  <dgm:constrLst/>
+                  <dgm:ruleLst/>
+                  <dgm:forEach name="Name143" ref="rep2a"/>
+                </dgm:layoutNode>
+                <dgm:layoutNode name="hierChild7">
+                  <dgm:choose name="Name144">
+                    <dgm:if name="Name145" func="var" arg="dir" op="equ" val="norm">
+                      <dgm:alg type="hierChild">
+                        <dgm:param type="chAlign" val="l"/>
+                        <dgm:param type="linDir" val="fromL"/>
+                        <dgm:param type="secChAlign" val="t"/>
+                        <dgm:param type="secLinDir" val="fromT"/>
+                      </dgm:alg>
+                    </dgm:if>
+                    <dgm:else name="Name146">
+                      <dgm:alg type="hierChild">
+                        <dgm:param type="chAlign" val="l"/>
+                        <dgm:param type="linDir" val="fromR"/>
+                        <dgm:param type="secChAlign" val="t"/>
+                        <dgm:param type="secLinDir" val="fromT"/>
+                      </dgm:alg>
+                    </dgm:else>
+                  </dgm:choose>
+                  <dgm:shape xmlns:r="http://schemas.openxmlformats.org/officeDocument/2006/relationships" r:blip="">
+                    <dgm:adjLst/>
+                  </dgm:shape>
+                  <dgm:presOf/>
+                  <dgm:constrLst/>
+                  <dgm:ruleLst/>
+                  <dgm:forEach name="Name147" ref="rep2b"/>
+                </dgm:layoutNode>
+              </dgm:layoutNode>
+            </dgm:forEach>
+          </dgm:layoutNode>
+        </dgm:layoutNode>
+      </dgm:forEach>
+    </dgm:forEach>
+  </dgm:layoutNode>
+</dgm:layoutDef>
+</file>
+
+<file path=ppt/diagrams/layout5.xml><?xml version="1.0" encoding="utf-8"?>
 <dgm:layoutDef xmlns:dgm="http://schemas.openxmlformats.org/drawingml/2006/diagram" xmlns:a="http://schemas.openxmlformats.org/drawingml/2006/main" uniqueId="urn:microsoft.com/office/officeart/2018/2/layout/IconVerticalSolidList">
   <dgm:title val="Icon Vertical Solid List"/>
   <dgm:desc val="Use to show a series of visuals from top to bottom with Level 1 or Level 1 and Level 2 text grouped in a shape. Works best with icons or small pictures with lengthier descriptions."/>
@@ -14484,6 +17020,1040 @@
 </dgm:styleDef>
 </file>
 
+<file path=ppt/diagrams/quickStyle5.xml><?xml version="1.0" encoding="utf-8"?>
+<dgm:styleDef xmlns:dgm="http://schemas.openxmlformats.org/drawingml/2006/diagram" xmlns:a="http://schemas.openxmlformats.org/drawingml/2006/main" uniqueId="urn:microsoft.com/office/officeart/2005/8/quickstyle/simple1">
+  <dgm:title val=""/>
+  <dgm:desc val=""/>
+  <dgm:catLst>
+    <dgm:cat type="simple" pri="10100"/>
+  </dgm:catLst>
+  <dgm:scene3d>
+    <a:camera prst="orthographicFront"/>
+    <a:lightRig rig="threePt" dir="t"/>
+  </dgm:scene3d>
+  <dgm:styleLbl name="node0">
+    <dgm:scene3d>
+      <a:camera prst="orthographicFront"/>
+      <a:lightRig rig="threePt" dir="t"/>
+    </dgm:scene3d>
+    <dgm:sp3d/>
+    <dgm:txPr/>
+    <dgm:style>
+      <a:lnRef idx="2">
+        <a:scrgbClr r="0" g="0" b="0"/>
+      </a:lnRef>
+      <a:fillRef idx="1">
+        <a:scrgbClr r="0" g="0" b="0"/>
+      </a:fillRef>
+      <a:effectRef idx="0">
+        <a:scrgbClr r="0" g="0" b="0"/>
+      </a:effectRef>
+      <a:fontRef idx="minor">
+        <a:schemeClr val="lt1"/>
+      </a:fontRef>
+    </dgm:style>
+  </dgm:styleLbl>
+  <dgm:styleLbl name="lnNode1">
+    <dgm:scene3d>
+      <a:camera prst="orthographicFront"/>
+      <a:lightRig rig="threePt" dir="t"/>
+    </dgm:scene3d>
+    <dgm:sp3d/>
+    <dgm:txPr/>
+    <dgm:style>
+      <a:lnRef idx="2">
+        <a:scrgbClr r="0" g="0" b="0"/>
+      </a:lnRef>
+      <a:fillRef idx="1">
+        <a:scrgbClr r="0" g="0" b="0"/>
+      </a:fillRef>
+      <a:effectRef idx="0">
+        <a:scrgbClr r="0" g="0" b="0"/>
+      </a:effectRef>
+      <a:fontRef idx="minor">
+        <a:schemeClr val="lt1"/>
+      </a:fontRef>
+    </dgm:style>
+  </dgm:styleLbl>
+  <dgm:styleLbl name="vennNode1">
+    <dgm:scene3d>
+      <a:camera prst="orthographicFront"/>
+      <a:lightRig rig="threePt" dir="t"/>
+    </dgm:scene3d>
+    <dgm:sp3d/>
+    <dgm:txPr/>
+    <dgm:style>
+      <a:lnRef idx="2">
+        <a:scrgbClr r="0" g="0" b="0"/>
+      </a:lnRef>
+      <a:fillRef idx="1">
+        <a:scrgbClr r="0" g="0" b="0"/>
+      </a:fillRef>
+      <a:effectRef idx="0">
+        <a:scrgbClr r="0" g="0" b="0"/>
+      </a:effectRef>
+      <a:fontRef idx="minor">
+        <a:schemeClr val="tx1"/>
+      </a:fontRef>
+    </dgm:style>
+  </dgm:styleLbl>
+  <dgm:styleLbl name="alignNode1">
+    <dgm:scene3d>
+      <a:camera prst="orthographicFront"/>
+      <a:lightRig rig="threePt" dir="t"/>
+    </dgm:scene3d>
+    <dgm:sp3d/>
+    <dgm:txPr/>
+    <dgm:style>
+      <a:lnRef idx="2">
+        <a:scrgbClr r="0" g="0" b="0"/>
+      </a:lnRef>
+      <a:fillRef idx="1">
+        <a:scrgbClr r="0" g="0" b="0"/>
+      </a:fillRef>
+      <a:effectRef idx="0">
+        <a:scrgbClr r="0" g="0" b="0"/>
+      </a:effectRef>
+      <a:fontRef idx="minor">
+        <a:schemeClr val="lt1"/>
+      </a:fontRef>
+    </dgm:style>
+  </dgm:styleLbl>
+  <dgm:styleLbl name="node1">
+    <dgm:scene3d>
+      <a:camera prst="orthographicFront"/>
+      <a:lightRig rig="threePt" dir="t"/>
+    </dgm:scene3d>
+    <dgm:sp3d/>
+    <dgm:txPr/>
+    <dgm:style>
+      <a:lnRef idx="2">
+        <a:scrgbClr r="0" g="0" b="0"/>
+      </a:lnRef>
+      <a:fillRef idx="1">
+        <a:scrgbClr r="0" g="0" b="0"/>
+      </a:fillRef>
+      <a:effectRef idx="0">
+        <a:scrgbClr r="0" g="0" b="0"/>
+      </a:effectRef>
+      <a:fontRef idx="minor">
+        <a:schemeClr val="lt1"/>
+      </a:fontRef>
+    </dgm:style>
+  </dgm:styleLbl>
+  <dgm:styleLbl name="node2">
+    <dgm:scene3d>
+      <a:camera prst="orthographicFront"/>
+      <a:lightRig rig="threePt" dir="t"/>
+    </dgm:scene3d>
+    <dgm:sp3d/>
+    <dgm:txPr/>
+    <dgm:style>
+      <a:lnRef idx="2">
+        <a:scrgbClr r="0" g="0" b="0"/>
+      </a:lnRef>
+      <a:fillRef idx="1">
+        <a:scrgbClr r="0" g="0" b="0"/>
+      </a:fillRef>
+      <a:effectRef idx="0">
+        <a:scrgbClr r="0" g="0" b="0"/>
+      </a:effectRef>
+      <a:fontRef idx="minor">
+        <a:schemeClr val="lt1"/>
+      </a:fontRef>
+    </dgm:style>
+  </dgm:styleLbl>
+  <dgm:styleLbl name="node3">
+    <dgm:scene3d>
+      <a:camera prst="orthographicFront"/>
+      <a:lightRig rig="threePt" dir="t"/>
+    </dgm:scene3d>
+    <dgm:sp3d/>
+    <dgm:txPr/>
+    <dgm:style>
+      <a:lnRef idx="2">
+        <a:scrgbClr r="0" g="0" b="0"/>
+      </a:lnRef>
+      <a:fillRef idx="1">
+        <a:scrgbClr r="0" g="0" b="0"/>
+      </a:fillRef>
+      <a:effectRef idx="0">
+        <a:scrgbClr r="0" g="0" b="0"/>
+      </a:effectRef>
+      <a:fontRef idx="minor">
+        <a:schemeClr val="lt1"/>
+      </a:fontRef>
+    </dgm:style>
+  </dgm:styleLbl>
+  <dgm:styleLbl name="node4">
+    <dgm:scene3d>
+      <a:camera prst="orthographicFront"/>
+      <a:lightRig rig="threePt" dir="t"/>
+    </dgm:scene3d>
+    <dgm:sp3d/>
+    <dgm:txPr/>
+    <dgm:style>
+      <a:lnRef idx="2">
+        <a:scrgbClr r="0" g="0" b="0"/>
+      </a:lnRef>
+      <a:fillRef idx="1">
+        <a:scrgbClr r="0" g="0" b="0"/>
+      </a:fillRef>
+      <a:effectRef idx="0">
+        <a:scrgbClr r="0" g="0" b="0"/>
+      </a:effectRef>
+      <a:fontRef idx="minor">
+        <a:schemeClr val="lt1"/>
+      </a:fontRef>
+    </dgm:style>
+  </dgm:styleLbl>
+  <dgm:styleLbl name="fgImgPlace1">
+    <dgm:scene3d>
+      <a:camera prst="orthographicFront"/>
+      <a:lightRig rig="threePt" dir="t"/>
+    </dgm:scene3d>
+    <dgm:sp3d/>
+    <dgm:txPr/>
+    <dgm:style>
+      <a:lnRef idx="2">
+        <a:scrgbClr r="0" g="0" b="0"/>
+      </a:lnRef>
+      <a:fillRef idx="1">
+        <a:scrgbClr r="0" g="0" b="0"/>
+      </a:fillRef>
+      <a:effectRef idx="0">
+        <a:scrgbClr r="0" g="0" b="0"/>
+      </a:effectRef>
+      <a:fontRef idx="minor"/>
+    </dgm:style>
+  </dgm:styleLbl>
+  <dgm:styleLbl name="alignImgPlace1">
+    <dgm:scene3d>
+      <a:camera prst="orthographicFront"/>
+      <a:lightRig rig="threePt" dir="t"/>
+    </dgm:scene3d>
+    <dgm:sp3d/>
+    <dgm:txPr/>
+    <dgm:style>
+      <a:lnRef idx="2">
+        <a:scrgbClr r="0" g="0" b="0"/>
+      </a:lnRef>
+      <a:fillRef idx="1">
+        <a:scrgbClr r="0" g="0" b="0"/>
+      </a:fillRef>
+      <a:effectRef idx="0">
+        <a:scrgbClr r="0" g="0" b="0"/>
+      </a:effectRef>
+      <a:fontRef idx="minor"/>
+    </dgm:style>
+  </dgm:styleLbl>
+  <dgm:styleLbl name="bgImgPlace1">
+    <dgm:scene3d>
+      <a:camera prst="orthographicFront"/>
+      <a:lightRig rig="threePt" dir="t"/>
+    </dgm:scene3d>
+    <dgm:sp3d/>
+    <dgm:txPr/>
+    <dgm:style>
+      <a:lnRef idx="2">
+        <a:scrgbClr r="0" g="0" b="0"/>
+      </a:lnRef>
+      <a:fillRef idx="1">
+        <a:scrgbClr r="0" g="0" b="0"/>
+      </a:fillRef>
+      <a:effectRef idx="0">
+        <a:scrgbClr r="0" g="0" b="0"/>
+      </a:effectRef>
+      <a:fontRef idx="minor"/>
+    </dgm:style>
+  </dgm:styleLbl>
+  <dgm:styleLbl name="sibTrans2D1">
+    <dgm:scene3d>
+      <a:camera prst="orthographicFront"/>
+      <a:lightRig rig="threePt" dir="t"/>
+    </dgm:scene3d>
+    <dgm:sp3d/>
+    <dgm:txPr/>
+    <dgm:style>
+      <a:lnRef idx="0">
+        <a:scrgbClr r="0" g="0" b="0"/>
+      </a:lnRef>
+      <a:fillRef idx="1">
+        <a:scrgbClr r="0" g="0" b="0"/>
+      </a:fillRef>
+      <a:effectRef idx="0">
+        <a:scrgbClr r="0" g="0" b="0"/>
+      </a:effectRef>
+      <a:fontRef idx="minor">
+        <a:schemeClr val="lt1"/>
+      </a:fontRef>
+    </dgm:style>
+  </dgm:styleLbl>
+  <dgm:styleLbl name="fgSibTrans2D1">
+    <dgm:scene3d>
+      <a:camera prst="orthographicFront"/>
+      <a:lightRig rig="threePt" dir="t"/>
+    </dgm:scene3d>
+    <dgm:sp3d/>
+    <dgm:txPr/>
+    <dgm:style>
+      <a:lnRef idx="0">
+        <a:scrgbClr r="0" g="0" b="0"/>
+      </a:lnRef>
+      <a:fillRef idx="1">
+        <a:scrgbClr r="0" g="0" b="0"/>
+      </a:fillRef>
+      <a:effectRef idx="0">
+        <a:scrgbClr r="0" g="0" b="0"/>
+      </a:effectRef>
+      <a:fontRef idx="minor">
+        <a:schemeClr val="lt1"/>
+      </a:fontRef>
+    </dgm:style>
+  </dgm:styleLbl>
+  <dgm:styleLbl name="bgSibTrans2D1">
+    <dgm:scene3d>
+      <a:camera prst="orthographicFront"/>
+      <a:lightRig rig="threePt" dir="t"/>
+    </dgm:scene3d>
+    <dgm:sp3d/>
+    <dgm:txPr/>
+    <dgm:style>
+      <a:lnRef idx="0">
+        <a:scrgbClr r="0" g="0" b="0"/>
+      </a:lnRef>
+      <a:fillRef idx="1">
+        <a:scrgbClr r="0" g="0" b="0"/>
+      </a:fillRef>
+      <a:effectRef idx="0">
+        <a:scrgbClr r="0" g="0" b="0"/>
+      </a:effectRef>
+      <a:fontRef idx="minor">
+        <a:schemeClr val="lt1"/>
+      </a:fontRef>
+    </dgm:style>
+  </dgm:styleLbl>
+  <dgm:styleLbl name="sibTrans1D1">
+    <dgm:scene3d>
+      <a:camera prst="orthographicFront"/>
+      <a:lightRig rig="threePt" dir="t"/>
+    </dgm:scene3d>
+    <dgm:sp3d/>
+    <dgm:txPr/>
+    <dgm:style>
+      <a:lnRef idx="1">
+        <a:scrgbClr r="0" g="0" b="0"/>
+      </a:lnRef>
+      <a:fillRef idx="0">
+        <a:scrgbClr r="0" g="0" b="0"/>
+      </a:fillRef>
+      <a:effectRef idx="0">
+        <a:scrgbClr r="0" g="0" b="0"/>
+      </a:effectRef>
+      <a:fontRef idx="minor"/>
+    </dgm:style>
+  </dgm:styleLbl>
+  <dgm:styleLbl name="callout">
+    <dgm:scene3d>
+      <a:camera prst="orthographicFront"/>
+      <a:lightRig rig="threePt" dir="t"/>
+    </dgm:scene3d>
+    <dgm:sp3d/>
+    <dgm:txPr/>
+    <dgm:style>
+      <a:lnRef idx="2">
+        <a:scrgbClr r="0" g="0" b="0"/>
+      </a:lnRef>
+      <a:fillRef idx="1">
+        <a:scrgbClr r="0" g="0" b="0"/>
+      </a:fillRef>
+      <a:effectRef idx="0">
+        <a:scrgbClr r="0" g="0" b="0"/>
+      </a:effectRef>
+      <a:fontRef idx="minor"/>
+    </dgm:style>
+  </dgm:styleLbl>
+  <dgm:styleLbl name="asst0">
+    <dgm:scene3d>
+      <a:camera prst="orthographicFront"/>
+      <a:lightRig rig="threePt" dir="t"/>
+    </dgm:scene3d>
+    <dgm:sp3d/>
+    <dgm:txPr/>
+    <dgm:style>
+      <a:lnRef idx="2">
+        <a:scrgbClr r="0" g="0" b="0"/>
+      </a:lnRef>
+      <a:fillRef idx="1">
+        <a:scrgbClr r="0" g="0" b="0"/>
+      </a:fillRef>
+      <a:effectRef idx="0">
+        <a:scrgbClr r="0" g="0" b="0"/>
+      </a:effectRef>
+      <a:fontRef idx="minor">
+        <a:schemeClr val="lt1"/>
+      </a:fontRef>
+    </dgm:style>
+  </dgm:styleLbl>
+  <dgm:styleLbl name="asst1">
+    <dgm:scene3d>
+      <a:camera prst="orthographicFront"/>
+      <a:lightRig rig="threePt" dir="t"/>
+    </dgm:scene3d>
+    <dgm:sp3d/>
+    <dgm:txPr/>
+    <dgm:style>
+      <a:lnRef idx="2">
+        <a:scrgbClr r="0" g="0" b="0"/>
+      </a:lnRef>
+      <a:fillRef idx="1">
+        <a:scrgbClr r="0" g="0" b="0"/>
+      </a:fillRef>
+      <a:effectRef idx="0">
+        <a:scrgbClr r="0" g="0" b="0"/>
+      </a:effectRef>
+      <a:fontRef idx="minor">
+        <a:schemeClr val="lt1"/>
+      </a:fontRef>
+    </dgm:style>
+  </dgm:styleLbl>
+  <dgm:styleLbl name="asst2">
+    <dgm:scene3d>
+      <a:camera prst="orthographicFront"/>
+      <a:lightRig rig="threePt" dir="t"/>
+    </dgm:scene3d>
+    <dgm:sp3d/>
+    <dgm:txPr/>
+    <dgm:style>
+      <a:lnRef idx="2">
+        <a:scrgbClr r="0" g="0" b="0"/>
+      </a:lnRef>
+      <a:fillRef idx="1">
+        <a:scrgbClr r="0" g="0" b="0"/>
+      </a:fillRef>
+      <a:effectRef idx="0">
+        <a:scrgbClr r="0" g="0" b="0"/>
+      </a:effectRef>
+      <a:fontRef idx="minor">
+        <a:schemeClr val="lt1"/>
+      </a:fontRef>
+    </dgm:style>
+  </dgm:styleLbl>
+  <dgm:styleLbl name="asst3">
+    <dgm:scene3d>
+      <a:camera prst="orthographicFront"/>
+      <a:lightRig rig="threePt" dir="t"/>
+    </dgm:scene3d>
+    <dgm:sp3d/>
+    <dgm:txPr/>
+    <dgm:style>
+      <a:lnRef idx="2">
+        <a:scrgbClr r="0" g="0" b="0"/>
+      </a:lnRef>
+      <a:fillRef idx="1">
+        <a:scrgbClr r="0" g="0" b="0"/>
+      </a:fillRef>
+      <a:effectRef idx="0">
+        <a:scrgbClr r="0" g="0" b="0"/>
+      </a:effectRef>
+      <a:fontRef idx="minor">
+        <a:schemeClr val="lt1"/>
+      </a:fontRef>
+    </dgm:style>
+  </dgm:styleLbl>
+  <dgm:styleLbl name="asst4">
+    <dgm:scene3d>
+      <a:camera prst="orthographicFront"/>
+      <a:lightRig rig="threePt" dir="t"/>
+    </dgm:scene3d>
+    <dgm:sp3d/>
+    <dgm:txPr/>
+    <dgm:style>
+      <a:lnRef idx="2">
+        <a:scrgbClr r="0" g="0" b="0"/>
+      </a:lnRef>
+      <a:fillRef idx="1">
+        <a:scrgbClr r="0" g="0" b="0"/>
+      </a:fillRef>
+      <a:effectRef idx="0">
+        <a:scrgbClr r="0" g="0" b="0"/>
+      </a:effectRef>
+      <a:fontRef idx="minor">
+        <a:schemeClr val="lt1"/>
+      </a:fontRef>
+    </dgm:style>
+  </dgm:styleLbl>
+  <dgm:styleLbl name="parChTrans2D1">
+    <dgm:scene3d>
+      <a:camera prst="orthographicFront"/>
+      <a:lightRig rig="threePt" dir="t"/>
+    </dgm:scene3d>
+    <dgm:sp3d/>
+    <dgm:txPr/>
+    <dgm:style>
+      <a:lnRef idx="2">
+        <a:scrgbClr r="0" g="0" b="0"/>
+      </a:lnRef>
+      <a:fillRef idx="1">
+        <a:scrgbClr r="0" g="0" b="0"/>
+      </a:fillRef>
+      <a:effectRef idx="0">
+        <a:scrgbClr r="0" g="0" b="0"/>
+      </a:effectRef>
+      <a:fontRef idx="minor">
+        <a:schemeClr val="lt1"/>
+      </a:fontRef>
+    </dgm:style>
+  </dgm:styleLbl>
+  <dgm:styleLbl name="parChTrans2D2">
+    <dgm:scene3d>
+      <a:camera prst="orthographicFront"/>
+      <a:lightRig rig="threePt" dir="t"/>
+    </dgm:scene3d>
+    <dgm:sp3d/>
+    <dgm:txPr/>
+    <dgm:style>
+      <a:lnRef idx="2">
+        <a:scrgbClr r="0" g="0" b="0"/>
+      </a:lnRef>
+      <a:fillRef idx="1">
+        <a:scrgbClr r="0" g="0" b="0"/>
+      </a:fillRef>
+      <a:effectRef idx="0">
+        <a:scrgbClr r="0" g="0" b="0"/>
+      </a:effectRef>
+      <a:fontRef idx="minor">
+        <a:schemeClr val="lt1"/>
+      </a:fontRef>
+    </dgm:style>
+  </dgm:styleLbl>
+  <dgm:styleLbl name="parChTrans2D3">
+    <dgm:scene3d>
+      <a:camera prst="orthographicFront"/>
+      <a:lightRig rig="threePt" dir="t"/>
+    </dgm:scene3d>
+    <dgm:sp3d/>
+    <dgm:txPr/>
+    <dgm:style>
+      <a:lnRef idx="2">
+        <a:scrgbClr r="0" g="0" b="0"/>
+      </a:lnRef>
+      <a:fillRef idx="1">
+        <a:scrgbClr r="0" g="0" b="0"/>
+      </a:fillRef>
+      <a:effectRef idx="0">
+        <a:scrgbClr r="0" g="0" b="0"/>
+      </a:effectRef>
+      <a:fontRef idx="minor">
+        <a:schemeClr val="lt1"/>
+      </a:fontRef>
+    </dgm:style>
+  </dgm:styleLbl>
+  <dgm:styleLbl name="parChTrans2D4">
+    <dgm:scene3d>
+      <a:camera prst="orthographicFront"/>
+      <a:lightRig rig="threePt" dir="t"/>
+    </dgm:scene3d>
+    <dgm:sp3d/>
+    <dgm:txPr/>
+    <dgm:style>
+      <a:lnRef idx="2">
+        <a:scrgbClr r="0" g="0" b="0"/>
+      </a:lnRef>
+      <a:fillRef idx="1">
+        <a:scrgbClr r="0" g="0" b="0"/>
+      </a:fillRef>
+      <a:effectRef idx="0">
+        <a:scrgbClr r="0" g="0" b="0"/>
+      </a:effectRef>
+      <a:fontRef idx="minor">
+        <a:schemeClr val="lt1"/>
+      </a:fontRef>
+    </dgm:style>
+  </dgm:styleLbl>
+  <dgm:styleLbl name="parChTrans1D1">
+    <dgm:scene3d>
+      <a:camera prst="orthographicFront"/>
+      <a:lightRig rig="threePt" dir="t"/>
+    </dgm:scene3d>
+    <dgm:sp3d/>
+    <dgm:txPr/>
+    <dgm:style>
+      <a:lnRef idx="2">
+        <a:scrgbClr r="0" g="0" b="0"/>
+      </a:lnRef>
+      <a:fillRef idx="0">
+        <a:scrgbClr r="0" g="0" b="0"/>
+      </a:fillRef>
+      <a:effectRef idx="0">
+        <a:scrgbClr r="0" g="0" b="0"/>
+      </a:effectRef>
+      <a:fontRef idx="minor"/>
+    </dgm:style>
+  </dgm:styleLbl>
+  <dgm:styleLbl name="parChTrans1D2">
+    <dgm:scene3d>
+      <a:camera prst="orthographicFront"/>
+      <a:lightRig rig="threePt" dir="t"/>
+    </dgm:scene3d>
+    <dgm:sp3d/>
+    <dgm:txPr/>
+    <dgm:style>
+      <a:lnRef idx="2">
+        <a:scrgbClr r="0" g="0" b="0"/>
+      </a:lnRef>
+      <a:fillRef idx="0">
+        <a:scrgbClr r="0" g="0" b="0"/>
+      </a:fillRef>
+      <a:effectRef idx="0">
+        <a:scrgbClr r="0" g="0" b="0"/>
+      </a:effectRef>
+      <a:fontRef idx="minor"/>
+    </dgm:style>
+  </dgm:styleLbl>
+  <dgm:styleLbl name="parChTrans1D3">
+    <dgm:scene3d>
+      <a:camera prst="orthographicFront"/>
+      <a:lightRig rig="threePt" dir="t"/>
+    </dgm:scene3d>
+    <dgm:sp3d/>
+    <dgm:txPr/>
+    <dgm:style>
+      <a:lnRef idx="2">
+        <a:scrgbClr r="0" g="0" b="0"/>
+      </a:lnRef>
+      <a:fillRef idx="0">
+        <a:scrgbClr r="0" g="0" b="0"/>
+      </a:fillRef>
+      <a:effectRef idx="0">
+        <a:scrgbClr r="0" g="0" b="0"/>
+      </a:effectRef>
+      <a:fontRef idx="minor"/>
+    </dgm:style>
+  </dgm:styleLbl>
+  <dgm:styleLbl name="parChTrans1D4">
+    <dgm:scene3d>
+      <a:camera prst="orthographicFront"/>
+      <a:lightRig rig="threePt" dir="t"/>
+    </dgm:scene3d>
+    <dgm:sp3d/>
+    <dgm:txPr/>
+    <dgm:style>
+      <a:lnRef idx="2">
+        <a:scrgbClr r="0" g="0" b="0"/>
+      </a:lnRef>
+      <a:fillRef idx="0">
+        <a:scrgbClr r="0" g="0" b="0"/>
+      </a:fillRef>
+      <a:effectRef idx="0">
+        <a:scrgbClr r="0" g="0" b="0"/>
+      </a:effectRef>
+      <a:fontRef idx="minor"/>
+    </dgm:style>
+  </dgm:styleLbl>
+  <dgm:styleLbl name="fgAcc1">
+    <dgm:scene3d>
+      <a:camera prst="orthographicFront"/>
+      <a:lightRig rig="threePt" dir="t"/>
+    </dgm:scene3d>
+    <dgm:sp3d/>
+    <dgm:txPr/>
+    <dgm:style>
+      <a:lnRef idx="2">
+        <a:scrgbClr r="0" g="0" b="0"/>
+      </a:lnRef>
+      <a:fillRef idx="1">
+        <a:scrgbClr r="0" g="0" b="0"/>
+      </a:fillRef>
+      <a:effectRef idx="0">
+        <a:scrgbClr r="0" g="0" b="0"/>
+      </a:effectRef>
+      <a:fontRef idx="minor"/>
+    </dgm:style>
+  </dgm:styleLbl>
+  <dgm:styleLbl name="conFgAcc1">
+    <dgm:scene3d>
+      <a:camera prst="orthographicFront"/>
+      <a:lightRig rig="threePt" dir="t"/>
+    </dgm:scene3d>
+    <dgm:sp3d/>
+    <dgm:txPr/>
+    <dgm:style>
+      <a:lnRef idx="2">
+        <a:scrgbClr r="0" g="0" b="0"/>
+      </a:lnRef>
+      <a:fillRef idx="1">
+        <a:scrgbClr r="0" g="0" b="0"/>
+      </a:fillRef>
+      <a:effectRef idx="0">
+        <a:scrgbClr r="0" g="0" b="0"/>
+      </a:effectRef>
+      <a:fontRef idx="minor"/>
+    </dgm:style>
+  </dgm:styleLbl>
+  <dgm:styleLbl name="alignAcc1">
+    <dgm:scene3d>
+      <a:camera prst="orthographicFront"/>
+      <a:lightRig rig="threePt" dir="t"/>
+    </dgm:scene3d>
+    <dgm:sp3d/>
+    <dgm:txPr/>
+    <dgm:style>
+      <a:lnRef idx="2">
+        <a:scrgbClr r="0" g="0" b="0"/>
+      </a:lnRef>
+      <a:fillRef idx="1">
+        <a:scrgbClr r="0" g="0" b="0"/>
+      </a:fillRef>
+      <a:effectRef idx="0">
+        <a:scrgbClr r="0" g="0" b="0"/>
+      </a:effectRef>
+      <a:fontRef idx="minor"/>
+    </dgm:style>
+  </dgm:styleLbl>
+  <dgm:styleLbl name="trAlignAcc1">
+    <dgm:scene3d>
+      <a:camera prst="orthographicFront"/>
+      <a:lightRig rig="threePt" dir="t"/>
+    </dgm:scene3d>
+    <dgm:sp3d/>
+    <dgm:txPr/>
+    <dgm:style>
+      <a:lnRef idx="1">
+        <a:scrgbClr r="0" g="0" b="0"/>
+      </a:lnRef>
+      <a:fillRef idx="1">
+        <a:scrgbClr r="0" g="0" b="0"/>
+      </a:fillRef>
+      <a:effectRef idx="0">
+        <a:scrgbClr r="0" g="0" b="0"/>
+      </a:effectRef>
+      <a:fontRef idx="minor"/>
+    </dgm:style>
+  </dgm:styleLbl>
+  <dgm:styleLbl name="bgAcc1">
+    <dgm:scene3d>
+      <a:camera prst="orthographicFront"/>
+      <a:lightRig rig="threePt" dir="t"/>
+    </dgm:scene3d>
+    <dgm:sp3d/>
+    <dgm:txPr/>
+    <dgm:style>
+      <a:lnRef idx="2">
+        <a:scrgbClr r="0" g="0" b="0"/>
+      </a:lnRef>
+      <a:fillRef idx="1">
+        <a:scrgbClr r="0" g="0" b="0"/>
+      </a:fillRef>
+      <a:effectRef idx="0">
+        <a:scrgbClr r="0" g="0" b="0"/>
+      </a:effectRef>
+      <a:fontRef idx="minor"/>
+    </dgm:style>
+  </dgm:styleLbl>
+  <dgm:styleLbl name="solidFgAcc1">
+    <dgm:scene3d>
+      <a:camera prst="orthographicFront"/>
+      <a:lightRig rig="threePt" dir="t"/>
+    </dgm:scene3d>
+    <dgm:sp3d/>
+    <dgm:txPr/>
+    <dgm:style>
+      <a:lnRef idx="2">
+        <a:scrgbClr r="0" g="0" b="0"/>
+      </a:lnRef>
+      <a:fillRef idx="1">
+        <a:scrgbClr r="0" g="0" b="0"/>
+      </a:fillRef>
+      <a:effectRef idx="0">
+        <a:scrgbClr r="0" g="0" b="0"/>
+      </a:effectRef>
+      <a:fontRef idx="minor"/>
+    </dgm:style>
+  </dgm:styleLbl>
+  <dgm:styleLbl name="solidAlignAcc1">
+    <dgm:scene3d>
+      <a:camera prst="orthographicFront"/>
+      <a:lightRig rig="threePt" dir="t"/>
+    </dgm:scene3d>
+    <dgm:sp3d/>
+    <dgm:txPr/>
+    <dgm:style>
+      <a:lnRef idx="2">
+        <a:scrgbClr r="0" g="0" b="0"/>
+      </a:lnRef>
+      <a:fillRef idx="1">
+        <a:scrgbClr r="0" g="0" b="0"/>
+      </a:fillRef>
+      <a:effectRef idx="0">
+        <a:scrgbClr r="0" g="0" b="0"/>
+      </a:effectRef>
+      <a:fontRef idx="minor"/>
+    </dgm:style>
+  </dgm:styleLbl>
+  <dgm:styleLbl name="solidBgAcc1">
+    <dgm:scene3d>
+      <a:camera prst="orthographicFront"/>
+      <a:lightRig rig="threePt" dir="t"/>
+    </dgm:scene3d>
+    <dgm:sp3d/>
+    <dgm:txPr/>
+    <dgm:style>
+      <a:lnRef idx="2">
+        <a:scrgbClr r="0" g="0" b="0"/>
+      </a:lnRef>
+      <a:fillRef idx="1">
+        <a:scrgbClr r="0" g="0" b="0"/>
+      </a:fillRef>
+      <a:effectRef idx="0">
+        <a:scrgbClr r="0" g="0" b="0"/>
+      </a:effectRef>
+      <a:fontRef idx="minor"/>
+    </dgm:style>
+  </dgm:styleLbl>
+  <dgm:styleLbl name="fgAccFollowNode1">
+    <dgm:scene3d>
+      <a:camera prst="orthographicFront"/>
+      <a:lightRig rig="threePt" dir="t"/>
+    </dgm:scene3d>
+    <dgm:sp3d/>
+    <dgm:txPr/>
+    <dgm:style>
+      <a:lnRef idx="2">
+        <a:scrgbClr r="0" g="0" b="0"/>
+      </a:lnRef>
+      <a:fillRef idx="1">
+        <a:scrgbClr r="0" g="0" b="0"/>
+      </a:fillRef>
+      <a:effectRef idx="0">
+        <a:scrgbClr r="0" g="0" b="0"/>
+      </a:effectRef>
+      <a:fontRef idx="minor"/>
+    </dgm:style>
+  </dgm:styleLbl>
+  <dgm:styleLbl name="alignAccFollowNode1">
+    <dgm:scene3d>
+      <a:camera prst="orthographicFront"/>
+      <a:lightRig rig="threePt" dir="t"/>
+    </dgm:scene3d>
+    <dgm:sp3d/>
+    <dgm:txPr/>
+    <dgm:style>
+      <a:lnRef idx="2">
+        <a:scrgbClr r="0" g="0" b="0"/>
+      </a:lnRef>
+      <a:fillRef idx="1">
+        <a:scrgbClr r="0" g="0" b="0"/>
+      </a:fillRef>
+      <a:effectRef idx="0">
+        <a:scrgbClr r="0" g="0" b="0"/>
+      </a:effectRef>
+      <a:fontRef idx="minor"/>
+    </dgm:style>
+  </dgm:styleLbl>
+  <dgm:styleLbl name="bgAccFollowNode1">
+    <dgm:scene3d>
+      <a:camera prst="orthographicFront"/>
+      <a:lightRig rig="threePt" dir="t"/>
+    </dgm:scene3d>
+    <dgm:sp3d/>
+    <dgm:txPr/>
+    <dgm:style>
+      <a:lnRef idx="2">
+        <a:scrgbClr r="0" g="0" b="0"/>
+      </a:lnRef>
+      <a:fillRef idx="1">
+        <a:scrgbClr r="0" g="0" b="0"/>
+      </a:fillRef>
+      <a:effectRef idx="0">
+        <a:scrgbClr r="0" g="0" b="0"/>
+      </a:effectRef>
+      <a:fontRef idx="minor"/>
+    </dgm:style>
+  </dgm:styleLbl>
+  <dgm:styleLbl name="fgAcc0">
+    <dgm:scene3d>
+      <a:camera prst="orthographicFront"/>
+      <a:lightRig rig="threePt" dir="t"/>
+    </dgm:scene3d>
+    <dgm:sp3d/>
+    <dgm:txPr/>
+    <dgm:style>
+      <a:lnRef idx="2">
+        <a:scrgbClr r="0" g="0" b="0"/>
+      </a:lnRef>
+      <a:fillRef idx="1">
+        <a:scrgbClr r="0" g="0" b="0"/>
+      </a:fillRef>
+      <a:effectRef idx="0">
+        <a:scrgbClr r="0" g="0" b="0"/>
+      </a:effectRef>
+      <a:fontRef idx="minor"/>
+    </dgm:style>
+  </dgm:styleLbl>
+  <dgm:styleLbl name="fgAcc2">
+    <dgm:scene3d>
+      <a:camera prst="orthographicFront"/>
+      <a:lightRig rig="threePt" dir="t"/>
+    </dgm:scene3d>
+    <dgm:sp3d/>
+    <dgm:txPr/>
+    <dgm:style>
+      <a:lnRef idx="2">
+        <a:scrgbClr r="0" g="0" b="0"/>
+      </a:lnRef>
+      <a:fillRef idx="1">
+        <a:scrgbClr r="0" g="0" b="0"/>
+      </a:fillRef>
+      <a:effectRef idx="0">
+        <a:scrgbClr r="0" g="0" b="0"/>
+      </a:effectRef>
+      <a:fontRef idx="minor"/>
+    </dgm:style>
+  </dgm:styleLbl>
+  <dgm:styleLbl name="fgAcc3">
+    <dgm:scene3d>
+      <a:camera prst="orthographicFront"/>
+      <a:lightRig rig="threePt" dir="t"/>
+    </dgm:scene3d>
+    <dgm:sp3d/>
+    <dgm:txPr/>
+    <dgm:style>
+      <a:lnRef idx="2">
+        <a:scrgbClr r="0" g="0" b="0"/>
+      </a:lnRef>
+      <a:fillRef idx="1">
+        <a:scrgbClr r="0" g="0" b="0"/>
+      </a:fillRef>
+      <a:effectRef idx="0">
+        <a:scrgbClr r="0" g="0" b="0"/>
+      </a:effectRef>
+      <a:fontRef idx="minor"/>
+    </dgm:style>
+  </dgm:styleLbl>
+  <dgm:styleLbl name="fgAcc4">
+    <dgm:scene3d>
+      <a:camera prst="orthographicFront"/>
+      <a:lightRig rig="threePt" dir="t"/>
+    </dgm:scene3d>
+    <dgm:sp3d/>
+    <dgm:txPr/>
+    <dgm:style>
+      <a:lnRef idx="2">
+        <a:scrgbClr r="0" g="0" b="0"/>
+      </a:lnRef>
+      <a:fillRef idx="1">
+        <a:scrgbClr r="0" g="0" b="0"/>
+      </a:fillRef>
+      <a:effectRef idx="0">
+        <a:scrgbClr r="0" g="0" b="0"/>
+      </a:effectRef>
+      <a:fontRef idx="minor"/>
+    </dgm:style>
+  </dgm:styleLbl>
+  <dgm:styleLbl name="bgShp">
+    <dgm:scene3d>
+      <a:camera prst="orthographicFront"/>
+      <a:lightRig rig="threePt" dir="t"/>
+    </dgm:scene3d>
+    <dgm:sp3d/>
+    <dgm:txPr/>
+    <dgm:style>
+      <a:lnRef idx="0">
+        <a:scrgbClr r="0" g="0" b="0"/>
+      </a:lnRef>
+      <a:fillRef idx="1">
+        <a:scrgbClr r="0" g="0" b="0"/>
+      </a:fillRef>
+      <a:effectRef idx="0">
+        <a:scrgbClr r="0" g="0" b="0"/>
+      </a:effectRef>
+      <a:fontRef idx="minor"/>
+    </dgm:style>
+  </dgm:styleLbl>
+  <dgm:styleLbl name="dkBgShp">
+    <dgm:scene3d>
+      <a:camera prst="orthographicFront"/>
+      <a:lightRig rig="threePt" dir="t"/>
+    </dgm:scene3d>
+    <dgm:sp3d/>
+    <dgm:txPr/>
+    <dgm:style>
+      <a:lnRef idx="0">
+        <a:scrgbClr r="0" g="0" b="0"/>
+      </a:lnRef>
+      <a:fillRef idx="1">
+        <a:scrgbClr r="0" g="0" b="0"/>
+      </a:fillRef>
+      <a:effectRef idx="0">
+        <a:scrgbClr r="0" g="0" b="0"/>
+      </a:effectRef>
+      <a:fontRef idx="minor"/>
+    </dgm:style>
+  </dgm:styleLbl>
+  <dgm:styleLbl name="trBgShp">
+    <dgm:scene3d>
+      <a:camera prst="orthographicFront"/>
+      <a:lightRig rig="threePt" dir="t"/>
+    </dgm:scene3d>
+    <dgm:sp3d/>
+    <dgm:txPr/>
+    <dgm:style>
+      <a:lnRef idx="0">
+        <a:scrgbClr r="0" g="0" b="0"/>
+      </a:lnRef>
+      <a:fillRef idx="1">
+        <a:scrgbClr r="0" g="0" b="0"/>
+      </a:fillRef>
+      <a:effectRef idx="0">
+        <a:scrgbClr r="0" g="0" b="0"/>
+      </a:effectRef>
+      <a:fontRef idx="minor"/>
+    </dgm:style>
+  </dgm:styleLbl>
+  <dgm:styleLbl name="fgShp">
+    <dgm:scene3d>
+      <a:camera prst="orthographicFront"/>
+      <a:lightRig rig="threePt" dir="t"/>
+    </dgm:scene3d>
+    <dgm:sp3d/>
+    <dgm:txPr/>
+    <dgm:style>
+      <a:lnRef idx="2">
+        <a:scrgbClr r="0" g="0" b="0"/>
+      </a:lnRef>
+      <a:fillRef idx="1">
+        <a:scrgbClr r="0" g="0" b="0"/>
+      </a:fillRef>
+      <a:effectRef idx="0">
+        <a:scrgbClr r="0" g="0" b="0"/>
+      </a:effectRef>
+      <a:fontRef idx="minor"/>
+    </dgm:style>
+  </dgm:styleLbl>
+  <dgm:styleLbl name="revTx">
+    <dgm:scene3d>
+      <a:camera prst="orthographicFront"/>
+      <a:lightRig rig="threePt" dir="t"/>
+    </dgm:scene3d>
+    <dgm:sp3d/>
+    <dgm:txPr/>
+    <dgm:style>
+      <a:lnRef idx="0">
+        <a:scrgbClr r="0" g="0" b="0"/>
+      </a:lnRef>
+      <a:fillRef idx="0">
+        <a:scrgbClr r="0" g="0" b="0"/>
+      </a:fillRef>
+      <a:effectRef idx="0">
+        <a:scrgbClr r="0" g="0" b="0"/>
+      </a:effectRef>
+      <a:fontRef idx="minor"/>
+    </dgm:style>
+  </dgm:styleLbl>
+</dgm:styleDef>
+</file>
+
 <file path=ppt/slideLayouts/slideLayout1.xml><?xml version="1.0" encoding="utf-8"?>
 <p:sldLayout xmlns:a="http://schemas.openxmlformats.org/drawingml/2006/main" xmlns:r="http://schemas.openxmlformats.org/officeDocument/2006/relationships" xmlns:p="http://schemas.openxmlformats.org/presentationml/2006/main" type="title" preserve="1">
   <p:cSld name="Title Slide">
@@ -14668,7 +18238,7 @@
             <a:fld id="{8E36636D-D922-432D-A958-524484B5923D}" type="datetimeFigureOut">
               <a:rPr lang="en-US" smtClean="0"/>
               <a:pPr/>
-              <a:t>10/12/2020</a:t>
+              <a:t>14-Oct-20</a:t>
             </a:fld>
             <a:endParaRPr lang="en-US"/>
           </a:p>
@@ -14965,7 +18535,7 @@
           <a:p>
             <a:fld id="{48A87A34-81AB-432B-8DAE-1953F412C126}" type="datetimeFigureOut">
               <a:rPr lang="en-US" smtClean="0"/>
-              <a:t>10/12/2020</a:t>
+              <a:t>14-Oct-20</a:t>
             </a:fld>
             <a:endParaRPr lang="en-US"/>
           </a:p>
@@ -15156,7 +18726,7 @@
           <a:p>
             <a:fld id="{48A87A34-81AB-432B-8DAE-1953F412C126}" type="datetimeFigureOut">
               <a:rPr lang="en-US" smtClean="0"/>
-              <a:t>10/12/2020</a:t>
+              <a:t>14-Oct-20</a:t>
             </a:fld>
             <a:endParaRPr lang="en-US"/>
           </a:p>
@@ -15416,7 +18986,7 @@
           <a:p>
             <a:fld id="{48A87A34-81AB-432B-8DAE-1953F412C126}" type="datetimeFigureOut">
               <a:rPr lang="en-US" smtClean="0"/>
-              <a:t>10/12/2020</a:t>
+              <a:t>14-Oct-20</a:t>
             </a:fld>
             <a:endParaRPr lang="en-US"/>
           </a:p>
@@ -15839,7 +19409,7 @@
           <a:p>
             <a:fld id="{48A87A34-81AB-432B-8DAE-1953F412C126}" type="datetimeFigureOut">
               <a:rPr lang="en-US" smtClean="0"/>
-              <a:t>10/12/2020</a:t>
+              <a:t>14-Oct-20</a:t>
             </a:fld>
             <a:endParaRPr lang="en-US"/>
           </a:p>
@@ -16375,7 +19945,7 @@
           <a:p>
             <a:fld id="{48A87A34-81AB-432B-8DAE-1953F412C126}" type="datetimeFigureOut">
               <a:rPr lang="en-US" smtClean="0"/>
-              <a:t>10/12/2020</a:t>
+              <a:t>14-Oct-20</a:t>
             </a:fld>
             <a:endParaRPr lang="en-US"/>
           </a:p>
@@ -17235,7 +20805,7 @@
           <a:p>
             <a:fld id="{48A87A34-81AB-432B-8DAE-1953F412C126}" type="datetimeFigureOut">
               <a:rPr lang="en-US" smtClean="0"/>
-              <a:t>10/12/2020</a:t>
+              <a:t>14-Oct-20</a:t>
             </a:fld>
             <a:endParaRPr lang="en-US"/>
           </a:p>
@@ -17404,7 +20974,7 @@
             <a:fld id="{8E36636D-D922-432D-A958-524484B5923D}" type="datetimeFigureOut">
               <a:rPr lang="en-US" smtClean="0"/>
               <a:pPr/>
-              <a:t>10/12/2020</a:t>
+              <a:t>14-Oct-20</a:t>
             </a:fld>
             <a:endParaRPr lang="en-US"/>
           </a:p>
@@ -17588,7 +21158,7 @@
             <a:fld id="{8E36636D-D922-432D-A958-524484B5923D}" type="datetimeFigureOut">
               <a:rPr lang="en-US" smtClean="0"/>
               <a:pPr/>
-              <a:t>10/12/2020</a:t>
+              <a:t>14-Oct-20</a:t>
             </a:fld>
             <a:endParaRPr lang="en-US"/>
           </a:p>
@@ -17758,7 +21328,7 @@
             <a:fld id="{8E36636D-D922-432D-A958-524484B5923D}" type="datetimeFigureOut">
               <a:rPr lang="en-US" smtClean="0"/>
               <a:pPr/>
-              <a:t>10/12/2020</a:t>
+              <a:t>14-Oct-20</a:t>
             </a:fld>
             <a:endParaRPr lang="en-US"/>
           </a:p>
@@ -18003,7 +21573,7 @@
             <a:fld id="{8E36636D-D922-432D-A958-524484B5923D}" type="datetimeFigureOut">
               <a:rPr lang="en-US" smtClean="0"/>
               <a:pPr/>
-              <a:t>10/12/2020</a:t>
+              <a:t>14-Oct-20</a:t>
             </a:fld>
             <a:endParaRPr lang="en-US"/>
           </a:p>
@@ -18238,7 +21808,7 @@
             <a:fld id="{8E36636D-D922-432D-A958-524484B5923D}" type="datetimeFigureOut">
               <a:rPr lang="en-US" smtClean="0"/>
               <a:pPr/>
-              <a:t>10/12/2020</a:t>
+              <a:t>14-Oct-20</a:t>
             </a:fld>
             <a:endParaRPr lang="en-US"/>
           </a:p>
@@ -18703,7 +22273,7 @@
             <a:fld id="{8E36636D-D922-432D-A958-524484B5923D}" type="datetimeFigureOut">
               <a:rPr lang="en-US" smtClean="0"/>
               <a:pPr/>
-              <a:t>10/12/2020</a:t>
+              <a:t>14-Oct-20</a:t>
             </a:fld>
             <a:endParaRPr lang="en-US"/>
           </a:p>
@@ -18822,7 +22392,7 @@
             <a:fld id="{8E36636D-D922-432D-A958-524484B5923D}" type="datetimeFigureOut">
               <a:rPr lang="en-US" smtClean="0"/>
               <a:pPr/>
-              <a:t>10/12/2020</a:t>
+              <a:t>14-Oct-20</a:t>
             </a:fld>
             <a:endParaRPr lang="en-US"/>
           </a:p>
@@ -18919,7 +22489,7 @@
             <a:fld id="{8E36636D-D922-432D-A958-524484B5923D}" type="datetimeFigureOut">
               <a:rPr lang="en-US" smtClean="0"/>
               <a:pPr/>
-              <a:t>10/12/2020</a:t>
+              <a:t>14-Oct-20</a:t>
             </a:fld>
             <a:endParaRPr lang="en-US"/>
           </a:p>
@@ -19174,7 +22744,7 @@
             <a:fld id="{8E36636D-D922-432D-A958-524484B5923D}" type="datetimeFigureOut">
               <a:rPr lang="en-US" smtClean="0"/>
               <a:pPr/>
-              <a:t>10/12/2020</a:t>
+              <a:t>14-Oct-20</a:t>
             </a:fld>
             <a:endParaRPr lang="en-US"/>
           </a:p>
@@ -19474,7 +23044,7 @@
             <a:fld id="{8E36636D-D922-432D-A958-524484B5923D}" type="datetimeFigureOut">
               <a:rPr lang="en-US" smtClean="0"/>
               <a:pPr/>
-              <a:t>10/12/2020</a:t>
+              <a:t>14-Oct-20</a:t>
             </a:fld>
             <a:endParaRPr lang="en-US"/>
           </a:p>
@@ -19708,7 +23278,7 @@
             <a:fld id="{8E36636D-D922-432D-A958-524484B5923D}" type="datetimeFigureOut">
               <a:rPr lang="en-US" smtClean="0"/>
               <a:pPr/>
-              <a:t>10/12/2020</a:t>
+              <a:t>14-Oct-20</a:t>
             </a:fld>
             <a:endParaRPr lang="en-US"/>
           </a:p>
@@ -20503,758 +24073,6 @@
 <file path=ppt/slides/slide10.xml><?xml version="1.0" encoding="utf-8"?>
 <p:sld xmlns:a="http://schemas.openxmlformats.org/drawingml/2006/main" xmlns:r="http://schemas.openxmlformats.org/officeDocument/2006/relationships" xmlns:p="http://schemas.openxmlformats.org/presentationml/2006/main">
   <p:cSld>
-    <p:spTree>
-      <p:nvGrpSpPr>
-        <p:cNvPr id="1" name=""/>
-        <p:cNvGrpSpPr/>
-        <p:nvPr/>
-      </p:nvGrpSpPr>
-      <p:grpSpPr>
-        <a:xfrm>
-          <a:off x="0" y="0"/>
-          <a:ext cx="0" cy="0"/>
-          <a:chOff x="0" y="0"/>
-          <a:chExt cx="0" cy="0"/>
-        </a:xfrm>
-      </p:grpSpPr>
-      <p:sp>
-        <p:nvSpPr>
-          <p:cNvPr id="2" name="Title 1">
-            <a:extLst>
-              <a:ext uri="{FF2B5EF4-FFF2-40B4-BE49-F238E27FC236}">
-                <a16:creationId xmlns:a16="http://schemas.microsoft.com/office/drawing/2014/main" id="{BDDE050F-FFF2-4B09-8DE1-70CA9D9B58C7}"/>
-              </a:ext>
-            </a:extLst>
-          </p:cNvPr>
-          <p:cNvSpPr>
-            <a:spLocks noGrp="1"/>
-          </p:cNvSpPr>
-          <p:nvPr>
-            <p:ph type="title"/>
-          </p:nvPr>
-        </p:nvSpPr>
-        <p:spPr/>
-        <p:txBody>
-          <a:bodyPr/>
-          <a:lstStyle/>
-          <a:p>
-            <a:r>
-              <a:rPr lang="it-IT" sz="4000" dirty="0"/>
-              <a:t>Array paralleli con ricerca binaria</a:t>
-            </a:r>
-            <a:endParaRPr lang="en-US" dirty="0"/>
-          </a:p>
-        </p:txBody>
-      </p:sp>
-      <p:sp>
-        <p:nvSpPr>
-          <p:cNvPr id="3" name="Content Placeholder 2">
-            <a:extLst>
-              <a:ext uri="{FF2B5EF4-FFF2-40B4-BE49-F238E27FC236}">
-                <a16:creationId xmlns:a16="http://schemas.microsoft.com/office/drawing/2014/main" id="{A8C9DEBD-92ED-44B2-939A-3301DC86EC17}"/>
-              </a:ext>
-            </a:extLst>
-          </p:cNvPr>
-          <p:cNvSpPr>
-            <a:spLocks noGrp="1"/>
-          </p:cNvSpPr>
-          <p:nvPr>
-            <p:ph idx="1"/>
-          </p:nvPr>
-        </p:nvSpPr>
-        <p:spPr/>
-        <p:txBody>
-          <a:bodyPr/>
-          <a:lstStyle/>
-          <a:p>
-            <a:pPr marL="36900" indent="0" algn="ctr">
-              <a:buNone/>
-            </a:pPr>
-            <a:r>
-              <a:rPr lang="it-IT" dirty="0"/>
-              <a:t>Due array, files e ports utilizzo Arrays.binarySearch() -&gt; numero &lt;0 se non lo trova</a:t>
-            </a:r>
-            <a:endParaRPr lang="en-US" dirty="0"/>
-          </a:p>
-          <a:p>
-            <a:pPr algn="ctr"/>
-            <a:endParaRPr lang="en-US" dirty="0"/>
-          </a:p>
-        </p:txBody>
-      </p:sp>
-      <p:pic>
-        <p:nvPicPr>
-          <p:cNvPr id="7" name="Picture 6" descr="Text&#10;&#10;Description automatically generated">
-            <a:extLst>
-              <a:ext uri="{FF2B5EF4-FFF2-40B4-BE49-F238E27FC236}">
-                <a16:creationId xmlns:a16="http://schemas.microsoft.com/office/drawing/2014/main" id="{3133E17D-0655-40B1-9894-D52618605EF0}"/>
-              </a:ext>
-            </a:extLst>
-          </p:cNvPr>
-          <p:cNvPicPr>
-            <a:picLocks noChangeAspect="1"/>
-          </p:cNvPicPr>
-          <p:nvPr/>
-        </p:nvPicPr>
-        <p:blipFill>
-          <a:blip r:embed="rId2"/>
-          <a:stretch>
-            <a:fillRect/>
-          </a:stretch>
-        </p:blipFill>
-        <p:spPr>
-          <a:xfrm>
-            <a:off x="3290664" y="2856334"/>
-            <a:ext cx="5610672" cy="1145331"/>
-          </a:xfrm>
-          <a:prstGeom prst="rect">
-            <a:avLst/>
-          </a:prstGeom>
-        </p:spPr>
-      </p:pic>
-    </p:spTree>
-    <p:extLst>
-      <p:ext uri="{BB962C8B-B14F-4D97-AF65-F5344CB8AC3E}">
-        <p14:creationId xmlns:p14="http://schemas.microsoft.com/office/powerpoint/2010/main" val="615137944"/>
-      </p:ext>
-    </p:extLst>
-  </p:cSld>
-  <p:clrMapOvr>
-    <a:masterClrMapping/>
-  </p:clrMapOvr>
-</p:sld>
-</file>
-
-<file path=ppt/slides/slide11.xml><?xml version="1.0" encoding="utf-8"?>
-<p:sld xmlns:a="http://schemas.openxmlformats.org/drawingml/2006/main" xmlns:r="http://schemas.openxmlformats.org/officeDocument/2006/relationships" xmlns:p="http://schemas.openxmlformats.org/presentationml/2006/main">
-  <p:cSld>
-    <p:spTree>
-      <p:nvGrpSpPr>
-        <p:cNvPr id="1" name=""/>
-        <p:cNvGrpSpPr/>
-        <p:nvPr/>
-      </p:nvGrpSpPr>
-      <p:grpSpPr>
-        <a:xfrm>
-          <a:off x="0" y="0"/>
-          <a:ext cx="0" cy="0"/>
-          <a:chOff x="0" y="0"/>
-          <a:chExt cx="0" cy="0"/>
-        </a:xfrm>
-      </p:grpSpPr>
-      <p:sp>
-        <p:nvSpPr>
-          <p:cNvPr id="2" name="Title 1">
-            <a:extLst>
-              <a:ext uri="{FF2B5EF4-FFF2-40B4-BE49-F238E27FC236}">
-                <a16:creationId xmlns:a16="http://schemas.microsoft.com/office/drawing/2014/main" id="{276F4A84-0007-4D2A-98D6-BFF6D9799C9F}"/>
-              </a:ext>
-            </a:extLst>
-          </p:cNvPr>
-          <p:cNvSpPr>
-            <a:spLocks noGrp="1"/>
-          </p:cNvSpPr>
-          <p:nvPr>
-            <p:ph type="title"/>
-          </p:nvPr>
-        </p:nvSpPr>
-        <p:spPr/>
-        <p:txBody>
-          <a:bodyPr>
-            <a:normAutofit/>
-          </a:bodyPr>
-          <a:lstStyle/>
-          <a:p>
-            <a:r>
-              <a:rPr lang="it-IT" sz="4000" dirty="0"/>
-              <a:t>ArrayList paralleli</a:t>
-            </a:r>
-            <a:endParaRPr lang="en-US" dirty="0"/>
-          </a:p>
-        </p:txBody>
-      </p:sp>
-      <p:sp>
-        <p:nvSpPr>
-          <p:cNvPr id="3" name="Content Placeholder 2">
-            <a:extLst>
-              <a:ext uri="{FF2B5EF4-FFF2-40B4-BE49-F238E27FC236}">
-                <a16:creationId xmlns:a16="http://schemas.microsoft.com/office/drawing/2014/main" id="{44443409-8CBB-44AF-B8DA-FD39757A97FC}"/>
-              </a:ext>
-            </a:extLst>
-          </p:cNvPr>
-          <p:cNvSpPr>
-            <a:spLocks noGrp="1"/>
-          </p:cNvSpPr>
-          <p:nvPr>
-            <p:ph idx="1"/>
-          </p:nvPr>
-        </p:nvSpPr>
-        <p:spPr/>
-        <p:txBody>
-          <a:bodyPr/>
-          <a:lstStyle/>
-          <a:p>
-            <a:pPr marL="36900" indent="0" algn="ctr">
-              <a:buNone/>
-            </a:pPr>
-            <a:r>
-              <a:rPr lang="it-IT" dirty="0"/>
-              <a:t>Due arrayList, files e ports uso indexOf() e get()</a:t>
-            </a:r>
-            <a:endParaRPr lang="en-US" dirty="0"/>
-          </a:p>
-          <a:p>
-            <a:pPr marL="36900" indent="0">
-              <a:buNone/>
-            </a:pPr>
-            <a:endParaRPr lang="en-US" dirty="0"/>
-          </a:p>
-        </p:txBody>
-      </p:sp>
-      <p:pic>
-        <p:nvPicPr>
-          <p:cNvPr id="5" name="Picture 4" descr="Text&#10;&#10;Description automatically generated">
-            <a:extLst>
-              <a:ext uri="{FF2B5EF4-FFF2-40B4-BE49-F238E27FC236}">
-                <a16:creationId xmlns:a16="http://schemas.microsoft.com/office/drawing/2014/main" id="{1107C4BE-2AD4-4479-938C-135E2C60C12F}"/>
-              </a:ext>
-            </a:extLst>
-          </p:cNvPr>
-          <p:cNvPicPr>
-            <a:picLocks noChangeAspect="1"/>
-          </p:cNvPicPr>
-          <p:nvPr/>
-        </p:nvPicPr>
-        <p:blipFill>
-          <a:blip r:embed="rId2"/>
-          <a:stretch>
-            <a:fillRect/>
-          </a:stretch>
-        </p:blipFill>
-        <p:spPr>
-          <a:xfrm>
-            <a:off x="3546141" y="2861423"/>
-            <a:ext cx="5099717" cy="1135153"/>
-          </a:xfrm>
-          <a:prstGeom prst="rect">
-            <a:avLst/>
-          </a:prstGeom>
-        </p:spPr>
-      </p:pic>
-    </p:spTree>
-    <p:extLst>
-      <p:ext uri="{BB962C8B-B14F-4D97-AF65-F5344CB8AC3E}">
-        <p14:creationId xmlns:p14="http://schemas.microsoft.com/office/powerpoint/2010/main" val="4009013068"/>
-      </p:ext>
-    </p:extLst>
-  </p:cSld>
-  <p:clrMapOvr>
-    <a:masterClrMapping/>
-  </p:clrMapOvr>
-</p:sld>
-</file>
-
-<file path=ppt/slides/slide12.xml><?xml version="1.0" encoding="utf-8"?>
-<p:sld xmlns:a="http://schemas.openxmlformats.org/drawingml/2006/main" xmlns:r="http://schemas.openxmlformats.org/officeDocument/2006/relationships" xmlns:p="http://schemas.openxmlformats.org/presentationml/2006/main">
-  <p:cSld>
-    <p:spTree>
-      <p:nvGrpSpPr>
-        <p:cNvPr id="1" name=""/>
-        <p:cNvGrpSpPr/>
-        <p:nvPr/>
-      </p:nvGrpSpPr>
-      <p:grpSpPr>
-        <a:xfrm>
-          <a:off x="0" y="0"/>
-          <a:ext cx="0" cy="0"/>
-          <a:chOff x="0" y="0"/>
-          <a:chExt cx="0" cy="0"/>
-        </a:xfrm>
-      </p:grpSpPr>
-      <p:sp>
-        <p:nvSpPr>
-          <p:cNvPr id="2" name="Title 1">
-            <a:extLst>
-              <a:ext uri="{FF2B5EF4-FFF2-40B4-BE49-F238E27FC236}">
-                <a16:creationId xmlns:a16="http://schemas.microsoft.com/office/drawing/2014/main" id="{43A2A3B2-0356-46D1-A602-FDFBEC6793AC}"/>
-              </a:ext>
-            </a:extLst>
-          </p:cNvPr>
-          <p:cNvSpPr>
-            <a:spLocks noGrp="1"/>
-          </p:cNvSpPr>
-          <p:nvPr>
-            <p:ph type="title"/>
-          </p:nvPr>
-        </p:nvSpPr>
-        <p:spPr/>
-        <p:txBody>
-          <a:bodyPr/>
-          <a:lstStyle/>
-          <a:p>
-            <a:r>
-              <a:rPr lang="it-IT" sz="4000" dirty="0"/>
-              <a:t>HashMap</a:t>
-            </a:r>
-            <a:endParaRPr lang="en-US" dirty="0"/>
-          </a:p>
-        </p:txBody>
-      </p:sp>
-      <p:sp>
-        <p:nvSpPr>
-          <p:cNvPr id="3" name="Content Placeholder 2">
-            <a:extLst>
-              <a:ext uri="{FF2B5EF4-FFF2-40B4-BE49-F238E27FC236}">
-                <a16:creationId xmlns:a16="http://schemas.microsoft.com/office/drawing/2014/main" id="{6B3B829A-0C6B-4586-BBA7-2A469D1C9FD8}"/>
-              </a:ext>
-            </a:extLst>
-          </p:cNvPr>
-          <p:cNvSpPr>
-            <a:spLocks noGrp="1"/>
-          </p:cNvSpPr>
-          <p:nvPr>
-            <p:ph idx="1"/>
-          </p:nvPr>
-        </p:nvSpPr>
-        <p:spPr/>
-        <p:txBody>
-          <a:bodyPr/>
-          <a:lstStyle/>
-          <a:p>
-            <a:pPr marL="36900" indent="0" algn="ctr">
-              <a:buNone/>
-            </a:pPr>
-            <a:r>
-              <a:rPr lang="it-IT" dirty="0"/>
-              <a:t>Una mappa &lt;String,Integer&gt;, utilizzo getOrDefault()</a:t>
-            </a:r>
-            <a:endParaRPr lang="en-US" dirty="0"/>
-          </a:p>
-          <a:p>
-            <a:pPr marL="36900" indent="0" algn="ctr">
-              <a:buNone/>
-            </a:pPr>
-            <a:endParaRPr lang="en-US" dirty="0"/>
-          </a:p>
-        </p:txBody>
-      </p:sp>
-      <p:pic>
-        <p:nvPicPr>
-          <p:cNvPr id="5" name="Picture 4">
-            <a:extLst>
-              <a:ext uri="{FF2B5EF4-FFF2-40B4-BE49-F238E27FC236}">
-                <a16:creationId xmlns:a16="http://schemas.microsoft.com/office/drawing/2014/main" id="{13C3A49F-4788-4217-8DF2-E6E9974C14C8}"/>
-              </a:ext>
-            </a:extLst>
-          </p:cNvPr>
-          <p:cNvPicPr>
-            <a:picLocks noChangeAspect="1"/>
-          </p:cNvPicPr>
-          <p:nvPr/>
-        </p:nvPicPr>
-        <p:blipFill>
-          <a:blip r:embed="rId2"/>
-          <a:stretch>
-            <a:fillRect/>
-          </a:stretch>
-        </p:blipFill>
-        <p:spPr>
-          <a:xfrm>
-            <a:off x="2054101" y="3096002"/>
-            <a:ext cx="8073149" cy="665995"/>
-          </a:xfrm>
-          <a:prstGeom prst="rect">
-            <a:avLst/>
-          </a:prstGeom>
-        </p:spPr>
-      </p:pic>
-    </p:spTree>
-    <p:extLst>
-      <p:ext uri="{BB962C8B-B14F-4D97-AF65-F5344CB8AC3E}">
-        <p14:creationId xmlns:p14="http://schemas.microsoft.com/office/powerpoint/2010/main" val="1038082106"/>
-      </p:ext>
-    </p:extLst>
-  </p:cSld>
-  <p:clrMapOvr>
-    <a:masterClrMapping/>
-  </p:clrMapOvr>
-</p:sld>
-</file>
-
-<file path=ppt/slides/slide13.xml><?xml version="1.0" encoding="utf-8"?>
-<p:sld xmlns:a="http://schemas.openxmlformats.org/drawingml/2006/main" xmlns:r="http://schemas.openxmlformats.org/officeDocument/2006/relationships" xmlns:p="http://schemas.openxmlformats.org/presentationml/2006/main">
-  <p:cSld>
-    <p:spTree>
-      <p:nvGrpSpPr>
-        <p:cNvPr id="1" name=""/>
-        <p:cNvGrpSpPr/>
-        <p:nvPr/>
-      </p:nvGrpSpPr>
-      <p:grpSpPr>
-        <a:xfrm>
-          <a:off x="0" y="0"/>
-          <a:ext cx="0" cy="0"/>
-          <a:chOff x="0" y="0"/>
-          <a:chExt cx="0" cy="0"/>
-        </a:xfrm>
-      </p:grpSpPr>
-      <p:sp>
-        <p:nvSpPr>
-          <p:cNvPr id="2" name="Title 1">
-            <a:extLst>
-              <a:ext uri="{FF2B5EF4-FFF2-40B4-BE49-F238E27FC236}">
-                <a16:creationId xmlns:a16="http://schemas.microsoft.com/office/drawing/2014/main" id="{08ED1C32-1217-46B7-A501-82EA71107918}"/>
-              </a:ext>
-            </a:extLst>
-          </p:cNvPr>
-          <p:cNvSpPr>
-            <a:spLocks noGrp="1"/>
-          </p:cNvSpPr>
-          <p:nvPr>
-            <p:ph type="title"/>
-          </p:nvPr>
-        </p:nvSpPr>
-        <p:spPr/>
-        <p:txBody>
-          <a:bodyPr/>
-          <a:lstStyle/>
-          <a:p>
-            <a:r>
-              <a:rPr lang="it-IT" dirty="0"/>
-              <a:t>Progettazione Soluzione</a:t>
-            </a:r>
-            <a:endParaRPr lang="en-US" dirty="0"/>
-          </a:p>
-        </p:txBody>
-      </p:sp>
-      <p:sp>
-        <p:nvSpPr>
-          <p:cNvPr id="4" name="Content Placeholder 3">
-            <a:extLst>
-              <a:ext uri="{FF2B5EF4-FFF2-40B4-BE49-F238E27FC236}">
-                <a16:creationId xmlns:a16="http://schemas.microsoft.com/office/drawing/2014/main" id="{ABC0E298-BC9F-441C-8E80-1F4D1868F2D5}"/>
-              </a:ext>
-            </a:extLst>
-          </p:cNvPr>
-          <p:cNvSpPr>
-            <a:spLocks noGrp="1"/>
-          </p:cNvSpPr>
-          <p:nvPr>
-            <p:ph idx="1"/>
-          </p:nvPr>
-        </p:nvSpPr>
-        <p:spPr/>
-        <p:txBody>
-          <a:bodyPr/>
-          <a:lstStyle/>
-          <a:p>
-            <a:r>
-              <a:rPr lang="it-IT"/>
-              <a:t>TODO</a:t>
-            </a:r>
-            <a:endParaRPr lang="en-US"/>
-          </a:p>
-        </p:txBody>
-      </p:sp>
-    </p:spTree>
-    <p:extLst>
-      <p:ext uri="{BB962C8B-B14F-4D97-AF65-F5344CB8AC3E}">
-        <p14:creationId xmlns:p14="http://schemas.microsoft.com/office/powerpoint/2010/main" val="2078458315"/>
-      </p:ext>
-    </p:extLst>
-  </p:cSld>
-  <p:clrMapOvr>
-    <a:masterClrMapping/>
-  </p:clrMapOvr>
-</p:sld>
-</file>
-
-<file path=ppt/slides/slide14.xml><?xml version="1.0" encoding="utf-8"?>
-<p:sld xmlns:a="http://schemas.openxmlformats.org/drawingml/2006/main" xmlns:r="http://schemas.openxmlformats.org/officeDocument/2006/relationships" xmlns:p="http://schemas.openxmlformats.org/presentationml/2006/main">
-  <p:cSld>
-    <p:spTree>
-      <p:nvGrpSpPr>
-        <p:cNvPr id="1" name=""/>
-        <p:cNvGrpSpPr/>
-        <p:nvPr/>
-      </p:nvGrpSpPr>
-      <p:grpSpPr>
-        <a:xfrm>
-          <a:off x="0" y="0"/>
-          <a:ext cx="0" cy="0"/>
-          <a:chOff x="0" y="0"/>
-          <a:chExt cx="0" cy="0"/>
-        </a:xfrm>
-      </p:grpSpPr>
-      <p:sp>
-        <p:nvSpPr>
-          <p:cNvPr id="2" name="Title 1">
-            <a:extLst>
-              <a:ext uri="{FF2B5EF4-FFF2-40B4-BE49-F238E27FC236}">
-                <a16:creationId xmlns:a16="http://schemas.microsoft.com/office/drawing/2014/main" id="{1DE5DE4C-4E20-43B0-A130-A3878E3637B2}"/>
-              </a:ext>
-            </a:extLst>
-          </p:cNvPr>
-          <p:cNvSpPr>
-            <a:spLocks noGrp="1"/>
-          </p:cNvSpPr>
-          <p:nvPr>
-            <p:ph type="title"/>
-          </p:nvPr>
-        </p:nvSpPr>
-        <p:spPr/>
-        <p:txBody>
-          <a:bodyPr>
-            <a:normAutofit/>
-          </a:bodyPr>
-          <a:lstStyle/>
-          <a:p>
-            <a:r>
-              <a:rPr lang="en-US" sz="4000" dirty="0" err="1"/>
-              <a:t>Collaudo</a:t>
-            </a:r>
-            <a:br>
-              <a:rPr lang="en-US" sz="4000" dirty="0"/>
-            </a:br>
-            <a:endParaRPr lang="en-US" sz="4000" dirty="0"/>
-          </a:p>
-        </p:txBody>
-      </p:sp>
-      <p:sp>
-        <p:nvSpPr>
-          <p:cNvPr id="5" name="Segnaposto contenuto 4">
-            <a:extLst>
-              <a:ext uri="{FF2B5EF4-FFF2-40B4-BE49-F238E27FC236}">
-                <a16:creationId xmlns:a16="http://schemas.microsoft.com/office/drawing/2014/main" id="{710333A3-B884-4960-BB1C-82811B257BF6}"/>
-              </a:ext>
-            </a:extLst>
-          </p:cNvPr>
-          <p:cNvSpPr>
-            <a:spLocks noGrp="1"/>
-          </p:cNvSpPr>
-          <p:nvPr>
-            <p:ph idx="1"/>
-          </p:nvPr>
-        </p:nvSpPr>
-        <p:spPr/>
-        <p:txBody>
-          <a:bodyPr anchor="ctr">
-            <a:normAutofit/>
-          </a:bodyPr>
-          <a:lstStyle/>
-          <a:p>
-            <a:r>
-              <a:rPr lang="en-GB" sz="2400" dirty="0" err="1"/>
-              <a:t>Ricerca</a:t>
-            </a:r>
-            <a:r>
-              <a:rPr lang="en-GB" sz="2400" dirty="0"/>
-              <a:t> di </a:t>
-            </a:r>
-            <a:r>
-              <a:rPr lang="en-GB" sz="2400" dirty="0" err="1"/>
-              <a:t>possibili</a:t>
-            </a:r>
-            <a:r>
-              <a:rPr lang="en-GB" sz="2400" dirty="0"/>
-              <a:t> </a:t>
-            </a:r>
-            <a:r>
-              <a:rPr lang="en-GB" sz="2400" dirty="0" err="1"/>
-              <a:t>errori</a:t>
-            </a:r>
-            <a:r>
-              <a:rPr lang="en-GB" sz="2400" dirty="0"/>
-              <a:t> </a:t>
-            </a:r>
-            <a:r>
-              <a:rPr lang="en-GB" sz="2400" dirty="0" err="1"/>
-              <a:t>dell’input</a:t>
-            </a:r>
-            <a:endParaRPr lang="en-GB" sz="2400" dirty="0"/>
-          </a:p>
-          <a:p>
-            <a:r>
-              <a:rPr lang="en-GB" sz="2400" dirty="0" err="1"/>
-              <a:t>Ricerca</a:t>
-            </a:r>
-            <a:r>
-              <a:rPr lang="en-GB" sz="2400" dirty="0"/>
-              <a:t> di </a:t>
-            </a:r>
-            <a:r>
-              <a:rPr lang="en-GB" sz="2400" dirty="0" err="1"/>
-              <a:t>possibili</a:t>
-            </a:r>
-            <a:r>
-              <a:rPr lang="en-GB" sz="2400" dirty="0"/>
-              <a:t> </a:t>
-            </a:r>
-            <a:r>
-              <a:rPr lang="en-GB" sz="2400" dirty="0" err="1"/>
-              <a:t>errori</a:t>
-            </a:r>
-            <a:r>
-              <a:rPr lang="en-GB" sz="2400" dirty="0"/>
-              <a:t> a </a:t>
-            </a:r>
-            <a:r>
-              <a:rPr lang="en-GB" sz="2400" dirty="0" err="1"/>
-              <a:t>RunTime</a:t>
-            </a:r>
-            <a:endParaRPr lang="en-GB" sz="2400" dirty="0"/>
-          </a:p>
-          <a:p>
-            <a:r>
-              <a:rPr lang="en-GB" sz="2400" dirty="0" err="1"/>
-              <a:t>Ricerca</a:t>
-            </a:r>
-            <a:r>
-              <a:rPr lang="en-GB" sz="2400" dirty="0"/>
-              <a:t> di </a:t>
-            </a:r>
-            <a:r>
-              <a:rPr lang="en-GB" sz="2400" dirty="0" err="1"/>
-              <a:t>possibili</a:t>
-            </a:r>
-            <a:r>
-              <a:rPr lang="en-GB" sz="2400" dirty="0"/>
-              <a:t> </a:t>
-            </a:r>
-            <a:r>
-              <a:rPr lang="en-GB" sz="2400" dirty="0" err="1"/>
-              <a:t>errori</a:t>
-            </a:r>
-            <a:r>
-              <a:rPr lang="en-GB" sz="2400" dirty="0"/>
-              <a:t> </a:t>
-            </a:r>
-            <a:r>
-              <a:rPr lang="en-GB" sz="2400" dirty="0" err="1"/>
-              <a:t>dell’output</a:t>
-            </a:r>
-            <a:endParaRPr lang="en-GB" sz="2400" dirty="0"/>
-          </a:p>
-          <a:p>
-            <a:endParaRPr lang="en-GB" sz="2400" dirty="0"/>
-          </a:p>
-        </p:txBody>
-      </p:sp>
-      <p:sp>
-        <p:nvSpPr>
-          <p:cNvPr id="6" name="Segnaposto testo 5">
-            <a:extLst>
-              <a:ext uri="{FF2B5EF4-FFF2-40B4-BE49-F238E27FC236}">
-                <a16:creationId xmlns:a16="http://schemas.microsoft.com/office/drawing/2014/main" id="{AB260758-ED19-4F3D-A104-38633F39559C}"/>
-              </a:ext>
-            </a:extLst>
-          </p:cNvPr>
-          <p:cNvSpPr>
-            <a:spLocks noGrp="1"/>
-          </p:cNvSpPr>
-          <p:nvPr>
-            <p:ph type="body" sz="half" idx="2"/>
-          </p:nvPr>
-        </p:nvSpPr>
-        <p:spPr/>
-        <p:txBody>
-          <a:bodyPr>
-            <a:normAutofit/>
-          </a:bodyPr>
-          <a:lstStyle/>
-          <a:p>
-            <a:r>
-              <a:rPr lang="en-GB" sz="2400" dirty="0" err="1"/>
-              <a:t>Tramite</a:t>
-            </a:r>
-            <a:r>
-              <a:rPr lang="en-GB" sz="2400" dirty="0"/>
-              <a:t> </a:t>
-            </a:r>
-            <a:r>
-              <a:rPr lang="en-GB" sz="2400" dirty="0" err="1"/>
-              <a:t>utilizzo</a:t>
-            </a:r>
-            <a:r>
-              <a:rPr lang="en-GB" sz="2400" dirty="0"/>
-              <a:t> di assert e </a:t>
-            </a:r>
-            <a:r>
-              <a:rPr lang="en-GB" sz="2400" dirty="0" err="1"/>
-              <a:t>Strumenti</a:t>
-            </a:r>
-            <a:r>
-              <a:rPr lang="en-GB" sz="2400" dirty="0"/>
-              <a:t> di debug</a:t>
-            </a:r>
-          </a:p>
-          <a:p>
-            <a:endParaRPr lang="it-IT" sz="2400" dirty="0"/>
-          </a:p>
-        </p:txBody>
-      </p:sp>
-      <p:sp>
-        <p:nvSpPr>
-          <p:cNvPr id="3" name="TextBox 2">
-            <a:extLst>
-              <a:ext uri="{FF2B5EF4-FFF2-40B4-BE49-F238E27FC236}">
-                <a16:creationId xmlns:a16="http://schemas.microsoft.com/office/drawing/2014/main" id="{405EB24F-3CDB-4580-9E05-B0F95A543820}"/>
-              </a:ext>
-            </a:extLst>
-          </p:cNvPr>
-          <p:cNvSpPr txBox="1"/>
-          <p:nvPr/>
-        </p:nvSpPr>
-        <p:spPr>
-          <a:xfrm>
-            <a:off x="2444199" y="4893734"/>
-            <a:ext cx="7303602" cy="707886"/>
-          </a:xfrm>
-          <a:prstGeom prst="rect">
-            <a:avLst/>
-          </a:prstGeom>
-          <a:noFill/>
-        </p:spPr>
-        <p:txBody>
-          <a:bodyPr wrap="none" rtlCol="0">
-            <a:spAutoFit/>
-          </a:bodyPr>
-          <a:lstStyle/>
-          <a:p>
-            <a:r>
-              <a:rPr lang="it-IT" sz="4000" dirty="0">
-                <a:solidFill>
-                  <a:schemeClr val="tx2"/>
-                </a:solidFill>
-                <a:latin typeface="+mj-lt"/>
-              </a:rPr>
-              <a:t>Ma come migliorare l’efficienza?</a:t>
-            </a:r>
-            <a:endParaRPr lang="en-US" sz="4000" dirty="0">
-              <a:solidFill>
-                <a:schemeClr val="tx2"/>
-              </a:solidFill>
-              <a:latin typeface="+mj-lt"/>
-            </a:endParaRPr>
-          </a:p>
-        </p:txBody>
-      </p:sp>
-    </p:spTree>
-    <p:extLst>
-      <p:ext uri="{BB962C8B-B14F-4D97-AF65-F5344CB8AC3E}">
-        <p14:creationId xmlns:p14="http://schemas.microsoft.com/office/powerpoint/2010/main" val="3020919706"/>
-      </p:ext>
-    </p:extLst>
-  </p:cSld>
-  <p:clrMapOvr>
-    <a:masterClrMapping/>
-  </p:clrMapOvr>
-</p:sld>
-</file>
-
-<file path=ppt/slides/slide15.xml><?xml version="1.0" encoding="utf-8"?>
-<p:sld xmlns:a="http://schemas.openxmlformats.org/drawingml/2006/main" xmlns:r="http://schemas.openxmlformats.org/officeDocument/2006/relationships" xmlns:p="http://schemas.openxmlformats.org/presentationml/2006/main">
-  <p:cSld>
     <p:bg>
       <p:bgPr>
         <a:blipFill rotWithShape="1">
@@ -21384,7 +24202,7 @@
             <p:ph idx="1"/>
             <p:extLst>
               <p:ext uri="{D42A27DB-BD31-4B8C-83A1-F6EECF244321}">
-                <p14:modId xmlns:p14="http://schemas.microsoft.com/office/powerpoint/2010/main" val="1247518247"/>
+                <p14:modId xmlns:p14="http://schemas.microsoft.com/office/powerpoint/2010/main" val="448273838"/>
               </p:ext>
             </p:extLst>
           </p:nvPr>
@@ -21412,7 +24230,7 @@
 </p:sld>
 </file>
 
-<file path=ppt/slides/slide16.xml><?xml version="1.0" encoding="utf-8"?>
+<file path=ppt/slides/slide11.xml><?xml version="1.0" encoding="utf-8"?>
 <p:sld xmlns:a="http://schemas.openxmlformats.org/drawingml/2006/main" xmlns:r="http://schemas.openxmlformats.org/officeDocument/2006/relationships" xmlns:p="http://schemas.openxmlformats.org/presentationml/2006/main">
   <p:cSld>
     <p:spTree>
@@ -21457,41 +24275,12 @@
           <a:p>
             <a:r>
               <a:rPr lang="it-IT" dirty="0"/>
-              <a:t>1 Client</a:t>
+              <a:t>1Client</a:t>
             </a:r>
             <a:endParaRPr lang="en-US" dirty="0"/>
           </a:p>
         </p:txBody>
       </p:sp>
-      <p:pic>
-        <p:nvPicPr>
-          <p:cNvPr id="5" name="Content Placeholder 4" descr="Chart, bar chart&#10;&#10;Description automatically generated">
-            <a:extLst>
-              <a:ext uri="{FF2B5EF4-FFF2-40B4-BE49-F238E27FC236}">
-                <a16:creationId xmlns:a16="http://schemas.microsoft.com/office/drawing/2014/main" id="{B811D567-429C-4C56-AD89-2071E2ECA0C1}"/>
-              </a:ext>
-            </a:extLst>
-          </p:cNvPr>
-          <p:cNvPicPr>
-            <a:picLocks noGrp="1" noChangeAspect="1"/>
-          </p:cNvPicPr>
-          <p:nvPr>
-            <p:ph idx="1"/>
-          </p:nvPr>
-        </p:nvPicPr>
-        <p:blipFill>
-          <a:blip r:embed="rId2"/>
-          <a:stretch>
-            <a:fillRect/>
-          </a:stretch>
-        </p:blipFill>
-        <p:spPr>
-          <a:xfrm>
-            <a:off x="814495" y="1008309"/>
-            <a:ext cx="10563010" cy="2770626"/>
-          </a:xfrm>
-        </p:spPr>
-      </p:pic>
       <p:pic>
         <p:nvPicPr>
           <p:cNvPr id="7" name="Picture 6" descr="Chart, bar chart&#10;&#10;Description automatically generated">
@@ -21507,6 +24296,38 @@
           <p:nvPr/>
         </p:nvPicPr>
         <p:blipFill>
+          <a:blip r:embed="rId2"/>
+          <a:stretch>
+            <a:fillRect/>
+          </a:stretch>
+        </p:blipFill>
+        <p:spPr>
+          <a:xfrm>
+            <a:off x="911110" y="876407"/>
+            <a:ext cx="10353763" cy="2715718"/>
+          </a:xfrm>
+          <a:prstGeom prst="rect">
+            <a:avLst/>
+          </a:prstGeom>
+        </p:spPr>
+      </p:pic>
+      <p:pic>
+        <p:nvPicPr>
+          <p:cNvPr id="10" name="Content Placeholder 9" descr="A pencil and paper&#10;&#10;Description automatically generated">
+            <a:extLst>
+              <a:ext uri="{FF2B5EF4-FFF2-40B4-BE49-F238E27FC236}">
+                <a16:creationId xmlns:a16="http://schemas.microsoft.com/office/drawing/2014/main" id="{BB7F4285-363B-46C9-9626-6175CE4B210A}"/>
+              </a:ext>
+            </a:extLst>
+          </p:cNvPr>
+          <p:cNvPicPr>
+            <a:picLocks noGrp="1" noChangeAspect="1"/>
+          </p:cNvPicPr>
+          <p:nvPr>
+            <p:ph idx="1"/>
+          </p:nvPr>
+        </p:nvPicPr>
+        <p:blipFill>
           <a:blip r:embed="rId3"/>
           <a:stretch>
             <a:fillRect/>
@@ -21514,102 +24335,11 @@
         </p:blipFill>
         <p:spPr>
           <a:xfrm>
-            <a:off x="814494" y="3778934"/>
-            <a:ext cx="10563011" cy="2715718"/>
+            <a:off x="924530" y="3706425"/>
+            <a:ext cx="10359129" cy="2844612"/>
           </a:xfrm>
-          <a:prstGeom prst="rect">
-            <a:avLst/>
-          </a:prstGeom>
         </p:spPr>
       </p:pic>
-      <p:sp>
-        <p:nvSpPr>
-          <p:cNvPr id="8" name="TextBox 7">
-            <a:extLst>
-              <a:ext uri="{FF2B5EF4-FFF2-40B4-BE49-F238E27FC236}">
-                <a16:creationId xmlns:a16="http://schemas.microsoft.com/office/drawing/2014/main" id="{F7FF325B-A778-436B-A1BC-489FC8518A59}"/>
-              </a:ext>
-            </a:extLst>
-          </p:cNvPr>
-          <p:cNvSpPr txBox="1"/>
-          <p:nvPr/>
-        </p:nvSpPr>
-        <p:spPr>
-          <a:xfrm>
-            <a:off x="9428127" y="1063216"/>
-            <a:ext cx="2534200" cy="369332"/>
-          </a:xfrm>
-          <a:prstGeom prst="rect">
-            <a:avLst/>
-          </a:prstGeom>
-          <a:noFill/>
-        </p:spPr>
-        <p:txBody>
-          <a:bodyPr wrap="square" rtlCol="0">
-            <a:spAutoFit/>
-          </a:bodyPr>
-          <a:lstStyle/>
-          <a:p>
-            <a:r>
-              <a:rPr lang="it-IT" dirty="0">
-                <a:solidFill>
-                  <a:schemeClr val="bg1"/>
-                </a:solidFill>
-              </a:rPr>
-              <a:t>Ricerca Lineare</a:t>
-            </a:r>
-            <a:endParaRPr lang="en-US" dirty="0">
-              <a:solidFill>
-                <a:schemeClr val="bg1"/>
-              </a:solidFill>
-            </a:endParaRPr>
-          </a:p>
-        </p:txBody>
-      </p:sp>
-      <p:sp>
-        <p:nvSpPr>
-          <p:cNvPr id="9" name="TextBox 8">
-            <a:extLst>
-              <a:ext uri="{FF2B5EF4-FFF2-40B4-BE49-F238E27FC236}">
-                <a16:creationId xmlns:a16="http://schemas.microsoft.com/office/drawing/2014/main" id="{FB7FB3A3-21AD-4CC8-B3D4-F6C7D0DE5587}"/>
-              </a:ext>
-            </a:extLst>
-          </p:cNvPr>
-          <p:cNvSpPr txBox="1"/>
-          <p:nvPr/>
-        </p:nvSpPr>
-        <p:spPr>
-          <a:xfrm>
-            <a:off x="9428127" y="3778934"/>
-            <a:ext cx="2534200" cy="369332"/>
-          </a:xfrm>
-          <a:prstGeom prst="rect">
-            <a:avLst/>
-          </a:prstGeom>
-          <a:noFill/>
-        </p:spPr>
-        <p:txBody>
-          <a:bodyPr wrap="square" rtlCol="0">
-            <a:spAutoFit/>
-          </a:bodyPr>
-          <a:lstStyle/>
-          <a:p>
-            <a:r>
-              <a:rPr lang="it-IT" dirty="0">
-                <a:solidFill>
-                  <a:schemeClr val="bg1"/>
-                </a:solidFill>
-              </a:rPr>
-              <a:t>Ricerca Binaria</a:t>
-            </a:r>
-            <a:endParaRPr lang="en-US" dirty="0">
-              <a:solidFill>
-                <a:schemeClr val="bg1"/>
-              </a:solidFill>
-            </a:endParaRPr>
-          </a:p>
-        </p:txBody>
-      </p:sp>
     </p:spTree>
     <p:extLst>
       <p:ext uri="{BB962C8B-B14F-4D97-AF65-F5344CB8AC3E}">
@@ -21623,7 +24353,7 @@
 </p:sld>
 </file>
 
-<file path=ppt/slides/slide17.xml><?xml version="1.0" encoding="utf-8"?>
+<file path=ppt/slides/slide12.xml><?xml version="1.0" encoding="utf-8"?>
 <p:sld xmlns:a="http://schemas.openxmlformats.org/drawingml/2006/main" xmlns:r="http://schemas.openxmlformats.org/officeDocument/2006/relationships" xmlns:p="http://schemas.openxmlformats.org/presentationml/2006/main">
   <p:cSld>
     <p:spTree>
@@ -21645,7 +24375,7 @@
           <p:cNvPr id="2" name="Title 1">
             <a:extLst>
               <a:ext uri="{FF2B5EF4-FFF2-40B4-BE49-F238E27FC236}">
-                <a16:creationId xmlns:a16="http://schemas.microsoft.com/office/drawing/2014/main" id="{037ADEC7-96B5-4639-BFBC-D447892BB18C}"/>
+                <a16:creationId xmlns:a16="http://schemas.microsoft.com/office/drawing/2014/main" id="{D35563E6-7E60-4DBC-A4EE-6650FFE65B3C}"/>
               </a:ext>
             </a:extLst>
           </p:cNvPr>
@@ -21658,7 +24388,7 @@
         </p:nvSpPr>
         <p:spPr>
           <a:xfrm>
-            <a:off x="924530" y="92766"/>
+            <a:off x="919119" y="195308"/>
             <a:ext cx="10353762" cy="970450"/>
           </a:xfrm>
         </p:spPr>
@@ -21668,7 +24398,7 @@
           <a:p>
             <a:r>
               <a:rPr lang="it-IT" dirty="0"/>
-              <a:t>1 Client</a:t>
+              <a:t>10 Client</a:t>
             </a:r>
             <a:endParaRPr lang="en-US" dirty="0"/>
           </a:p>
@@ -21676,10 +24406,10 @@
       </p:sp>
       <p:pic>
         <p:nvPicPr>
-          <p:cNvPr id="10" name="Content Placeholder 9" descr="A pencil and paper&#10;&#10;Description automatically generated">
+          <p:cNvPr id="5" name="Content Placeholder 4">
             <a:extLst>
               <a:ext uri="{FF2B5EF4-FFF2-40B4-BE49-F238E27FC236}">
-                <a16:creationId xmlns:a16="http://schemas.microsoft.com/office/drawing/2014/main" id="{A80813FA-4241-4AA2-89B2-342D0AEF08F2}"/>
+                <a16:creationId xmlns:a16="http://schemas.microsoft.com/office/drawing/2014/main" id="{B0AFBBBE-C023-40E1-B8C8-7B6A7CE00F04}"/>
               </a:ext>
             </a:extLst>
           </p:cNvPr>
@@ -21698,17 +24428,17 @@
         </p:blipFill>
         <p:spPr>
           <a:xfrm>
-            <a:off x="913708" y="3617021"/>
-            <a:ext cx="10359129" cy="2844612"/>
+            <a:off x="903321" y="3689679"/>
+            <a:ext cx="10353675" cy="2737755"/>
           </a:xfrm>
         </p:spPr>
       </p:pic>
       <p:pic>
         <p:nvPicPr>
-          <p:cNvPr id="12" name="Picture 11" descr="Chart, bar chart&#10;&#10;Description automatically generated">
+          <p:cNvPr id="7" name="Picture 6">
             <a:extLst>
               <a:ext uri="{FF2B5EF4-FFF2-40B4-BE49-F238E27FC236}">
-                <a16:creationId xmlns:a16="http://schemas.microsoft.com/office/drawing/2014/main" id="{80BD2E74-346F-42D3-99C6-204A74EE733F}"/>
+                <a16:creationId xmlns:a16="http://schemas.microsoft.com/office/drawing/2014/main" id="{F8F240D6-5E53-4B1F-9A1C-D594F5546874}"/>
               </a:ext>
             </a:extLst>
           </p:cNvPr>
@@ -21725,106 +24455,18 @@
         </p:blipFill>
         <p:spPr>
           <a:xfrm>
-            <a:off x="924530" y="968568"/>
-            <a:ext cx="10353762" cy="2712776"/>
+            <a:off x="913882" y="1021979"/>
+            <a:ext cx="10343114" cy="2596678"/>
           </a:xfrm>
           <a:prstGeom prst="rect">
             <a:avLst/>
           </a:prstGeom>
         </p:spPr>
       </p:pic>
-      <p:sp>
-        <p:nvSpPr>
-          <p:cNvPr id="9" name="TextBox 8">
-            <a:extLst>
-              <a:ext uri="{FF2B5EF4-FFF2-40B4-BE49-F238E27FC236}">
-                <a16:creationId xmlns:a16="http://schemas.microsoft.com/office/drawing/2014/main" id="{FB7FB3A3-21AD-4CC8-B3D4-F6C7D0DE5587}"/>
-              </a:ext>
-            </a:extLst>
-          </p:cNvPr>
-          <p:cNvSpPr txBox="1"/>
-          <p:nvPr/>
-        </p:nvSpPr>
-        <p:spPr>
-          <a:xfrm>
-            <a:off x="9657800" y="3618519"/>
-            <a:ext cx="2534200" cy="369332"/>
-          </a:xfrm>
-          <a:prstGeom prst="rect">
-            <a:avLst/>
-          </a:prstGeom>
-          <a:noFill/>
-        </p:spPr>
-        <p:txBody>
-          <a:bodyPr wrap="square" rtlCol="0">
-            <a:spAutoFit/>
-          </a:bodyPr>
-          <a:lstStyle/>
-          <a:p>
-            <a:r>
-              <a:rPr lang="it-IT" dirty="0">
-                <a:solidFill>
-                  <a:schemeClr val="bg1"/>
-                </a:solidFill>
-              </a:rPr>
-              <a:t>HashMap</a:t>
-            </a:r>
-            <a:endParaRPr lang="en-US" dirty="0">
-              <a:solidFill>
-                <a:schemeClr val="bg1"/>
-              </a:solidFill>
-            </a:endParaRPr>
-          </a:p>
-        </p:txBody>
-      </p:sp>
-      <p:sp>
-        <p:nvSpPr>
-          <p:cNvPr id="8" name="TextBox 7">
-            <a:extLst>
-              <a:ext uri="{FF2B5EF4-FFF2-40B4-BE49-F238E27FC236}">
-                <a16:creationId xmlns:a16="http://schemas.microsoft.com/office/drawing/2014/main" id="{F7FF325B-A778-436B-A1BC-489FC8518A59}"/>
-              </a:ext>
-            </a:extLst>
-          </p:cNvPr>
-          <p:cNvSpPr txBox="1"/>
-          <p:nvPr/>
-        </p:nvSpPr>
-        <p:spPr>
-          <a:xfrm>
-            <a:off x="9657800" y="960071"/>
-            <a:ext cx="2534200" cy="369332"/>
-          </a:xfrm>
-          <a:prstGeom prst="rect">
-            <a:avLst/>
-          </a:prstGeom>
-          <a:noFill/>
-        </p:spPr>
-        <p:txBody>
-          <a:bodyPr wrap="square" rtlCol="0">
-            <a:spAutoFit/>
-          </a:bodyPr>
-          <a:lstStyle/>
-          <a:p>
-            <a:r>
-              <a:rPr lang="it-IT" dirty="0">
-                <a:solidFill>
-                  <a:schemeClr val="bg1"/>
-                </a:solidFill>
-              </a:rPr>
-              <a:t>ArrayList</a:t>
-            </a:r>
-            <a:endParaRPr lang="en-US" dirty="0">
-              <a:solidFill>
-                <a:schemeClr val="bg1"/>
-              </a:solidFill>
-            </a:endParaRPr>
-          </a:p>
-        </p:txBody>
-      </p:sp>
     </p:spTree>
     <p:extLst>
       <p:ext uri="{BB962C8B-B14F-4D97-AF65-F5344CB8AC3E}">
-        <p14:creationId xmlns:p14="http://schemas.microsoft.com/office/powerpoint/2010/main" val="2783368502"/>
+        <p14:creationId xmlns:p14="http://schemas.microsoft.com/office/powerpoint/2010/main" val="4281186038"/>
       </p:ext>
     </p:extLst>
   </p:cSld>
@@ -21834,7 +24476,7 @@
 </p:sld>
 </file>
 
-<file path=ppt/slides/slide18.xml><?xml version="1.0" encoding="utf-8"?>
+<file path=ppt/slides/slide13.xml><?xml version="1.0" encoding="utf-8"?>
 <p:sld xmlns:a="http://schemas.openxmlformats.org/drawingml/2006/main" xmlns:r="http://schemas.openxmlformats.org/officeDocument/2006/relationships" xmlns:p="http://schemas.openxmlformats.org/presentationml/2006/main">
   <p:cSld>
     <p:spTree>
@@ -21853,33 +24495,121 @@
       </p:grpSpPr>
       <p:sp>
         <p:nvSpPr>
-          <p:cNvPr id="2" name="Title 1">
+          <p:cNvPr id="4" name="Title 1">
             <a:extLst>
               <a:ext uri="{FF2B5EF4-FFF2-40B4-BE49-F238E27FC236}">
-                <a16:creationId xmlns:a16="http://schemas.microsoft.com/office/drawing/2014/main" id="{037ADEC7-96B5-4639-BFBC-D447892BB18C}"/>
+                <a16:creationId xmlns:a16="http://schemas.microsoft.com/office/drawing/2014/main" id="{ACBBF622-4215-4556-926D-B7BB9BC8E60C}"/>
               </a:ext>
             </a:extLst>
           </p:cNvPr>
-          <p:cNvSpPr>
-            <a:spLocks noGrp="1"/>
+          <p:cNvSpPr txBox="1">
+            <a:spLocks/>
           </p:cNvSpPr>
-          <p:nvPr>
-            <p:ph type="title"/>
-          </p:nvPr>
+          <p:nvPr/>
         </p:nvSpPr>
         <p:spPr>
           <a:xfrm>
             <a:off x="924530" y="92766"/>
             <a:ext cx="10353762" cy="970450"/>
           </a:xfrm>
+          <a:prstGeom prst="rect">
+            <a:avLst/>
+          </a:prstGeom>
         </p:spPr>
         <p:txBody>
           <a:bodyPr/>
-          <a:lstStyle/>
+          <a:lstStyle>
+            <a:lvl1pPr algn="ctr" defTabSz="457200" rtl="0" eaLnBrk="1" latinLnBrk="0" hangingPunct="1">
+              <a:spcBef>
+                <a:spcPct val="0"/>
+              </a:spcBef>
+              <a:buNone/>
+              <a:defRPr sz="4000" kern="1200">
+                <a:ln>
+                  <a:solidFill>
+                    <a:schemeClr val="bg1">
+                      <a:lumMod val="75000"/>
+                      <a:lumOff val="25000"/>
+                      <a:alpha val="10000"/>
+                    </a:schemeClr>
+                  </a:solidFill>
+                </a:ln>
+                <a:solidFill>
+                  <a:schemeClr val="tx2"/>
+                </a:solidFill>
+                <a:effectLst>
+                  <a:outerShdw blurRad="9525" dist="25400" dir="14640000" algn="tl" rotWithShape="0">
+                    <a:schemeClr val="bg1">
+                      <a:alpha val="30000"/>
+                    </a:schemeClr>
+                  </a:outerShdw>
+                </a:effectLst>
+                <a:latin typeface="+mj-lt"/>
+                <a:ea typeface="+mj-ea"/>
+                <a:cs typeface="Trebuchet MS"/>
+              </a:defRPr>
+            </a:lvl1pPr>
+            <a:lvl2pPr eaLnBrk="1" hangingPunct="1">
+              <a:defRPr>
+                <a:solidFill>
+                  <a:schemeClr val="tx2"/>
+                </a:solidFill>
+              </a:defRPr>
+            </a:lvl2pPr>
+            <a:lvl3pPr eaLnBrk="1" hangingPunct="1">
+              <a:defRPr>
+                <a:solidFill>
+                  <a:schemeClr val="tx2"/>
+                </a:solidFill>
+              </a:defRPr>
+            </a:lvl3pPr>
+            <a:lvl4pPr eaLnBrk="1" hangingPunct="1">
+              <a:defRPr>
+                <a:solidFill>
+                  <a:schemeClr val="tx2"/>
+                </a:solidFill>
+              </a:defRPr>
+            </a:lvl4pPr>
+            <a:lvl5pPr eaLnBrk="1" hangingPunct="1">
+              <a:defRPr>
+                <a:solidFill>
+                  <a:schemeClr val="tx2"/>
+                </a:solidFill>
+              </a:defRPr>
+            </a:lvl5pPr>
+            <a:lvl6pPr eaLnBrk="1" hangingPunct="1">
+              <a:defRPr>
+                <a:solidFill>
+                  <a:schemeClr val="tx2"/>
+                </a:solidFill>
+              </a:defRPr>
+            </a:lvl6pPr>
+            <a:lvl7pPr eaLnBrk="1" hangingPunct="1">
+              <a:defRPr>
+                <a:solidFill>
+                  <a:schemeClr val="tx2"/>
+                </a:solidFill>
+              </a:defRPr>
+            </a:lvl7pPr>
+            <a:lvl8pPr eaLnBrk="1" hangingPunct="1">
+              <a:defRPr>
+                <a:solidFill>
+                  <a:schemeClr val="tx2"/>
+                </a:solidFill>
+              </a:defRPr>
+            </a:lvl8pPr>
+            <a:lvl9pPr eaLnBrk="1" hangingPunct="1">
+              <a:defRPr>
+                <a:solidFill>
+                  <a:schemeClr val="tx2"/>
+                </a:solidFill>
+              </a:defRPr>
+            </a:lvl9pPr>
+          </a:lstStyle>
           <a:p>
             <a:r>
               <a:rPr lang="it-IT" dirty="0"/>
-              <a:t>2 Client</a:t>
+              <a:t>Media</a:t>
             </a:r>
             <a:endParaRPr lang="en-US" dirty="0"/>
           </a:p>
@@ -21887,10 +24617,10 @@
       </p:sp>
       <p:pic>
         <p:nvPicPr>
-          <p:cNvPr id="11" name="Picture 10" descr="Chart, bar chart&#10;&#10;Description automatically generated">
+          <p:cNvPr id="6" name="Picture 5">
             <a:extLst>
               <a:ext uri="{FF2B5EF4-FFF2-40B4-BE49-F238E27FC236}">
-                <a16:creationId xmlns:a16="http://schemas.microsoft.com/office/drawing/2014/main" id="{FB497347-51CA-4354-9DA1-B007E7EBBE50}"/>
+                <a16:creationId xmlns:a16="http://schemas.microsoft.com/office/drawing/2014/main" id="{D26E000B-A023-4523-8D86-BC406D2A9656}"/>
               </a:ext>
             </a:extLst>
           </p:cNvPr>
@@ -21907,8 +24637,8 @@
         </p:blipFill>
         <p:spPr>
           <a:xfrm>
-            <a:off x="467372" y="3853606"/>
-            <a:ext cx="11184921" cy="2908322"/>
+            <a:off x="724505" y="1491611"/>
+            <a:ext cx="4602487" cy="3451865"/>
           </a:xfrm>
           <a:prstGeom prst="rect">
             <a:avLst/>
@@ -21917,220 +24647,10 @@
       </p:pic>
       <p:pic>
         <p:nvPicPr>
-          <p:cNvPr id="6" name="Content Placeholder 5" descr="Chart, bar chart&#10;&#10;Description automatically generated">
+          <p:cNvPr id="8" name="Picture 7">
             <a:extLst>
               <a:ext uri="{FF2B5EF4-FFF2-40B4-BE49-F238E27FC236}">
-                <a16:creationId xmlns:a16="http://schemas.microsoft.com/office/drawing/2014/main" id="{4546134F-02EC-47F1-901B-0ABE6EFBFEFC}"/>
-              </a:ext>
-            </a:extLst>
-          </p:cNvPr>
-          <p:cNvPicPr>
-            <a:picLocks noGrp="1" noChangeAspect="1"/>
-          </p:cNvPicPr>
-          <p:nvPr>
-            <p:ph idx="1"/>
-          </p:nvPr>
-        </p:nvPicPr>
-        <p:blipFill>
-          <a:blip r:embed="rId3"/>
-          <a:stretch>
-            <a:fillRect/>
-          </a:stretch>
-        </p:blipFill>
-        <p:spPr>
-          <a:xfrm>
-            <a:off x="467373" y="960071"/>
-            <a:ext cx="11184921" cy="2956367"/>
-          </a:xfrm>
-        </p:spPr>
-      </p:pic>
-      <p:sp>
-        <p:nvSpPr>
-          <p:cNvPr id="9" name="TextBox 8">
-            <a:extLst>
-              <a:ext uri="{FF2B5EF4-FFF2-40B4-BE49-F238E27FC236}">
-                <a16:creationId xmlns:a16="http://schemas.microsoft.com/office/drawing/2014/main" id="{FB7FB3A3-21AD-4CC8-B3D4-F6C7D0DE5587}"/>
-              </a:ext>
-            </a:extLst>
-          </p:cNvPr>
-          <p:cNvSpPr txBox="1"/>
-          <p:nvPr/>
-        </p:nvSpPr>
-        <p:spPr>
-          <a:xfrm>
-            <a:off x="9657800" y="3890586"/>
-            <a:ext cx="2534200" cy="369332"/>
-          </a:xfrm>
-          <a:prstGeom prst="rect">
-            <a:avLst/>
-          </a:prstGeom>
-          <a:noFill/>
-        </p:spPr>
-        <p:txBody>
-          <a:bodyPr wrap="square" rtlCol="0">
-            <a:spAutoFit/>
-          </a:bodyPr>
-          <a:lstStyle/>
-          <a:p>
-            <a:r>
-              <a:rPr lang="it-IT" dirty="0">
-                <a:solidFill>
-                  <a:schemeClr val="bg1"/>
-                </a:solidFill>
-              </a:rPr>
-              <a:t>Ricerca Binaria</a:t>
-            </a:r>
-            <a:endParaRPr lang="en-US" dirty="0">
-              <a:solidFill>
-                <a:schemeClr val="bg1"/>
-              </a:solidFill>
-            </a:endParaRPr>
-          </a:p>
-        </p:txBody>
-      </p:sp>
-      <p:sp>
-        <p:nvSpPr>
-          <p:cNvPr id="8" name="TextBox 7">
-            <a:extLst>
-              <a:ext uri="{FF2B5EF4-FFF2-40B4-BE49-F238E27FC236}">
-                <a16:creationId xmlns:a16="http://schemas.microsoft.com/office/drawing/2014/main" id="{F7FF325B-A778-436B-A1BC-489FC8518A59}"/>
-              </a:ext>
-            </a:extLst>
-          </p:cNvPr>
-          <p:cNvSpPr txBox="1"/>
-          <p:nvPr/>
-        </p:nvSpPr>
-        <p:spPr>
-          <a:xfrm>
-            <a:off x="9657800" y="960071"/>
-            <a:ext cx="2534200" cy="369332"/>
-          </a:xfrm>
-          <a:prstGeom prst="rect">
-            <a:avLst/>
-          </a:prstGeom>
-          <a:noFill/>
-        </p:spPr>
-        <p:txBody>
-          <a:bodyPr wrap="square" rtlCol="0">
-            <a:spAutoFit/>
-          </a:bodyPr>
-          <a:lstStyle/>
-          <a:p>
-            <a:r>
-              <a:rPr lang="it-IT" dirty="0">
-                <a:solidFill>
-                  <a:schemeClr val="bg1"/>
-                </a:solidFill>
-              </a:rPr>
-              <a:t>Ricerca Lineare</a:t>
-            </a:r>
-            <a:endParaRPr lang="en-US" dirty="0">
-              <a:solidFill>
-                <a:schemeClr val="bg1"/>
-              </a:solidFill>
-            </a:endParaRPr>
-          </a:p>
-        </p:txBody>
-      </p:sp>
-    </p:spTree>
-    <p:extLst>
-      <p:ext uri="{BB962C8B-B14F-4D97-AF65-F5344CB8AC3E}">
-        <p14:creationId xmlns:p14="http://schemas.microsoft.com/office/powerpoint/2010/main" val="1048748258"/>
-      </p:ext>
-    </p:extLst>
-  </p:cSld>
-  <p:clrMapOvr>
-    <a:masterClrMapping/>
-  </p:clrMapOvr>
-</p:sld>
-</file>
-
-<file path=ppt/slides/slide19.xml><?xml version="1.0" encoding="utf-8"?>
-<p:sld xmlns:a="http://schemas.openxmlformats.org/drawingml/2006/main" xmlns:r="http://schemas.openxmlformats.org/officeDocument/2006/relationships" xmlns:p="http://schemas.openxmlformats.org/presentationml/2006/main">
-  <p:cSld>
-    <p:spTree>
-      <p:nvGrpSpPr>
-        <p:cNvPr id="1" name=""/>
-        <p:cNvGrpSpPr/>
-        <p:nvPr/>
-      </p:nvGrpSpPr>
-      <p:grpSpPr>
-        <a:xfrm>
-          <a:off x="0" y="0"/>
-          <a:ext cx="0" cy="0"/>
-          <a:chOff x="0" y="0"/>
-          <a:chExt cx="0" cy="0"/>
-        </a:xfrm>
-      </p:grpSpPr>
-      <p:sp>
-        <p:nvSpPr>
-          <p:cNvPr id="2" name="Title 1">
-            <a:extLst>
-              <a:ext uri="{FF2B5EF4-FFF2-40B4-BE49-F238E27FC236}">
-                <a16:creationId xmlns:a16="http://schemas.microsoft.com/office/drawing/2014/main" id="{037ADEC7-96B5-4639-BFBC-D447892BB18C}"/>
-              </a:ext>
-            </a:extLst>
-          </p:cNvPr>
-          <p:cNvSpPr>
-            <a:spLocks noGrp="1"/>
-          </p:cNvSpPr>
-          <p:nvPr>
-            <p:ph type="title"/>
-          </p:nvPr>
-        </p:nvSpPr>
-        <p:spPr>
-          <a:xfrm>
-            <a:off x="924530" y="92766"/>
-            <a:ext cx="10353762" cy="970450"/>
-          </a:xfrm>
-        </p:spPr>
-        <p:txBody>
-          <a:bodyPr/>
-          <a:lstStyle/>
-          <a:p>
-            <a:r>
-              <a:rPr lang="it-IT" dirty="0"/>
-              <a:t>2 Client</a:t>
-            </a:r>
-            <a:endParaRPr lang="en-US" dirty="0"/>
-          </a:p>
-        </p:txBody>
-      </p:sp>
-      <p:pic>
-        <p:nvPicPr>
-          <p:cNvPr id="10" name="Content Placeholder 9" descr="Chart, bar chart&#10;&#10;Description automatically generated">
-            <a:extLst>
-              <a:ext uri="{FF2B5EF4-FFF2-40B4-BE49-F238E27FC236}">
-                <a16:creationId xmlns:a16="http://schemas.microsoft.com/office/drawing/2014/main" id="{DF7B715A-439C-4067-8E01-E02D9A98F7F2}"/>
-              </a:ext>
-            </a:extLst>
-          </p:cNvPr>
-          <p:cNvPicPr>
-            <a:picLocks noGrp="1" noChangeAspect="1"/>
-          </p:cNvPicPr>
-          <p:nvPr>
-            <p:ph idx="1"/>
-          </p:nvPr>
-        </p:nvPicPr>
-        <p:blipFill>
-          <a:blip r:embed="rId2"/>
-          <a:stretch>
-            <a:fillRect/>
-          </a:stretch>
-        </p:blipFill>
-        <p:spPr>
-          <a:xfrm>
-            <a:off x="738972" y="1063216"/>
-            <a:ext cx="10741742" cy="2811361"/>
-          </a:xfrm>
-        </p:spPr>
-      </p:pic>
-      <p:pic>
-        <p:nvPicPr>
-          <p:cNvPr id="12" name="Picture 11" descr="Chart, bar chart&#10;&#10;Description automatically generated">
-            <a:extLst>
-              <a:ext uri="{FF2B5EF4-FFF2-40B4-BE49-F238E27FC236}">
-                <a16:creationId xmlns:a16="http://schemas.microsoft.com/office/drawing/2014/main" id="{458363F6-B6F2-4404-9FC5-3BA1FCA26E37}"/>
+                <a16:creationId xmlns:a16="http://schemas.microsoft.com/office/drawing/2014/main" id="{74F5C2A0-8F31-43E2-B2BF-F76E79B20F09}"/>
               </a:ext>
             </a:extLst>
           </p:cNvPr>
@@ -22147,8 +24667,8 @@
         </p:blipFill>
         <p:spPr>
           <a:xfrm>
-            <a:off x="726768" y="3714468"/>
-            <a:ext cx="10753946" cy="3050765"/>
+            <a:off x="6167775" y="1491610"/>
+            <a:ext cx="4602488" cy="3451866"/>
           </a:xfrm>
           <a:prstGeom prst="rect">
             <a:avLst/>
@@ -22160,7 +24680,7 @@
           <p:cNvPr id="9" name="TextBox 8">
             <a:extLst>
               <a:ext uri="{FF2B5EF4-FFF2-40B4-BE49-F238E27FC236}">
-                <a16:creationId xmlns:a16="http://schemas.microsoft.com/office/drawing/2014/main" id="{FB7FB3A3-21AD-4CC8-B3D4-F6C7D0DE5587}"/>
+                <a16:creationId xmlns:a16="http://schemas.microsoft.com/office/drawing/2014/main" id="{E52A0AA0-94E5-48D9-8510-FD1EC0F6655C}"/>
               </a:ext>
             </a:extLst>
           </p:cNvPr>
@@ -22169,8 +24689,8 @@
         </p:nvSpPr>
         <p:spPr>
           <a:xfrm>
-            <a:off x="9552505" y="1063216"/>
-            <a:ext cx="2534200" cy="369332"/>
+            <a:off x="2171700" y="876300"/>
+            <a:ext cx="955711" cy="369332"/>
           </a:xfrm>
           <a:prstGeom prst="rect">
             <a:avLst/>
@@ -22178,33 +24698,31 @@
           <a:noFill/>
         </p:spPr>
         <p:txBody>
-          <a:bodyPr wrap="square" rtlCol="0">
+          <a:bodyPr wrap="none" rtlCol="0">
             <a:spAutoFit/>
           </a:bodyPr>
           <a:lstStyle/>
           <a:p>
             <a:r>
-              <a:rPr lang="it-IT" dirty="0">
+              <a:rPr lang="en-US" dirty="0">
                 <a:solidFill>
-                  <a:schemeClr val="bg1"/>
+                  <a:schemeClr val="bg2">
+                    <a:lumMod val="10000"/>
+                    <a:lumOff val="90000"/>
+                  </a:schemeClr>
                 </a:solidFill>
               </a:rPr>
-              <a:t>ArrayList</a:t>
+              <a:t>1 Client</a:t>
             </a:r>
-            <a:endParaRPr lang="en-US" dirty="0">
-              <a:solidFill>
-                <a:schemeClr val="bg1"/>
-              </a:solidFill>
-            </a:endParaRPr>
           </a:p>
         </p:txBody>
       </p:sp>
       <p:sp>
         <p:nvSpPr>
-          <p:cNvPr id="8" name="TextBox 7">
+          <p:cNvPr id="10" name="TextBox 9">
             <a:extLst>
               <a:ext uri="{FF2B5EF4-FFF2-40B4-BE49-F238E27FC236}">
-                <a16:creationId xmlns:a16="http://schemas.microsoft.com/office/drawing/2014/main" id="{F7FF325B-A778-436B-A1BC-489FC8518A59}"/>
+                <a16:creationId xmlns:a16="http://schemas.microsoft.com/office/drawing/2014/main" id="{053A31FC-BCC7-44B9-ADB4-4E984A12385A}"/>
               </a:ext>
             </a:extLst>
           </p:cNvPr>
@@ -22213,8 +24731,8 @@
         </p:nvSpPr>
         <p:spPr>
           <a:xfrm>
-            <a:off x="9441379" y="3714468"/>
-            <a:ext cx="2534200" cy="369332"/>
+            <a:off x="7762875" y="876300"/>
+            <a:ext cx="1072730" cy="369332"/>
           </a:xfrm>
           <a:prstGeom prst="rect">
             <a:avLst/>
@@ -22222,31 +24740,29 @@
           <a:noFill/>
         </p:spPr>
         <p:txBody>
-          <a:bodyPr wrap="square" rtlCol="0">
+          <a:bodyPr wrap="none" rtlCol="0">
             <a:spAutoFit/>
           </a:bodyPr>
           <a:lstStyle/>
           <a:p>
             <a:r>
-              <a:rPr lang="it-IT" dirty="0">
+              <a:rPr lang="en-US" dirty="0">
                 <a:solidFill>
-                  <a:schemeClr val="bg1"/>
+                  <a:schemeClr val="bg2">
+                    <a:lumMod val="10000"/>
+                    <a:lumOff val="90000"/>
+                  </a:schemeClr>
                 </a:solidFill>
               </a:rPr>
-              <a:t>HashMap</a:t>
+              <a:t>10 Client</a:t>
             </a:r>
-            <a:endParaRPr lang="en-US" dirty="0">
-              <a:solidFill>
-                <a:schemeClr val="bg1"/>
-              </a:solidFill>
-            </a:endParaRPr>
           </a:p>
         </p:txBody>
       </p:sp>
     </p:spTree>
     <p:extLst>
       <p:ext uri="{BB962C8B-B14F-4D97-AF65-F5344CB8AC3E}">
-        <p14:creationId xmlns:p14="http://schemas.microsoft.com/office/powerpoint/2010/main" val="2544107809"/>
+        <p14:creationId xmlns:p14="http://schemas.microsoft.com/office/powerpoint/2010/main" val="1870285623"/>
       </p:ext>
     </p:extLst>
   </p:cSld>
@@ -22362,6 +24878,21 @@
             </a:r>
             <a:r>
               <a:rPr lang="en-US" sz="2800" dirty="0"/>
+              <a:t> del </a:t>
+            </a:r>
+            <a:r>
+              <a:rPr lang="en-US" sz="2800" dirty="0" err="1"/>
+              <a:t>collaudo</a:t>
+            </a:r>
+            <a:endParaRPr lang="en-US" sz="2800" dirty="0"/>
+          </a:p>
+          <a:p>
+            <a:r>
+              <a:rPr lang="en-US" sz="2800" dirty="0" err="1"/>
+              <a:t>Progettazione</a:t>
+            </a:r>
+            <a:r>
+              <a:rPr lang="en-US" sz="2800" dirty="0"/>
               <a:t> di una </a:t>
             </a:r>
             <a:r>
@@ -22383,962 +24914,6 @@
     <p:extLst>
       <p:ext uri="{BB962C8B-B14F-4D97-AF65-F5344CB8AC3E}">
         <p14:creationId xmlns:p14="http://schemas.microsoft.com/office/powerpoint/2010/main" val="665442788"/>
-      </p:ext>
-    </p:extLst>
-  </p:cSld>
-  <p:clrMapOvr>
-    <a:masterClrMapping/>
-  </p:clrMapOvr>
-</p:sld>
-</file>
-
-<file path=ppt/slides/slide20.xml><?xml version="1.0" encoding="utf-8"?>
-<p:sld xmlns:a="http://schemas.openxmlformats.org/drawingml/2006/main" xmlns:r="http://schemas.openxmlformats.org/officeDocument/2006/relationships" xmlns:p="http://schemas.openxmlformats.org/presentationml/2006/main">
-  <p:cSld>
-    <p:spTree>
-      <p:nvGrpSpPr>
-        <p:cNvPr id="1" name=""/>
-        <p:cNvGrpSpPr/>
-        <p:nvPr/>
-      </p:nvGrpSpPr>
-      <p:grpSpPr>
-        <a:xfrm>
-          <a:off x="0" y="0"/>
-          <a:ext cx="0" cy="0"/>
-          <a:chOff x="0" y="0"/>
-          <a:chExt cx="0" cy="0"/>
-        </a:xfrm>
-      </p:grpSpPr>
-      <p:sp>
-        <p:nvSpPr>
-          <p:cNvPr id="2" name="Title 1">
-            <a:extLst>
-              <a:ext uri="{FF2B5EF4-FFF2-40B4-BE49-F238E27FC236}">
-                <a16:creationId xmlns:a16="http://schemas.microsoft.com/office/drawing/2014/main" id="{037ADEC7-96B5-4639-BFBC-D447892BB18C}"/>
-              </a:ext>
-            </a:extLst>
-          </p:cNvPr>
-          <p:cNvSpPr>
-            <a:spLocks noGrp="1"/>
-          </p:cNvSpPr>
-          <p:nvPr>
-            <p:ph type="title"/>
-          </p:nvPr>
-        </p:nvSpPr>
-        <p:spPr>
-          <a:xfrm>
-            <a:off x="924530" y="92766"/>
-            <a:ext cx="10353762" cy="970450"/>
-          </a:xfrm>
-        </p:spPr>
-        <p:txBody>
-          <a:bodyPr/>
-          <a:lstStyle/>
-          <a:p>
-            <a:r>
-              <a:rPr lang="it-IT" dirty="0"/>
-              <a:t>10 Client</a:t>
-            </a:r>
-            <a:endParaRPr lang="en-US" dirty="0"/>
-          </a:p>
-        </p:txBody>
-      </p:sp>
-      <p:pic>
-        <p:nvPicPr>
-          <p:cNvPr id="10" name="Content Placeholder 9" descr="Chart, bar chart&#10;&#10;Description automatically generated">
-            <a:extLst>
-              <a:ext uri="{FF2B5EF4-FFF2-40B4-BE49-F238E27FC236}">
-                <a16:creationId xmlns:a16="http://schemas.microsoft.com/office/drawing/2014/main" id="{0B616DFF-F645-4CC1-9475-3F9089B6352E}"/>
-              </a:ext>
-            </a:extLst>
-          </p:cNvPr>
-          <p:cNvPicPr>
-            <a:picLocks noGrp="1" noChangeAspect="1"/>
-          </p:cNvPicPr>
-          <p:nvPr>
-            <p:ph idx="1"/>
-          </p:nvPr>
-        </p:nvPicPr>
-        <p:blipFill>
-          <a:blip r:embed="rId2"/>
-          <a:stretch>
-            <a:fillRect/>
-          </a:stretch>
-        </p:blipFill>
-        <p:spPr>
-          <a:xfrm>
-            <a:off x="771004" y="991282"/>
-            <a:ext cx="10899775" cy="2858957"/>
-          </a:xfrm>
-        </p:spPr>
-      </p:pic>
-      <p:pic>
-        <p:nvPicPr>
-          <p:cNvPr id="12" name="Picture 11" descr="Chart, bar chart&#10;&#10;Description automatically generated">
-            <a:extLst>
-              <a:ext uri="{FF2B5EF4-FFF2-40B4-BE49-F238E27FC236}">
-                <a16:creationId xmlns:a16="http://schemas.microsoft.com/office/drawing/2014/main" id="{9E710A9D-B1EB-4A78-B1E8-BC49933B49C6}"/>
-              </a:ext>
-            </a:extLst>
-          </p:cNvPr>
-          <p:cNvPicPr>
-            <a:picLocks noChangeAspect="1"/>
-          </p:cNvPicPr>
-          <p:nvPr/>
-        </p:nvPicPr>
-        <p:blipFill>
-          <a:blip r:embed="rId3"/>
-          <a:stretch>
-            <a:fillRect/>
-          </a:stretch>
-        </p:blipFill>
-        <p:spPr>
-          <a:xfrm>
-            <a:off x="771004" y="3726969"/>
-            <a:ext cx="10899775" cy="3038265"/>
-          </a:xfrm>
-          <a:prstGeom prst="rect">
-            <a:avLst/>
-          </a:prstGeom>
-        </p:spPr>
-      </p:pic>
-      <p:sp>
-        <p:nvSpPr>
-          <p:cNvPr id="9" name="TextBox 8">
-            <a:extLst>
-              <a:ext uri="{FF2B5EF4-FFF2-40B4-BE49-F238E27FC236}">
-                <a16:creationId xmlns:a16="http://schemas.microsoft.com/office/drawing/2014/main" id="{FB7FB3A3-21AD-4CC8-B3D4-F6C7D0DE5587}"/>
-              </a:ext>
-            </a:extLst>
-          </p:cNvPr>
-          <p:cNvSpPr txBox="1"/>
-          <p:nvPr/>
-        </p:nvSpPr>
-        <p:spPr>
-          <a:xfrm>
-            <a:off x="9780332" y="3726969"/>
-            <a:ext cx="2534200" cy="369332"/>
-          </a:xfrm>
-          <a:prstGeom prst="rect">
-            <a:avLst/>
-          </a:prstGeom>
-          <a:noFill/>
-        </p:spPr>
-        <p:txBody>
-          <a:bodyPr wrap="square" rtlCol="0">
-            <a:spAutoFit/>
-          </a:bodyPr>
-          <a:lstStyle/>
-          <a:p>
-            <a:r>
-              <a:rPr lang="it-IT" dirty="0">
-                <a:solidFill>
-                  <a:schemeClr val="bg1"/>
-                </a:solidFill>
-              </a:rPr>
-              <a:t>Ricerca Binaria</a:t>
-            </a:r>
-            <a:endParaRPr lang="en-US" dirty="0">
-              <a:solidFill>
-                <a:schemeClr val="bg1"/>
-              </a:solidFill>
-            </a:endParaRPr>
-          </a:p>
-        </p:txBody>
-      </p:sp>
-      <p:sp>
-        <p:nvSpPr>
-          <p:cNvPr id="8" name="TextBox 7">
-            <a:extLst>
-              <a:ext uri="{FF2B5EF4-FFF2-40B4-BE49-F238E27FC236}">
-                <a16:creationId xmlns:a16="http://schemas.microsoft.com/office/drawing/2014/main" id="{F7FF325B-A778-436B-A1BC-489FC8518A59}"/>
-              </a:ext>
-            </a:extLst>
-          </p:cNvPr>
-          <p:cNvSpPr txBox="1"/>
-          <p:nvPr/>
-        </p:nvSpPr>
-        <p:spPr>
-          <a:xfrm>
-            <a:off x="9780332" y="982820"/>
-            <a:ext cx="2534200" cy="369332"/>
-          </a:xfrm>
-          <a:prstGeom prst="rect">
-            <a:avLst/>
-          </a:prstGeom>
-          <a:noFill/>
-        </p:spPr>
-        <p:txBody>
-          <a:bodyPr wrap="square" rtlCol="0">
-            <a:spAutoFit/>
-          </a:bodyPr>
-          <a:lstStyle/>
-          <a:p>
-            <a:r>
-              <a:rPr lang="it-IT" dirty="0">
-                <a:solidFill>
-                  <a:schemeClr val="bg1"/>
-                </a:solidFill>
-              </a:rPr>
-              <a:t>Ricerca Lineare</a:t>
-            </a:r>
-            <a:endParaRPr lang="en-US" dirty="0">
-              <a:solidFill>
-                <a:schemeClr val="bg1"/>
-              </a:solidFill>
-            </a:endParaRPr>
-          </a:p>
-        </p:txBody>
-      </p:sp>
-    </p:spTree>
-    <p:extLst>
-      <p:ext uri="{BB962C8B-B14F-4D97-AF65-F5344CB8AC3E}">
-        <p14:creationId xmlns:p14="http://schemas.microsoft.com/office/powerpoint/2010/main" val="3275782638"/>
-      </p:ext>
-    </p:extLst>
-  </p:cSld>
-  <p:clrMapOvr>
-    <a:masterClrMapping/>
-  </p:clrMapOvr>
-</p:sld>
-</file>
-
-<file path=ppt/slides/slide21.xml><?xml version="1.0" encoding="utf-8"?>
-<p:sld xmlns:a="http://schemas.openxmlformats.org/drawingml/2006/main" xmlns:r="http://schemas.openxmlformats.org/officeDocument/2006/relationships" xmlns:p="http://schemas.openxmlformats.org/presentationml/2006/main">
-  <p:cSld>
-    <p:spTree>
-      <p:nvGrpSpPr>
-        <p:cNvPr id="1" name=""/>
-        <p:cNvGrpSpPr/>
-        <p:nvPr/>
-      </p:nvGrpSpPr>
-      <p:grpSpPr>
-        <a:xfrm>
-          <a:off x="0" y="0"/>
-          <a:ext cx="0" cy="0"/>
-          <a:chOff x="0" y="0"/>
-          <a:chExt cx="0" cy="0"/>
-        </a:xfrm>
-      </p:grpSpPr>
-      <p:sp>
-        <p:nvSpPr>
-          <p:cNvPr id="2" name="Title 1">
-            <a:extLst>
-              <a:ext uri="{FF2B5EF4-FFF2-40B4-BE49-F238E27FC236}">
-                <a16:creationId xmlns:a16="http://schemas.microsoft.com/office/drawing/2014/main" id="{037ADEC7-96B5-4639-BFBC-D447892BB18C}"/>
-              </a:ext>
-            </a:extLst>
-          </p:cNvPr>
-          <p:cNvSpPr>
-            <a:spLocks noGrp="1"/>
-          </p:cNvSpPr>
-          <p:nvPr>
-            <p:ph type="title"/>
-          </p:nvPr>
-        </p:nvSpPr>
-        <p:spPr>
-          <a:xfrm>
-            <a:off x="924530" y="92766"/>
-            <a:ext cx="10353762" cy="970450"/>
-          </a:xfrm>
-        </p:spPr>
-        <p:txBody>
-          <a:bodyPr/>
-          <a:lstStyle/>
-          <a:p>
-            <a:r>
-              <a:rPr lang="it-IT" dirty="0"/>
-              <a:t>10 Client</a:t>
-            </a:r>
-            <a:endParaRPr lang="en-US" dirty="0"/>
-          </a:p>
-        </p:txBody>
-      </p:sp>
-      <p:pic>
-        <p:nvPicPr>
-          <p:cNvPr id="6" name="Content Placeholder 5" descr="Chart, bar chart&#10;&#10;Description automatically generated">
-            <a:extLst>
-              <a:ext uri="{FF2B5EF4-FFF2-40B4-BE49-F238E27FC236}">
-                <a16:creationId xmlns:a16="http://schemas.microsoft.com/office/drawing/2014/main" id="{A0F86BBE-1CAE-446A-AABB-235C90600C69}"/>
-              </a:ext>
-            </a:extLst>
-          </p:cNvPr>
-          <p:cNvPicPr>
-            <a:picLocks noGrp="1" noChangeAspect="1"/>
-          </p:cNvPicPr>
-          <p:nvPr>
-            <p:ph idx="1"/>
-          </p:nvPr>
-        </p:nvPicPr>
-        <p:blipFill>
-          <a:blip r:embed="rId2"/>
-          <a:stretch>
-            <a:fillRect/>
-          </a:stretch>
-        </p:blipFill>
-        <p:spPr>
-          <a:xfrm>
-            <a:off x="790517" y="874342"/>
-            <a:ext cx="10617309" cy="2982041"/>
-          </a:xfrm>
-        </p:spPr>
-      </p:pic>
-      <p:sp>
-        <p:nvSpPr>
-          <p:cNvPr id="8" name="TextBox 7">
-            <a:extLst>
-              <a:ext uri="{FF2B5EF4-FFF2-40B4-BE49-F238E27FC236}">
-                <a16:creationId xmlns:a16="http://schemas.microsoft.com/office/drawing/2014/main" id="{F7FF325B-A778-436B-A1BC-489FC8518A59}"/>
-              </a:ext>
-            </a:extLst>
-          </p:cNvPr>
-          <p:cNvSpPr txBox="1"/>
-          <p:nvPr/>
-        </p:nvSpPr>
-        <p:spPr>
-          <a:xfrm>
-            <a:off x="9750565" y="894543"/>
-            <a:ext cx="2534200" cy="369332"/>
-          </a:xfrm>
-          <a:prstGeom prst="rect">
-            <a:avLst/>
-          </a:prstGeom>
-          <a:noFill/>
-        </p:spPr>
-        <p:txBody>
-          <a:bodyPr wrap="square" rtlCol="0">
-            <a:spAutoFit/>
-          </a:bodyPr>
-          <a:lstStyle/>
-          <a:p>
-            <a:r>
-              <a:rPr lang="it-IT" dirty="0">
-                <a:solidFill>
-                  <a:schemeClr val="bg1"/>
-                </a:solidFill>
-              </a:rPr>
-              <a:t>ArrayList</a:t>
-            </a:r>
-            <a:endParaRPr lang="en-US" dirty="0">
-              <a:solidFill>
-                <a:schemeClr val="bg1"/>
-              </a:solidFill>
-            </a:endParaRPr>
-          </a:p>
-        </p:txBody>
-      </p:sp>
-      <p:pic>
-        <p:nvPicPr>
-          <p:cNvPr id="11" name="Picture 10" descr="Chart, bar chart&#10;&#10;Description automatically generated">
-            <a:extLst>
-              <a:ext uri="{FF2B5EF4-FFF2-40B4-BE49-F238E27FC236}">
-                <a16:creationId xmlns:a16="http://schemas.microsoft.com/office/drawing/2014/main" id="{2B7244BB-F033-43D5-936A-B41FCCF46568}"/>
-              </a:ext>
-            </a:extLst>
-          </p:cNvPr>
-          <p:cNvPicPr>
-            <a:picLocks noChangeAspect="1"/>
-          </p:cNvPicPr>
-          <p:nvPr/>
-        </p:nvPicPr>
-        <p:blipFill>
-          <a:blip r:embed="rId3"/>
-          <a:stretch>
-            <a:fillRect/>
-          </a:stretch>
-        </p:blipFill>
-        <p:spPr>
-          <a:xfrm>
-            <a:off x="784174" y="3819575"/>
-            <a:ext cx="10684149" cy="2945659"/>
-          </a:xfrm>
-          <a:prstGeom prst="rect">
-            <a:avLst/>
-          </a:prstGeom>
-        </p:spPr>
-      </p:pic>
-      <p:sp>
-        <p:nvSpPr>
-          <p:cNvPr id="9" name="TextBox 8">
-            <a:extLst>
-              <a:ext uri="{FF2B5EF4-FFF2-40B4-BE49-F238E27FC236}">
-                <a16:creationId xmlns:a16="http://schemas.microsoft.com/office/drawing/2014/main" id="{FB7FB3A3-21AD-4CC8-B3D4-F6C7D0DE5587}"/>
-              </a:ext>
-            </a:extLst>
-          </p:cNvPr>
-          <p:cNvSpPr txBox="1"/>
-          <p:nvPr/>
-        </p:nvSpPr>
-        <p:spPr>
-          <a:xfrm>
-            <a:off x="9657800" y="3819575"/>
-            <a:ext cx="2534200" cy="369332"/>
-          </a:xfrm>
-          <a:prstGeom prst="rect">
-            <a:avLst/>
-          </a:prstGeom>
-          <a:noFill/>
-        </p:spPr>
-        <p:txBody>
-          <a:bodyPr wrap="square" rtlCol="0">
-            <a:spAutoFit/>
-          </a:bodyPr>
-          <a:lstStyle/>
-          <a:p>
-            <a:r>
-              <a:rPr lang="it-IT" dirty="0">
-                <a:solidFill>
-                  <a:schemeClr val="bg1"/>
-                </a:solidFill>
-              </a:rPr>
-              <a:t>HashMap</a:t>
-            </a:r>
-            <a:endParaRPr lang="en-US" dirty="0">
-              <a:solidFill>
-                <a:schemeClr val="bg1"/>
-              </a:solidFill>
-            </a:endParaRPr>
-          </a:p>
-        </p:txBody>
-      </p:sp>
-    </p:spTree>
-    <p:extLst>
-      <p:ext uri="{BB962C8B-B14F-4D97-AF65-F5344CB8AC3E}">
-        <p14:creationId xmlns:p14="http://schemas.microsoft.com/office/powerpoint/2010/main" val="3452012913"/>
-      </p:ext>
-    </p:extLst>
-  </p:cSld>
-  <p:clrMapOvr>
-    <a:masterClrMapping/>
-  </p:clrMapOvr>
-</p:sld>
-</file>
-
-<file path=ppt/slides/slide22.xml><?xml version="1.0" encoding="utf-8"?>
-<p:sld xmlns:a="http://schemas.openxmlformats.org/drawingml/2006/main" xmlns:r="http://schemas.openxmlformats.org/officeDocument/2006/relationships" xmlns:p="http://schemas.openxmlformats.org/presentationml/2006/main">
-  <p:cSld>
-    <p:bg>
-      <p:bgPr>
-        <a:solidFill>
-          <a:schemeClr val="bg1"/>
-        </a:solidFill>
-        <a:effectLst/>
-      </p:bgPr>
-    </p:bg>
-    <p:spTree>
-      <p:nvGrpSpPr>
-        <p:cNvPr id="1" name=""/>
-        <p:cNvGrpSpPr/>
-        <p:nvPr/>
-      </p:nvGrpSpPr>
-      <p:grpSpPr>
-        <a:xfrm>
-          <a:off x="0" y="0"/>
-          <a:ext cx="0" cy="0"/>
-          <a:chOff x="0" y="0"/>
-          <a:chExt cx="0" cy="0"/>
-        </a:xfrm>
-      </p:grpSpPr>
-      <p:sp>
-        <p:nvSpPr>
-          <p:cNvPr id="61" name="Rectangle 60">
-            <a:extLst>
-              <a:ext uri="{FF2B5EF4-FFF2-40B4-BE49-F238E27FC236}">
-                <a16:creationId xmlns:a16="http://schemas.microsoft.com/office/drawing/2014/main" id="{9527FCEA-6143-4C5E-8C45-8AC9237ADE89}"/>
-              </a:ext>
-              <a:ext uri="{C183D7F6-B498-43B3-948B-1728B52AA6E4}">
-                <adec:decorative xmlns:adec="http://schemas.microsoft.com/office/drawing/2017/decorative" val="1"/>
-              </a:ext>
-            </a:extLst>
-          </p:cNvPr>
-          <p:cNvSpPr>
-            <a:spLocks noGrp="1" noRot="1" noChangeAspect="1" noMove="1" noResize="1" noEditPoints="1" noAdjustHandles="1" noChangeArrowheads="1" noChangeShapeType="1" noTextEdit="1"/>
-          </p:cNvSpPr>
-          <p:nvPr>
-            <p:extLst>
-              <p:ext uri="{386F3935-93C4-4BCD-93E2-E3B085C9AB24}">
-                <p16:designElem xmlns:p16="http://schemas.microsoft.com/office/powerpoint/2015/main" val="1"/>
-              </p:ext>
-            </p:extLst>
-          </p:nvPr>
-        </p:nvSpPr>
-        <p:spPr>
-          <a:xfrm>
-            <a:off x="0" y="0"/>
-            <a:ext cx="12192000" cy="6858000"/>
-          </a:xfrm>
-          <a:prstGeom prst="rect">
-            <a:avLst/>
-          </a:prstGeom>
-          <a:solidFill>
-            <a:schemeClr val="tx1">
-              <a:lumMod val="50000"/>
-              <a:lumOff val="50000"/>
-              <a:alpha val="30000"/>
-            </a:schemeClr>
-          </a:solidFill>
-          <a:ln>
-            <a:noFill/>
-          </a:ln>
-        </p:spPr>
-        <p:style>
-          <a:lnRef idx="2">
-            <a:schemeClr val="accent1">
-              <a:shade val="50000"/>
-            </a:schemeClr>
-          </a:lnRef>
-          <a:fillRef idx="1">
-            <a:schemeClr val="accent1"/>
-          </a:fillRef>
-          <a:effectRef idx="0">
-            <a:schemeClr val="accent1"/>
-          </a:effectRef>
-          <a:fontRef idx="minor">
-            <a:schemeClr val="lt1"/>
-          </a:fontRef>
-        </p:style>
-        <p:txBody>
-          <a:bodyPr rtlCol="0" anchor="ctr"/>
-          <a:lstStyle/>
-          <a:p>
-            <a:pPr algn="ctr"/>
-            <a:endParaRPr lang="en-US"/>
-          </a:p>
-        </p:txBody>
-      </p:sp>
-      <p:sp>
-        <p:nvSpPr>
-          <p:cNvPr id="63" name="Rectangle 62">
-            <a:extLst>
-              <a:ext uri="{FF2B5EF4-FFF2-40B4-BE49-F238E27FC236}">
-                <a16:creationId xmlns:a16="http://schemas.microsoft.com/office/drawing/2014/main" id="{1A9F23AD-7A55-49F3-A3EC-743F47F36B0E}"/>
-              </a:ext>
-              <a:ext uri="{C183D7F6-B498-43B3-948B-1728B52AA6E4}">
-                <adec:decorative xmlns:adec="http://schemas.microsoft.com/office/drawing/2017/decorative" val="1"/>
-              </a:ext>
-            </a:extLst>
-          </p:cNvPr>
-          <p:cNvSpPr>
-            <a:spLocks noGrp="1" noRot="1" noChangeAspect="1" noMove="1" noResize="1" noEditPoints="1" noAdjustHandles="1" noChangeArrowheads="1" noChangeShapeType="1" noTextEdit="1"/>
-          </p:cNvSpPr>
-          <p:nvPr>
-            <p:extLst>
-              <p:ext uri="{386F3935-93C4-4BCD-93E2-E3B085C9AB24}">
-                <p16:designElem xmlns:p16="http://schemas.microsoft.com/office/powerpoint/2015/main" val="1"/>
-              </p:ext>
-            </p:extLst>
-          </p:nvPr>
-        </p:nvSpPr>
-        <p:spPr>
-          <a:xfrm>
-            <a:off x="477012" y="487090"/>
-            <a:ext cx="6741849" cy="5897880"/>
-          </a:xfrm>
-          <a:prstGeom prst="rect">
-            <a:avLst/>
-          </a:prstGeom>
-          <a:solidFill>
-            <a:srgbClr val="FFFFFF"/>
-          </a:solidFill>
-          <a:ln w="19050">
-            <a:solidFill>
-              <a:schemeClr val="tx1">
-                <a:lumMod val="50000"/>
-                <a:lumOff val="50000"/>
-                <a:alpha val="80000"/>
-              </a:schemeClr>
-            </a:solidFill>
-          </a:ln>
-        </p:spPr>
-        <p:style>
-          <a:lnRef idx="2">
-            <a:schemeClr val="accent1">
-              <a:shade val="50000"/>
-            </a:schemeClr>
-          </a:lnRef>
-          <a:fillRef idx="1">
-            <a:schemeClr val="accent1"/>
-          </a:fillRef>
-          <a:effectRef idx="0">
-            <a:schemeClr val="accent1"/>
-          </a:effectRef>
-          <a:fontRef idx="minor">
-            <a:schemeClr val="lt1"/>
-          </a:fontRef>
-        </p:style>
-        <p:txBody>
-          <a:bodyPr rtlCol="0" anchor="ctr"/>
-          <a:lstStyle/>
-          <a:p>
-            <a:pPr algn="ctr"/>
-            <a:endParaRPr lang="en-US"/>
-          </a:p>
-        </p:txBody>
-      </p:sp>
-      <p:sp>
-        <p:nvSpPr>
-          <p:cNvPr id="65" name="Rectangle 64">
-            <a:extLst>
-              <a:ext uri="{FF2B5EF4-FFF2-40B4-BE49-F238E27FC236}">
-                <a16:creationId xmlns:a16="http://schemas.microsoft.com/office/drawing/2014/main" id="{D7D9F91F-72C9-4DB9-ABD0-A8180D8262D5}"/>
-              </a:ext>
-              <a:ext uri="{C183D7F6-B498-43B3-948B-1728B52AA6E4}">
-                <adec:decorative xmlns:adec="http://schemas.microsoft.com/office/drawing/2017/decorative" val="1"/>
-              </a:ext>
-            </a:extLst>
-          </p:cNvPr>
-          <p:cNvSpPr>
-            <a:spLocks noGrp="1" noRot="1" noChangeAspect="1" noMove="1" noResize="1" noEditPoints="1" noAdjustHandles="1" noChangeArrowheads="1" noChangeShapeType="1" noTextEdit="1"/>
-          </p:cNvSpPr>
-          <p:nvPr>
-            <p:extLst>
-              <p:ext uri="{386F3935-93C4-4BCD-93E2-E3B085C9AB24}">
-                <p16:designElem xmlns:p16="http://schemas.microsoft.com/office/powerpoint/2015/main" val="1"/>
-              </p:ext>
-            </p:extLst>
-          </p:nvPr>
-        </p:nvSpPr>
-        <p:spPr>
-          <a:xfrm>
-            <a:off x="7534655" y="480060"/>
-            <a:ext cx="4180332" cy="2788074"/>
-          </a:xfrm>
-          <a:prstGeom prst="rect">
-            <a:avLst/>
-          </a:prstGeom>
-          <a:solidFill>
-            <a:srgbClr val="FFFFFF"/>
-          </a:solidFill>
-          <a:ln w="19050">
-            <a:solidFill>
-              <a:schemeClr val="tx1">
-                <a:lumMod val="50000"/>
-                <a:lumOff val="50000"/>
-                <a:alpha val="80000"/>
-              </a:schemeClr>
-            </a:solidFill>
-          </a:ln>
-        </p:spPr>
-        <p:style>
-          <a:lnRef idx="2">
-            <a:schemeClr val="accent1">
-              <a:shade val="50000"/>
-            </a:schemeClr>
-          </a:lnRef>
-          <a:fillRef idx="1">
-            <a:schemeClr val="accent1"/>
-          </a:fillRef>
-          <a:effectRef idx="0">
-            <a:schemeClr val="accent1"/>
-          </a:effectRef>
-          <a:fontRef idx="minor">
-            <a:schemeClr val="lt1"/>
-          </a:fontRef>
-        </p:style>
-        <p:txBody>
-          <a:bodyPr rtlCol="0" anchor="ctr"/>
-          <a:lstStyle/>
-          <a:p>
-            <a:pPr algn="ctr"/>
-            <a:endParaRPr lang="en-US"/>
-          </a:p>
-        </p:txBody>
-      </p:sp>
-      <p:sp>
-        <p:nvSpPr>
-          <p:cNvPr id="67" name="Rectangle 66">
-            <a:extLst>
-              <a:ext uri="{FF2B5EF4-FFF2-40B4-BE49-F238E27FC236}">
-                <a16:creationId xmlns:a16="http://schemas.microsoft.com/office/drawing/2014/main" id="{BE016956-CE9F-4946-8834-A8BC3529D0F6}"/>
-              </a:ext>
-              <a:ext uri="{C183D7F6-B498-43B3-948B-1728B52AA6E4}">
-                <adec:decorative xmlns:adec="http://schemas.microsoft.com/office/drawing/2017/decorative" val="1"/>
-              </a:ext>
-            </a:extLst>
-          </p:cNvPr>
-          <p:cNvSpPr>
-            <a:spLocks noGrp="1" noRot="1" noChangeAspect="1" noMove="1" noResize="1" noEditPoints="1" noAdjustHandles="1" noChangeArrowheads="1" noChangeShapeType="1" noTextEdit="1"/>
-          </p:cNvSpPr>
-          <p:nvPr>
-            <p:extLst>
-              <p:ext uri="{386F3935-93C4-4BCD-93E2-E3B085C9AB24}">
-                <p16:designElem xmlns:p16="http://schemas.microsoft.com/office/powerpoint/2015/main" val="1"/>
-              </p:ext>
-            </p:extLst>
-          </p:nvPr>
-        </p:nvSpPr>
-        <p:spPr>
-          <a:xfrm>
-            <a:off x="7534655" y="3603670"/>
-            <a:ext cx="4180332" cy="2788074"/>
-          </a:xfrm>
-          <a:prstGeom prst="rect">
-            <a:avLst/>
-          </a:prstGeom>
-          <a:solidFill>
-            <a:srgbClr val="FFFFFF"/>
-          </a:solidFill>
-          <a:ln w="19050">
-            <a:solidFill>
-              <a:schemeClr val="tx1">
-                <a:lumMod val="50000"/>
-                <a:lumOff val="50000"/>
-                <a:alpha val="80000"/>
-              </a:schemeClr>
-            </a:solidFill>
-          </a:ln>
-        </p:spPr>
-        <p:style>
-          <a:lnRef idx="2">
-            <a:schemeClr val="accent1">
-              <a:shade val="50000"/>
-            </a:schemeClr>
-          </a:lnRef>
-          <a:fillRef idx="1">
-            <a:schemeClr val="accent1"/>
-          </a:fillRef>
-          <a:effectRef idx="0">
-            <a:schemeClr val="accent1"/>
-          </a:effectRef>
-          <a:fontRef idx="minor">
-            <a:schemeClr val="lt1"/>
-          </a:fontRef>
-        </p:style>
-        <p:txBody>
-          <a:bodyPr rtlCol="0" anchor="ctr"/>
-          <a:lstStyle/>
-          <a:p>
-            <a:pPr algn="ctr"/>
-            <a:endParaRPr lang="en-US"/>
-          </a:p>
-        </p:txBody>
-      </p:sp>
-      <p:pic>
-        <p:nvPicPr>
-          <p:cNvPr id="26" name="Picture 25" descr="Chart, bar chart&#10;&#10;Description automatically generated">
-            <a:extLst>
-              <a:ext uri="{FF2B5EF4-FFF2-40B4-BE49-F238E27FC236}">
-                <a16:creationId xmlns:a16="http://schemas.microsoft.com/office/drawing/2014/main" id="{2A553743-074D-4226-BBAE-DFCDE08ABDAB}"/>
-              </a:ext>
-            </a:extLst>
-          </p:cNvPr>
-          <p:cNvPicPr>
-            <a:picLocks noChangeAspect="1"/>
-          </p:cNvPicPr>
-          <p:nvPr/>
-        </p:nvPicPr>
-        <p:blipFill>
-          <a:blip r:embed="rId2"/>
-          <a:stretch>
-            <a:fillRect/>
-          </a:stretch>
-        </p:blipFill>
-        <p:spPr>
-          <a:xfrm>
-            <a:off x="608425" y="915195"/>
-            <a:ext cx="6554350" cy="4915762"/>
-          </a:xfrm>
-          <a:prstGeom prst="rect">
-            <a:avLst/>
-          </a:prstGeom>
-        </p:spPr>
-      </p:pic>
-      <p:pic>
-        <p:nvPicPr>
-          <p:cNvPr id="22" name="Picture 21" descr="Chart, bar chart&#10;&#10;Description automatically generated">
-            <a:extLst>
-              <a:ext uri="{FF2B5EF4-FFF2-40B4-BE49-F238E27FC236}">
-                <a16:creationId xmlns:a16="http://schemas.microsoft.com/office/drawing/2014/main" id="{80AA6E08-4B45-4EBE-8AB1-9B8248FFC508}"/>
-              </a:ext>
-            </a:extLst>
-          </p:cNvPr>
-          <p:cNvPicPr>
-            <a:picLocks noChangeAspect="1"/>
-          </p:cNvPicPr>
-          <p:nvPr/>
-        </p:nvPicPr>
-        <p:blipFill>
-          <a:blip r:embed="rId3"/>
-          <a:stretch>
-            <a:fillRect/>
-          </a:stretch>
-        </p:blipFill>
-        <p:spPr>
-          <a:xfrm>
-            <a:off x="7073224" y="3373076"/>
-            <a:ext cx="4726589" cy="3544941"/>
-          </a:xfrm>
-          <a:prstGeom prst="rect">
-            <a:avLst/>
-          </a:prstGeom>
-        </p:spPr>
-      </p:pic>
-      <p:pic>
-        <p:nvPicPr>
-          <p:cNvPr id="24" name="Picture 23" descr="Chart, bar chart&#10;&#10;Description automatically generated">
-            <a:extLst>
-              <a:ext uri="{FF2B5EF4-FFF2-40B4-BE49-F238E27FC236}">
-                <a16:creationId xmlns:a16="http://schemas.microsoft.com/office/drawing/2014/main" id="{51C5CD83-A07B-4FC6-96EB-AD1F3282DB3E}"/>
-              </a:ext>
-            </a:extLst>
-          </p:cNvPr>
-          <p:cNvPicPr>
-            <a:picLocks noChangeAspect="1"/>
-          </p:cNvPicPr>
-          <p:nvPr/>
-        </p:nvPicPr>
-        <p:blipFill>
-          <a:blip r:embed="rId4"/>
-          <a:stretch>
-            <a:fillRect/>
-          </a:stretch>
-        </p:blipFill>
-        <p:spPr>
-          <a:xfrm>
-            <a:off x="7230869" y="-36264"/>
-            <a:ext cx="4556935" cy="3417702"/>
-          </a:xfrm>
-          <a:prstGeom prst="rect">
-            <a:avLst/>
-          </a:prstGeom>
-        </p:spPr>
-      </p:pic>
-      <p:sp>
-        <p:nvSpPr>
-          <p:cNvPr id="27" name="TextBox 26">
-            <a:extLst>
-              <a:ext uri="{FF2B5EF4-FFF2-40B4-BE49-F238E27FC236}">
-                <a16:creationId xmlns:a16="http://schemas.microsoft.com/office/drawing/2014/main" id="{1482715A-27F5-4BB6-AB78-F6B678E97B9E}"/>
-              </a:ext>
-            </a:extLst>
-          </p:cNvPr>
-          <p:cNvSpPr txBox="1"/>
-          <p:nvPr/>
-        </p:nvSpPr>
-        <p:spPr>
-          <a:xfrm>
-            <a:off x="4837043" y="781878"/>
-            <a:ext cx="1072730" cy="369332"/>
-          </a:xfrm>
-          <a:prstGeom prst="rect">
-            <a:avLst/>
-          </a:prstGeom>
-          <a:noFill/>
-        </p:spPr>
-        <p:txBody>
-          <a:bodyPr wrap="none" rtlCol="0">
-            <a:spAutoFit/>
-          </a:bodyPr>
-          <a:lstStyle/>
-          <a:p>
-            <a:r>
-              <a:rPr lang="it-IT" dirty="0">
-                <a:solidFill>
-                  <a:schemeClr val="bg1"/>
-                </a:solidFill>
-              </a:rPr>
-              <a:t>10 Client</a:t>
-            </a:r>
-            <a:endParaRPr lang="en-US" dirty="0">
-              <a:solidFill>
-                <a:schemeClr val="bg1"/>
-              </a:solidFill>
-            </a:endParaRPr>
-          </a:p>
-        </p:txBody>
-      </p:sp>
-      <p:sp>
-        <p:nvSpPr>
-          <p:cNvPr id="47" name="TextBox 46">
-            <a:extLst>
-              <a:ext uri="{FF2B5EF4-FFF2-40B4-BE49-F238E27FC236}">
-                <a16:creationId xmlns:a16="http://schemas.microsoft.com/office/drawing/2014/main" id="{05D2768F-4094-4DF8-9850-E56EEBD98994}"/>
-              </a:ext>
-            </a:extLst>
-          </p:cNvPr>
-          <p:cNvSpPr txBox="1"/>
-          <p:nvPr/>
-        </p:nvSpPr>
-        <p:spPr>
-          <a:xfrm>
-            <a:off x="7534655" y="0"/>
-            <a:ext cx="6096000" cy="369332"/>
-          </a:xfrm>
-          <a:prstGeom prst="rect">
-            <a:avLst/>
-          </a:prstGeom>
-          <a:noFill/>
-        </p:spPr>
-        <p:txBody>
-          <a:bodyPr wrap="square">
-            <a:spAutoFit/>
-          </a:bodyPr>
-          <a:lstStyle/>
-          <a:p>
-            <a:r>
-              <a:rPr lang="it-IT" dirty="0">
-                <a:solidFill>
-                  <a:schemeClr val="bg1"/>
-                </a:solidFill>
-              </a:rPr>
-              <a:t>2 Client</a:t>
-            </a:r>
-            <a:endParaRPr lang="en-US" dirty="0">
-              <a:solidFill>
-                <a:schemeClr val="bg1"/>
-              </a:solidFill>
-            </a:endParaRPr>
-          </a:p>
-        </p:txBody>
-      </p:sp>
-      <p:sp>
-        <p:nvSpPr>
-          <p:cNvPr id="49" name="TextBox 48">
-            <a:extLst>
-              <a:ext uri="{FF2B5EF4-FFF2-40B4-BE49-F238E27FC236}">
-                <a16:creationId xmlns:a16="http://schemas.microsoft.com/office/drawing/2014/main" id="{8D7735A6-7973-4C10-B5BB-E016CD591FCE}"/>
-              </a:ext>
-            </a:extLst>
-          </p:cNvPr>
-          <p:cNvSpPr txBox="1"/>
-          <p:nvPr/>
-        </p:nvSpPr>
-        <p:spPr>
-          <a:xfrm>
-            <a:off x="7828767" y="3475959"/>
-            <a:ext cx="7189938" cy="369332"/>
-          </a:xfrm>
-          <a:prstGeom prst="rect">
-            <a:avLst/>
-          </a:prstGeom>
-          <a:noFill/>
-        </p:spPr>
-        <p:txBody>
-          <a:bodyPr wrap="square">
-            <a:spAutoFit/>
-          </a:bodyPr>
-          <a:lstStyle/>
-          <a:p>
-            <a:r>
-              <a:rPr lang="it-IT" dirty="0">
-                <a:solidFill>
-                  <a:schemeClr val="bg1"/>
-                </a:solidFill>
-              </a:rPr>
-              <a:t>1 Client</a:t>
-            </a:r>
-            <a:endParaRPr lang="en-US" dirty="0">
-              <a:solidFill>
-                <a:schemeClr val="bg1"/>
-              </a:solidFill>
-            </a:endParaRPr>
-          </a:p>
-        </p:txBody>
-      </p:sp>
-    </p:spTree>
-    <p:extLst>
-      <p:ext uri="{BB962C8B-B14F-4D97-AF65-F5344CB8AC3E}">
-        <p14:creationId xmlns:p14="http://schemas.microsoft.com/office/powerpoint/2010/main" val="2337905595"/>
       </p:ext>
     </p:extLst>
   </p:cSld>
@@ -23451,13 +25026,13 @@
           <p:nvPr>
             <p:extLst>
               <p:ext uri="{D42A27DB-BD31-4B8C-83A1-F6EECF244321}">
-                <p14:modId xmlns:p14="http://schemas.microsoft.com/office/powerpoint/2010/main" val="770387599"/>
+                <p14:modId xmlns:p14="http://schemas.microsoft.com/office/powerpoint/2010/main" val="3181293056"/>
               </p:ext>
             </p:extLst>
           </p:nvPr>
         </p:nvGraphicFramePr>
         <p:xfrm>
-          <a:off x="0" y="2557200"/>
+          <a:off x="148772" y="2566077"/>
           <a:ext cx="4826000" cy="2738700"/>
         </p:xfrm>
         <a:graphic>
@@ -23656,13 +25231,13 @@
           <p:nvPr>
             <p:extLst>
               <p:ext uri="{D42A27DB-BD31-4B8C-83A1-F6EECF244321}">
-                <p14:modId xmlns:p14="http://schemas.microsoft.com/office/powerpoint/2010/main" val="1969455537"/>
+                <p14:modId xmlns:p14="http://schemas.microsoft.com/office/powerpoint/2010/main" val="3585196614"/>
               </p:ext>
             </p:extLst>
           </p:nvPr>
         </p:nvGraphicFramePr>
         <p:xfrm>
-          <a:off x="0" y="2557200"/>
+          <a:off x="150920" y="2566078"/>
           <a:ext cx="4826000" cy="2738700"/>
         </p:xfrm>
         <a:graphic>
@@ -23917,10 +25492,10 @@
       </p:sp>
       <p:pic>
         <p:nvPicPr>
-          <p:cNvPr id="4" name="Picture 3">
+          <p:cNvPr id="5" name="Picture 4">
             <a:extLst>
               <a:ext uri="{FF2B5EF4-FFF2-40B4-BE49-F238E27FC236}">
-                <a16:creationId xmlns:a16="http://schemas.microsoft.com/office/drawing/2014/main" id="{54F53363-048E-4E41-8839-CE7BDCB35FB0}"/>
+                <a16:creationId xmlns:a16="http://schemas.microsoft.com/office/drawing/2014/main" id="{C5B3A686-1FBA-4E42-948F-4D0093F3D5FF}"/>
               </a:ext>
             </a:extLst>
           </p:cNvPr>
@@ -23937,8 +25512,8 @@
         </p:blipFill>
         <p:spPr>
           <a:xfrm>
-            <a:off x="2350854" y="1770003"/>
-            <a:ext cx="7490292" cy="4159083"/>
+            <a:off x="3251083" y="1722092"/>
+            <a:ext cx="5837683" cy="3986250"/>
           </a:xfrm>
           <a:prstGeom prst="rect">
             <a:avLst/>
@@ -24004,104 +25579,37 @@
           </a:p>
         </p:txBody>
       </p:sp>
-      <p:sp>
-        <p:nvSpPr>
-          <p:cNvPr id="3" name="Content Placeholder 2">
+      <p:graphicFrame>
+        <p:nvGraphicFramePr>
+          <p:cNvPr id="10" name="Content Placeholder 9">
             <a:extLst>
               <a:ext uri="{FF2B5EF4-FFF2-40B4-BE49-F238E27FC236}">
-                <a16:creationId xmlns:a16="http://schemas.microsoft.com/office/drawing/2014/main" id="{B30822F1-D0A9-4EBC-AC4F-7741805E7D73}"/>
+                <a16:creationId xmlns:a16="http://schemas.microsoft.com/office/drawing/2014/main" id="{4E410576-9833-43E4-8A98-9149E967A978}"/>
               </a:ext>
             </a:extLst>
           </p:cNvPr>
-          <p:cNvSpPr>
-            <a:spLocks noGrp="1"/>
-          </p:cNvSpPr>
+          <p:cNvGraphicFramePr>
+            <a:graphicFrameLocks noGrp="1"/>
+          </p:cNvGraphicFramePr>
           <p:nvPr>
             <p:ph idx="1"/>
+            <p:extLst>
+              <p:ext uri="{D42A27DB-BD31-4B8C-83A1-F6EECF244321}">
+                <p14:modId xmlns:p14="http://schemas.microsoft.com/office/powerpoint/2010/main" val="2755630818"/>
+              </p:ext>
+            </p:extLst>
           </p:nvPr>
-        </p:nvSpPr>
-        <p:spPr/>
-        <p:txBody>
-          <a:bodyPr>
-            <a:normAutofit/>
-          </a:bodyPr>
-          <a:lstStyle/>
-          <a:p>
-            <a:pPr marL="0" indent="0" algn="ctr">
-              <a:buNone/>
-            </a:pPr>
-            <a:r>
-              <a:rPr lang="it-IT" sz="3000" b="1" dirty="0"/>
-              <a:t>Controllo degli argomenti:</a:t>
-            </a:r>
-          </a:p>
-          <a:p>
-            <a:pPr marL="457200" indent="-457200">
-              <a:buFont typeface="+mj-lt"/>
-              <a:buAutoNum type="arabicPeriod"/>
-            </a:pPr>
-            <a:r>
-              <a:rPr lang="it-IT" sz="2000" dirty="0"/>
-              <a:t>Cosa succede se passo un path non corretto?</a:t>
-            </a:r>
-          </a:p>
-          <a:p>
-            <a:pPr marL="457200" indent="-457200">
-              <a:buFont typeface="+mj-lt"/>
-              <a:buAutoNum type="arabicPeriod"/>
-            </a:pPr>
-            <a:r>
-              <a:rPr lang="it-IT" sz="2000" dirty="0"/>
-              <a:t>Cosa succede se passo path di file inesistenti?</a:t>
-            </a:r>
-          </a:p>
-          <a:p>
-            <a:pPr marL="457200" indent="-457200">
-              <a:buFont typeface="+mj-lt"/>
-              <a:buAutoNum type="arabicPeriod"/>
-            </a:pPr>
-            <a:r>
-              <a:rPr lang="it-IT" sz="2000" dirty="0"/>
-              <a:t>Cosa succede se non passo nessun nome di file?</a:t>
-            </a:r>
-          </a:p>
-          <a:p>
-            <a:pPr marL="457200" indent="-457200">
-              <a:buFont typeface="+mj-lt"/>
-              <a:buAutoNum type="arabicPeriod"/>
-            </a:pPr>
-            <a:r>
-              <a:rPr lang="it-IT" sz="2000" dirty="0"/>
-              <a:t>Cosa succede se non passo argomenti?</a:t>
-            </a:r>
-          </a:p>
-          <a:p>
-            <a:pPr marL="457200" indent="-457200">
-              <a:buFont typeface="+mj-lt"/>
-              <a:buAutoNum type="arabicPeriod"/>
-            </a:pPr>
-            <a:r>
-              <a:rPr lang="it-IT" sz="2000" dirty="0"/>
-              <a:t>Cosa succede se non passo porte troppo grandi/piccole?</a:t>
-            </a:r>
-          </a:p>
-          <a:p>
-            <a:pPr marL="0" indent="0">
-              <a:buNone/>
-            </a:pPr>
-            <a:endParaRPr lang="it-IT" sz="2000" dirty="0"/>
-          </a:p>
-          <a:p>
-            <a:pPr marL="0" indent="0" algn="ctr">
-              <a:buNone/>
-            </a:pPr>
-            <a:r>
-              <a:rPr lang="it-IT" sz="3000" dirty="0"/>
-              <a:t>Ma per quanto riguarda l’efficienza?</a:t>
-            </a:r>
-          </a:p>
-        </p:txBody>
-      </p:sp>
+        </p:nvGraphicFramePr>
+        <p:xfrm>
+          <a:off x="1393795" y="1882884"/>
+          <a:ext cx="9623394" cy="3514740"/>
+        </p:xfrm>
+        <a:graphic>
+          <a:graphicData uri="http://schemas.openxmlformats.org/drawingml/2006/diagram">
+            <dgm:relIds xmlns:dgm="http://schemas.openxmlformats.org/drawingml/2006/diagram" xmlns:r="http://schemas.openxmlformats.org/officeDocument/2006/relationships" r:dm="rId2" r:lo="rId3" r:qs="rId4" r:cs="rId5"/>
+          </a:graphicData>
+        </a:graphic>
+      </p:graphicFrame>
     </p:spTree>
     <p:extLst>
       <p:ext uri="{BB962C8B-B14F-4D97-AF65-F5344CB8AC3E}">
@@ -24116,170 +25624,6 @@
 </file>
 
 <file path=ppt/slides/slide8.xml><?xml version="1.0" encoding="utf-8"?>
-<p:sld xmlns:a="http://schemas.openxmlformats.org/drawingml/2006/main" xmlns:r="http://schemas.openxmlformats.org/officeDocument/2006/relationships" xmlns:p="http://schemas.openxmlformats.org/presentationml/2006/main">
-  <p:cSld>
-    <p:spTree>
-      <p:nvGrpSpPr>
-        <p:cNvPr id="1" name=""/>
-        <p:cNvGrpSpPr/>
-        <p:nvPr/>
-      </p:nvGrpSpPr>
-      <p:grpSpPr>
-        <a:xfrm>
-          <a:off x="0" y="0"/>
-          <a:ext cx="0" cy="0"/>
-          <a:chOff x="0" y="0"/>
-          <a:chExt cx="0" cy="0"/>
-        </a:xfrm>
-      </p:grpSpPr>
-      <p:sp>
-        <p:nvSpPr>
-          <p:cNvPr id="2" name="Title 1">
-            <a:extLst>
-              <a:ext uri="{FF2B5EF4-FFF2-40B4-BE49-F238E27FC236}">
-                <a16:creationId xmlns:a16="http://schemas.microsoft.com/office/drawing/2014/main" id="{AD2FA0A0-D703-4FB0-ACD6-B66148002477}"/>
-              </a:ext>
-            </a:extLst>
-          </p:cNvPr>
-          <p:cNvSpPr>
-            <a:spLocks noGrp="1"/>
-          </p:cNvSpPr>
-          <p:nvPr>
-            <p:ph type="title"/>
-          </p:nvPr>
-        </p:nvSpPr>
-        <p:spPr/>
-        <p:txBody>
-          <a:bodyPr/>
-          <a:lstStyle/>
-          <a:p>
-            <a:r>
-              <a:rPr lang="it-IT" dirty="0"/>
-              <a:t>Progettazione orientata all’efficienza</a:t>
-            </a:r>
-            <a:endParaRPr lang="en-US" dirty="0"/>
-          </a:p>
-        </p:txBody>
-      </p:sp>
-      <p:sp>
-        <p:nvSpPr>
-          <p:cNvPr id="3" name="Content Placeholder 2">
-            <a:extLst>
-              <a:ext uri="{FF2B5EF4-FFF2-40B4-BE49-F238E27FC236}">
-                <a16:creationId xmlns:a16="http://schemas.microsoft.com/office/drawing/2014/main" id="{773B13A0-AD3C-4E5A-B36D-CE398F25BF29}"/>
-              </a:ext>
-            </a:extLst>
-          </p:cNvPr>
-          <p:cNvSpPr>
-            <a:spLocks noGrp="1"/>
-          </p:cNvSpPr>
-          <p:nvPr>
-            <p:ph idx="1"/>
-          </p:nvPr>
-        </p:nvSpPr>
-        <p:spPr/>
-        <p:txBody>
-          <a:bodyPr>
-            <a:normAutofit lnSpcReduction="10000"/>
-          </a:bodyPr>
-          <a:lstStyle/>
-          <a:p>
-            <a:pPr marL="36900" indent="0" algn="ctr">
-              <a:buNone/>
-            </a:pPr>
-            <a:r>
-              <a:rPr lang="it-IT" sz="3000" dirty="0"/>
-              <a:t>Qual’è la migliore Data Structure (e algoritmo di ricerca) per gestire la coppia </a:t>
-            </a:r>
-          </a:p>
-          <a:p>
-            <a:pPr marL="36900" indent="0" algn="ctr">
-              <a:buNone/>
-            </a:pPr>
-            <a:r>
-              <a:rPr lang="it-IT" sz="3000" dirty="0"/>
-              <a:t>File – Porta</a:t>
-            </a:r>
-          </a:p>
-          <a:p>
-            <a:pPr marL="551250" indent="-514350" algn="ctr">
-              <a:buFont typeface="+mj-lt"/>
-              <a:buAutoNum type="arabicPeriod"/>
-            </a:pPr>
-            <a:r>
-              <a:rPr lang="it-IT" sz="3000" dirty="0"/>
-              <a:t>Array paralleli con ricerca lineare</a:t>
-            </a:r>
-          </a:p>
-          <a:p>
-            <a:pPr marL="551250" indent="-514350" algn="ctr">
-              <a:buFont typeface="+mj-lt"/>
-              <a:buAutoNum type="arabicPeriod"/>
-            </a:pPr>
-            <a:r>
-              <a:rPr lang="it-IT" sz="3000" dirty="0"/>
-              <a:t>Array paralleli con ricerca binaria</a:t>
-            </a:r>
-          </a:p>
-          <a:p>
-            <a:pPr marL="551250" indent="-514350" algn="ctr">
-              <a:buFont typeface="+mj-lt"/>
-              <a:buAutoNum type="arabicPeriod"/>
-            </a:pPr>
-            <a:r>
-              <a:rPr lang="it-IT" sz="3000" dirty="0"/>
-              <a:t>ArrayList paralleli</a:t>
-            </a:r>
-            <a:endParaRPr lang="en-US" sz="3000" dirty="0"/>
-          </a:p>
-          <a:p>
-            <a:pPr marL="551250" indent="-514350" algn="ctr">
-              <a:buFont typeface="+mj-lt"/>
-              <a:buAutoNum type="arabicPeriod"/>
-            </a:pPr>
-            <a:r>
-              <a:rPr lang="it-IT" sz="3000" dirty="0"/>
-              <a:t>HashMap</a:t>
-            </a:r>
-            <a:endParaRPr lang="en-US" sz="3000" dirty="0"/>
-          </a:p>
-          <a:p>
-            <a:pPr marL="551250" indent="-514350" algn="ctr">
-              <a:buFont typeface="+mj-lt"/>
-              <a:buAutoNum type="arabicPeriod"/>
-            </a:pPr>
-            <a:endParaRPr lang="en-US" sz="3000" dirty="0"/>
-          </a:p>
-          <a:p>
-            <a:pPr marL="551250" indent="-514350" algn="ctr">
-              <a:buFont typeface="+mj-lt"/>
-              <a:buAutoNum type="arabicPeriod"/>
-            </a:pPr>
-            <a:endParaRPr lang="it-IT" sz="3000" dirty="0"/>
-          </a:p>
-          <a:p>
-            <a:pPr marL="551250" indent="-514350" algn="ctr">
-              <a:buFont typeface="+mj-lt"/>
-              <a:buAutoNum type="arabicPeriod"/>
-            </a:pPr>
-            <a:endParaRPr lang="en-US" sz="3000" dirty="0"/>
-          </a:p>
-        </p:txBody>
-      </p:sp>
-    </p:spTree>
-    <p:extLst>
-      <p:ext uri="{BB962C8B-B14F-4D97-AF65-F5344CB8AC3E}">
-        <p14:creationId xmlns:p14="http://schemas.microsoft.com/office/powerpoint/2010/main" val="1762420673"/>
-      </p:ext>
-    </p:extLst>
-  </p:cSld>
-  <p:clrMapOvr>
-    <a:masterClrMapping/>
-  </p:clrMapOvr>
-</p:sld>
-</file>
-
-<file path=ppt/slides/slide9.xml><?xml version="1.0" encoding="utf-8"?>
 <p:sld xmlns:a="http://schemas.openxmlformats.org/drawingml/2006/main" xmlns:r="http://schemas.openxmlformats.org/officeDocument/2006/relationships" xmlns:p="http://schemas.openxmlformats.org/presentationml/2006/main">
   <p:cSld>
     <p:spTree>
@@ -24321,7 +25665,7 @@
           <a:p>
             <a:r>
               <a:rPr lang="it-IT" sz="4000" dirty="0"/>
-              <a:t>Array paralleli con ricerca lineare</a:t>
+              <a:t>Qunato è efficente la nostra soluzione?</a:t>
             </a:r>
             <a:endParaRPr lang="en-US" dirty="0"/>
           </a:p>
@@ -24351,10 +25695,6 @@
             <a:pPr marL="36900" indent="0" algn="ctr">
               <a:buNone/>
             </a:pPr>
-            <a:r>
-              <a:rPr lang="it-IT" dirty="0"/>
-              <a:t>Due array, files e ports controllo in un ciclo for fino a quando non trovo il path i-esimo</a:t>
-            </a:r>
             <a:endParaRPr lang="en-US" dirty="0"/>
           </a:p>
         </p:txBody>
@@ -24381,8 +25721,38 @@
         </p:blipFill>
         <p:spPr>
           <a:xfrm>
-            <a:off x="4088941" y="2603226"/>
+            <a:off x="924443" y="2687863"/>
             <a:ext cx="4003470" cy="2317195"/>
+          </a:xfrm>
+          <a:prstGeom prst="rect">
+            <a:avLst/>
+          </a:prstGeom>
+        </p:spPr>
+      </p:pic>
+      <p:pic>
+        <p:nvPicPr>
+          <p:cNvPr id="4" name="Picture 3" descr="Text&#10;&#10;Description automatically generated">
+            <a:extLst>
+              <a:ext uri="{FF2B5EF4-FFF2-40B4-BE49-F238E27FC236}">
+                <a16:creationId xmlns:a16="http://schemas.microsoft.com/office/drawing/2014/main" id="{0B5A6B2E-4D03-45CE-8AF8-477029B39CAC}"/>
+              </a:ext>
+            </a:extLst>
+          </p:cNvPr>
+          <p:cNvPicPr>
+            <a:picLocks noChangeAspect="1"/>
+          </p:cNvPicPr>
+          <p:nvPr/>
+        </p:nvPicPr>
+        <p:blipFill>
+          <a:blip r:embed="rId3"/>
+          <a:stretch>
+            <a:fillRect/>
+          </a:stretch>
+        </p:blipFill>
+        <p:spPr>
+          <a:xfrm>
+            <a:off x="5656885" y="3094602"/>
+            <a:ext cx="5610672" cy="1145331"/>
           </a:xfrm>
           <a:prstGeom prst="rect">
             <a:avLst/>
@@ -24393,6 +25763,256 @@
     <p:extLst>
       <p:ext uri="{BB962C8B-B14F-4D97-AF65-F5344CB8AC3E}">
         <p14:creationId xmlns:p14="http://schemas.microsoft.com/office/powerpoint/2010/main" val="2744282747"/>
+      </p:ext>
+    </p:extLst>
+  </p:cSld>
+  <p:clrMapOvr>
+    <a:masterClrMapping/>
+  </p:clrMapOvr>
+  <p:timing>
+    <p:tnLst>
+      <p:par>
+        <p:cTn id="1" dur="indefinite" restart="never" nodeType="tmRoot">
+          <p:childTnLst>
+            <p:seq concurrent="1" nextAc="seek">
+              <p:cTn id="2" dur="indefinite" nodeType="mainSeq">
+                <p:childTnLst>
+                  <p:par>
+                    <p:cTn id="3" fill="hold">
+                      <p:stCondLst>
+                        <p:cond delay="indefinite"/>
+                      </p:stCondLst>
+                      <p:childTnLst>
+                        <p:par>
+                          <p:cTn id="4" fill="hold">
+                            <p:stCondLst>
+                              <p:cond delay="0"/>
+                            </p:stCondLst>
+                            <p:childTnLst>
+                              <p:par>
+                                <p:cTn id="5" presetID="10" presetClass="entr" presetSubtype="0" fill="hold" nodeType="clickEffect">
+                                  <p:stCondLst>
+                                    <p:cond delay="0"/>
+                                  </p:stCondLst>
+                                  <p:childTnLst>
+                                    <p:set>
+                                      <p:cBhvr>
+                                        <p:cTn id="6" dur="1" fill="hold">
+                                          <p:stCondLst>
+                                            <p:cond delay="0"/>
+                                          </p:stCondLst>
+                                        </p:cTn>
+                                        <p:tgtEl>
+                                          <p:spTgt spid="5"/>
+                                        </p:tgtEl>
+                                        <p:attrNameLst>
+                                          <p:attrName>style.visibility</p:attrName>
+                                        </p:attrNameLst>
+                                      </p:cBhvr>
+                                      <p:to>
+                                        <p:strVal val="visible"/>
+                                      </p:to>
+                                    </p:set>
+                                    <p:animEffect transition="in" filter="fade">
+                                      <p:cBhvr>
+                                        <p:cTn id="7" dur="500"/>
+                                        <p:tgtEl>
+                                          <p:spTgt spid="5"/>
+                                        </p:tgtEl>
+                                      </p:cBhvr>
+                                    </p:animEffect>
+                                  </p:childTnLst>
+                                </p:cTn>
+                              </p:par>
+                            </p:childTnLst>
+                          </p:cTn>
+                        </p:par>
+                      </p:childTnLst>
+                    </p:cTn>
+                  </p:par>
+                  <p:par>
+                    <p:cTn id="8" fill="hold">
+                      <p:stCondLst>
+                        <p:cond delay="indefinite"/>
+                      </p:stCondLst>
+                      <p:childTnLst>
+                        <p:par>
+                          <p:cTn id="9" fill="hold">
+                            <p:stCondLst>
+                              <p:cond delay="0"/>
+                            </p:stCondLst>
+                            <p:childTnLst>
+                              <p:par>
+                                <p:cTn id="10" presetID="10" presetClass="entr" presetSubtype="0" fill="hold" nodeType="clickEffect">
+                                  <p:stCondLst>
+                                    <p:cond delay="0"/>
+                                  </p:stCondLst>
+                                  <p:childTnLst>
+                                    <p:set>
+                                      <p:cBhvr>
+                                        <p:cTn id="11" dur="1" fill="hold">
+                                          <p:stCondLst>
+                                            <p:cond delay="0"/>
+                                          </p:stCondLst>
+                                        </p:cTn>
+                                        <p:tgtEl>
+                                          <p:spTgt spid="4"/>
+                                        </p:tgtEl>
+                                        <p:attrNameLst>
+                                          <p:attrName>style.visibility</p:attrName>
+                                        </p:attrNameLst>
+                                      </p:cBhvr>
+                                      <p:to>
+                                        <p:strVal val="visible"/>
+                                      </p:to>
+                                    </p:set>
+                                    <p:animEffect transition="in" filter="fade">
+                                      <p:cBhvr>
+                                        <p:cTn id="12" dur="500"/>
+                                        <p:tgtEl>
+                                          <p:spTgt spid="4"/>
+                                        </p:tgtEl>
+                                      </p:cBhvr>
+                                    </p:animEffect>
+                                  </p:childTnLst>
+                                </p:cTn>
+                              </p:par>
+                            </p:childTnLst>
+                          </p:cTn>
+                        </p:par>
+                      </p:childTnLst>
+                    </p:cTn>
+                  </p:par>
+                </p:childTnLst>
+              </p:cTn>
+              <p:prevCondLst>
+                <p:cond evt="onPrev" delay="0">
+                  <p:tgtEl>
+                    <p:sldTgt/>
+                  </p:tgtEl>
+                </p:cond>
+              </p:prevCondLst>
+              <p:nextCondLst>
+                <p:cond evt="onNext" delay="0">
+                  <p:tgtEl>
+                    <p:sldTgt/>
+                  </p:tgtEl>
+                </p:cond>
+              </p:nextCondLst>
+            </p:seq>
+          </p:childTnLst>
+        </p:cTn>
+      </p:par>
+    </p:tnLst>
+  </p:timing>
+</p:sld>
+</file>
+
+<file path=ppt/slides/slide9.xml><?xml version="1.0" encoding="utf-8"?>
+<p:sld xmlns:a="http://schemas.openxmlformats.org/drawingml/2006/main" xmlns:r="http://schemas.openxmlformats.org/officeDocument/2006/relationships" xmlns:p="http://schemas.openxmlformats.org/presentationml/2006/main">
+  <p:cSld>
+    <p:spTree>
+      <p:nvGrpSpPr>
+        <p:cNvPr id="1" name=""/>
+        <p:cNvGrpSpPr/>
+        <p:nvPr/>
+      </p:nvGrpSpPr>
+      <p:grpSpPr>
+        <a:xfrm>
+          <a:off x="0" y="0"/>
+          <a:ext cx="0" cy="0"/>
+          <a:chOff x="0" y="0"/>
+          <a:chExt cx="0" cy="0"/>
+        </a:xfrm>
+      </p:grpSpPr>
+      <p:sp>
+        <p:nvSpPr>
+          <p:cNvPr id="2" name="Title 1">
+            <a:extLst>
+              <a:ext uri="{FF2B5EF4-FFF2-40B4-BE49-F238E27FC236}">
+                <a16:creationId xmlns:a16="http://schemas.microsoft.com/office/drawing/2014/main" id="{BDDE050F-FFF2-4B09-8DE1-70CA9D9B58C7}"/>
+              </a:ext>
+            </a:extLst>
+          </p:cNvPr>
+          <p:cNvSpPr>
+            <a:spLocks noGrp="1"/>
+          </p:cNvSpPr>
+          <p:nvPr>
+            <p:ph type="title"/>
+          </p:nvPr>
+        </p:nvSpPr>
+        <p:spPr/>
+        <p:txBody>
+          <a:bodyPr/>
+          <a:lstStyle/>
+          <a:p>
+            <a:endParaRPr lang="en-US" dirty="0"/>
+          </a:p>
+        </p:txBody>
+      </p:sp>
+      <p:pic>
+        <p:nvPicPr>
+          <p:cNvPr id="8" name="Content Placeholder 7">
+            <a:extLst>
+              <a:ext uri="{FF2B5EF4-FFF2-40B4-BE49-F238E27FC236}">
+                <a16:creationId xmlns:a16="http://schemas.microsoft.com/office/drawing/2014/main" id="{17A0BB61-D346-4871-B2C5-EF87FCEC3C45}"/>
+              </a:ext>
+            </a:extLst>
+          </p:cNvPr>
+          <p:cNvPicPr>
+            <a:picLocks noGrp="1" noChangeAspect="1"/>
+          </p:cNvPicPr>
+          <p:nvPr>
+            <p:ph idx="1"/>
+          </p:nvPr>
+        </p:nvPicPr>
+        <p:blipFill>
+          <a:blip r:embed="rId2"/>
+          <a:stretch>
+            <a:fillRect/>
+          </a:stretch>
+        </p:blipFill>
+        <p:spPr>
+          <a:xfrm>
+            <a:off x="3948964" y="294682"/>
+            <a:ext cx="3743152" cy="2035946"/>
+          </a:xfrm>
+        </p:spPr>
+      </p:pic>
+      <p:pic>
+        <p:nvPicPr>
+          <p:cNvPr id="4" name="Picture 3">
+            <a:extLst>
+              <a:ext uri="{FF2B5EF4-FFF2-40B4-BE49-F238E27FC236}">
+                <a16:creationId xmlns:a16="http://schemas.microsoft.com/office/drawing/2014/main" id="{8822B887-9962-4CC2-9FD8-9ACA5A45CBC0}"/>
+              </a:ext>
+            </a:extLst>
+          </p:cNvPr>
+          <p:cNvPicPr>
+            <a:picLocks noChangeAspect="1"/>
+          </p:cNvPicPr>
+          <p:nvPr/>
+        </p:nvPicPr>
+        <p:blipFill>
+          <a:blip r:embed="rId3"/>
+          <a:stretch>
+            <a:fillRect/>
+          </a:stretch>
+        </p:blipFill>
+        <p:spPr>
+          <a:xfrm>
+            <a:off x="1783965" y="3184780"/>
+            <a:ext cx="8073149" cy="665995"/>
+          </a:xfrm>
+          <a:prstGeom prst="rect">
+            <a:avLst/>
+          </a:prstGeom>
+        </p:spPr>
+      </p:pic>
+    </p:spTree>
+    <p:extLst>
+      <p:ext uri="{BB962C8B-B14F-4D97-AF65-F5344CB8AC3E}">
+        <p14:creationId xmlns:p14="http://schemas.microsoft.com/office/powerpoint/2010/main" val="615137944"/>
       </p:ext>
     </p:extLst>
   </p:cSld>

--- a/E1/Esercitazione 1.pptx
+++ b/E1/Esercitazione 1.pptx
@@ -4,6 +4,9 @@
   <p:sldMasterIdLst>
     <p:sldMasterId id="2147483968" r:id="rId1"/>
   </p:sldMasterIdLst>
+  <p:notesMasterIdLst>
+    <p:notesMasterId r:id="rId15"/>
+  </p:notesMasterIdLst>
   <p:sldIdLst>
     <p:sldId id="256" r:id="rId2"/>
     <p:sldId id="257" r:id="rId3"/>
@@ -7489,7 +7492,7 @@
         <a:p>
           <a:r>
             <a:rPr lang="it-IT" dirty="0"/>
-            <a:t>Test con 1 client, 500 files gestiti dal server e 1000 richieste per Client</a:t>
+            <a:t>Test con 1 e con 10 client, 500 files gestiti dal server e 1000 richieste per Client</a:t>
           </a:r>
           <a:endParaRPr lang="en-US" dirty="0"/>
         </a:p>
@@ -7662,7 +7665,7 @@
   <dgm:whole/>
   <dgm:extLst>
     <a:ext uri="http://schemas.microsoft.com/office/drawing/2008/diagram">
-      <dsp:dataModelExt xmlns:dsp="http://schemas.microsoft.com/office/drawing/2008/diagram" relId="rId8" minVer="http://schemas.openxmlformats.org/drawingml/2006/diagram"/>
+      <dsp:dataModelExt xmlns:dsp="http://schemas.microsoft.com/office/drawing/2008/diagram" relId="rId9" minVer="http://schemas.openxmlformats.org/drawingml/2006/diagram"/>
     </a:ext>
   </dgm:extLst>
 </dgm:dataModel>
@@ -9734,7 +9737,7 @@
           </a:pPr>
           <a:r>
             <a:rPr lang="it-IT" sz="2500" kern="1200" dirty="0"/>
-            <a:t>Test con 1 client, 500 files gestiti dal server e 1000 richieste per Client</a:t>
+            <a:t>Test con 1 e con 10 client, 500 files gestiti dal server e 1000 richieste per Client</a:t>
           </a:r>
           <a:endParaRPr lang="en-US" sz="2500" kern="1200" dirty="0"/>
         </a:p>
@@ -18054,6 +18057,439 @@
 </dgm:styleDef>
 </file>
 
+<file path=ppt/notesMasters/notesMaster1.xml><?xml version="1.0" encoding="utf-8"?>
+<p:notesMaster xmlns:a="http://schemas.openxmlformats.org/drawingml/2006/main" xmlns:r="http://schemas.openxmlformats.org/officeDocument/2006/relationships" xmlns:p="http://schemas.openxmlformats.org/presentationml/2006/main">
+  <p:cSld>
+    <p:bg>
+      <p:bgRef idx="1001">
+        <a:schemeClr val="bg1"/>
+      </p:bgRef>
+    </p:bg>
+    <p:spTree>
+      <p:nvGrpSpPr>
+        <p:cNvPr id="1" name=""/>
+        <p:cNvGrpSpPr/>
+        <p:nvPr/>
+      </p:nvGrpSpPr>
+      <p:grpSpPr>
+        <a:xfrm>
+          <a:off x="0" y="0"/>
+          <a:ext cx="0" cy="0"/>
+          <a:chOff x="0" y="0"/>
+          <a:chExt cx="0" cy="0"/>
+        </a:xfrm>
+      </p:grpSpPr>
+      <p:sp>
+        <p:nvSpPr>
+          <p:cNvPr id="2" name="Header Placeholder 1"/>
+          <p:cNvSpPr>
+            <a:spLocks noGrp="1"/>
+          </p:cNvSpPr>
+          <p:nvPr>
+            <p:ph type="hdr" sz="quarter"/>
+          </p:nvPr>
+        </p:nvSpPr>
+        <p:spPr>
+          <a:xfrm>
+            <a:off x="0" y="0"/>
+            <a:ext cx="2971800" cy="458788"/>
+          </a:xfrm>
+          <a:prstGeom prst="rect">
+            <a:avLst/>
+          </a:prstGeom>
+        </p:spPr>
+        <p:txBody>
+          <a:bodyPr vert="horz" lIns="91440" tIns="45720" rIns="91440" bIns="45720" rtlCol="0"/>
+          <a:lstStyle>
+            <a:lvl1pPr algn="l">
+              <a:defRPr sz="1200"/>
+            </a:lvl1pPr>
+          </a:lstStyle>
+          <a:p>
+            <a:endParaRPr lang="en-US"/>
+          </a:p>
+        </p:txBody>
+      </p:sp>
+      <p:sp>
+        <p:nvSpPr>
+          <p:cNvPr id="3" name="Date Placeholder 2"/>
+          <p:cNvSpPr>
+            <a:spLocks noGrp="1"/>
+          </p:cNvSpPr>
+          <p:nvPr>
+            <p:ph type="dt" idx="1"/>
+          </p:nvPr>
+        </p:nvSpPr>
+        <p:spPr>
+          <a:xfrm>
+            <a:off x="3884613" y="0"/>
+            <a:ext cx="2971800" cy="458788"/>
+          </a:xfrm>
+          <a:prstGeom prst="rect">
+            <a:avLst/>
+          </a:prstGeom>
+        </p:spPr>
+        <p:txBody>
+          <a:bodyPr vert="horz" lIns="91440" tIns="45720" rIns="91440" bIns="45720" rtlCol="0"/>
+          <a:lstStyle>
+            <a:lvl1pPr algn="r">
+              <a:defRPr sz="1200"/>
+            </a:lvl1pPr>
+          </a:lstStyle>
+          <a:p>
+            <a:fld id="{1AC93863-E116-4A67-8681-85DF5A2C8BDA}" type="datetimeFigureOut">
+              <a:rPr lang="en-US" smtClean="0"/>
+              <a:t>15-Oct-20</a:t>
+            </a:fld>
+            <a:endParaRPr lang="en-US"/>
+          </a:p>
+        </p:txBody>
+      </p:sp>
+      <p:sp>
+        <p:nvSpPr>
+          <p:cNvPr id="4" name="Slide Image Placeholder 3"/>
+          <p:cNvSpPr>
+            <a:spLocks noGrp="1" noRot="1" noChangeAspect="1"/>
+          </p:cNvSpPr>
+          <p:nvPr>
+            <p:ph type="sldImg" idx="2"/>
+          </p:nvPr>
+        </p:nvSpPr>
+        <p:spPr>
+          <a:xfrm>
+            <a:off x="685800" y="1143000"/>
+            <a:ext cx="5486400" cy="3086100"/>
+          </a:xfrm>
+          <a:prstGeom prst="rect">
+            <a:avLst/>
+          </a:prstGeom>
+          <a:noFill/>
+          <a:ln w="12700">
+            <a:solidFill>
+              <a:prstClr val="black"/>
+            </a:solidFill>
+          </a:ln>
+        </p:spPr>
+        <p:txBody>
+          <a:bodyPr vert="horz" lIns="91440" tIns="45720" rIns="91440" bIns="45720" rtlCol="0" anchor="ctr"/>
+          <a:lstStyle/>
+          <a:p>
+            <a:endParaRPr lang="en-US"/>
+          </a:p>
+        </p:txBody>
+      </p:sp>
+      <p:sp>
+        <p:nvSpPr>
+          <p:cNvPr id="5" name="Notes Placeholder 4"/>
+          <p:cNvSpPr>
+            <a:spLocks noGrp="1"/>
+          </p:cNvSpPr>
+          <p:nvPr>
+            <p:ph type="body" sz="quarter" idx="3"/>
+          </p:nvPr>
+        </p:nvSpPr>
+        <p:spPr>
+          <a:xfrm>
+            <a:off x="685800" y="4400550"/>
+            <a:ext cx="5486400" cy="3600450"/>
+          </a:xfrm>
+          <a:prstGeom prst="rect">
+            <a:avLst/>
+          </a:prstGeom>
+        </p:spPr>
+        <p:txBody>
+          <a:bodyPr vert="horz" lIns="91440" tIns="45720" rIns="91440" bIns="45720" rtlCol="0"/>
+          <a:lstStyle/>
+          <a:p>
+            <a:pPr lvl="0"/>
+            <a:r>
+              <a:rPr lang="en-US"/>
+              <a:t>Click to edit Master text styles</a:t>
+            </a:r>
+          </a:p>
+          <a:p>
+            <a:pPr lvl="1"/>
+            <a:r>
+              <a:rPr lang="en-US"/>
+              <a:t>Second level</a:t>
+            </a:r>
+          </a:p>
+          <a:p>
+            <a:pPr lvl="2"/>
+            <a:r>
+              <a:rPr lang="en-US"/>
+              <a:t>Third level</a:t>
+            </a:r>
+          </a:p>
+          <a:p>
+            <a:pPr lvl="3"/>
+            <a:r>
+              <a:rPr lang="en-US"/>
+              <a:t>Fourth level</a:t>
+            </a:r>
+          </a:p>
+          <a:p>
+            <a:pPr lvl="4"/>
+            <a:r>
+              <a:rPr lang="en-US"/>
+              <a:t>Fifth level</a:t>
+            </a:r>
+          </a:p>
+        </p:txBody>
+      </p:sp>
+      <p:sp>
+        <p:nvSpPr>
+          <p:cNvPr id="6" name="Footer Placeholder 5"/>
+          <p:cNvSpPr>
+            <a:spLocks noGrp="1"/>
+          </p:cNvSpPr>
+          <p:nvPr>
+            <p:ph type="ftr" sz="quarter" idx="4"/>
+          </p:nvPr>
+        </p:nvSpPr>
+        <p:spPr>
+          <a:xfrm>
+            <a:off x="0" y="8685213"/>
+            <a:ext cx="2971800" cy="458787"/>
+          </a:xfrm>
+          <a:prstGeom prst="rect">
+            <a:avLst/>
+          </a:prstGeom>
+        </p:spPr>
+        <p:txBody>
+          <a:bodyPr vert="horz" lIns="91440" tIns="45720" rIns="91440" bIns="45720" rtlCol="0" anchor="b"/>
+          <a:lstStyle>
+            <a:lvl1pPr algn="l">
+              <a:defRPr sz="1200"/>
+            </a:lvl1pPr>
+          </a:lstStyle>
+          <a:p>
+            <a:endParaRPr lang="en-US"/>
+          </a:p>
+        </p:txBody>
+      </p:sp>
+      <p:sp>
+        <p:nvSpPr>
+          <p:cNvPr id="7" name="Slide Number Placeholder 6"/>
+          <p:cNvSpPr>
+            <a:spLocks noGrp="1"/>
+          </p:cNvSpPr>
+          <p:nvPr>
+            <p:ph type="sldNum" sz="quarter" idx="5"/>
+          </p:nvPr>
+        </p:nvSpPr>
+        <p:spPr>
+          <a:xfrm>
+            <a:off x="3884613" y="8685213"/>
+            <a:ext cx="2971800" cy="458787"/>
+          </a:xfrm>
+          <a:prstGeom prst="rect">
+            <a:avLst/>
+          </a:prstGeom>
+        </p:spPr>
+        <p:txBody>
+          <a:bodyPr vert="horz" lIns="91440" tIns="45720" rIns="91440" bIns="45720" rtlCol="0" anchor="b"/>
+          <a:lstStyle>
+            <a:lvl1pPr algn="r">
+              <a:defRPr sz="1200"/>
+            </a:lvl1pPr>
+          </a:lstStyle>
+          <a:p>
+            <a:fld id="{1093745E-975A-47B7-8FA6-75F15E20468F}" type="slidenum">
+              <a:rPr lang="en-US" smtClean="0"/>
+              <a:t>‹#›</a:t>
+            </a:fld>
+            <a:endParaRPr lang="en-US"/>
+          </a:p>
+        </p:txBody>
+      </p:sp>
+    </p:spTree>
+    <p:extLst>
+      <p:ext uri="{BB962C8B-B14F-4D97-AF65-F5344CB8AC3E}">
+        <p14:creationId xmlns:p14="http://schemas.microsoft.com/office/powerpoint/2010/main" val="1374200115"/>
+      </p:ext>
+    </p:extLst>
+  </p:cSld>
+  <p:clrMap bg1="lt1" tx1="dk1" bg2="lt2" tx2="dk2" accent1="accent1" accent2="accent2" accent3="accent3" accent4="accent4" accent5="accent5" accent6="accent6" hlink="hlink" folHlink="folHlink"/>
+  <p:notesStyle>
+    <a:lvl1pPr marL="0" algn="l" defTabSz="914400" rtl="0" eaLnBrk="1" latinLnBrk="0" hangingPunct="1">
+      <a:defRPr sz="1200" kern="1200">
+        <a:solidFill>
+          <a:schemeClr val="tx1"/>
+        </a:solidFill>
+        <a:latin typeface="+mn-lt"/>
+        <a:ea typeface="+mn-ea"/>
+        <a:cs typeface="+mn-cs"/>
+      </a:defRPr>
+    </a:lvl1pPr>
+    <a:lvl2pPr marL="457200" algn="l" defTabSz="914400" rtl="0" eaLnBrk="1" latinLnBrk="0" hangingPunct="1">
+      <a:defRPr sz="1200" kern="1200">
+        <a:solidFill>
+          <a:schemeClr val="tx1"/>
+        </a:solidFill>
+        <a:latin typeface="+mn-lt"/>
+        <a:ea typeface="+mn-ea"/>
+        <a:cs typeface="+mn-cs"/>
+      </a:defRPr>
+    </a:lvl2pPr>
+    <a:lvl3pPr marL="914400" algn="l" defTabSz="914400" rtl="0" eaLnBrk="1" latinLnBrk="0" hangingPunct="1">
+      <a:defRPr sz="1200" kern="1200">
+        <a:solidFill>
+          <a:schemeClr val="tx1"/>
+        </a:solidFill>
+        <a:latin typeface="+mn-lt"/>
+        <a:ea typeface="+mn-ea"/>
+        <a:cs typeface="+mn-cs"/>
+      </a:defRPr>
+    </a:lvl3pPr>
+    <a:lvl4pPr marL="1371600" algn="l" defTabSz="914400" rtl="0" eaLnBrk="1" latinLnBrk="0" hangingPunct="1">
+      <a:defRPr sz="1200" kern="1200">
+        <a:solidFill>
+          <a:schemeClr val="tx1"/>
+        </a:solidFill>
+        <a:latin typeface="+mn-lt"/>
+        <a:ea typeface="+mn-ea"/>
+        <a:cs typeface="+mn-cs"/>
+      </a:defRPr>
+    </a:lvl4pPr>
+    <a:lvl5pPr marL="1828800" algn="l" defTabSz="914400" rtl="0" eaLnBrk="1" latinLnBrk="0" hangingPunct="1">
+      <a:defRPr sz="1200" kern="1200">
+        <a:solidFill>
+          <a:schemeClr val="tx1"/>
+        </a:solidFill>
+        <a:latin typeface="+mn-lt"/>
+        <a:ea typeface="+mn-ea"/>
+        <a:cs typeface="+mn-cs"/>
+      </a:defRPr>
+    </a:lvl5pPr>
+    <a:lvl6pPr marL="2286000" algn="l" defTabSz="914400" rtl="0" eaLnBrk="1" latinLnBrk="0" hangingPunct="1">
+      <a:defRPr sz="1200" kern="1200">
+        <a:solidFill>
+          <a:schemeClr val="tx1"/>
+        </a:solidFill>
+        <a:latin typeface="+mn-lt"/>
+        <a:ea typeface="+mn-ea"/>
+        <a:cs typeface="+mn-cs"/>
+      </a:defRPr>
+    </a:lvl6pPr>
+    <a:lvl7pPr marL="2743200" algn="l" defTabSz="914400" rtl="0" eaLnBrk="1" latinLnBrk="0" hangingPunct="1">
+      <a:defRPr sz="1200" kern="1200">
+        <a:solidFill>
+          <a:schemeClr val="tx1"/>
+        </a:solidFill>
+        <a:latin typeface="+mn-lt"/>
+        <a:ea typeface="+mn-ea"/>
+        <a:cs typeface="+mn-cs"/>
+      </a:defRPr>
+    </a:lvl7pPr>
+    <a:lvl8pPr marL="3200400" algn="l" defTabSz="914400" rtl="0" eaLnBrk="1" latinLnBrk="0" hangingPunct="1">
+      <a:defRPr sz="1200" kern="1200">
+        <a:solidFill>
+          <a:schemeClr val="tx1"/>
+        </a:solidFill>
+        <a:latin typeface="+mn-lt"/>
+        <a:ea typeface="+mn-ea"/>
+        <a:cs typeface="+mn-cs"/>
+      </a:defRPr>
+    </a:lvl8pPr>
+    <a:lvl9pPr marL="3657600" algn="l" defTabSz="914400" rtl="0" eaLnBrk="1" latinLnBrk="0" hangingPunct="1">
+      <a:defRPr sz="1200" kern="1200">
+        <a:solidFill>
+          <a:schemeClr val="tx1"/>
+        </a:solidFill>
+        <a:latin typeface="+mn-lt"/>
+        <a:ea typeface="+mn-ea"/>
+        <a:cs typeface="+mn-cs"/>
+      </a:defRPr>
+    </a:lvl9pPr>
+  </p:notesStyle>
+</p:notesMaster>
+</file>
+
+<file path=ppt/notesSlides/notesSlide1.xml><?xml version="1.0" encoding="utf-8"?>
+<p:notes xmlns:a="http://schemas.openxmlformats.org/drawingml/2006/main" xmlns:r="http://schemas.openxmlformats.org/officeDocument/2006/relationships" xmlns:p="http://schemas.openxmlformats.org/presentationml/2006/main">
+  <p:cSld>
+    <p:spTree>
+      <p:nvGrpSpPr>
+        <p:cNvPr id="1" name=""/>
+        <p:cNvGrpSpPr/>
+        <p:nvPr/>
+      </p:nvGrpSpPr>
+      <p:grpSpPr>
+        <a:xfrm>
+          <a:off x="0" y="0"/>
+          <a:ext cx="0" cy="0"/>
+          <a:chOff x="0" y="0"/>
+          <a:chExt cx="0" cy="0"/>
+        </a:xfrm>
+      </p:grpSpPr>
+      <p:sp>
+        <p:nvSpPr>
+          <p:cNvPr id="2" name="Slide Image Placeholder 1"/>
+          <p:cNvSpPr>
+            <a:spLocks noGrp="1" noRot="1" noChangeAspect="1"/>
+          </p:cNvSpPr>
+          <p:nvPr>
+            <p:ph type="sldImg"/>
+          </p:nvPr>
+        </p:nvSpPr>
+        <p:spPr/>
+      </p:sp>
+      <p:sp>
+        <p:nvSpPr>
+          <p:cNvPr id="3" name="Notes Placeholder 2"/>
+          <p:cNvSpPr>
+            <a:spLocks noGrp="1"/>
+          </p:cNvSpPr>
+          <p:nvPr>
+            <p:ph type="body" idx="1"/>
+          </p:nvPr>
+        </p:nvSpPr>
+        <p:spPr/>
+        <p:txBody>
+          <a:bodyPr/>
+          <a:lstStyle/>
+          <a:p>
+            <a:endParaRPr lang="en-US" dirty="0"/>
+          </a:p>
+        </p:txBody>
+      </p:sp>
+      <p:sp>
+        <p:nvSpPr>
+          <p:cNvPr id="4" name="Slide Number Placeholder 3"/>
+          <p:cNvSpPr>
+            <a:spLocks noGrp="1"/>
+          </p:cNvSpPr>
+          <p:nvPr>
+            <p:ph type="sldNum" sz="quarter" idx="5"/>
+          </p:nvPr>
+        </p:nvSpPr>
+        <p:spPr/>
+        <p:txBody>
+          <a:bodyPr/>
+          <a:lstStyle/>
+          <a:p>
+            <a:fld id="{1093745E-975A-47B7-8FA6-75F15E20468F}" type="slidenum">
+              <a:rPr lang="en-US" smtClean="0"/>
+              <a:t>10</a:t>
+            </a:fld>
+            <a:endParaRPr lang="en-US"/>
+          </a:p>
+        </p:txBody>
+      </p:sp>
+    </p:spTree>
+    <p:extLst>
+      <p:ext uri="{BB962C8B-B14F-4D97-AF65-F5344CB8AC3E}">
+        <p14:creationId xmlns:p14="http://schemas.microsoft.com/office/powerpoint/2010/main" val="1566152492"/>
+      </p:ext>
+    </p:extLst>
+  </p:cSld>
+  <p:clrMapOvr>
+    <a:masterClrMapping/>
+  </p:clrMapOvr>
+</p:notes>
+</file>
+
 <file path=ppt/slideLayouts/slideLayout1.xml><?xml version="1.0" encoding="utf-8"?>
 <p:sldLayout xmlns:a="http://schemas.openxmlformats.org/drawingml/2006/main" xmlns:r="http://schemas.openxmlformats.org/officeDocument/2006/relationships" xmlns:p="http://schemas.openxmlformats.org/presentationml/2006/main" type="title" preserve="1">
   <p:cSld name="Title Slide">
@@ -18238,7 +18674,7 @@
             <a:fld id="{8E36636D-D922-432D-A958-524484B5923D}" type="datetimeFigureOut">
               <a:rPr lang="en-US" smtClean="0"/>
               <a:pPr/>
-              <a:t>14-Oct-20</a:t>
+              <a:t>15-Oct-20</a:t>
             </a:fld>
             <a:endParaRPr lang="en-US"/>
           </a:p>
@@ -18535,7 +18971,7 @@
           <a:p>
             <a:fld id="{48A87A34-81AB-432B-8DAE-1953F412C126}" type="datetimeFigureOut">
               <a:rPr lang="en-US" smtClean="0"/>
-              <a:t>14-Oct-20</a:t>
+              <a:t>15-Oct-20</a:t>
             </a:fld>
             <a:endParaRPr lang="en-US"/>
           </a:p>
@@ -18726,7 +19162,7 @@
           <a:p>
             <a:fld id="{48A87A34-81AB-432B-8DAE-1953F412C126}" type="datetimeFigureOut">
               <a:rPr lang="en-US" smtClean="0"/>
-              <a:t>14-Oct-20</a:t>
+              <a:t>15-Oct-20</a:t>
             </a:fld>
             <a:endParaRPr lang="en-US"/>
           </a:p>
@@ -18986,7 +19422,7 @@
           <a:p>
             <a:fld id="{48A87A34-81AB-432B-8DAE-1953F412C126}" type="datetimeFigureOut">
               <a:rPr lang="en-US" smtClean="0"/>
-              <a:t>14-Oct-20</a:t>
+              <a:t>15-Oct-20</a:t>
             </a:fld>
             <a:endParaRPr lang="en-US"/>
           </a:p>
@@ -19409,7 +19845,7 @@
           <a:p>
             <a:fld id="{48A87A34-81AB-432B-8DAE-1953F412C126}" type="datetimeFigureOut">
               <a:rPr lang="en-US" smtClean="0"/>
-              <a:t>14-Oct-20</a:t>
+              <a:t>15-Oct-20</a:t>
             </a:fld>
             <a:endParaRPr lang="en-US"/>
           </a:p>
@@ -19945,7 +20381,7 @@
           <a:p>
             <a:fld id="{48A87A34-81AB-432B-8DAE-1953F412C126}" type="datetimeFigureOut">
               <a:rPr lang="en-US" smtClean="0"/>
-              <a:t>14-Oct-20</a:t>
+              <a:t>15-Oct-20</a:t>
             </a:fld>
             <a:endParaRPr lang="en-US"/>
           </a:p>
@@ -20805,7 +21241,7 @@
           <a:p>
             <a:fld id="{48A87A34-81AB-432B-8DAE-1953F412C126}" type="datetimeFigureOut">
               <a:rPr lang="en-US" smtClean="0"/>
-              <a:t>14-Oct-20</a:t>
+              <a:t>15-Oct-20</a:t>
             </a:fld>
             <a:endParaRPr lang="en-US"/>
           </a:p>
@@ -20974,7 +21410,7 @@
             <a:fld id="{8E36636D-D922-432D-A958-524484B5923D}" type="datetimeFigureOut">
               <a:rPr lang="en-US" smtClean="0"/>
               <a:pPr/>
-              <a:t>14-Oct-20</a:t>
+              <a:t>15-Oct-20</a:t>
             </a:fld>
             <a:endParaRPr lang="en-US"/>
           </a:p>
@@ -21158,7 +21594,7 @@
             <a:fld id="{8E36636D-D922-432D-A958-524484B5923D}" type="datetimeFigureOut">
               <a:rPr lang="en-US" smtClean="0"/>
               <a:pPr/>
-              <a:t>14-Oct-20</a:t>
+              <a:t>15-Oct-20</a:t>
             </a:fld>
             <a:endParaRPr lang="en-US"/>
           </a:p>
@@ -21328,7 +21764,7 @@
             <a:fld id="{8E36636D-D922-432D-A958-524484B5923D}" type="datetimeFigureOut">
               <a:rPr lang="en-US" smtClean="0"/>
               <a:pPr/>
-              <a:t>14-Oct-20</a:t>
+              <a:t>15-Oct-20</a:t>
             </a:fld>
             <a:endParaRPr lang="en-US"/>
           </a:p>
@@ -21573,7 +22009,7 @@
             <a:fld id="{8E36636D-D922-432D-A958-524484B5923D}" type="datetimeFigureOut">
               <a:rPr lang="en-US" smtClean="0"/>
               <a:pPr/>
-              <a:t>14-Oct-20</a:t>
+              <a:t>15-Oct-20</a:t>
             </a:fld>
             <a:endParaRPr lang="en-US"/>
           </a:p>
@@ -21808,7 +22244,7 @@
             <a:fld id="{8E36636D-D922-432D-A958-524484B5923D}" type="datetimeFigureOut">
               <a:rPr lang="en-US" smtClean="0"/>
               <a:pPr/>
-              <a:t>14-Oct-20</a:t>
+              <a:t>15-Oct-20</a:t>
             </a:fld>
             <a:endParaRPr lang="en-US"/>
           </a:p>
@@ -22273,7 +22709,7 @@
             <a:fld id="{8E36636D-D922-432D-A958-524484B5923D}" type="datetimeFigureOut">
               <a:rPr lang="en-US" smtClean="0"/>
               <a:pPr/>
-              <a:t>14-Oct-20</a:t>
+              <a:t>15-Oct-20</a:t>
             </a:fld>
             <a:endParaRPr lang="en-US"/>
           </a:p>
@@ -22392,7 +22828,7 @@
             <a:fld id="{8E36636D-D922-432D-A958-524484B5923D}" type="datetimeFigureOut">
               <a:rPr lang="en-US" smtClean="0"/>
               <a:pPr/>
-              <a:t>14-Oct-20</a:t>
+              <a:t>15-Oct-20</a:t>
             </a:fld>
             <a:endParaRPr lang="en-US"/>
           </a:p>
@@ -22489,7 +22925,7 @@
             <a:fld id="{8E36636D-D922-432D-A958-524484B5923D}" type="datetimeFigureOut">
               <a:rPr lang="en-US" smtClean="0"/>
               <a:pPr/>
-              <a:t>14-Oct-20</a:t>
+              <a:t>15-Oct-20</a:t>
             </a:fld>
             <a:endParaRPr lang="en-US"/>
           </a:p>
@@ -22744,7 +23180,7 @@
             <a:fld id="{8E36636D-D922-432D-A958-524484B5923D}" type="datetimeFigureOut">
               <a:rPr lang="en-US" smtClean="0"/>
               <a:pPr/>
-              <a:t>14-Oct-20</a:t>
+              <a:t>15-Oct-20</a:t>
             </a:fld>
             <a:endParaRPr lang="en-US"/>
           </a:p>
@@ -23044,7 +23480,7 @@
             <a:fld id="{8E36636D-D922-432D-A958-524484B5923D}" type="datetimeFigureOut">
               <a:rPr lang="en-US" smtClean="0"/>
               <a:pPr/>
-              <a:t>14-Oct-20</a:t>
+              <a:t>15-Oct-20</a:t>
             </a:fld>
             <a:endParaRPr lang="en-US"/>
           </a:p>
@@ -23278,7 +23714,7 @@
             <a:fld id="{8E36636D-D922-432D-A958-524484B5923D}" type="datetimeFigureOut">
               <a:rPr lang="en-US" smtClean="0"/>
               <a:pPr/>
-              <a:t>14-Oct-20</a:t>
+              <a:t>15-Oct-20</a:t>
             </a:fld>
             <a:endParaRPr lang="en-US"/>
           </a:p>
@@ -24076,7 +24512,7 @@
     <p:bg>
       <p:bgPr>
         <a:blipFill rotWithShape="1">
-          <a:blip r:embed="rId2">
+          <a:blip r:embed="rId3">
             <a:duotone>
               <a:schemeClr val="bg2">
                 <a:shade val="80000"/>
@@ -24166,7 +24602,7 @@
           </p:nvPr>
         </p:nvPicPr>
         <p:blipFill rotWithShape="1">
-          <a:blip r:embed="rId3">
+          <a:blip r:embed="rId4">
             <a:extLst>
               <a:ext uri="{28A0092B-C50C-407E-A947-70E740481C1C}">
                 <a14:useLocalDpi xmlns:a14="http://schemas.microsoft.com/office/drawing/2010/main" val="0"/>
@@ -24202,7 +24638,7 @@
             <p:ph idx="1"/>
             <p:extLst>
               <p:ext uri="{D42A27DB-BD31-4B8C-83A1-F6EECF244321}">
-                <p14:modId xmlns:p14="http://schemas.microsoft.com/office/powerpoint/2010/main" val="448273838"/>
+                <p14:modId xmlns:p14="http://schemas.microsoft.com/office/powerpoint/2010/main" val="773790500"/>
               </p:ext>
             </p:extLst>
           </p:nvPr>
@@ -24213,7 +24649,7 @@
         </p:xfrm>
         <a:graphic>
           <a:graphicData uri="http://schemas.openxmlformats.org/drawingml/2006/diagram">
-            <dgm:relIds xmlns:dgm="http://schemas.openxmlformats.org/drawingml/2006/diagram" xmlns:r="http://schemas.openxmlformats.org/officeDocument/2006/relationships" r:dm="rId4" r:lo="rId5" r:qs="rId6" r:cs="rId7"/>
+            <dgm:relIds xmlns:dgm="http://schemas.openxmlformats.org/drawingml/2006/diagram" xmlns:r="http://schemas.openxmlformats.org/officeDocument/2006/relationships" r:dm="rId5" r:lo="rId6" r:qs="rId7" r:cs="rId8"/>
           </a:graphicData>
         </a:graphic>
       </p:graphicFrame>
@@ -25671,34 +26107,35 @@
           </a:p>
         </p:txBody>
       </p:sp>
-      <p:sp>
-        <p:nvSpPr>
-          <p:cNvPr id="3" name="Content Placeholder 2">
+      <p:pic>
+        <p:nvPicPr>
+          <p:cNvPr id="7" name="Content Placeholder 6">
             <a:extLst>
               <a:ext uri="{FF2B5EF4-FFF2-40B4-BE49-F238E27FC236}">
-                <a16:creationId xmlns:a16="http://schemas.microsoft.com/office/drawing/2014/main" id="{3589AEBD-8EFB-4BF2-A3A3-EDF2308D4351}"/>
+                <a16:creationId xmlns:a16="http://schemas.microsoft.com/office/drawing/2014/main" id="{A441D9E9-1954-40D5-8A59-A679B3186ED0}"/>
               </a:ext>
             </a:extLst>
           </p:cNvPr>
-          <p:cNvSpPr>
-            <a:spLocks noGrp="1"/>
-          </p:cNvSpPr>
+          <p:cNvPicPr>
+            <a:picLocks noGrp="1" noChangeAspect="1"/>
+          </p:cNvPicPr>
           <p:nvPr>
             <p:ph idx="1"/>
           </p:nvPr>
-        </p:nvSpPr>
-        <p:spPr/>
-        <p:txBody>
-          <a:bodyPr/>
-          <a:lstStyle/>
-          <a:p>
-            <a:pPr marL="36900" indent="0" algn="ctr">
-              <a:buNone/>
-            </a:pPr>
-            <a:endParaRPr lang="en-US" dirty="0"/>
-          </a:p>
-        </p:txBody>
-      </p:sp>
+        </p:nvPicPr>
+        <p:blipFill>
+          <a:blip r:embed="rId2"/>
+          <a:stretch>
+            <a:fillRect/>
+          </a:stretch>
+        </p:blipFill>
+        <p:spPr>
+          <a:xfrm>
+            <a:off x="847212" y="1624319"/>
+            <a:ext cx="4315427" cy="3801005"/>
+          </a:xfrm>
+        </p:spPr>
+      </p:pic>
       <p:pic>
         <p:nvPicPr>
           <p:cNvPr id="5" name="Picture 4" descr="Text&#10;&#10;Description automatically generated">
@@ -25714,14 +26151,14 @@
           <p:nvPr/>
         </p:nvPicPr>
         <p:blipFill>
-          <a:blip r:embed="rId2"/>
+          <a:blip r:embed="rId3"/>
           <a:stretch>
             <a:fillRect/>
           </a:stretch>
         </p:blipFill>
         <p:spPr>
           <a:xfrm>
-            <a:off x="924443" y="2687863"/>
+            <a:off x="6943502" y="1810399"/>
             <a:ext cx="4003470" cy="2317195"/>
           </a:xfrm>
           <a:prstGeom prst="rect">
@@ -25744,14 +26181,14 @@
           <p:nvPr/>
         </p:nvPicPr>
         <p:blipFill>
-          <a:blip r:embed="rId3"/>
+          <a:blip r:embed="rId4"/>
           <a:stretch>
             <a:fillRect/>
           </a:stretch>
         </p:blipFill>
         <p:spPr>
           <a:xfrm>
-            <a:off x="5656885" y="3094602"/>
+            <a:off x="5656885" y="4279993"/>
             <a:ext cx="5610672" cy="1145331"/>
           </a:xfrm>
           <a:prstGeom prst="rect">
@@ -25803,7 +26240,7 @@
                                           </p:stCondLst>
                                         </p:cTn>
                                         <p:tgtEl>
-                                          <p:spTgt spid="5"/>
+                                          <p:spTgt spid="7"/>
                                         </p:tgtEl>
                                         <p:attrNameLst>
                                           <p:attrName>style.visibility</p:attrName>
@@ -25817,7 +26254,7 @@
                                       <p:cBhvr>
                                         <p:cTn id="7" dur="500"/>
                                         <p:tgtEl>
-                                          <p:spTgt spid="5"/>
+                                          <p:spTgt spid="7"/>
                                         </p:tgtEl>
                                       </p:cBhvr>
                                     </p:animEffect>
@@ -25856,6 +26293,59 @@
                                           </p:stCondLst>
                                         </p:cTn>
                                         <p:tgtEl>
+                                          <p:spTgt spid="5"/>
+                                        </p:tgtEl>
+                                        <p:attrNameLst>
+                                          <p:attrName>style.visibility</p:attrName>
+                                        </p:attrNameLst>
+                                      </p:cBhvr>
+                                      <p:to>
+                                        <p:strVal val="visible"/>
+                                      </p:to>
+                                    </p:set>
+                                    <p:animEffect transition="in" filter="fade">
+                                      <p:cBhvr>
+                                        <p:cTn id="12" dur="500"/>
+                                        <p:tgtEl>
+                                          <p:spTgt spid="5"/>
+                                        </p:tgtEl>
+                                      </p:cBhvr>
+                                    </p:animEffect>
+                                  </p:childTnLst>
+                                </p:cTn>
+                              </p:par>
+                            </p:childTnLst>
+                          </p:cTn>
+                        </p:par>
+                      </p:childTnLst>
+                    </p:cTn>
+                  </p:par>
+                  <p:par>
+                    <p:cTn id="13" fill="hold">
+                      <p:stCondLst>
+                        <p:cond delay="indefinite"/>
+                      </p:stCondLst>
+                      <p:childTnLst>
+                        <p:par>
+                          <p:cTn id="14" fill="hold">
+                            <p:stCondLst>
+                              <p:cond delay="0"/>
+                            </p:stCondLst>
+                            <p:childTnLst>
+                              <p:par>
+                                <p:cTn id="15" presetID="10" presetClass="entr" presetSubtype="0" fill="hold" nodeType="clickEffect">
+                                  <p:stCondLst>
+                                    <p:cond delay="0"/>
+                                  </p:stCondLst>
+                                  <p:childTnLst>
+                                    <p:set>
+                                      <p:cBhvr>
+                                        <p:cTn id="16" dur="1" fill="hold">
+                                          <p:stCondLst>
+                                            <p:cond delay="0"/>
+                                          </p:stCondLst>
+                                        </p:cTn>
+                                        <p:tgtEl>
                                           <p:spTgt spid="4"/>
                                         </p:tgtEl>
                                         <p:attrNameLst>
@@ -25868,7 +26358,7 @@
                                     </p:set>
                                     <p:animEffect transition="in" filter="fade">
                                       <p:cBhvr>
-                                        <p:cTn id="12" dur="500"/>
+                                        <p:cTn id="17" dur="500"/>
                                         <p:tgtEl>
                                           <p:spTgt spid="4"/>
                                         </p:tgtEl>
@@ -26001,8 +26491,38 @@
         </p:blipFill>
         <p:spPr>
           <a:xfrm>
-            <a:off x="1783965" y="3184780"/>
+            <a:off x="2054101" y="5342053"/>
             <a:ext cx="8073149" cy="665995"/>
+          </a:xfrm>
+          <a:prstGeom prst="rect">
+            <a:avLst/>
+          </a:prstGeom>
+        </p:spPr>
+      </p:pic>
+      <p:pic>
+        <p:nvPicPr>
+          <p:cNvPr id="5" name="Picture 4">
+            <a:extLst>
+              <a:ext uri="{FF2B5EF4-FFF2-40B4-BE49-F238E27FC236}">
+                <a16:creationId xmlns:a16="http://schemas.microsoft.com/office/drawing/2014/main" id="{5D21DAC7-D3D3-4E84-A80F-66823C05BBD1}"/>
+              </a:ext>
+            </a:extLst>
+          </p:cNvPr>
+          <p:cNvPicPr>
+            <a:picLocks noChangeAspect="1"/>
+          </p:cNvPicPr>
+          <p:nvPr/>
+        </p:nvPicPr>
+        <p:blipFill>
+          <a:blip r:embed="rId4"/>
+          <a:stretch>
+            <a:fillRect/>
+          </a:stretch>
+        </p:blipFill>
+        <p:spPr>
+          <a:xfrm>
+            <a:off x="2054100" y="2757393"/>
+            <a:ext cx="8073149" cy="1903383"/>
           </a:xfrm>
           <a:prstGeom prst="rect">
             <a:avLst/>
@@ -26262,4 +26782,299 @@
     </a:ext>
   </a:extLst>
 </a:theme>
+</file>
+
+<file path=ppt/theme/theme2.xml><?xml version="1.0" encoding="utf-8"?>
+<a:theme xmlns:a="http://schemas.openxmlformats.org/drawingml/2006/main" name="Office Theme">
+  <a:themeElements>
+    <a:clrScheme name="Office">
+      <a:dk1>
+        <a:sysClr val="windowText" lastClr="000000"/>
+      </a:dk1>
+      <a:lt1>
+        <a:sysClr val="window" lastClr="FFFFFF"/>
+      </a:lt1>
+      <a:dk2>
+        <a:srgbClr val="44546A"/>
+      </a:dk2>
+      <a:lt2>
+        <a:srgbClr val="E7E6E6"/>
+      </a:lt2>
+      <a:accent1>
+        <a:srgbClr val="4472C4"/>
+      </a:accent1>
+      <a:accent2>
+        <a:srgbClr val="ED7D31"/>
+      </a:accent2>
+      <a:accent3>
+        <a:srgbClr val="A5A5A5"/>
+      </a:accent3>
+      <a:accent4>
+        <a:srgbClr val="FFC000"/>
+      </a:accent4>
+      <a:accent5>
+        <a:srgbClr val="5B9BD5"/>
+      </a:accent5>
+      <a:accent6>
+        <a:srgbClr val="70AD47"/>
+      </a:accent6>
+      <a:hlink>
+        <a:srgbClr val="0563C1"/>
+      </a:hlink>
+      <a:folHlink>
+        <a:srgbClr val="954F72"/>
+      </a:folHlink>
+    </a:clrScheme>
+    <a:fontScheme name="Office">
+      <a:majorFont>
+        <a:latin typeface="Calibri Light" panose="020F0302020204030204"/>
+        <a:ea typeface=""/>
+        <a:cs typeface=""/>
+        <a:font script="Jpan" typeface="游ゴシック Light"/>
+        <a:font script="Hang" typeface="맑은 고딕"/>
+        <a:font script="Hans" typeface="等线 Light"/>
+        <a:font script="Hant" typeface="新細明體"/>
+        <a:font script="Arab" typeface="Times New Roman"/>
+        <a:font script="Hebr" typeface="Times New Roman"/>
+        <a:font script="Thai" typeface="Angsana New"/>
+        <a:font script="Ethi" typeface="Nyala"/>
+        <a:font script="Beng" typeface="Vrinda"/>
+        <a:font script="Gujr" typeface="Shruti"/>
+        <a:font script="Khmr" typeface="MoolBoran"/>
+        <a:font script="Knda" typeface="Tunga"/>
+        <a:font script="Guru" typeface="Raavi"/>
+        <a:font script="Cans" typeface="Euphemia"/>
+        <a:font script="Cher" typeface="Plantagenet Cherokee"/>
+        <a:font script="Yiii" typeface="Microsoft Yi Baiti"/>
+        <a:font script="Tibt" typeface="Microsoft Himalaya"/>
+        <a:font script="Thaa" typeface="MV Boli"/>
+        <a:font script="Deva" typeface="Mangal"/>
+        <a:font script="Telu" typeface="Gautami"/>
+        <a:font script="Taml" typeface="Latha"/>
+        <a:font script="Syrc" typeface="Estrangelo Edessa"/>
+        <a:font script="Orya" typeface="Kalinga"/>
+        <a:font script="Mlym" typeface="Kartika"/>
+        <a:font script="Laoo" typeface="DokChampa"/>
+        <a:font script="Sinh" typeface="Iskoola Pota"/>
+        <a:font script="Mong" typeface="Mongolian Baiti"/>
+        <a:font script="Viet" typeface="Times New Roman"/>
+        <a:font script="Uigh" typeface="Microsoft Uighur"/>
+        <a:font script="Geor" typeface="Sylfaen"/>
+        <a:font script="Armn" typeface="Arial"/>
+        <a:font script="Bugi" typeface="Leelawadee UI"/>
+        <a:font script="Bopo" typeface="Microsoft JhengHei"/>
+        <a:font script="Java" typeface="Javanese Text"/>
+        <a:font script="Lisu" typeface="Segoe UI"/>
+        <a:font script="Mymr" typeface="Myanmar Text"/>
+        <a:font script="Nkoo" typeface="Ebrima"/>
+        <a:font script="Olck" typeface="Nirmala UI"/>
+        <a:font script="Osma" typeface="Ebrima"/>
+        <a:font script="Phag" typeface="Phagspa"/>
+        <a:font script="Syrn" typeface="Estrangelo Edessa"/>
+        <a:font script="Syrj" typeface="Estrangelo Edessa"/>
+        <a:font script="Syre" typeface="Estrangelo Edessa"/>
+        <a:font script="Sora" typeface="Nirmala UI"/>
+        <a:font script="Tale" typeface="Microsoft Tai Le"/>
+        <a:font script="Talu" typeface="Microsoft New Tai Lue"/>
+        <a:font script="Tfng" typeface="Ebrima"/>
+      </a:majorFont>
+      <a:minorFont>
+        <a:latin typeface="Calibri" panose="020F0502020204030204"/>
+        <a:ea typeface=""/>
+        <a:cs typeface=""/>
+        <a:font script="Jpan" typeface="游ゴシック"/>
+        <a:font script="Hang" typeface="맑은 고딕"/>
+        <a:font script="Hans" typeface="等线"/>
+        <a:font script="Hant" typeface="新細明體"/>
+        <a:font script="Arab" typeface="Arial"/>
+        <a:font script="Hebr" typeface="Arial"/>
+        <a:font script="Thai" typeface="Cordia New"/>
+        <a:font script="Ethi" typeface="Nyala"/>
+        <a:font script="Beng" typeface="Vrinda"/>
+        <a:font script="Gujr" typeface="Shruti"/>
+        <a:font script="Khmr" typeface="DaunPenh"/>
+        <a:font script="Knda" typeface="Tunga"/>
+        <a:font script="Guru" typeface="Raavi"/>
+        <a:font script="Cans" typeface="Euphemia"/>
+        <a:font script="Cher" typeface="Plantagenet Cherokee"/>
+        <a:font script="Yiii" typeface="Microsoft Yi Baiti"/>
+        <a:font script="Tibt" typeface="Microsoft Himalaya"/>
+        <a:font script="Thaa" typeface="MV Boli"/>
+        <a:font script="Deva" typeface="Mangal"/>
+        <a:font script="Telu" typeface="Gautami"/>
+        <a:font script="Taml" typeface="Latha"/>
+        <a:font script="Syrc" typeface="Estrangelo Edessa"/>
+        <a:font script="Orya" typeface="Kalinga"/>
+        <a:font script="Mlym" typeface="Kartika"/>
+        <a:font script="Laoo" typeface="DokChampa"/>
+        <a:font script="Sinh" typeface="Iskoola Pota"/>
+        <a:font script="Mong" typeface="Mongolian Baiti"/>
+        <a:font script="Viet" typeface="Arial"/>
+        <a:font script="Uigh" typeface="Microsoft Uighur"/>
+        <a:font script="Geor" typeface="Sylfaen"/>
+        <a:font script="Armn" typeface="Arial"/>
+        <a:font script="Bugi" typeface="Leelawadee UI"/>
+        <a:font script="Bopo" typeface="Microsoft JhengHei"/>
+        <a:font script="Java" typeface="Javanese Text"/>
+        <a:font script="Lisu" typeface="Segoe UI"/>
+        <a:font script="Mymr" typeface="Myanmar Text"/>
+        <a:font script="Nkoo" typeface="Ebrima"/>
+        <a:font script="Olck" typeface="Nirmala UI"/>
+        <a:font script="Osma" typeface="Ebrima"/>
+        <a:font script="Phag" typeface="Phagspa"/>
+        <a:font script="Syrn" typeface="Estrangelo Edessa"/>
+        <a:font script="Syrj" typeface="Estrangelo Edessa"/>
+        <a:font script="Syre" typeface="Estrangelo Edessa"/>
+        <a:font script="Sora" typeface="Nirmala UI"/>
+        <a:font script="Tale" typeface="Microsoft Tai Le"/>
+        <a:font script="Talu" typeface="Microsoft New Tai Lue"/>
+        <a:font script="Tfng" typeface="Ebrima"/>
+      </a:minorFont>
+    </a:fontScheme>
+    <a:fmtScheme name="Office">
+      <a:fillStyleLst>
+        <a:solidFill>
+          <a:schemeClr val="phClr"/>
+        </a:solidFill>
+        <a:gradFill rotWithShape="1">
+          <a:gsLst>
+            <a:gs pos="0">
+              <a:schemeClr val="phClr">
+                <a:lumMod val="110000"/>
+                <a:satMod val="105000"/>
+                <a:tint val="67000"/>
+              </a:schemeClr>
+            </a:gs>
+            <a:gs pos="50000">
+              <a:schemeClr val="phClr">
+                <a:lumMod val="105000"/>
+                <a:satMod val="103000"/>
+                <a:tint val="73000"/>
+              </a:schemeClr>
+            </a:gs>
+            <a:gs pos="100000">
+              <a:schemeClr val="phClr">
+                <a:lumMod val="105000"/>
+                <a:satMod val="109000"/>
+                <a:tint val="81000"/>
+              </a:schemeClr>
+            </a:gs>
+          </a:gsLst>
+          <a:lin ang="5400000" scaled="0"/>
+        </a:gradFill>
+        <a:gradFill rotWithShape="1">
+          <a:gsLst>
+            <a:gs pos="0">
+              <a:schemeClr val="phClr">
+                <a:satMod val="103000"/>
+                <a:lumMod val="102000"/>
+                <a:tint val="94000"/>
+              </a:schemeClr>
+            </a:gs>
+            <a:gs pos="50000">
+              <a:schemeClr val="phClr">
+                <a:satMod val="110000"/>
+                <a:lumMod val="100000"/>
+                <a:shade val="100000"/>
+              </a:schemeClr>
+            </a:gs>
+            <a:gs pos="100000">
+              <a:schemeClr val="phClr">
+                <a:lumMod val="99000"/>
+                <a:satMod val="120000"/>
+                <a:shade val="78000"/>
+              </a:schemeClr>
+            </a:gs>
+          </a:gsLst>
+          <a:lin ang="5400000" scaled="0"/>
+        </a:gradFill>
+      </a:fillStyleLst>
+      <a:lnStyleLst>
+        <a:ln w="6350" cap="flat" cmpd="sng" algn="ctr">
+          <a:solidFill>
+            <a:schemeClr val="phClr"/>
+          </a:solidFill>
+          <a:prstDash val="solid"/>
+          <a:miter lim="800000"/>
+        </a:ln>
+        <a:ln w="12700" cap="flat" cmpd="sng" algn="ctr">
+          <a:solidFill>
+            <a:schemeClr val="phClr"/>
+          </a:solidFill>
+          <a:prstDash val="solid"/>
+          <a:miter lim="800000"/>
+        </a:ln>
+        <a:ln w="19050" cap="flat" cmpd="sng" algn="ctr">
+          <a:solidFill>
+            <a:schemeClr val="phClr"/>
+          </a:solidFill>
+          <a:prstDash val="solid"/>
+          <a:miter lim="800000"/>
+        </a:ln>
+      </a:lnStyleLst>
+      <a:effectStyleLst>
+        <a:effectStyle>
+          <a:effectLst/>
+        </a:effectStyle>
+        <a:effectStyle>
+          <a:effectLst/>
+        </a:effectStyle>
+        <a:effectStyle>
+          <a:effectLst>
+            <a:outerShdw blurRad="57150" dist="19050" dir="5400000" algn="ctr" rotWithShape="0">
+              <a:srgbClr val="000000">
+                <a:alpha val="63000"/>
+              </a:srgbClr>
+            </a:outerShdw>
+          </a:effectLst>
+        </a:effectStyle>
+      </a:effectStyleLst>
+      <a:bgFillStyleLst>
+        <a:solidFill>
+          <a:schemeClr val="phClr"/>
+        </a:solidFill>
+        <a:solidFill>
+          <a:schemeClr val="phClr">
+            <a:tint val="95000"/>
+            <a:satMod val="170000"/>
+          </a:schemeClr>
+        </a:solidFill>
+        <a:gradFill rotWithShape="1">
+          <a:gsLst>
+            <a:gs pos="0">
+              <a:schemeClr val="phClr">
+                <a:tint val="93000"/>
+                <a:satMod val="150000"/>
+                <a:shade val="98000"/>
+                <a:lumMod val="102000"/>
+              </a:schemeClr>
+            </a:gs>
+            <a:gs pos="50000">
+              <a:schemeClr val="phClr">
+                <a:tint val="98000"/>
+                <a:satMod val="130000"/>
+                <a:shade val="90000"/>
+                <a:lumMod val="103000"/>
+              </a:schemeClr>
+            </a:gs>
+            <a:gs pos="100000">
+              <a:schemeClr val="phClr">
+                <a:shade val="63000"/>
+                <a:satMod val="120000"/>
+              </a:schemeClr>
+            </a:gs>
+          </a:gsLst>
+          <a:lin ang="5400000" scaled="0"/>
+        </a:gradFill>
+      </a:bgFillStyleLst>
+    </a:fmtScheme>
+  </a:themeElements>
+  <a:objectDefaults/>
+  <a:extraClrSchemeLst/>
+  <a:extLst>
+    <a:ext uri="{05A4C25C-085E-4340-85A3-A5531E510DB2}">
+      <thm15:themeFamily xmlns:thm15="http://schemas.microsoft.com/office/thememl/2012/main" name="Office Theme" id="{62F939B6-93AF-4DB8-9C6B-D6C7DFDC589F}" vid="{4A3C46E8-61CC-4603-A589-7422A47A8E4A}"/>
+    </a:ext>
+  </a:extLst>
+</a:theme>
 </file>
--- a/E1/Esercitazione 1.pptx
+++ b/E1/Esercitazione 1.pptx
@@ -26101,7 +26101,7 @@
           <a:p>
             <a:r>
               <a:rPr lang="it-IT" sz="4000" dirty="0"/>
-              <a:t>Qunato è efficente la nostra soluzione?</a:t>
+              <a:t>Quanto è efficiente la nostra soluzione?</a:t>
             </a:r>
             <a:endParaRPr lang="en-US" dirty="0"/>
           </a:p>
